--- a/UserStories.pptx
+++ b/UserStories.pptx
@@ -105,6 +105,11 @@
       </a:defRPr>
     </a:lvl9pPr>
   </p:defaultTextStyle>
+  <p:extLst>
+    <p:ext uri="{EFAFB233-063F-42B5-8137-9DF3F51BA10A}">
+      <p15:sldGuideLst xmlns:p15="http://schemas.microsoft.com/office/powerpoint/2012/main"/>
+    </p:ext>
+  </p:extLst>
 </p:presentation>
 </file>
 
@@ -3720,7 +3725,7 @@
           <p:nvPr>
             <p:extLst>
               <p:ext uri="{D42A27DB-BD31-4B8C-83A1-F6EECF244321}">
-                <p14:modId xmlns:p14="http://schemas.microsoft.com/office/powerpoint/2010/main" val="516746579"/>
+                <p14:modId xmlns:p14="http://schemas.microsoft.com/office/powerpoint/2010/main" val="3425632676"/>
               </p:ext>
             </p:extLst>
           </p:nvPr>
@@ -3752,11 +3757,7 @@
                     <a:p>
                       <a:r>
                         <a:rPr lang="nl-NL" dirty="0" smtClean="0"/>
-                        <a:t>Als</a:t>
-                      </a:r>
-                      <a:r>
-                        <a:rPr lang="nl-NL" baseline="0" dirty="0" smtClean="0"/>
-                        <a:t> Speler</a:t>
+                        <a:t>Als winnaar</a:t>
                       </a:r>
                       <a:endParaRPr lang="nl-BE" dirty="0"/>
                     </a:p>
@@ -3777,7 +3778,15 @@
                     <a:p>
                       <a:r>
                         <a:rPr lang="nl-NL" dirty="0" smtClean="0"/>
-                        <a:t>Wil ik</a:t>
+                        <a:t>Wil </a:t>
+                      </a:r>
+                      <a:r>
+                        <a:rPr lang="nl-NL" dirty="0" smtClean="0"/>
+                        <a:t>ik een overwinning scherm</a:t>
+                      </a:r>
+                      <a:r>
+                        <a:rPr lang="nl-NL" baseline="0" dirty="0" smtClean="0"/>
+                        <a:t> zien</a:t>
                       </a:r>
                       <a:endParaRPr lang="nl-BE" dirty="0"/>
                     </a:p>
@@ -3802,7 +3811,11 @@
                       </a:r>
                       <a:r>
                         <a:rPr lang="nl-NL" baseline="0" dirty="0" smtClean="0"/>
-                        <a:t> ik</a:t>
+                        <a:t> </a:t>
+                      </a:r>
+                      <a:r>
+                        <a:rPr lang="nl-NL" baseline="0" dirty="0" smtClean="0"/>
+                        <a:t>ik weet dat ik heb gewonnen</a:t>
                       </a:r>
                       <a:endParaRPr lang="nl-BE" dirty="0"/>
                     </a:p>
@@ -3828,7 +3841,7 @@
           <p:nvPr>
             <p:extLst>
               <p:ext uri="{D42A27DB-BD31-4B8C-83A1-F6EECF244321}">
-                <p14:modId xmlns:p14="http://schemas.microsoft.com/office/powerpoint/2010/main" val="2711679735"/>
+                <p14:modId xmlns:p14="http://schemas.microsoft.com/office/powerpoint/2010/main" val="1255932179"/>
               </p:ext>
             </p:extLst>
           </p:nvPr>
@@ -3860,11 +3873,11 @@
                     <a:p>
                       <a:r>
                         <a:rPr lang="nl-NL" dirty="0" smtClean="0"/>
-                        <a:t>Als</a:t>
+                        <a:t>Als verliezer</a:t>
                       </a:r>
                       <a:r>
                         <a:rPr lang="nl-NL" baseline="0" dirty="0" smtClean="0"/>
-                        <a:t> Speler </a:t>
+                        <a:t> </a:t>
                       </a:r>
                       <a:endParaRPr lang="nl-BE" dirty="0"/>
                     </a:p>
@@ -3885,7 +3898,19 @@
                     <a:p>
                       <a:r>
                         <a:rPr lang="nl-NL" dirty="0" smtClean="0"/>
-                        <a:t>Wil ik</a:t>
+                        <a:t>Wil </a:t>
+                      </a:r>
+                      <a:r>
+                        <a:rPr lang="nl-NL" dirty="0" smtClean="0"/>
+                        <a:t>ik </a:t>
+                      </a:r>
+                      <a:r>
+                        <a:rPr lang="nl-NL" smtClean="0"/>
+                        <a:t>een</a:t>
+                      </a:r>
+                      <a:r>
+                        <a:rPr lang="nl-NL" baseline="0" smtClean="0"/>
+                        <a:t> verlies scherm </a:t>
                       </a:r>
                       <a:endParaRPr lang="nl-BE" dirty="0"/>
                     </a:p>
@@ -3936,7 +3961,7 @@
           <p:nvPr>
             <p:extLst>
               <p:ext uri="{D42A27DB-BD31-4B8C-83A1-F6EECF244321}">
-                <p14:modId xmlns:p14="http://schemas.microsoft.com/office/powerpoint/2010/main" val="2122375290"/>
+                <p14:modId xmlns:p14="http://schemas.microsoft.com/office/powerpoint/2010/main" val="2281060155"/>
               </p:ext>
             </p:extLst>
           </p:nvPr>
@@ -3970,10 +3995,6 @@
                         <a:rPr lang="nl-NL" dirty="0" smtClean="0"/>
                         <a:t>Als</a:t>
                       </a:r>
-                      <a:r>
-                        <a:rPr lang="nl-NL" baseline="0" dirty="0" smtClean="0"/>
-                        <a:t> Speler </a:t>
-                      </a:r>
                       <a:endParaRPr lang="nl-BE" dirty="0"/>
                     </a:p>
                   </a:txBody>
@@ -4044,7 +4065,7 @@
           <p:nvPr>
             <p:extLst>
               <p:ext uri="{D42A27DB-BD31-4B8C-83A1-F6EECF244321}">
-                <p14:modId xmlns:p14="http://schemas.microsoft.com/office/powerpoint/2010/main" val="3938654609"/>
+                <p14:modId xmlns:p14="http://schemas.microsoft.com/office/powerpoint/2010/main" val="3003799292"/>
               </p:ext>
             </p:extLst>
           </p:nvPr>
@@ -4074,15 +4095,32 @@
                     <a:bodyPr/>
                     <a:lstStyle/>
                     <a:p>
+                      <a:pPr marL="0" marR="0" lvl="0" indent="0" algn="l" defTabSz="914400" rtl="0" eaLnBrk="1" fontAlgn="auto" latinLnBrk="0" hangingPunct="1">
+                        <a:lnSpc>
+                          <a:spcPct val="100000"/>
+                        </a:lnSpc>
+                        <a:spcBef>
+                          <a:spcPts val="0"/>
+                        </a:spcBef>
+                        <a:spcAft>
+                          <a:spcPts val="0"/>
+                        </a:spcAft>
+                        <a:buClrTx/>
+                        <a:buSzTx/>
+                        <a:buFontTx/>
+                        <a:buNone/>
+                        <a:tabLst/>
+                        <a:defRPr/>
+                      </a:pPr>
                       <a:r>
                         <a:rPr lang="nl-NL" dirty="0" smtClean="0"/>
                         <a:t>Als</a:t>
                       </a:r>
                       <a:r>
                         <a:rPr lang="nl-NL" baseline="0" dirty="0" smtClean="0"/>
-                        <a:t> Speler </a:t>
-                      </a:r>
-                      <a:endParaRPr lang="nl-BE" dirty="0"/>
+                        <a:t> </a:t>
+                      </a:r>
+                      <a:endParaRPr lang="nl-BE" dirty="0" smtClean="0"/>
                     </a:p>
                   </a:txBody>
                   <a:tcPr/>
@@ -4101,7 +4139,11 @@
                     <a:p>
                       <a:r>
                         <a:rPr lang="nl-NL" dirty="0" smtClean="0"/>
-                        <a:t>Wil ik mijn paard kunnen verkopen</a:t>
+                        <a:t>Wil </a:t>
+                      </a:r>
+                      <a:r>
+                        <a:rPr lang="nl-NL" dirty="0" smtClean="0"/>
+                        <a:t>ik</a:t>
                       </a:r>
                       <a:endParaRPr lang="nl-BE" dirty="0"/>
                     </a:p>
@@ -4126,7 +4168,11 @@
                       </a:r>
                       <a:r>
                         <a:rPr lang="nl-NL" baseline="0" dirty="0" smtClean="0"/>
-                        <a:t> ik andere paarden kan kopen</a:t>
+                        <a:t> </a:t>
+                      </a:r>
+                      <a:r>
+                        <a:rPr lang="nl-NL" baseline="0" dirty="0" smtClean="0"/>
+                        <a:t>ik </a:t>
                       </a:r>
                       <a:endParaRPr lang="nl-BE" dirty="0"/>
                     </a:p>

--- a/UserStories.pptx
+++ b/UserStories.pptx
@@ -7,6 +7,7 @@
   <p:sldIdLst>
     <p:sldId id="256" r:id="rId2"/>
     <p:sldId id="257" r:id="rId3"/>
+    <p:sldId id="258" r:id="rId4"/>
   </p:sldIdLst>
   <p:sldSz cx="12192000" cy="6858000"/>
   <p:notesSz cx="6858000" cy="9144000"/>
@@ -276,7 +277,7 @@
           <a:p>
             <a:fld id="{1160EA64-D806-43AC-9DF2-F8C432F32B4C}" type="datetimeFigureOut">
               <a:rPr lang="en-US" dirty="0"/>
-              <a:t>1/31/2020</a:t>
+              <a:t>2/4/2020</a:t>
             </a:fld>
             <a:endParaRPr lang="en-US" dirty="0"/>
           </a:p>
@@ -442,7 +443,7 @@
           <a:p>
             <a:fld id="{E9F9C37B-1D36-470B-8223-D6C91242EC14}" type="datetimeFigureOut">
               <a:rPr lang="en-US" dirty="0"/>
-              <a:t>1/31/2020</a:t>
+              <a:t>2/4/2020</a:t>
             </a:fld>
             <a:endParaRPr lang="en-US" dirty="0"/>
           </a:p>
@@ -617,7 +618,7 @@
           <a:p>
             <a:fld id="{67C6F52A-A82B-47A2-A83A-8C4C91F2D59F}" type="datetimeFigureOut">
               <a:rPr lang="en-US" dirty="0"/>
-              <a:t>1/31/2020</a:t>
+              <a:t>2/4/2020</a:t>
             </a:fld>
             <a:endParaRPr lang="en-US" dirty="0"/>
           </a:p>
@@ -782,7 +783,7 @@
           <a:p>
             <a:fld id="{F070A7B3-6521-4DCA-87E5-044747A908C1}" type="datetimeFigureOut">
               <a:rPr lang="en-US" dirty="0"/>
-              <a:t>1/31/2020</a:t>
+              <a:t>2/4/2020</a:t>
             </a:fld>
             <a:endParaRPr lang="en-US" dirty="0"/>
           </a:p>
@@ -1046,7 +1047,7 @@
           <a:p>
             <a:fld id="{1160EA64-D806-43AC-9DF2-F8C432F32B4C}" type="datetimeFigureOut">
               <a:rPr lang="en-US" dirty="0"/>
-              <a:t>1/31/2020</a:t>
+              <a:t>2/4/2020</a:t>
             </a:fld>
             <a:endParaRPr lang="en-US" dirty="0"/>
           </a:p>
@@ -1274,7 +1275,7 @@
           <a:p>
             <a:fld id="{AB134690-1557-4C89-A502-4959FE7FAD70}" type="datetimeFigureOut">
               <a:rPr lang="en-US" dirty="0"/>
-              <a:t>1/31/2020</a:t>
+              <a:t>2/4/2020</a:t>
             </a:fld>
             <a:endParaRPr lang="en-US" dirty="0"/>
           </a:p>
@@ -1624,7 +1625,7 @@
           <a:p>
             <a:fld id="{4F7D4976-E339-4826-83B7-FBD03F55ECF8}" type="datetimeFigureOut">
               <a:rPr lang="en-US" dirty="0"/>
-              <a:t>1/31/2020</a:t>
+              <a:t>2/4/2020</a:t>
             </a:fld>
             <a:endParaRPr lang="en-US" dirty="0"/>
           </a:p>
@@ -1760,7 +1761,7 @@
           <a:p>
             <a:fld id="{E1037C31-9E7A-4F99-8774-A0E530DE1A42}" type="datetimeFigureOut">
               <a:rPr lang="en-US" dirty="0"/>
-              <a:t>1/31/2020</a:t>
+              <a:t>2/4/2020</a:t>
             </a:fld>
             <a:endParaRPr lang="en-US" dirty="0"/>
           </a:p>
@@ -1850,7 +1851,7 @@
           <a:p>
             <a:fld id="{C278504F-A551-4DE0-9316-4DCD1D8CC752}" type="datetimeFigureOut">
               <a:rPr lang="en-US" dirty="0"/>
-              <a:t>1/31/2020</a:t>
+              <a:t>2/4/2020</a:t>
             </a:fld>
             <a:endParaRPr lang="en-US" dirty="0"/>
           </a:p>
@@ -2202,7 +2203,7 @@
           <a:p>
             <a:fld id="{1160EA64-D806-43AC-9DF2-F8C432F32B4C}" type="datetimeFigureOut">
               <a:rPr lang="en-US" dirty="0"/>
-              <a:t>1/31/2020</a:t>
+              <a:t>2/4/2020</a:t>
             </a:fld>
             <a:endParaRPr lang="en-US" dirty="0"/>
           </a:p>
@@ -2555,7 +2556,7 @@
             <a:fld id="{1160EA64-D806-43AC-9DF2-F8C432F32B4C}" type="datetimeFigureOut">
               <a:rPr lang="en-US" dirty="0"/>
               <a:pPr/>
-              <a:t>1/31/2020</a:t>
+              <a:t>2/4/2020</a:t>
             </a:fld>
             <a:endParaRPr lang="en-US" dirty="0"/>
           </a:p>
@@ -2790,7 +2791,7 @@
           <a:p>
             <a:fld id="{1160EA64-D806-43AC-9DF2-F8C432F32B4C}" type="datetimeFigureOut">
               <a:rPr lang="en-US" dirty="0"/>
-              <a:t>1/31/2020</a:t>
+              <a:t>2/4/2020</a:t>
             </a:fld>
             <a:endParaRPr lang="en-US" dirty="0"/>
           </a:p>
@@ -3778,11 +3779,7 @@
                     <a:p>
                       <a:r>
                         <a:rPr lang="nl-NL" dirty="0" smtClean="0"/>
-                        <a:t>Wil </a:t>
-                      </a:r>
-                      <a:r>
-                        <a:rPr lang="nl-NL" dirty="0" smtClean="0"/>
-                        <a:t>ik een overwinning scherm</a:t>
+                        <a:t>Wil ik een overwinning scherm</a:t>
                       </a:r>
                       <a:r>
                         <a:rPr lang="nl-NL" baseline="0" dirty="0" smtClean="0"/>
@@ -3811,11 +3808,7 @@
                       </a:r>
                       <a:r>
                         <a:rPr lang="nl-NL" baseline="0" dirty="0" smtClean="0"/>
-                        <a:t> </a:t>
-                      </a:r>
-                      <a:r>
-                        <a:rPr lang="nl-NL" baseline="0" dirty="0" smtClean="0"/>
-                        <a:t>ik weet dat ik heb gewonnen</a:t>
+                        <a:t> ik weet dat ik heb gewonnen</a:t>
                       </a:r>
                       <a:endParaRPr lang="nl-BE" dirty="0"/>
                     </a:p>
@@ -3841,7 +3834,7 @@
           <p:nvPr>
             <p:extLst>
               <p:ext uri="{D42A27DB-BD31-4B8C-83A1-F6EECF244321}">
-                <p14:modId xmlns:p14="http://schemas.microsoft.com/office/powerpoint/2010/main" val="1255932179"/>
+                <p14:modId xmlns:p14="http://schemas.microsoft.com/office/powerpoint/2010/main" val="968407981"/>
               </p:ext>
             </p:extLst>
           </p:nvPr>
@@ -3898,11 +3891,7 @@
                     <a:p>
                       <a:r>
                         <a:rPr lang="nl-NL" dirty="0" smtClean="0"/>
-                        <a:t>Wil </a:t>
-                      </a:r>
-                      <a:r>
-                        <a:rPr lang="nl-NL" dirty="0" smtClean="0"/>
-                        <a:t>ik </a:t>
+                        <a:t>Wil ik </a:t>
                       </a:r>
                       <a:r>
                         <a:rPr lang="nl-NL" smtClean="0"/>
@@ -3935,7 +3924,11 @@
                       </a:r>
                       <a:r>
                         <a:rPr lang="nl-NL" baseline="0" dirty="0" smtClean="0"/>
-                        <a:t> ik</a:t>
+                        <a:t> </a:t>
+                      </a:r>
+                      <a:r>
+                        <a:rPr lang="nl-NL" baseline="0" dirty="0" smtClean="0"/>
+                        <a:t>ik weet dat ik heb verloren</a:t>
                       </a:r>
                       <a:endParaRPr lang="nl-BE" dirty="0"/>
                     </a:p>
@@ -3961,7 +3954,7 @@
           <p:nvPr>
             <p:extLst>
               <p:ext uri="{D42A27DB-BD31-4B8C-83A1-F6EECF244321}">
-                <p14:modId xmlns:p14="http://schemas.microsoft.com/office/powerpoint/2010/main" val="2281060155"/>
+                <p14:modId xmlns:p14="http://schemas.microsoft.com/office/powerpoint/2010/main" val="2732570175"/>
               </p:ext>
             </p:extLst>
           </p:nvPr>
@@ -3993,7 +3986,7 @@
                     <a:p>
                       <a:r>
                         <a:rPr lang="nl-NL" dirty="0" smtClean="0"/>
-                        <a:t>Als</a:t>
+                        <a:t>Als Speler</a:t>
                       </a:r>
                       <a:endParaRPr lang="nl-BE" dirty="0"/>
                     </a:p>
@@ -4014,7 +4007,11 @@
                     <a:p>
                       <a:r>
                         <a:rPr lang="nl-NL" dirty="0" smtClean="0"/>
-                        <a:t>Wil ik</a:t>
+                        <a:t>Wil </a:t>
+                      </a:r>
+                      <a:r>
+                        <a:rPr lang="nl-NL" dirty="0" smtClean="0"/>
+                        <a:t>ik Instellingen kunnen veranderen</a:t>
                       </a:r>
                       <a:endParaRPr lang="nl-BE" dirty="0"/>
                     </a:p>
@@ -4039,7 +4036,11 @@
                       </a:r>
                       <a:r>
                         <a:rPr lang="nl-NL" baseline="0" dirty="0" smtClean="0"/>
-                        <a:t> ik</a:t>
+                        <a:t> </a:t>
+                      </a:r>
+                      <a:r>
+                        <a:rPr lang="nl-NL" baseline="0" dirty="0" smtClean="0"/>
+                        <a:t>ik mijn voorkeuren kan aanduiden</a:t>
                       </a:r>
                       <a:endParaRPr lang="nl-BE" dirty="0"/>
                     </a:p>
@@ -4065,7 +4066,7 @@
           <p:nvPr>
             <p:extLst>
               <p:ext uri="{D42A27DB-BD31-4B8C-83A1-F6EECF244321}">
-                <p14:modId xmlns:p14="http://schemas.microsoft.com/office/powerpoint/2010/main" val="3003799292"/>
+                <p14:modId xmlns:p14="http://schemas.microsoft.com/office/powerpoint/2010/main" val="1043247131"/>
               </p:ext>
             </p:extLst>
           </p:nvPr>
@@ -4120,6 +4121,10 @@
                         <a:rPr lang="nl-NL" baseline="0" dirty="0" smtClean="0"/>
                         <a:t> </a:t>
                       </a:r>
+                      <a:r>
+                        <a:rPr lang="nl-NL" baseline="0" dirty="0" smtClean="0"/>
+                        <a:t>Speler</a:t>
+                      </a:r>
                       <a:endParaRPr lang="nl-BE" dirty="0" smtClean="0"/>
                     </a:p>
                   </a:txBody>
@@ -4143,7 +4148,7 @@
                       </a:r>
                       <a:r>
                         <a:rPr lang="nl-NL" dirty="0" smtClean="0"/>
-                        <a:t>ik</a:t>
+                        <a:t>ik kunnen inloggen </a:t>
                       </a:r>
                       <a:endParaRPr lang="nl-BE" dirty="0"/>
                     </a:p>
@@ -4168,11 +4173,11 @@
                       </a:r>
                       <a:r>
                         <a:rPr lang="nl-NL" baseline="0" dirty="0" smtClean="0"/>
-                        <a:t> </a:t>
+                        <a:t> ik </a:t>
                       </a:r>
                       <a:r>
                         <a:rPr lang="nl-NL" baseline="0" dirty="0" smtClean="0"/>
-                        <a:t>ik </a:t>
+                        <a:t>een eigen account heb </a:t>
                       </a:r>
                       <a:endParaRPr lang="nl-BE" dirty="0"/>
                     </a:p>
@@ -4193,6 +4198,542 @@
     <p:extLst>
       <p:ext uri="{BB962C8B-B14F-4D97-AF65-F5344CB8AC3E}">
         <p14:creationId xmlns:p14="http://schemas.microsoft.com/office/powerpoint/2010/main" val="2241269043"/>
+      </p:ext>
+    </p:extLst>
+  </p:cSld>
+  <p:clrMapOvr>
+    <a:masterClrMapping/>
+  </p:clrMapOvr>
+</p:sld>
+</file>
+
+<file path=ppt/slides/slide3.xml><?xml version="1.0" encoding="utf-8"?>
+<p:sld xmlns:a="http://schemas.openxmlformats.org/drawingml/2006/main" xmlns:r="http://schemas.openxmlformats.org/officeDocument/2006/relationships" xmlns:p="http://schemas.openxmlformats.org/presentationml/2006/main">
+  <p:cSld>
+    <p:spTree>
+      <p:nvGrpSpPr>
+        <p:cNvPr id="1" name=""/>
+        <p:cNvGrpSpPr/>
+        <p:nvPr/>
+      </p:nvGrpSpPr>
+      <p:grpSpPr>
+        <a:xfrm>
+          <a:off x="0" y="0"/>
+          <a:ext cx="0" cy="0"/>
+          <a:chOff x="0" y="0"/>
+          <a:chExt cx="0" cy="0"/>
+        </a:xfrm>
+      </p:grpSpPr>
+      <p:graphicFrame>
+        <p:nvGraphicFramePr>
+          <p:cNvPr id="4" name="Tabel 3"/>
+          <p:cNvGraphicFramePr>
+            <a:graphicFrameLocks noGrp="1"/>
+          </p:cNvGraphicFramePr>
+          <p:nvPr>
+            <p:extLst>
+              <p:ext uri="{D42A27DB-BD31-4B8C-83A1-F6EECF244321}">
+                <p14:modId xmlns:p14="http://schemas.microsoft.com/office/powerpoint/2010/main" val="269923400"/>
+              </p:ext>
+            </p:extLst>
+          </p:nvPr>
+        </p:nvGraphicFramePr>
+        <p:xfrm>
+          <a:off x="3766208" y="446395"/>
+          <a:ext cx="8128000" cy="1122624"/>
+        </p:xfrm>
+        <a:graphic>
+          <a:graphicData uri="http://schemas.openxmlformats.org/drawingml/2006/table">
+            <a:tbl>
+              <a:tblPr bandRow="1">
+                <a:tableStyleId>{5C22544A-7EE6-4342-B048-85BDC9FD1C3A}</a:tableStyleId>
+              </a:tblPr>
+              <a:tblGrid>
+                <a:gridCol w="8128000">
+                  <a:extLst>
+                    <a:ext uri="{9D8B030D-6E8A-4147-A177-3AD203B41FA5}">
+                      <a16:colId xmlns:a16="http://schemas.microsoft.com/office/drawing/2014/main" val="3091196331"/>
+                    </a:ext>
+                  </a:extLst>
+                </a:gridCol>
+              </a:tblGrid>
+              <a:tr h="370840">
+                <a:tc>
+                  <a:txBody>
+                    <a:bodyPr/>
+                    <a:lstStyle/>
+                    <a:p>
+                      <a:r>
+                        <a:rPr lang="nl-NL" dirty="0" smtClean="0"/>
+                        <a:t>Als Speler </a:t>
+                      </a:r>
+                      <a:endParaRPr lang="nl-BE" dirty="0"/>
+                    </a:p>
+                  </a:txBody>
+                  <a:tcPr/>
+                </a:tc>
+                <a:extLst>
+                  <a:ext uri="{0D108BD9-81ED-4DB2-BD59-A6C34878D82A}">
+                    <a16:rowId xmlns:a16="http://schemas.microsoft.com/office/drawing/2014/main" val="2918620829"/>
+                  </a:ext>
+                </a:extLst>
+              </a:tr>
+              <a:tr h="380944">
+                <a:tc>
+                  <a:txBody>
+                    <a:bodyPr/>
+                    <a:lstStyle/>
+                    <a:p>
+                      <a:r>
+                        <a:rPr lang="nl-NL" dirty="0" smtClean="0"/>
+                        <a:t>Wil </a:t>
+                      </a:r>
+                      <a:r>
+                        <a:rPr lang="nl-NL" dirty="0" smtClean="0"/>
+                        <a:t>ik een bank</a:t>
+                      </a:r>
+                      <a:endParaRPr lang="nl-BE" dirty="0"/>
+                    </a:p>
+                  </a:txBody>
+                  <a:tcPr/>
+                </a:tc>
+                <a:extLst>
+                  <a:ext uri="{0D108BD9-81ED-4DB2-BD59-A6C34878D82A}">
+                    <a16:rowId xmlns:a16="http://schemas.microsoft.com/office/drawing/2014/main" val="2346638987"/>
+                  </a:ext>
+                </a:extLst>
+              </a:tr>
+              <a:tr h="370840">
+                <a:tc>
+                  <a:txBody>
+                    <a:bodyPr/>
+                    <a:lstStyle/>
+                    <a:p>
+                      <a:pPr marL="0" marR="0" lvl="0" indent="0" algn="l" defTabSz="914400" rtl="0" eaLnBrk="1" fontAlgn="auto" latinLnBrk="0" hangingPunct="1">
+                        <a:lnSpc>
+                          <a:spcPct val="100000"/>
+                        </a:lnSpc>
+                        <a:spcBef>
+                          <a:spcPts val="0"/>
+                        </a:spcBef>
+                        <a:spcAft>
+                          <a:spcPts val="0"/>
+                        </a:spcAft>
+                        <a:buClrTx/>
+                        <a:buSzTx/>
+                        <a:buFontTx/>
+                        <a:buNone/>
+                        <a:tabLst/>
+                        <a:defRPr/>
+                      </a:pPr>
+                      <a:r>
+                        <a:rPr lang="nl-NL" dirty="0" smtClean="0"/>
+                        <a:t>Zodat</a:t>
+                      </a:r>
+                      <a:r>
+                        <a:rPr lang="nl-NL" baseline="0" dirty="0" smtClean="0"/>
+                        <a:t> </a:t>
+                      </a:r>
+                      <a:r>
+                        <a:rPr lang="nl-NL" baseline="0" dirty="0" smtClean="0"/>
+                        <a:t>ik </a:t>
+                      </a:r>
+                      <a:r>
+                        <a:rPr lang="nl-NL" dirty="0" smtClean="0"/>
+                        <a:t>geld kan lenen</a:t>
+                      </a:r>
+                      <a:endParaRPr lang="nl-BE" dirty="0" smtClean="0"/>
+                    </a:p>
+                  </a:txBody>
+                  <a:tcPr/>
+                </a:tc>
+                <a:extLst>
+                  <a:ext uri="{0D108BD9-81ED-4DB2-BD59-A6C34878D82A}">
+                    <a16:rowId xmlns:a16="http://schemas.microsoft.com/office/drawing/2014/main" val="3691604249"/>
+                  </a:ext>
+                </a:extLst>
+              </a:tr>
+            </a:tbl>
+          </a:graphicData>
+        </a:graphic>
+      </p:graphicFrame>
+      <p:graphicFrame>
+        <p:nvGraphicFramePr>
+          <p:cNvPr id="5" name="Tabel 4"/>
+          <p:cNvGraphicFramePr>
+            <a:graphicFrameLocks noGrp="1"/>
+          </p:cNvGraphicFramePr>
+          <p:nvPr>
+            <p:extLst>
+              <p:ext uri="{D42A27DB-BD31-4B8C-83A1-F6EECF244321}">
+                <p14:modId xmlns:p14="http://schemas.microsoft.com/office/powerpoint/2010/main" val="2657615759"/>
+              </p:ext>
+            </p:extLst>
+          </p:nvPr>
+        </p:nvGraphicFramePr>
+        <p:xfrm>
+          <a:off x="3766208" y="1870547"/>
+          <a:ext cx="8128000" cy="1112520"/>
+        </p:xfrm>
+        <a:graphic>
+          <a:graphicData uri="http://schemas.openxmlformats.org/drawingml/2006/table">
+            <a:tbl>
+              <a:tblPr bandRow="1">
+                <a:tableStyleId>{5C22544A-7EE6-4342-B048-85BDC9FD1C3A}</a:tableStyleId>
+              </a:tblPr>
+              <a:tblGrid>
+                <a:gridCol w="8128000">
+                  <a:extLst>
+                    <a:ext uri="{9D8B030D-6E8A-4147-A177-3AD203B41FA5}">
+                      <a16:colId xmlns:a16="http://schemas.microsoft.com/office/drawing/2014/main" val="3091196331"/>
+                    </a:ext>
+                  </a:extLst>
+                </a:gridCol>
+              </a:tblGrid>
+              <a:tr h="370840">
+                <a:tc>
+                  <a:txBody>
+                    <a:bodyPr/>
+                    <a:lstStyle/>
+                    <a:p>
+                      <a:r>
+                        <a:rPr lang="nl-NL" dirty="0" smtClean="0"/>
+                        <a:t>Als</a:t>
+                      </a:r>
+                      <a:r>
+                        <a:rPr lang="nl-NL" baseline="0" dirty="0" smtClean="0"/>
+                        <a:t> Speler </a:t>
+                      </a:r>
+                      <a:endParaRPr lang="nl-BE" dirty="0"/>
+                    </a:p>
+                  </a:txBody>
+                  <a:tcPr/>
+                </a:tc>
+                <a:extLst>
+                  <a:ext uri="{0D108BD9-81ED-4DB2-BD59-A6C34878D82A}">
+                    <a16:rowId xmlns:a16="http://schemas.microsoft.com/office/drawing/2014/main" val="2918620829"/>
+                  </a:ext>
+                </a:extLst>
+              </a:tr>
+              <a:tr h="370840">
+                <a:tc>
+                  <a:txBody>
+                    <a:bodyPr/>
+                    <a:lstStyle/>
+                    <a:p>
+                      <a:r>
+                        <a:rPr lang="nl-NL" dirty="0" smtClean="0"/>
+                        <a:t>Wil </a:t>
+                      </a:r>
+                      <a:r>
+                        <a:rPr lang="nl-NL" dirty="0" smtClean="0"/>
+                        <a:t>ik een bankrekening</a:t>
+                      </a:r>
+                      <a:endParaRPr lang="nl-BE" dirty="0"/>
+                    </a:p>
+                  </a:txBody>
+                  <a:tcPr/>
+                </a:tc>
+                <a:extLst>
+                  <a:ext uri="{0D108BD9-81ED-4DB2-BD59-A6C34878D82A}">
+                    <a16:rowId xmlns:a16="http://schemas.microsoft.com/office/drawing/2014/main" val="2346638987"/>
+                  </a:ext>
+                </a:extLst>
+              </a:tr>
+              <a:tr h="370840">
+                <a:tc>
+                  <a:txBody>
+                    <a:bodyPr/>
+                    <a:lstStyle/>
+                    <a:p>
+                      <a:r>
+                        <a:rPr lang="nl-NL" dirty="0" smtClean="0"/>
+                        <a:t>Zodat</a:t>
+                      </a:r>
+                      <a:r>
+                        <a:rPr lang="nl-NL" baseline="0" dirty="0" smtClean="0"/>
+                        <a:t> </a:t>
+                      </a:r>
+                      <a:r>
+                        <a:rPr lang="nl-NL" baseline="0" dirty="0" smtClean="0"/>
+                        <a:t>ik geld kan afhalen en toevoegen.</a:t>
+                      </a:r>
+                      <a:endParaRPr lang="nl-BE" dirty="0"/>
+                    </a:p>
+                  </a:txBody>
+                  <a:tcPr/>
+                </a:tc>
+                <a:extLst>
+                  <a:ext uri="{0D108BD9-81ED-4DB2-BD59-A6C34878D82A}">
+                    <a16:rowId xmlns:a16="http://schemas.microsoft.com/office/drawing/2014/main" val="3691604249"/>
+                  </a:ext>
+                </a:extLst>
+              </a:tr>
+            </a:tbl>
+          </a:graphicData>
+        </a:graphic>
+      </p:graphicFrame>
+      <p:graphicFrame>
+        <p:nvGraphicFramePr>
+          <p:cNvPr id="6" name="Tabel 5"/>
+          <p:cNvGraphicFramePr>
+            <a:graphicFrameLocks noGrp="1"/>
+          </p:cNvGraphicFramePr>
+          <p:nvPr>
+            <p:extLst>
+              <p:ext uri="{D42A27DB-BD31-4B8C-83A1-F6EECF244321}">
+                <p14:modId xmlns:p14="http://schemas.microsoft.com/office/powerpoint/2010/main" val="1980015219"/>
+              </p:ext>
+            </p:extLst>
+          </p:nvPr>
+        </p:nvGraphicFramePr>
+        <p:xfrm>
+          <a:off x="3766208" y="3465402"/>
+          <a:ext cx="8128000" cy="1112520"/>
+        </p:xfrm>
+        <a:graphic>
+          <a:graphicData uri="http://schemas.openxmlformats.org/drawingml/2006/table">
+            <a:tbl>
+              <a:tblPr bandRow="1">
+                <a:tableStyleId>{5C22544A-7EE6-4342-B048-85BDC9FD1C3A}</a:tableStyleId>
+              </a:tblPr>
+              <a:tblGrid>
+                <a:gridCol w="8128000">
+                  <a:extLst>
+                    <a:ext uri="{9D8B030D-6E8A-4147-A177-3AD203B41FA5}">
+                      <a16:colId xmlns:a16="http://schemas.microsoft.com/office/drawing/2014/main" val="3091196331"/>
+                    </a:ext>
+                  </a:extLst>
+                </a:gridCol>
+              </a:tblGrid>
+              <a:tr h="370840">
+                <a:tc>
+                  <a:txBody>
+                    <a:bodyPr/>
+                    <a:lstStyle/>
+                    <a:p>
+                      <a:r>
+                        <a:rPr lang="nl-NL" dirty="0" smtClean="0"/>
+                        <a:t>Als speler</a:t>
+                      </a:r>
+                      <a:endParaRPr lang="nl-BE" dirty="0"/>
+                    </a:p>
+                  </a:txBody>
+                  <a:tcPr/>
+                </a:tc>
+                <a:extLst>
+                  <a:ext uri="{0D108BD9-81ED-4DB2-BD59-A6C34878D82A}">
+                    <a16:rowId xmlns:a16="http://schemas.microsoft.com/office/drawing/2014/main" val="2918620829"/>
+                  </a:ext>
+                </a:extLst>
+              </a:tr>
+              <a:tr h="370840">
+                <a:tc>
+                  <a:txBody>
+                    <a:bodyPr/>
+                    <a:lstStyle/>
+                    <a:p>
+                      <a:r>
+                        <a:rPr lang="nl-NL" dirty="0" smtClean="0"/>
+                        <a:t>Wil </a:t>
+                      </a:r>
+                      <a:r>
+                        <a:rPr lang="nl-NL" dirty="0" smtClean="0"/>
+                        <a:t>ik </a:t>
+                      </a:r>
+                      <a:r>
+                        <a:rPr lang="nl-NL" smtClean="0"/>
+                        <a:t>een</a:t>
+                      </a:r>
+                      <a:r>
+                        <a:rPr lang="nl-NL" baseline="0" smtClean="0"/>
+                        <a:t> reset knop</a:t>
+                      </a:r>
+                      <a:endParaRPr lang="nl-BE" dirty="0"/>
+                    </a:p>
+                  </a:txBody>
+                  <a:tcPr/>
+                </a:tc>
+                <a:extLst>
+                  <a:ext uri="{0D108BD9-81ED-4DB2-BD59-A6C34878D82A}">
+                    <a16:rowId xmlns:a16="http://schemas.microsoft.com/office/drawing/2014/main" val="2346638987"/>
+                  </a:ext>
+                </a:extLst>
+              </a:tr>
+              <a:tr h="370840">
+                <a:tc>
+                  <a:txBody>
+                    <a:bodyPr/>
+                    <a:lstStyle/>
+                    <a:p>
+                      <a:r>
+                        <a:rPr lang="nl-NL" dirty="0" smtClean="0"/>
+                        <a:t>Zodat</a:t>
+                      </a:r>
+                      <a:r>
+                        <a:rPr lang="nl-NL" baseline="0" dirty="0" smtClean="0"/>
+                        <a:t> </a:t>
+                      </a:r>
+                      <a:r>
+                        <a:rPr lang="nl-NL" baseline="0" dirty="0" smtClean="0"/>
+                        <a:t>ik</a:t>
+                      </a:r>
+                      <a:endParaRPr lang="nl-BE" dirty="0"/>
+                    </a:p>
+                  </a:txBody>
+                  <a:tcPr/>
+                </a:tc>
+                <a:extLst>
+                  <a:ext uri="{0D108BD9-81ED-4DB2-BD59-A6C34878D82A}">
+                    <a16:rowId xmlns:a16="http://schemas.microsoft.com/office/drawing/2014/main" val="3691604249"/>
+                  </a:ext>
+                </a:extLst>
+              </a:tr>
+            </a:tbl>
+          </a:graphicData>
+        </a:graphic>
+      </p:graphicFrame>
+      <p:graphicFrame>
+        <p:nvGraphicFramePr>
+          <p:cNvPr id="10" name="Tabel 9"/>
+          <p:cNvGraphicFramePr>
+            <a:graphicFrameLocks noGrp="1"/>
+          </p:cNvGraphicFramePr>
+          <p:nvPr>
+            <p:extLst>
+              <p:ext uri="{D42A27DB-BD31-4B8C-83A1-F6EECF244321}">
+                <p14:modId xmlns:p14="http://schemas.microsoft.com/office/powerpoint/2010/main" val="1043247131"/>
+              </p:ext>
+            </p:extLst>
+          </p:nvPr>
+        </p:nvGraphicFramePr>
+        <p:xfrm>
+          <a:off x="3766208" y="5060257"/>
+          <a:ext cx="8128000" cy="1112520"/>
+        </p:xfrm>
+        <a:graphic>
+          <a:graphicData uri="http://schemas.openxmlformats.org/drawingml/2006/table">
+            <a:tbl>
+              <a:tblPr bandRow="1">
+                <a:tableStyleId>{5C22544A-7EE6-4342-B048-85BDC9FD1C3A}</a:tableStyleId>
+              </a:tblPr>
+              <a:tblGrid>
+                <a:gridCol w="8128000">
+                  <a:extLst>
+                    <a:ext uri="{9D8B030D-6E8A-4147-A177-3AD203B41FA5}">
+                      <a16:colId xmlns:a16="http://schemas.microsoft.com/office/drawing/2014/main" val="3091196331"/>
+                    </a:ext>
+                  </a:extLst>
+                </a:gridCol>
+              </a:tblGrid>
+              <a:tr h="370840">
+                <a:tc>
+                  <a:txBody>
+                    <a:bodyPr/>
+                    <a:lstStyle/>
+                    <a:p>
+                      <a:pPr marL="0" marR="0" lvl="0" indent="0" algn="l" defTabSz="914400" rtl="0" eaLnBrk="1" fontAlgn="auto" latinLnBrk="0" hangingPunct="1">
+                        <a:lnSpc>
+                          <a:spcPct val="100000"/>
+                        </a:lnSpc>
+                        <a:spcBef>
+                          <a:spcPts val="0"/>
+                        </a:spcBef>
+                        <a:spcAft>
+                          <a:spcPts val="0"/>
+                        </a:spcAft>
+                        <a:buClrTx/>
+                        <a:buSzTx/>
+                        <a:buFontTx/>
+                        <a:buNone/>
+                        <a:tabLst/>
+                        <a:defRPr/>
+                      </a:pPr>
+                      <a:r>
+                        <a:rPr lang="nl-NL" dirty="0" smtClean="0"/>
+                        <a:t>Als</a:t>
+                      </a:r>
+                      <a:r>
+                        <a:rPr lang="nl-NL" baseline="0" dirty="0" smtClean="0"/>
+                        <a:t> </a:t>
+                      </a:r>
+                      <a:r>
+                        <a:rPr lang="nl-NL" baseline="0" dirty="0" smtClean="0"/>
+                        <a:t>Speler</a:t>
+                      </a:r>
+                      <a:endParaRPr lang="nl-BE" dirty="0" smtClean="0"/>
+                    </a:p>
+                  </a:txBody>
+                  <a:tcPr/>
+                </a:tc>
+                <a:extLst>
+                  <a:ext uri="{0D108BD9-81ED-4DB2-BD59-A6C34878D82A}">
+                    <a16:rowId xmlns:a16="http://schemas.microsoft.com/office/drawing/2014/main" val="2918620829"/>
+                  </a:ext>
+                </a:extLst>
+              </a:tr>
+              <a:tr h="370840">
+                <a:tc>
+                  <a:txBody>
+                    <a:bodyPr/>
+                    <a:lstStyle/>
+                    <a:p>
+                      <a:r>
+                        <a:rPr lang="nl-NL" dirty="0" smtClean="0"/>
+                        <a:t>Wil </a:t>
+                      </a:r>
+                      <a:r>
+                        <a:rPr lang="nl-NL" dirty="0" smtClean="0"/>
+                        <a:t>ik kunnen inloggen </a:t>
+                      </a:r>
+                      <a:endParaRPr lang="nl-BE" dirty="0"/>
+                    </a:p>
+                  </a:txBody>
+                  <a:tcPr/>
+                </a:tc>
+                <a:extLst>
+                  <a:ext uri="{0D108BD9-81ED-4DB2-BD59-A6C34878D82A}">
+                    <a16:rowId xmlns:a16="http://schemas.microsoft.com/office/drawing/2014/main" val="2346638987"/>
+                  </a:ext>
+                </a:extLst>
+              </a:tr>
+              <a:tr h="370840">
+                <a:tc>
+                  <a:txBody>
+                    <a:bodyPr/>
+                    <a:lstStyle/>
+                    <a:p>
+                      <a:r>
+                        <a:rPr lang="nl-NL" dirty="0" smtClean="0"/>
+                        <a:t>Zodat</a:t>
+                      </a:r>
+                      <a:r>
+                        <a:rPr lang="nl-NL" baseline="0" dirty="0" smtClean="0"/>
+                        <a:t> ik </a:t>
+                      </a:r>
+                      <a:r>
+                        <a:rPr lang="nl-NL" baseline="0" dirty="0" smtClean="0"/>
+                        <a:t>een eigen account heb </a:t>
+                      </a:r>
+                      <a:endParaRPr lang="nl-BE" dirty="0"/>
+                    </a:p>
+                  </a:txBody>
+                  <a:tcPr/>
+                </a:tc>
+                <a:extLst>
+                  <a:ext uri="{0D108BD9-81ED-4DB2-BD59-A6C34878D82A}">
+                    <a16:rowId xmlns:a16="http://schemas.microsoft.com/office/drawing/2014/main" val="3691604249"/>
+                  </a:ext>
+                </a:extLst>
+              </a:tr>
+            </a:tbl>
+          </a:graphicData>
+        </a:graphic>
+      </p:graphicFrame>
+    </p:spTree>
+    <p:extLst>
+      <p:ext uri="{BB962C8B-B14F-4D97-AF65-F5344CB8AC3E}">
+        <p14:creationId xmlns:p14="http://schemas.microsoft.com/office/powerpoint/2010/main" val="1383174199"/>
       </p:ext>
     </p:extLst>
   </p:cSld>

--- a/UserStories.pptx
+++ b/UserStories.pptx
@@ -36,6 +36,11 @@
     <p:sldId id="284" r:id="rId30"/>
     <p:sldId id="285" r:id="rId31"/>
     <p:sldId id="286" r:id="rId32"/>
+    <p:sldId id="287" r:id="rId33"/>
+    <p:sldId id="288" r:id="rId34"/>
+    <p:sldId id="289" r:id="rId35"/>
+    <p:sldId id="290" r:id="rId36"/>
+    <p:sldId id="291" r:id="rId37"/>
   </p:sldIdLst>
   <p:sldSz cx="12192000" cy="6858000"/>
   <p:notesSz cx="6858000" cy="9144000"/>
@@ -206,7 +211,7 @@
           </a:lstStyle>
           <a:p>
             <a:r>
-              <a:rPr lang="nl-NL" smtClean="0"/>
+              <a:rPr lang="nl-NL"/>
               <a:t>Klik om de stijl te bewerken</a:t>
             </a:r>
             <a:endParaRPr lang="en-US" dirty="0"/>
@@ -281,7 +286,7 @@
           </a:lstStyle>
           <a:p>
             <a:r>
-              <a:rPr lang="nl-NL" smtClean="0"/>
+              <a:rPr lang="nl-NL"/>
               <a:t>Klik om de ondertitelstijl van het model te bewerken</a:t>
             </a:r>
             <a:endParaRPr lang="en-US" dirty="0"/>
@@ -305,7 +310,7 @@
           <a:p>
             <a:fld id="{1160EA64-D806-43AC-9DF2-F8C432F32B4C}" type="datetimeFigureOut">
               <a:rPr lang="en-US" dirty="0"/>
-              <a:t>2/14/2020</a:t>
+              <a:t>2/17/2020</a:t>
             </a:fld>
             <a:endParaRPr lang="en-US" dirty="0"/>
           </a:p>
@@ -395,7 +400,7 @@
           <a:lstStyle/>
           <a:p>
             <a:r>
-              <a:rPr lang="nl-NL" smtClean="0"/>
+              <a:rPr lang="nl-NL"/>
               <a:t>Klik om de stijl te bewerken</a:t>
             </a:r>
             <a:endParaRPr lang="en-US" dirty="0"/>
@@ -419,35 +424,35 @@
           <a:p>
             <a:pPr lvl="0"/>
             <a:r>
-              <a:rPr lang="nl-NL" smtClean="0"/>
+              <a:rPr lang="nl-NL"/>
               <a:t>Tekststijl van het model bewerken</a:t>
             </a:r>
           </a:p>
           <a:p>
             <a:pPr lvl="1"/>
             <a:r>
-              <a:rPr lang="nl-NL" smtClean="0"/>
+              <a:rPr lang="nl-NL"/>
               <a:t>Tweede niveau</a:t>
             </a:r>
           </a:p>
           <a:p>
             <a:pPr lvl="2"/>
             <a:r>
-              <a:rPr lang="nl-NL" smtClean="0"/>
+              <a:rPr lang="nl-NL"/>
               <a:t>Derde niveau</a:t>
             </a:r>
           </a:p>
           <a:p>
             <a:pPr lvl="3"/>
             <a:r>
-              <a:rPr lang="nl-NL" smtClean="0"/>
+              <a:rPr lang="nl-NL"/>
               <a:t>Vierde niveau</a:t>
             </a:r>
           </a:p>
           <a:p>
             <a:pPr lvl="4"/>
             <a:r>
-              <a:rPr lang="nl-NL" smtClean="0"/>
+              <a:rPr lang="nl-NL"/>
               <a:t>Vijfde niveau</a:t>
             </a:r>
             <a:endParaRPr lang="en-US" dirty="0"/>
@@ -471,7 +476,7 @@
           <a:p>
             <a:fld id="{E9F9C37B-1D36-470B-8223-D6C91242EC14}" type="datetimeFigureOut">
               <a:rPr lang="en-US" dirty="0"/>
-              <a:t>2/14/2020</a:t>
+              <a:t>2/17/2020</a:t>
             </a:fld>
             <a:endParaRPr lang="en-US" dirty="0"/>
           </a:p>
@@ -565,7 +570,7 @@
           <a:lstStyle/>
           <a:p>
             <a:r>
-              <a:rPr lang="nl-NL" smtClean="0"/>
+              <a:rPr lang="nl-NL"/>
               <a:t>Klik om de stijl te bewerken</a:t>
             </a:r>
             <a:endParaRPr lang="en-US" dirty="0"/>
@@ -594,35 +599,35 @@
           <a:p>
             <a:pPr lvl="0"/>
             <a:r>
-              <a:rPr lang="nl-NL" smtClean="0"/>
+              <a:rPr lang="nl-NL"/>
               <a:t>Tekststijl van het model bewerken</a:t>
             </a:r>
           </a:p>
           <a:p>
             <a:pPr lvl="1"/>
             <a:r>
-              <a:rPr lang="nl-NL" smtClean="0"/>
+              <a:rPr lang="nl-NL"/>
               <a:t>Tweede niveau</a:t>
             </a:r>
           </a:p>
           <a:p>
             <a:pPr lvl="2"/>
             <a:r>
-              <a:rPr lang="nl-NL" smtClean="0"/>
+              <a:rPr lang="nl-NL"/>
               <a:t>Derde niveau</a:t>
             </a:r>
           </a:p>
           <a:p>
             <a:pPr lvl="3"/>
             <a:r>
-              <a:rPr lang="nl-NL" smtClean="0"/>
+              <a:rPr lang="nl-NL"/>
               <a:t>Vierde niveau</a:t>
             </a:r>
           </a:p>
           <a:p>
             <a:pPr lvl="4"/>
             <a:r>
-              <a:rPr lang="nl-NL" smtClean="0"/>
+              <a:rPr lang="nl-NL"/>
               <a:t>Vijfde niveau</a:t>
             </a:r>
             <a:endParaRPr lang="en-US" dirty="0"/>
@@ -646,7 +651,7 @@
           <a:p>
             <a:fld id="{67C6F52A-A82B-47A2-A83A-8C4C91F2D59F}" type="datetimeFigureOut">
               <a:rPr lang="en-US" dirty="0"/>
-              <a:t>2/14/2020</a:t>
+              <a:t>2/17/2020</a:t>
             </a:fld>
             <a:endParaRPr lang="en-US" dirty="0"/>
           </a:p>
@@ -735,7 +740,7 @@
           <a:lstStyle/>
           <a:p>
             <a:r>
-              <a:rPr lang="nl-NL" smtClean="0"/>
+              <a:rPr lang="nl-NL"/>
               <a:t>Klik om de stijl te bewerken</a:t>
             </a:r>
             <a:endParaRPr lang="en-US" dirty="0"/>
@@ -759,35 +764,35 @@
           <a:p>
             <a:pPr lvl="0"/>
             <a:r>
-              <a:rPr lang="nl-NL" smtClean="0"/>
+              <a:rPr lang="nl-NL"/>
               <a:t>Tekststijl van het model bewerken</a:t>
             </a:r>
           </a:p>
           <a:p>
             <a:pPr lvl="1"/>
             <a:r>
-              <a:rPr lang="nl-NL" smtClean="0"/>
+              <a:rPr lang="nl-NL"/>
               <a:t>Tweede niveau</a:t>
             </a:r>
           </a:p>
           <a:p>
             <a:pPr lvl="2"/>
             <a:r>
-              <a:rPr lang="nl-NL" smtClean="0"/>
+              <a:rPr lang="nl-NL"/>
               <a:t>Derde niveau</a:t>
             </a:r>
           </a:p>
           <a:p>
             <a:pPr lvl="3"/>
             <a:r>
-              <a:rPr lang="nl-NL" smtClean="0"/>
+              <a:rPr lang="nl-NL"/>
               <a:t>Vierde niveau</a:t>
             </a:r>
           </a:p>
           <a:p>
             <a:pPr lvl="4"/>
             <a:r>
-              <a:rPr lang="nl-NL" smtClean="0"/>
+              <a:rPr lang="nl-NL"/>
               <a:t>Vijfde niveau</a:t>
             </a:r>
             <a:endParaRPr lang="en-US" dirty="0"/>
@@ -811,7 +816,7 @@
           <a:p>
             <a:fld id="{F070A7B3-6521-4DCA-87E5-044747A908C1}" type="datetimeFigureOut">
               <a:rPr lang="en-US" dirty="0"/>
-              <a:t>2/14/2020</a:t>
+              <a:t>2/17/2020</a:t>
             </a:fld>
             <a:endParaRPr lang="en-US" dirty="0"/>
           </a:p>
@@ -932,7 +937,7 @@
           </a:lstStyle>
           <a:p>
             <a:r>
-              <a:rPr lang="nl-NL" smtClean="0"/>
+              <a:rPr lang="nl-NL"/>
               <a:t>Klik om de stijl te bewerken</a:t>
             </a:r>
             <a:endParaRPr lang="en-US" dirty="0"/>
@@ -1052,7 +1057,7 @@
           <a:p>
             <a:pPr lvl="0"/>
             <a:r>
-              <a:rPr lang="nl-NL" smtClean="0"/>
+              <a:rPr lang="nl-NL"/>
               <a:t>Tekststijl van het model bewerken</a:t>
             </a:r>
           </a:p>
@@ -1075,7 +1080,7 @@
           <a:p>
             <a:fld id="{1160EA64-D806-43AC-9DF2-F8C432F32B4C}" type="datetimeFigureOut">
               <a:rPr lang="en-US" dirty="0"/>
-              <a:t>2/14/2020</a:t>
+              <a:t>2/17/2020</a:t>
             </a:fld>
             <a:endParaRPr lang="en-US" dirty="0"/>
           </a:p>
@@ -1165,7 +1170,7 @@
           <a:lstStyle/>
           <a:p>
             <a:r>
-              <a:rPr lang="nl-NL" smtClean="0"/>
+              <a:rPr lang="nl-NL"/>
               <a:t>Klik om de stijl te bewerken</a:t>
             </a:r>
             <a:endParaRPr lang="en-US" dirty="0"/>
@@ -1194,35 +1199,35 @@
           <a:p>
             <a:pPr lvl="0"/>
             <a:r>
-              <a:rPr lang="nl-NL" smtClean="0"/>
+              <a:rPr lang="nl-NL"/>
               <a:t>Tekststijl van het model bewerken</a:t>
             </a:r>
           </a:p>
           <a:p>
             <a:pPr lvl="1"/>
             <a:r>
-              <a:rPr lang="nl-NL" smtClean="0"/>
+              <a:rPr lang="nl-NL"/>
               <a:t>Tweede niveau</a:t>
             </a:r>
           </a:p>
           <a:p>
             <a:pPr lvl="2"/>
             <a:r>
-              <a:rPr lang="nl-NL" smtClean="0"/>
+              <a:rPr lang="nl-NL"/>
               <a:t>Derde niveau</a:t>
             </a:r>
           </a:p>
           <a:p>
             <a:pPr lvl="3"/>
             <a:r>
-              <a:rPr lang="nl-NL" smtClean="0"/>
+              <a:rPr lang="nl-NL"/>
               <a:t>Vierde niveau</a:t>
             </a:r>
           </a:p>
           <a:p>
             <a:pPr lvl="4"/>
             <a:r>
-              <a:rPr lang="nl-NL" smtClean="0"/>
+              <a:rPr lang="nl-NL"/>
               <a:t>Vijfde niveau</a:t>
             </a:r>
             <a:endParaRPr lang="en-US" dirty="0"/>
@@ -1251,35 +1256,35 @@
           <a:p>
             <a:pPr lvl="0"/>
             <a:r>
-              <a:rPr lang="nl-NL" smtClean="0"/>
+              <a:rPr lang="nl-NL"/>
               <a:t>Tekststijl van het model bewerken</a:t>
             </a:r>
           </a:p>
           <a:p>
             <a:pPr lvl="1"/>
             <a:r>
-              <a:rPr lang="nl-NL" smtClean="0"/>
+              <a:rPr lang="nl-NL"/>
               <a:t>Tweede niveau</a:t>
             </a:r>
           </a:p>
           <a:p>
             <a:pPr lvl="2"/>
             <a:r>
-              <a:rPr lang="nl-NL" smtClean="0"/>
+              <a:rPr lang="nl-NL"/>
               <a:t>Derde niveau</a:t>
             </a:r>
           </a:p>
           <a:p>
             <a:pPr lvl="3"/>
             <a:r>
-              <a:rPr lang="nl-NL" smtClean="0"/>
+              <a:rPr lang="nl-NL"/>
               <a:t>Vierde niveau</a:t>
             </a:r>
           </a:p>
           <a:p>
             <a:pPr lvl="4"/>
             <a:r>
-              <a:rPr lang="nl-NL" smtClean="0"/>
+              <a:rPr lang="nl-NL"/>
               <a:t>Vijfde niveau</a:t>
             </a:r>
             <a:endParaRPr lang="en-US" dirty="0"/>
@@ -1303,7 +1308,7 @@
           <a:p>
             <a:fld id="{AB134690-1557-4C89-A502-4959FE7FAD70}" type="datetimeFigureOut">
               <a:rPr lang="en-US" dirty="0"/>
-              <a:t>2/14/2020</a:t>
+              <a:t>2/17/2020</a:t>
             </a:fld>
             <a:endParaRPr lang="en-US" dirty="0"/>
           </a:p>
@@ -1441,7 +1446,7 @@
           <a:p>
             <a:pPr lvl="0"/>
             <a:r>
-              <a:rPr lang="nl-NL" smtClean="0"/>
+              <a:rPr lang="nl-NL"/>
               <a:t>Tekststijl van het model bewerken</a:t>
             </a:r>
           </a:p>
@@ -1469,35 +1474,35 @@
           <a:p>
             <a:pPr lvl="0"/>
             <a:r>
-              <a:rPr lang="nl-NL" smtClean="0"/>
+              <a:rPr lang="nl-NL"/>
               <a:t>Tekststijl van het model bewerken</a:t>
             </a:r>
           </a:p>
           <a:p>
             <a:pPr lvl="1"/>
             <a:r>
-              <a:rPr lang="nl-NL" smtClean="0"/>
+              <a:rPr lang="nl-NL"/>
               <a:t>Tweede niveau</a:t>
             </a:r>
           </a:p>
           <a:p>
             <a:pPr lvl="2"/>
             <a:r>
-              <a:rPr lang="nl-NL" smtClean="0"/>
+              <a:rPr lang="nl-NL"/>
               <a:t>Derde niveau</a:t>
             </a:r>
           </a:p>
           <a:p>
             <a:pPr lvl="3"/>
             <a:r>
-              <a:rPr lang="nl-NL" smtClean="0"/>
+              <a:rPr lang="nl-NL"/>
               <a:t>Vierde niveau</a:t>
             </a:r>
           </a:p>
           <a:p>
             <a:pPr lvl="4"/>
             <a:r>
-              <a:rPr lang="nl-NL" smtClean="0"/>
+              <a:rPr lang="nl-NL"/>
               <a:t>Vijfde niveau</a:t>
             </a:r>
             <a:endParaRPr lang="en-US" dirty="0"/>
@@ -1530,35 +1535,35 @@
           <a:p>
             <a:pPr lvl="0"/>
             <a:r>
-              <a:rPr lang="nl-NL" smtClean="0"/>
+              <a:rPr lang="nl-NL"/>
               <a:t>Tekststijl van het model bewerken</a:t>
             </a:r>
           </a:p>
           <a:p>
             <a:pPr lvl="1"/>
             <a:r>
-              <a:rPr lang="nl-NL" smtClean="0"/>
+              <a:rPr lang="nl-NL"/>
               <a:t>Tweede niveau</a:t>
             </a:r>
           </a:p>
           <a:p>
             <a:pPr lvl="2"/>
             <a:r>
-              <a:rPr lang="nl-NL" smtClean="0"/>
+              <a:rPr lang="nl-NL"/>
               <a:t>Derde niveau</a:t>
             </a:r>
           </a:p>
           <a:p>
             <a:pPr lvl="3"/>
             <a:r>
-              <a:rPr lang="nl-NL" smtClean="0"/>
+              <a:rPr lang="nl-NL"/>
               <a:t>Vierde niveau</a:t>
             </a:r>
           </a:p>
           <a:p>
             <a:pPr lvl="4"/>
             <a:r>
-              <a:rPr lang="nl-NL" smtClean="0"/>
+              <a:rPr lang="nl-NL"/>
               <a:t>Vijfde niveau</a:t>
             </a:r>
             <a:endParaRPr lang="en-US" dirty="0"/>
@@ -1630,7 +1635,7 @@
           <a:p>
             <a:pPr lvl="0"/>
             <a:r>
-              <a:rPr lang="nl-NL" smtClean="0"/>
+              <a:rPr lang="nl-NL"/>
               <a:t>Tekststijl van het model bewerken</a:t>
             </a:r>
           </a:p>
@@ -1653,7 +1658,7 @@
           <a:p>
             <a:fld id="{4F7D4976-E339-4826-83B7-FBD03F55ECF8}" type="datetimeFigureOut">
               <a:rPr lang="en-US" dirty="0"/>
-              <a:t>2/14/2020</a:t>
+              <a:t>2/17/2020</a:t>
             </a:fld>
             <a:endParaRPr lang="en-US" dirty="0"/>
           </a:p>
@@ -1717,7 +1722,7 @@
           <a:lstStyle/>
           <a:p>
             <a:r>
-              <a:rPr lang="nl-NL" smtClean="0"/>
+              <a:rPr lang="nl-NL"/>
               <a:t>Klik om de stijl te bewerken</a:t>
             </a:r>
             <a:endParaRPr lang="en-US" dirty="0"/>
@@ -1765,7 +1770,7 @@
           <a:lstStyle/>
           <a:p>
             <a:r>
-              <a:rPr lang="nl-NL" smtClean="0"/>
+              <a:rPr lang="nl-NL"/>
               <a:t>Klik om de stijl te bewerken</a:t>
             </a:r>
             <a:endParaRPr lang="en-US" dirty="0"/>
@@ -1789,7 +1794,7 @@
           <a:p>
             <a:fld id="{E1037C31-9E7A-4F99-8774-A0E530DE1A42}" type="datetimeFigureOut">
               <a:rPr lang="en-US" dirty="0"/>
-              <a:t>2/14/2020</a:t>
+              <a:t>2/17/2020</a:t>
             </a:fld>
             <a:endParaRPr lang="en-US" dirty="0"/>
           </a:p>
@@ -1879,7 +1884,7 @@
           <a:p>
             <a:fld id="{C278504F-A551-4DE0-9316-4DCD1D8CC752}" type="datetimeFigureOut">
               <a:rPr lang="en-US" dirty="0"/>
-              <a:t>2/14/2020</a:t>
+              <a:t>2/17/2020</a:t>
             </a:fld>
             <a:endParaRPr lang="en-US" dirty="0"/>
           </a:p>
@@ -2029,7 +2034,7 @@
           </a:lstStyle>
           <a:p>
             <a:r>
-              <a:rPr lang="nl-NL" smtClean="0"/>
+              <a:rPr lang="nl-NL"/>
               <a:t>Klik om de stijl te bewerken</a:t>
             </a:r>
             <a:endParaRPr lang="en-US" dirty="0"/>
@@ -2108,35 +2113,35 @@
           <a:p>
             <a:pPr lvl="0"/>
             <a:r>
-              <a:rPr lang="nl-NL" smtClean="0"/>
+              <a:rPr lang="nl-NL"/>
               <a:t>Tekststijl van het model bewerken</a:t>
             </a:r>
           </a:p>
           <a:p>
             <a:pPr lvl="1"/>
             <a:r>
-              <a:rPr lang="nl-NL" smtClean="0"/>
+              <a:rPr lang="nl-NL"/>
               <a:t>Tweede niveau</a:t>
             </a:r>
           </a:p>
           <a:p>
             <a:pPr lvl="2"/>
             <a:r>
-              <a:rPr lang="nl-NL" smtClean="0"/>
+              <a:rPr lang="nl-NL"/>
               <a:t>Derde niveau</a:t>
             </a:r>
           </a:p>
           <a:p>
             <a:pPr lvl="3"/>
             <a:r>
-              <a:rPr lang="nl-NL" smtClean="0"/>
+              <a:rPr lang="nl-NL"/>
               <a:t>Vierde niveau</a:t>
             </a:r>
           </a:p>
           <a:p>
             <a:pPr lvl="4"/>
             <a:r>
-              <a:rPr lang="nl-NL" smtClean="0"/>
+              <a:rPr lang="nl-NL"/>
               <a:t>Vijfde niveau</a:t>
             </a:r>
             <a:endParaRPr lang="en-US" dirty="0"/>
@@ -2208,7 +2213,7 @@
           <a:p>
             <a:pPr lvl="0"/>
             <a:r>
-              <a:rPr lang="nl-NL" smtClean="0"/>
+              <a:rPr lang="nl-NL"/>
               <a:t>Tekststijl van het model bewerken</a:t>
             </a:r>
           </a:p>
@@ -2231,7 +2236,7 @@
           <a:p>
             <a:fld id="{1160EA64-D806-43AC-9DF2-F8C432F32B4C}" type="datetimeFigureOut">
               <a:rPr lang="en-US" dirty="0"/>
-              <a:t>2/14/2020</a:t>
+              <a:t>2/17/2020</a:t>
             </a:fld>
             <a:endParaRPr lang="en-US" dirty="0"/>
           </a:p>
@@ -2397,7 +2402,7 @@
           </a:lstStyle>
           <a:p>
             <a:r>
-              <a:rPr lang="nl-NL" smtClean="0"/>
+              <a:rPr lang="nl-NL"/>
               <a:t>Klik om de stijl te bewerken</a:t>
             </a:r>
             <a:endParaRPr lang="en-US" dirty="0"/>
@@ -2471,7 +2476,7 @@
           </a:lstStyle>
           <a:p>
             <a:r>
-              <a:rPr lang="nl-NL" smtClean="0"/>
+              <a:rPr lang="nl-NL"/>
               <a:t>Klik op het pictogram als u een afbeelding wilt toevoegen</a:t>
             </a:r>
             <a:endParaRPr lang="en-US" dirty="0"/>
@@ -2543,7 +2548,7 @@
           <a:p>
             <a:pPr lvl="0"/>
             <a:r>
-              <a:rPr lang="nl-NL" smtClean="0"/>
+              <a:rPr lang="nl-NL"/>
               <a:t>Tekststijl van het model bewerken</a:t>
             </a:r>
           </a:p>
@@ -2584,7 +2589,7 @@
             <a:fld id="{1160EA64-D806-43AC-9DF2-F8C432F32B4C}" type="datetimeFigureOut">
               <a:rPr lang="en-US" dirty="0"/>
               <a:pPr/>
-              <a:t>2/14/2020</a:t>
+              <a:t>2/17/2020</a:t>
             </a:fld>
             <a:endParaRPr lang="en-US" dirty="0"/>
           </a:p>
@@ -2716,7 +2721,7 @@
           <a:lstStyle/>
           <a:p>
             <a:r>
-              <a:rPr lang="nl-NL" smtClean="0"/>
+              <a:rPr lang="nl-NL"/>
               <a:t>Klik om de stijl te bewerken</a:t>
             </a:r>
             <a:endParaRPr lang="en-US" dirty="0"/>
@@ -2819,7 +2824,7 @@
           <a:p>
             <a:fld id="{1160EA64-D806-43AC-9DF2-F8C432F32B4C}" type="datetimeFigureOut">
               <a:rPr lang="en-US" dirty="0"/>
-              <a:t>2/14/2020</a:t>
+              <a:t>2/17/2020</a:t>
             </a:fld>
             <a:endParaRPr lang="en-US" dirty="0"/>
           </a:p>
@@ -3287,7 +3292,7 @@
           <a:lstStyle/>
           <a:p>
             <a:r>
-              <a:rPr lang="nl-NL" dirty="0" smtClean="0"/>
+              <a:rPr lang="nl-NL" dirty="0"/>
               <a:t>User Story's: Deel 1</a:t>
             </a:r>
             <a:endParaRPr lang="nl-BE" dirty="0"/>
@@ -3359,7 +3364,7 @@
           <a:lstStyle/>
           <a:p>
             <a:r>
-              <a:rPr lang="nl-NL" dirty="0" smtClean="0"/>
+              <a:rPr lang="nl-NL" dirty="0"/>
               <a:t>User Story's: Deel 2</a:t>
             </a:r>
             <a:endParaRPr lang="nl-BE" dirty="0"/>
@@ -3455,16 +3460,12 @@
                     <a:lstStyle/>
                     <a:p>
                       <a:r>
-                        <a:rPr lang="nl-NL" dirty="0" smtClean="0"/>
+                        <a:rPr lang="nl-NL" dirty="0"/>
                         <a:t>Als</a:t>
                       </a:r>
                       <a:r>
-                        <a:rPr lang="nl-NL" baseline="0" dirty="0" smtClean="0"/>
-                        <a:t> </a:t>
-                      </a:r>
-                      <a:r>
-                        <a:rPr lang="nl-NL" baseline="0" dirty="0" smtClean="0"/>
-                        <a:t>Speler (1)</a:t>
+                        <a:rPr lang="nl-NL" baseline="0" dirty="0"/>
+                        <a:t> Speler (1)</a:t>
                       </a:r>
                       <a:endParaRPr lang="nl-BE" dirty="0"/>
                     </a:p>
@@ -3484,11 +3485,11 @@
                     <a:lstStyle/>
                     <a:p>
                       <a:r>
-                        <a:rPr lang="nl-NL" dirty="0" smtClean="0"/>
+                        <a:rPr lang="nl-NL" dirty="0"/>
                         <a:t>Wil ik</a:t>
                       </a:r>
                       <a:r>
-                        <a:rPr lang="nl-NL" baseline="0" dirty="0" smtClean="0"/>
+                        <a:rPr lang="nl-NL" baseline="0" dirty="0"/>
                         <a:t> een startscherm krijgen bij het begin van het spel</a:t>
                       </a:r>
                       <a:endParaRPr lang="nl-BE" dirty="0"/>
@@ -3509,11 +3510,11 @@
                     <a:lstStyle/>
                     <a:p>
                       <a:r>
-                        <a:rPr lang="nl-NL" dirty="0" smtClean="0"/>
+                        <a:rPr lang="nl-NL" dirty="0"/>
                         <a:t>Zodat</a:t>
                       </a:r>
                       <a:r>
-                        <a:rPr lang="nl-NL" baseline="0" dirty="0" smtClean="0"/>
+                        <a:rPr lang="nl-NL" baseline="0" dirty="0"/>
                         <a:t> ik het spel kan starten</a:t>
                       </a:r>
                       <a:endParaRPr lang="nl-BE" dirty="0"/>
@@ -3571,16 +3572,12 @@
                     <a:lstStyle/>
                     <a:p>
                       <a:r>
-                        <a:rPr lang="nl-NL" dirty="0" smtClean="0"/>
+                        <a:rPr lang="nl-NL" dirty="0"/>
                         <a:t>Als</a:t>
                       </a:r>
                       <a:r>
-                        <a:rPr lang="nl-NL" baseline="0" dirty="0" smtClean="0"/>
-                        <a:t> Speler </a:t>
-                      </a:r>
-                      <a:r>
-                        <a:rPr lang="nl-NL" baseline="0" dirty="0" smtClean="0"/>
-                        <a:t>(2)</a:t>
+                        <a:rPr lang="nl-NL" baseline="0" dirty="0"/>
+                        <a:t> Speler (2)</a:t>
                       </a:r>
                       <a:endParaRPr lang="nl-BE" dirty="0"/>
                     </a:p>
@@ -3600,11 +3597,11 @@
                     <a:lstStyle/>
                     <a:p>
                       <a:r>
-                        <a:rPr lang="nl-NL" dirty="0" smtClean="0"/>
+                        <a:rPr lang="nl-NL" dirty="0"/>
                         <a:t>Wil ik</a:t>
                       </a:r>
                       <a:r>
-                        <a:rPr lang="nl-NL" baseline="0" dirty="0" smtClean="0"/>
+                        <a:rPr lang="nl-NL" baseline="0" dirty="0"/>
                         <a:t> paarden kunnen toevoegen</a:t>
                       </a:r>
                       <a:endParaRPr lang="nl-BE" dirty="0"/>
@@ -3625,11 +3622,11 @@
                     <a:lstStyle/>
                     <a:p>
                       <a:r>
-                        <a:rPr lang="nl-NL" dirty="0" smtClean="0"/>
+                        <a:rPr lang="nl-NL" dirty="0"/>
                         <a:t>Zodat</a:t>
                       </a:r>
                       <a:r>
-                        <a:rPr lang="nl-NL" baseline="0" dirty="0" smtClean="0"/>
+                        <a:rPr lang="nl-NL" baseline="0" dirty="0"/>
                         <a:t> ik op andere paarden kan laten racen</a:t>
                       </a:r>
                       <a:endParaRPr lang="nl-BE" dirty="0"/>
@@ -3687,16 +3684,12 @@
                     <a:lstStyle/>
                     <a:p>
                       <a:r>
-                        <a:rPr lang="nl-NL" dirty="0" smtClean="0"/>
+                        <a:rPr lang="nl-NL" dirty="0"/>
                         <a:t>Als</a:t>
                       </a:r>
                       <a:r>
-                        <a:rPr lang="nl-NL" baseline="0" dirty="0" smtClean="0"/>
-                        <a:t> Speler </a:t>
-                      </a:r>
-                      <a:r>
-                        <a:rPr lang="nl-NL" baseline="0" dirty="0" smtClean="0"/>
-                        <a:t>(4)</a:t>
+                        <a:rPr lang="nl-NL" baseline="0" dirty="0"/>
+                        <a:t> Speler (4)</a:t>
                       </a:r>
                       <a:endParaRPr lang="nl-BE" dirty="0"/>
                     </a:p>
@@ -3716,11 +3709,11 @@
                     <a:lstStyle/>
                     <a:p>
                       <a:r>
-                        <a:rPr lang="nl-NL" dirty="0" smtClean="0"/>
+                        <a:rPr lang="nl-NL" dirty="0"/>
                         <a:t>Wil ik</a:t>
                       </a:r>
                       <a:r>
-                        <a:rPr lang="nl-NL" baseline="0" dirty="0" smtClean="0"/>
+                        <a:rPr lang="nl-NL" baseline="0" dirty="0"/>
                         <a:t> een markt waarbij ik voeding voor de paarden te voeden</a:t>
                       </a:r>
                       <a:endParaRPr lang="nl-BE" dirty="0"/>
@@ -3741,11 +3734,11 @@
                     <a:lstStyle/>
                     <a:p>
                       <a:r>
-                        <a:rPr lang="nl-NL" dirty="0" smtClean="0"/>
+                        <a:rPr lang="nl-NL" dirty="0"/>
                         <a:t>Zodat</a:t>
                       </a:r>
                       <a:r>
-                        <a:rPr lang="nl-NL" baseline="0" dirty="0" smtClean="0"/>
+                        <a:rPr lang="nl-NL" baseline="0" dirty="0"/>
                         <a:t> ik de paarden een boost kan geven</a:t>
                       </a:r>
                       <a:endParaRPr lang="nl-BE" dirty="0"/>
@@ -3803,16 +3796,12 @@
                     <a:lstStyle/>
                     <a:p>
                       <a:r>
-                        <a:rPr lang="nl-NL" dirty="0" smtClean="0"/>
+                        <a:rPr lang="nl-NL" dirty="0"/>
                         <a:t>Als</a:t>
                       </a:r>
                       <a:r>
-                        <a:rPr lang="nl-NL" baseline="0" dirty="0" smtClean="0"/>
-                        <a:t> Speler </a:t>
-                      </a:r>
-                      <a:r>
-                        <a:rPr lang="nl-NL" baseline="0" dirty="0" smtClean="0"/>
-                        <a:t>(3)</a:t>
+                        <a:rPr lang="nl-NL" baseline="0" dirty="0"/>
+                        <a:t> Speler (3)</a:t>
                       </a:r>
                       <a:endParaRPr lang="nl-BE" dirty="0"/>
                     </a:p>
@@ -3832,7 +3821,7 @@
                     <a:lstStyle/>
                     <a:p>
                       <a:r>
-                        <a:rPr lang="nl-NL" dirty="0" smtClean="0"/>
+                        <a:rPr lang="nl-NL" dirty="0"/>
                         <a:t>Wil ik mijn paard kunnen verkopen</a:t>
                       </a:r>
                       <a:endParaRPr lang="nl-BE" dirty="0"/>
@@ -3853,11 +3842,11 @@
                     <a:lstStyle/>
                     <a:p>
                       <a:r>
-                        <a:rPr lang="nl-NL" dirty="0" smtClean="0"/>
+                        <a:rPr lang="nl-NL" dirty="0"/>
                         <a:t>Zodat</a:t>
                       </a:r>
                       <a:r>
-                        <a:rPr lang="nl-NL" baseline="0" dirty="0" smtClean="0"/>
+                        <a:rPr lang="nl-NL" baseline="0" dirty="0"/>
                         <a:t> ik andere paarden kan kopen</a:t>
                       </a:r>
                       <a:endParaRPr lang="nl-BE" dirty="0"/>
@@ -3945,12 +3934,8 @@
                     <a:lstStyle/>
                     <a:p>
                       <a:r>
-                        <a:rPr lang="nl-NL" dirty="0" smtClean="0"/>
-                        <a:t>Als </a:t>
-                      </a:r>
-                      <a:r>
-                        <a:rPr lang="nl-NL" dirty="0" smtClean="0"/>
-                        <a:t>winnaar (1)</a:t>
+                        <a:rPr lang="nl-NL" dirty="0"/>
+                        <a:t>Als winnaar (1)</a:t>
                       </a:r>
                       <a:endParaRPr lang="nl-BE" dirty="0"/>
                     </a:p>
@@ -3970,11 +3955,11 @@
                     <a:lstStyle/>
                     <a:p>
                       <a:r>
-                        <a:rPr lang="nl-NL" dirty="0" smtClean="0"/>
+                        <a:rPr lang="nl-NL" dirty="0"/>
                         <a:t>Wil ik een overwinning scherm</a:t>
                       </a:r>
                       <a:r>
-                        <a:rPr lang="nl-NL" baseline="0" dirty="0" smtClean="0"/>
+                        <a:rPr lang="nl-NL" baseline="0" dirty="0"/>
                         <a:t> zien na een race</a:t>
                       </a:r>
                       <a:endParaRPr lang="nl-BE" dirty="0"/>
@@ -3995,11 +3980,11 @@
                     <a:lstStyle/>
                     <a:p>
                       <a:r>
-                        <a:rPr lang="nl-NL" dirty="0" smtClean="0"/>
+                        <a:rPr lang="nl-NL" dirty="0"/>
                         <a:t>Zodat</a:t>
                       </a:r>
                       <a:r>
-                        <a:rPr lang="nl-NL" baseline="0" dirty="0" smtClean="0"/>
+                        <a:rPr lang="nl-NL" baseline="0" dirty="0"/>
                         <a:t> ik weet dat ik heb gewonnen</a:t>
                       </a:r>
                       <a:endParaRPr lang="nl-BE" dirty="0"/>
@@ -4057,16 +4042,12 @@
                     <a:lstStyle/>
                     <a:p>
                       <a:r>
-                        <a:rPr lang="nl-NL" dirty="0" smtClean="0"/>
+                        <a:rPr lang="nl-NL" dirty="0"/>
                         <a:t>Als verliezer</a:t>
                       </a:r>
                       <a:r>
-                        <a:rPr lang="nl-NL" baseline="0" dirty="0" smtClean="0"/>
-                        <a:t> </a:t>
-                      </a:r>
-                      <a:r>
-                        <a:rPr lang="nl-NL" baseline="0" dirty="0" smtClean="0"/>
-                        <a:t>(1)</a:t>
+                        <a:rPr lang="nl-NL" baseline="0" dirty="0"/>
+                        <a:t> (1)</a:t>
                       </a:r>
                       <a:endParaRPr lang="nl-BE" dirty="0"/>
                     </a:p>
@@ -4086,11 +4067,11 @@
                     <a:lstStyle/>
                     <a:p>
                       <a:r>
-                        <a:rPr lang="nl-NL" dirty="0" smtClean="0"/>
+                        <a:rPr lang="nl-NL" dirty="0"/>
                         <a:t>Wil ik een</a:t>
                       </a:r>
                       <a:r>
-                        <a:rPr lang="nl-NL" baseline="0" dirty="0" smtClean="0"/>
+                        <a:rPr lang="nl-NL" baseline="0" dirty="0"/>
                         <a:t> verlies scherm na een race</a:t>
                       </a:r>
                       <a:endParaRPr lang="nl-BE" dirty="0"/>
@@ -4111,11 +4092,11 @@
                     <a:lstStyle/>
                     <a:p>
                       <a:r>
-                        <a:rPr lang="nl-NL" dirty="0" smtClean="0"/>
+                        <a:rPr lang="nl-NL" dirty="0"/>
                         <a:t>Zodat</a:t>
                       </a:r>
                       <a:r>
-                        <a:rPr lang="nl-NL" baseline="0" dirty="0" smtClean="0"/>
+                        <a:rPr lang="nl-NL" baseline="0" dirty="0"/>
                         <a:t> ik weet dat ik heb verloren</a:t>
                       </a:r>
                       <a:endParaRPr lang="nl-BE" dirty="0"/>
@@ -4173,12 +4154,8 @@
                     <a:lstStyle/>
                     <a:p>
                       <a:r>
-                        <a:rPr lang="nl-NL" dirty="0" smtClean="0"/>
-                        <a:t>Als </a:t>
-                      </a:r>
-                      <a:r>
-                        <a:rPr lang="nl-NL" dirty="0" smtClean="0"/>
-                        <a:t>Speler (2)</a:t>
+                        <a:rPr lang="nl-NL" dirty="0"/>
+                        <a:t>Als Speler (2)</a:t>
                       </a:r>
                       <a:endParaRPr lang="nl-BE" dirty="0"/>
                     </a:p>
@@ -4198,7 +4175,7 @@
                     <a:lstStyle/>
                     <a:p>
                       <a:r>
-                        <a:rPr lang="nl-NL" dirty="0" smtClean="0"/>
+                        <a:rPr lang="nl-NL" dirty="0"/>
                         <a:t>Wil ik Instellingen kunnen veranderen</a:t>
                       </a:r>
                       <a:endParaRPr lang="nl-BE" dirty="0"/>
@@ -4219,11 +4196,11 @@
                     <a:lstStyle/>
                     <a:p>
                       <a:r>
-                        <a:rPr lang="nl-NL" dirty="0" smtClean="0"/>
+                        <a:rPr lang="nl-NL" dirty="0"/>
                         <a:t>Zodat</a:t>
                       </a:r>
                       <a:r>
-                        <a:rPr lang="nl-NL" baseline="0" dirty="0" smtClean="0"/>
+                        <a:rPr lang="nl-NL" baseline="0" dirty="0"/>
                         <a:t> ik mijn voorkeuren kan aanduiden</a:t>
                       </a:r>
                       <a:endParaRPr lang="nl-BE" dirty="0"/>
@@ -4298,18 +4275,14 @@
                         <a:defRPr/>
                       </a:pPr>
                       <a:r>
-                        <a:rPr lang="nl-NL" dirty="0" smtClean="0"/>
+                        <a:rPr lang="nl-NL" dirty="0"/>
                         <a:t>Als</a:t>
                       </a:r>
                       <a:r>
-                        <a:rPr lang="nl-NL" baseline="0" dirty="0" smtClean="0"/>
-                        <a:t> </a:t>
-                      </a:r>
-                      <a:r>
-                        <a:rPr lang="nl-NL" baseline="0" dirty="0" smtClean="0"/>
-                        <a:t>Speler(3)</a:t>
-                      </a:r>
-                      <a:endParaRPr lang="nl-BE" dirty="0" smtClean="0"/>
+                        <a:rPr lang="nl-NL" baseline="0" dirty="0"/>
+                        <a:t> Speler(3)</a:t>
+                      </a:r>
+                      <a:endParaRPr lang="nl-BE" dirty="0"/>
                     </a:p>
                   </a:txBody>
                   <a:tcPr/>
@@ -4327,7 +4300,7 @@
                     <a:lstStyle/>
                     <a:p>
                       <a:r>
-                        <a:rPr lang="nl-NL" dirty="0" smtClean="0"/>
+                        <a:rPr lang="nl-NL" dirty="0"/>
                         <a:t>Wil ik kunnen inloggen </a:t>
                       </a:r>
                       <a:endParaRPr lang="nl-BE" dirty="0"/>
@@ -4348,11 +4321,11 @@
                     <a:lstStyle/>
                     <a:p>
                       <a:r>
-                        <a:rPr lang="nl-NL" dirty="0" smtClean="0"/>
+                        <a:rPr lang="nl-NL" dirty="0"/>
                         <a:t>Zodat</a:t>
                       </a:r>
                       <a:r>
-                        <a:rPr lang="nl-NL" baseline="0" dirty="0" smtClean="0"/>
+                        <a:rPr lang="nl-NL" baseline="0" dirty="0"/>
                         <a:t> ik een eigen account heb </a:t>
                       </a:r>
                       <a:endParaRPr lang="nl-BE" dirty="0"/>
@@ -4440,12 +4413,8 @@
                     <a:lstStyle/>
                     <a:p>
                       <a:r>
-                        <a:rPr lang="nl-NL" dirty="0" smtClean="0"/>
-                        <a:t>Als Speler </a:t>
-                      </a:r>
-                      <a:r>
-                        <a:rPr lang="nl-NL" dirty="0" smtClean="0"/>
-                        <a:t>(5)</a:t>
+                        <a:rPr lang="nl-NL" dirty="0"/>
+                        <a:t>Als Speler (5)</a:t>
                       </a:r>
                       <a:endParaRPr lang="nl-BE" dirty="0"/>
                     </a:p>
@@ -4465,7 +4434,7 @@
                     <a:lstStyle/>
                     <a:p>
                       <a:r>
-                        <a:rPr lang="nl-NL" dirty="0" smtClean="0"/>
+                        <a:rPr lang="nl-NL" dirty="0"/>
                         <a:t>Wil ik een bank</a:t>
                       </a:r>
                       <a:endParaRPr lang="nl-BE" dirty="0"/>
@@ -4503,18 +4472,18 @@
                         <a:defRPr/>
                       </a:pPr>
                       <a:r>
-                        <a:rPr lang="nl-NL" dirty="0" smtClean="0"/>
+                        <a:rPr lang="nl-NL" dirty="0"/>
                         <a:t>Zodat</a:t>
                       </a:r>
                       <a:r>
-                        <a:rPr lang="nl-NL" baseline="0" dirty="0" smtClean="0"/>
+                        <a:rPr lang="nl-NL" baseline="0" dirty="0"/>
                         <a:t> ik </a:t>
                       </a:r>
                       <a:r>
-                        <a:rPr lang="nl-NL" dirty="0" smtClean="0"/>
+                        <a:rPr lang="nl-NL" dirty="0"/>
                         <a:t>geld kan lenen</a:t>
                       </a:r>
-                      <a:endParaRPr lang="nl-BE" dirty="0" smtClean="0"/>
+                      <a:endParaRPr lang="nl-BE" dirty="0"/>
                     </a:p>
                   </a:txBody>
                   <a:tcPr/>
@@ -4569,16 +4538,12 @@
                     <a:lstStyle/>
                     <a:p>
                       <a:r>
-                        <a:rPr lang="nl-NL" dirty="0" smtClean="0"/>
+                        <a:rPr lang="nl-NL" dirty="0"/>
                         <a:t>Als</a:t>
                       </a:r>
                       <a:r>
-                        <a:rPr lang="nl-NL" baseline="0" dirty="0" smtClean="0"/>
-                        <a:t> Speler </a:t>
-                      </a:r>
-                      <a:r>
-                        <a:rPr lang="nl-NL" baseline="0" dirty="0" smtClean="0"/>
-                        <a:t>(2)</a:t>
+                        <a:rPr lang="nl-NL" baseline="0" dirty="0"/>
+                        <a:t> Speler (2)</a:t>
                       </a:r>
                       <a:endParaRPr lang="nl-BE" dirty="0"/>
                     </a:p>
@@ -4598,7 +4563,7 @@
                     <a:lstStyle/>
                     <a:p>
                       <a:r>
-                        <a:rPr lang="nl-NL" dirty="0" smtClean="0"/>
+                        <a:rPr lang="nl-NL" dirty="0"/>
                         <a:t>Wil ik een bankrekening</a:t>
                       </a:r>
                       <a:endParaRPr lang="nl-BE" dirty="0"/>
@@ -4619,11 +4584,11 @@
                     <a:lstStyle/>
                     <a:p>
                       <a:r>
-                        <a:rPr lang="nl-NL" dirty="0" smtClean="0"/>
+                        <a:rPr lang="nl-NL" dirty="0"/>
                         <a:t>Zodat</a:t>
                       </a:r>
                       <a:r>
-                        <a:rPr lang="nl-NL" baseline="0" dirty="0" smtClean="0"/>
+                        <a:rPr lang="nl-NL" baseline="0" dirty="0"/>
                         <a:t> ik geld kan afhalen en toevoegen.</a:t>
                       </a:r>
                       <a:endParaRPr lang="nl-BE" dirty="0"/>
@@ -4681,12 +4646,8 @@
                     <a:lstStyle/>
                     <a:p>
                       <a:r>
-                        <a:rPr lang="nl-NL" dirty="0" smtClean="0"/>
-                        <a:t>Als </a:t>
-                      </a:r>
-                      <a:r>
-                        <a:rPr lang="nl-NL" dirty="0" smtClean="0"/>
-                        <a:t>speler (5)</a:t>
+                        <a:rPr lang="nl-NL" dirty="0"/>
+                        <a:t>Als speler (5)</a:t>
                       </a:r>
                       <a:endParaRPr lang="nl-BE" dirty="0"/>
                     </a:p>
@@ -4706,15 +4667,15 @@
                     <a:lstStyle/>
                     <a:p>
                       <a:r>
-                        <a:rPr lang="nl-NL" dirty="0" smtClean="0"/>
+                        <a:rPr lang="nl-NL" dirty="0"/>
                         <a:t>Wil ik </a:t>
                       </a:r>
                       <a:r>
-                        <a:rPr lang="nl-NL" smtClean="0"/>
+                        <a:rPr lang="nl-NL"/>
                         <a:t>een</a:t>
                       </a:r>
                       <a:r>
-                        <a:rPr lang="nl-NL" baseline="0" smtClean="0"/>
+                        <a:rPr lang="nl-NL" baseline="0"/>
                         <a:t> reset knop</a:t>
                       </a:r>
                       <a:endParaRPr lang="nl-BE" dirty="0"/>
@@ -4735,11 +4696,11 @@
                     <a:lstStyle/>
                     <a:p>
                       <a:r>
-                        <a:rPr lang="nl-NL" dirty="0" smtClean="0"/>
+                        <a:rPr lang="nl-NL" dirty="0"/>
                         <a:t>Zodat</a:t>
                       </a:r>
                       <a:r>
-                        <a:rPr lang="nl-NL" baseline="0" dirty="0" smtClean="0"/>
+                        <a:rPr lang="nl-NL" baseline="0" dirty="0"/>
                         <a:t> ik opnieuw kan starten</a:t>
                       </a:r>
                       <a:endParaRPr lang="nl-BE" dirty="0"/>
@@ -4814,18 +4775,14 @@
                         <a:defRPr/>
                       </a:pPr>
                       <a:r>
-                        <a:rPr lang="nl-NL" dirty="0" smtClean="0"/>
+                        <a:rPr lang="nl-NL" dirty="0"/>
                         <a:t>Als</a:t>
                       </a:r>
                       <a:r>
-                        <a:rPr lang="nl-NL" baseline="0" dirty="0" smtClean="0"/>
-                        <a:t> </a:t>
-                      </a:r>
-                      <a:r>
-                        <a:rPr lang="nl-NL" baseline="0" dirty="0" smtClean="0"/>
-                        <a:t>Speler (5)</a:t>
-                      </a:r>
-                      <a:endParaRPr lang="nl-BE" dirty="0" smtClean="0"/>
+                        <a:rPr lang="nl-NL" baseline="0" dirty="0"/>
+                        <a:t> Speler (5)</a:t>
+                      </a:r>
+                      <a:endParaRPr lang="nl-BE" dirty="0"/>
                     </a:p>
                   </a:txBody>
                   <a:tcPr/>
@@ -4843,11 +4800,11 @@
                     <a:lstStyle/>
                     <a:p>
                       <a:r>
-                        <a:rPr lang="nl-NL" dirty="0" smtClean="0"/>
+                        <a:rPr lang="nl-NL" dirty="0"/>
                         <a:t>Wil ik</a:t>
                       </a:r>
                       <a:r>
-                        <a:rPr lang="nl-NL" baseline="0" dirty="0" smtClean="0"/>
+                        <a:rPr lang="nl-NL" baseline="0" dirty="0"/>
                         <a:t> een experience bar</a:t>
                       </a:r>
                       <a:endParaRPr lang="nl-BE" dirty="0"/>
@@ -4868,11 +4825,11 @@
                     <a:lstStyle/>
                     <a:p>
                       <a:r>
-                        <a:rPr lang="nl-NL" dirty="0" smtClean="0"/>
+                        <a:rPr lang="nl-NL" dirty="0"/>
                         <a:t>Zodat</a:t>
                       </a:r>
                       <a:r>
-                        <a:rPr lang="nl-NL" baseline="0" dirty="0" smtClean="0"/>
+                        <a:rPr lang="nl-NL" baseline="0" dirty="0"/>
                         <a:t> ik weet hoever ik in het levelsysteem zit</a:t>
                       </a:r>
                       <a:endParaRPr lang="nl-BE" dirty="0"/>
@@ -4960,12 +4917,8 @@
                     <a:lstStyle/>
                     <a:p>
                       <a:r>
-                        <a:rPr lang="nl-NL" dirty="0" smtClean="0"/>
-                        <a:t>Als Speler </a:t>
-                      </a:r>
-                      <a:r>
-                        <a:rPr lang="nl-NL" dirty="0" smtClean="0"/>
-                        <a:t>(1)</a:t>
+                        <a:rPr lang="nl-NL" dirty="0"/>
+                        <a:t>Als Speler (1)</a:t>
                       </a:r>
                       <a:endParaRPr lang="nl-BE" dirty="0"/>
                     </a:p>
@@ -4985,7 +4938,7 @@
                     <a:lstStyle/>
                     <a:p>
                       <a:r>
-                        <a:rPr lang="nl-NL" dirty="0" smtClean="0"/>
+                        <a:rPr lang="nl-NL" dirty="0"/>
                         <a:t>Wil ik een levelsysteem</a:t>
                       </a:r>
                       <a:endParaRPr lang="nl-BE" dirty="0"/>
@@ -5023,22 +4976,22 @@
                         <a:defRPr/>
                       </a:pPr>
                       <a:r>
-                        <a:rPr lang="nl-NL" dirty="0" smtClean="0"/>
+                        <a:rPr lang="nl-NL" dirty="0"/>
                         <a:t>Zodat</a:t>
                       </a:r>
                       <a:r>
-                        <a:rPr lang="nl-NL" baseline="0" dirty="0" smtClean="0"/>
+                        <a:rPr lang="nl-NL" baseline="0" dirty="0"/>
                         <a:t> ik mijn </a:t>
                       </a:r>
                       <a:r>
-                        <a:rPr lang="nl-NL" dirty="0" smtClean="0"/>
+                        <a:rPr lang="nl-NL" dirty="0"/>
                         <a:t>progressie</a:t>
                       </a:r>
                       <a:r>
-                        <a:rPr lang="nl-NL" baseline="0" dirty="0" smtClean="0"/>
+                        <a:rPr lang="nl-NL" baseline="0" dirty="0"/>
                         <a:t> kan zien</a:t>
                       </a:r>
-                      <a:endParaRPr lang="nl-BE" dirty="0" smtClean="0"/>
+                      <a:endParaRPr lang="nl-BE" dirty="0"/>
                     </a:p>
                   </a:txBody>
                   <a:tcPr/>
@@ -5093,16 +5046,12 @@
                     <a:lstStyle/>
                     <a:p>
                       <a:r>
-                        <a:rPr lang="nl-NL" dirty="0" smtClean="0"/>
+                        <a:rPr lang="nl-NL" dirty="0"/>
                         <a:t>Als</a:t>
                       </a:r>
                       <a:r>
-                        <a:rPr lang="nl-NL" baseline="0" dirty="0" smtClean="0"/>
-                        <a:t> Speler </a:t>
-                      </a:r>
-                      <a:r>
-                        <a:rPr lang="nl-NL" baseline="0" dirty="0" smtClean="0"/>
-                        <a:t>(2)</a:t>
+                        <a:rPr lang="nl-NL" baseline="0" dirty="0"/>
+                        <a:t> Speler (2)</a:t>
                       </a:r>
                       <a:endParaRPr lang="nl-BE" dirty="0"/>
                     </a:p>
@@ -5122,7 +5071,7 @@
                     <a:lstStyle/>
                     <a:p>
                       <a:r>
-                        <a:rPr lang="nl-NL" dirty="0" smtClean="0"/>
+                        <a:rPr lang="nl-NL" dirty="0"/>
                         <a:t>Wil ik dat mijn gegevens worden opgeslagen</a:t>
                       </a:r>
                       <a:endParaRPr lang="nl-BE" dirty="0"/>
@@ -5143,11 +5092,11 @@
                     <a:lstStyle/>
                     <a:p>
                       <a:r>
-                        <a:rPr lang="nl-NL" dirty="0" smtClean="0"/>
+                        <a:rPr lang="nl-NL" dirty="0"/>
                         <a:t>Zodat</a:t>
                       </a:r>
                       <a:r>
-                        <a:rPr lang="nl-NL" baseline="0" dirty="0" smtClean="0"/>
+                        <a:rPr lang="nl-NL" baseline="0" dirty="0"/>
                         <a:t> ik later verder kan spelen</a:t>
                       </a:r>
                       <a:endParaRPr lang="nl-BE" dirty="0"/>
@@ -5205,12 +5154,8 @@
                     <a:lstStyle/>
                     <a:p>
                       <a:r>
-                        <a:rPr lang="nl-NL" dirty="0" smtClean="0"/>
-                        <a:t>Als </a:t>
-                      </a:r>
-                      <a:r>
-                        <a:rPr lang="nl-NL" dirty="0" smtClean="0"/>
-                        <a:t>speler (3)</a:t>
+                        <a:rPr lang="nl-NL" dirty="0"/>
+                        <a:t>Als speler (3)</a:t>
                       </a:r>
                       <a:endParaRPr lang="nl-BE" dirty="0"/>
                     </a:p>
@@ -5230,11 +5175,11 @@
                     <a:lstStyle/>
                     <a:p>
                       <a:r>
-                        <a:rPr lang="nl-NL" dirty="0" smtClean="0"/>
+                        <a:rPr lang="nl-NL" dirty="0"/>
                         <a:t>Wil ik</a:t>
                       </a:r>
                       <a:r>
-                        <a:rPr lang="nl-NL" baseline="0" dirty="0" smtClean="0"/>
+                        <a:rPr lang="nl-NL" baseline="0" dirty="0"/>
                         <a:t> een overzicht met mijn prestaties</a:t>
                       </a:r>
                       <a:endParaRPr lang="nl-BE" dirty="0"/>
@@ -5255,11 +5200,11 @@
                     <a:lstStyle/>
                     <a:p>
                       <a:r>
-                        <a:rPr lang="nl-NL" dirty="0" smtClean="0"/>
+                        <a:rPr lang="nl-NL" dirty="0"/>
                         <a:t>Zodat</a:t>
                       </a:r>
                       <a:r>
-                        <a:rPr lang="nl-NL" baseline="0" dirty="0" smtClean="0"/>
+                        <a:rPr lang="nl-NL" baseline="0" dirty="0"/>
                         <a:t> ik weet hoe goed ik ben in het spel</a:t>
                       </a:r>
                       <a:endParaRPr lang="nl-BE" dirty="0"/>
@@ -5334,18 +5279,14 @@
                         <a:defRPr/>
                       </a:pPr>
                       <a:r>
-                        <a:rPr lang="nl-NL" dirty="0" smtClean="0"/>
+                        <a:rPr lang="nl-NL" dirty="0"/>
                         <a:t>Als</a:t>
                       </a:r>
                       <a:r>
-                        <a:rPr lang="nl-NL" baseline="0" dirty="0" smtClean="0"/>
-                        <a:t> </a:t>
-                      </a:r>
-                      <a:r>
-                        <a:rPr lang="nl-NL" baseline="0" dirty="0" smtClean="0"/>
-                        <a:t>Speler (5)</a:t>
-                      </a:r>
-                      <a:endParaRPr lang="nl-BE" dirty="0" smtClean="0"/>
+                        <a:rPr lang="nl-NL" baseline="0" dirty="0"/>
+                        <a:t> Speler (5)</a:t>
+                      </a:r>
+                      <a:endParaRPr lang="nl-BE" dirty="0"/>
                     </a:p>
                   </a:txBody>
                   <a:tcPr/>
@@ -5363,11 +5304,11 @@
                     <a:lstStyle/>
                     <a:p>
                       <a:r>
-                        <a:rPr lang="nl-NL" dirty="0" smtClean="0"/>
+                        <a:rPr lang="nl-NL" dirty="0"/>
                         <a:t>Wil ik een</a:t>
                       </a:r>
                       <a:r>
-                        <a:rPr lang="nl-NL" baseline="0" dirty="0" smtClean="0"/>
+                        <a:rPr lang="nl-NL" baseline="0" dirty="0"/>
                         <a:t> rusttijd voor de paarden</a:t>
                       </a:r>
                       <a:endParaRPr lang="nl-BE" dirty="0"/>
@@ -5388,11 +5329,11 @@
                     <a:lstStyle/>
                     <a:p>
                       <a:r>
-                        <a:rPr lang="nl-NL" dirty="0" smtClean="0"/>
+                        <a:rPr lang="nl-NL" dirty="0"/>
                         <a:t>Zodat</a:t>
                       </a:r>
                       <a:r>
-                        <a:rPr lang="nl-NL" baseline="0" dirty="0" smtClean="0"/>
+                        <a:rPr lang="nl-NL" baseline="0" dirty="0"/>
                         <a:t> ik niet steeds hetzelfde paard kan gebruiken</a:t>
                       </a:r>
                       <a:endParaRPr lang="nl-BE" dirty="0"/>
@@ -5480,12 +5421,8 @@
                     <a:lstStyle/>
                     <a:p>
                       <a:r>
-                        <a:rPr lang="nl-NL" dirty="0" smtClean="0"/>
-                        <a:t>Als Speler </a:t>
-                      </a:r>
-                      <a:r>
-                        <a:rPr lang="nl-NL" dirty="0" smtClean="0"/>
-                        <a:t>(4)</a:t>
+                        <a:rPr lang="nl-NL" dirty="0"/>
+                        <a:t>Als Speler (4)</a:t>
                       </a:r>
                       <a:endParaRPr lang="nl-BE" dirty="0"/>
                     </a:p>
@@ -5505,11 +5442,11 @@
                     <a:lstStyle/>
                     <a:p>
                       <a:r>
-                        <a:rPr lang="nl-NL" dirty="0" smtClean="0"/>
+                        <a:rPr lang="nl-NL" dirty="0"/>
                         <a:t>Wil ik</a:t>
                       </a:r>
                       <a:r>
-                        <a:rPr lang="nl-NL" baseline="0" dirty="0" smtClean="0"/>
+                        <a:rPr lang="nl-NL" baseline="0" dirty="0"/>
                         <a:t> een sorteerlijst</a:t>
                       </a:r>
                       <a:endParaRPr lang="nl-BE" dirty="0"/>
@@ -5547,14 +5484,14 @@
                         <a:defRPr/>
                       </a:pPr>
                       <a:r>
-                        <a:rPr lang="nl-NL" dirty="0" smtClean="0"/>
+                        <a:rPr lang="nl-NL" dirty="0"/>
                         <a:t>Zodat</a:t>
                       </a:r>
                       <a:r>
-                        <a:rPr lang="nl-NL" baseline="0" dirty="0" smtClean="0"/>
+                        <a:rPr lang="nl-NL" baseline="0" dirty="0"/>
                         <a:t> ik mijn paarden kan opzoeken via verschillende categorieën</a:t>
                       </a:r>
-                      <a:endParaRPr lang="nl-BE" dirty="0" smtClean="0"/>
+                      <a:endParaRPr lang="nl-BE" dirty="0"/>
                     </a:p>
                   </a:txBody>
                   <a:tcPr/>
@@ -5609,16 +5546,12 @@
                     <a:lstStyle/>
                     <a:p>
                       <a:r>
-                        <a:rPr lang="nl-NL" dirty="0" smtClean="0"/>
+                        <a:rPr lang="nl-NL" dirty="0"/>
                         <a:t>Als</a:t>
                       </a:r>
                       <a:r>
-                        <a:rPr lang="nl-NL" baseline="0" dirty="0" smtClean="0"/>
-                        <a:t> Speler </a:t>
-                      </a:r>
-                      <a:r>
-                        <a:rPr lang="nl-NL" baseline="0" dirty="0" smtClean="0"/>
-                        <a:t>(5)</a:t>
+                        <a:rPr lang="nl-NL" baseline="0" dirty="0"/>
+                        <a:t> Speler (5)</a:t>
                       </a:r>
                       <a:endParaRPr lang="nl-BE" dirty="0"/>
                     </a:p>
@@ -5638,11 +5571,11 @@
                     <a:lstStyle/>
                     <a:p>
                       <a:r>
-                        <a:rPr lang="nl-NL" dirty="0" smtClean="0"/>
+                        <a:rPr lang="nl-NL" dirty="0"/>
                         <a:t>Wil ik</a:t>
                       </a:r>
                       <a:r>
-                        <a:rPr lang="nl-NL" baseline="0" dirty="0" smtClean="0"/>
+                        <a:rPr lang="nl-NL" baseline="0" dirty="0"/>
                         <a:t> een ingame klok</a:t>
                       </a:r>
                       <a:endParaRPr lang="nl-BE" dirty="0"/>
@@ -5663,11 +5596,11 @@
                     <a:lstStyle/>
                     <a:p>
                       <a:r>
-                        <a:rPr lang="nl-NL" dirty="0" smtClean="0"/>
+                        <a:rPr lang="nl-NL" dirty="0"/>
                         <a:t>Zodat</a:t>
                       </a:r>
                       <a:r>
-                        <a:rPr lang="nl-NL" baseline="0" dirty="0" smtClean="0"/>
+                        <a:rPr lang="nl-NL" baseline="0" dirty="0"/>
                         <a:t> ik een dag/nacht cyclus kan hebben</a:t>
                       </a:r>
                       <a:endParaRPr lang="nl-BE" dirty="0"/>
@@ -5725,12 +5658,8 @@
                     <a:lstStyle/>
                     <a:p>
                       <a:r>
-                        <a:rPr lang="nl-NL" dirty="0" smtClean="0"/>
-                        <a:t>Als </a:t>
-                      </a:r>
-                      <a:r>
-                        <a:rPr lang="nl-NL" dirty="0" smtClean="0"/>
-                        <a:t>speler (2)</a:t>
+                        <a:rPr lang="nl-NL" dirty="0"/>
+                        <a:t>Als speler (2)</a:t>
                       </a:r>
                       <a:endParaRPr lang="nl-BE" dirty="0"/>
                     </a:p>
@@ -5750,11 +5679,11 @@
                     <a:lstStyle/>
                     <a:p>
                       <a:r>
-                        <a:rPr lang="nl-NL" dirty="0" smtClean="0"/>
+                        <a:rPr lang="nl-NL" dirty="0"/>
                         <a:t>Wil ik een moeilijkheidsgraad kunne</a:t>
                       </a:r>
                       <a:r>
-                        <a:rPr lang="nl-NL" baseline="0" dirty="0" smtClean="0"/>
+                        <a:rPr lang="nl-NL" baseline="0" dirty="0"/>
                         <a:t>n kiezen</a:t>
                       </a:r>
                       <a:endParaRPr lang="nl-BE" dirty="0"/>
@@ -5775,11 +5704,11 @@
                     <a:lstStyle/>
                     <a:p>
                       <a:r>
-                        <a:rPr lang="nl-NL" dirty="0" smtClean="0"/>
+                        <a:rPr lang="nl-NL" dirty="0"/>
                         <a:t>Zodat</a:t>
                       </a:r>
                       <a:r>
-                        <a:rPr lang="nl-NL" baseline="0" dirty="0" smtClean="0"/>
+                        <a:rPr lang="nl-NL" baseline="0" dirty="0"/>
                         <a:t> ik het makkelijker of moeilijker kan maken</a:t>
                       </a:r>
                       <a:endParaRPr lang="nl-BE" dirty="0"/>
@@ -5854,18 +5783,14 @@
                         <a:defRPr/>
                       </a:pPr>
                       <a:r>
-                        <a:rPr lang="nl-NL" dirty="0" smtClean="0"/>
+                        <a:rPr lang="nl-NL" dirty="0"/>
                         <a:t>Als</a:t>
                       </a:r>
                       <a:r>
-                        <a:rPr lang="nl-NL" baseline="0" dirty="0" smtClean="0"/>
-                        <a:t> </a:t>
-                      </a:r>
-                      <a:r>
-                        <a:rPr lang="nl-NL" baseline="0" dirty="0" smtClean="0"/>
-                        <a:t>Speler (5)</a:t>
-                      </a:r>
-                      <a:endParaRPr lang="nl-BE" dirty="0" smtClean="0"/>
+                        <a:rPr lang="nl-NL" baseline="0" dirty="0"/>
+                        <a:t> Speler (5)</a:t>
+                      </a:r>
+                      <a:endParaRPr lang="nl-BE" dirty="0"/>
                     </a:p>
                   </a:txBody>
                   <a:tcPr/>
@@ -5883,20 +5808,12 @@
                     <a:lstStyle/>
                     <a:p>
                       <a:r>
-                        <a:rPr lang="nl-NL" dirty="0" smtClean="0"/>
-                        <a:t>Wil </a:t>
-                      </a:r>
-                      <a:r>
-                        <a:rPr lang="nl-NL" dirty="0" smtClean="0"/>
-                        <a:t>ik een aftel</a:t>
-                      </a:r>
-                      <a:r>
-                        <a:rPr lang="nl-NL" baseline="0" dirty="0" smtClean="0"/>
-                        <a:t> </a:t>
-                      </a:r>
-                      <a:r>
-                        <a:rPr lang="nl-NL" baseline="0" dirty="0" smtClean="0"/>
-                        <a:t>timer </a:t>
+                        <a:rPr lang="nl-NL" dirty="0"/>
+                        <a:t>Wil ik een aftel</a:t>
+                      </a:r>
+                      <a:r>
+                        <a:rPr lang="nl-NL" baseline="0" dirty="0"/>
+                        <a:t> timer </a:t>
                       </a:r>
                       <a:endParaRPr lang="nl-BE" dirty="0"/>
                     </a:p>
@@ -5916,11 +5833,11 @@
                     <a:lstStyle/>
                     <a:p>
                       <a:r>
-                        <a:rPr lang="nl-NL" dirty="0" smtClean="0"/>
+                        <a:rPr lang="nl-NL" dirty="0"/>
                         <a:t>Zodat</a:t>
                       </a:r>
                       <a:r>
-                        <a:rPr lang="nl-NL" baseline="0" dirty="0" smtClean="0"/>
+                        <a:rPr lang="nl-NL" baseline="0" dirty="0"/>
                         <a:t> ik weet wanneer de race begint</a:t>
                       </a:r>
                       <a:endParaRPr lang="nl-BE" dirty="0"/>
@@ -6008,12 +5925,8 @@
                     <a:lstStyle/>
                     <a:p>
                       <a:r>
-                        <a:rPr lang="nl-NL" dirty="0" smtClean="0"/>
-                        <a:t>Als Speler </a:t>
-                      </a:r>
-                      <a:r>
-                        <a:rPr lang="nl-NL" dirty="0" smtClean="0"/>
-                        <a:t>(5)</a:t>
+                        <a:rPr lang="nl-NL" dirty="0"/>
+                        <a:t>Als Speler (5)</a:t>
                       </a:r>
                       <a:endParaRPr lang="nl-BE" dirty="0"/>
                     </a:p>
@@ -6033,11 +5946,11 @@
                     <a:lstStyle/>
                     <a:p>
                       <a:r>
-                        <a:rPr lang="nl-NL" dirty="0" smtClean="0"/>
+                        <a:rPr lang="nl-NL" dirty="0"/>
                         <a:t>Wil ik</a:t>
                       </a:r>
                       <a:r>
-                        <a:rPr lang="nl-NL" baseline="0" dirty="0" smtClean="0"/>
+                        <a:rPr lang="nl-NL" baseline="0" dirty="0"/>
                         <a:t> een mooi login scherm </a:t>
                       </a:r>
                       <a:endParaRPr lang="nl-BE" dirty="0"/>
@@ -6075,14 +5988,14 @@
                         <a:defRPr/>
                       </a:pPr>
                       <a:r>
-                        <a:rPr lang="nl-NL" dirty="0" smtClean="0"/>
+                        <a:rPr lang="nl-NL" dirty="0"/>
                         <a:t>Zodat</a:t>
                       </a:r>
                       <a:r>
-                        <a:rPr lang="nl-NL" baseline="0" dirty="0" smtClean="0"/>
+                        <a:rPr lang="nl-NL" baseline="0" dirty="0"/>
                         <a:t> ik een aangename login ervaring krijg</a:t>
                       </a:r>
-                      <a:endParaRPr lang="nl-BE" dirty="0" smtClean="0"/>
+                      <a:endParaRPr lang="nl-BE" dirty="0"/>
                     </a:p>
                   </a:txBody>
                   <a:tcPr/>
@@ -6137,16 +6050,12 @@
                     <a:lstStyle/>
                     <a:p>
                       <a:r>
-                        <a:rPr lang="nl-NL" dirty="0" smtClean="0"/>
+                        <a:rPr lang="nl-NL" dirty="0"/>
                         <a:t>Als</a:t>
                       </a:r>
                       <a:r>
-                        <a:rPr lang="nl-NL" baseline="0" dirty="0" smtClean="0"/>
-                        <a:t> Speler </a:t>
-                      </a:r>
-                      <a:r>
-                        <a:rPr lang="nl-NL" baseline="0" dirty="0" smtClean="0"/>
-                        <a:t>(5)</a:t>
+                        <a:rPr lang="nl-NL" baseline="0" dirty="0"/>
+                        <a:t> Speler (5)</a:t>
                       </a:r>
                       <a:endParaRPr lang="nl-BE" dirty="0"/>
                     </a:p>
@@ -6166,11 +6075,11 @@
                     <a:lstStyle/>
                     <a:p>
                       <a:r>
-                        <a:rPr lang="nl-NL" dirty="0" smtClean="0"/>
+                        <a:rPr lang="nl-NL" dirty="0"/>
                         <a:t>Wil i</a:t>
                       </a:r>
                       <a:r>
-                        <a:rPr lang="nl-NL" baseline="0" dirty="0" smtClean="0"/>
+                        <a:rPr lang="nl-NL" baseline="0" dirty="0"/>
                         <a:t>k mijn gebruikersnaam kunnen wijzigen</a:t>
                       </a:r>
                       <a:endParaRPr lang="nl-BE" dirty="0"/>
@@ -6191,11 +6100,11 @@
                     <a:lstStyle/>
                     <a:p>
                       <a:r>
-                        <a:rPr lang="nl-NL" dirty="0" smtClean="0"/>
+                        <a:rPr lang="nl-NL" dirty="0"/>
                         <a:t>Zodat</a:t>
                       </a:r>
                       <a:r>
-                        <a:rPr lang="nl-NL" baseline="0" dirty="0" smtClean="0"/>
+                        <a:rPr lang="nl-NL" baseline="0" dirty="0"/>
                         <a:t> ik een andere naam kan kiezen</a:t>
                       </a:r>
                       <a:endParaRPr lang="nl-BE" dirty="0"/>
@@ -6253,16 +6162,12 @@
                     <a:lstStyle/>
                     <a:p>
                       <a:r>
-                        <a:rPr lang="nl-NL" dirty="0" smtClean="0"/>
+                        <a:rPr lang="nl-NL" dirty="0"/>
                         <a:t>Als</a:t>
                       </a:r>
                       <a:r>
-                        <a:rPr lang="nl-NL" baseline="0" dirty="0" smtClean="0"/>
-                        <a:t> </a:t>
-                      </a:r>
-                      <a:r>
-                        <a:rPr lang="nl-NL" baseline="0" dirty="0" smtClean="0"/>
-                        <a:t>Speler (4)</a:t>
+                        <a:rPr lang="nl-NL" baseline="0" dirty="0"/>
+                        <a:t> Speler (4)</a:t>
                       </a:r>
                       <a:endParaRPr lang="nl-BE" dirty="0"/>
                     </a:p>
@@ -6282,11 +6187,11 @@
                     <a:lstStyle/>
                     <a:p>
                       <a:r>
-                        <a:rPr lang="nl-NL" dirty="0" smtClean="0"/>
+                        <a:rPr lang="nl-NL" dirty="0"/>
                         <a:t>Wil ik</a:t>
                       </a:r>
                       <a:r>
-                        <a:rPr lang="nl-NL" baseline="0" dirty="0" smtClean="0"/>
+                        <a:rPr lang="nl-NL" baseline="0" dirty="0"/>
                         <a:t> mijn paarden kunnen verzorgen </a:t>
                       </a:r>
                       <a:endParaRPr lang="nl-BE" dirty="0"/>
@@ -6307,11 +6212,11 @@
                     <a:lstStyle/>
                     <a:p>
                       <a:r>
-                        <a:rPr lang="nl-NL" dirty="0" smtClean="0"/>
+                        <a:rPr lang="nl-NL" dirty="0"/>
                         <a:t>Zodat</a:t>
                       </a:r>
                       <a:r>
-                        <a:rPr lang="nl-NL" baseline="0" dirty="0" smtClean="0"/>
+                        <a:rPr lang="nl-NL" baseline="0" dirty="0"/>
                         <a:t> ik beter presterende paarden heb</a:t>
                       </a:r>
                       <a:endParaRPr lang="nl-BE" dirty="0"/>
@@ -6386,18 +6291,14 @@
                         <a:defRPr/>
                       </a:pPr>
                       <a:r>
-                        <a:rPr lang="nl-NL" dirty="0" smtClean="0"/>
+                        <a:rPr lang="nl-NL" dirty="0"/>
                         <a:t>Als</a:t>
                       </a:r>
                       <a:r>
-                        <a:rPr lang="nl-NL" baseline="0" dirty="0" smtClean="0"/>
-                        <a:t> </a:t>
-                      </a:r>
-                      <a:r>
-                        <a:rPr lang="nl-NL" baseline="0" dirty="0" smtClean="0"/>
-                        <a:t>Speler (1)</a:t>
-                      </a:r>
-                      <a:endParaRPr lang="nl-BE" dirty="0" smtClean="0"/>
+                        <a:rPr lang="nl-NL" baseline="0" dirty="0"/>
+                        <a:t> Speler (1)</a:t>
+                      </a:r>
+                      <a:endParaRPr lang="nl-BE" dirty="0"/>
                     </a:p>
                   </a:txBody>
                   <a:tcPr/>
@@ -6415,11 +6316,11 @@
                     <a:lstStyle/>
                     <a:p>
                       <a:r>
-                        <a:rPr lang="nl-NL" dirty="0" smtClean="0"/>
+                        <a:rPr lang="nl-NL" dirty="0"/>
                         <a:t>Wil ik een</a:t>
                       </a:r>
                       <a:r>
-                        <a:rPr lang="nl-NL" baseline="0" dirty="0" smtClean="0"/>
+                        <a:rPr lang="nl-NL" baseline="0" dirty="0"/>
                         <a:t> start en finish lijn </a:t>
                       </a:r>
                       <a:endParaRPr lang="nl-BE" dirty="0"/>
@@ -6440,11 +6341,11 @@
                     <a:lstStyle/>
                     <a:p>
                       <a:r>
-                        <a:rPr lang="nl-NL" dirty="0" smtClean="0"/>
+                        <a:rPr lang="nl-NL" dirty="0"/>
                         <a:t>Zodat</a:t>
                       </a:r>
                       <a:r>
-                        <a:rPr lang="nl-NL" baseline="0" dirty="0" smtClean="0"/>
+                        <a:rPr lang="nl-NL" baseline="0" dirty="0"/>
                         <a:t> ik weet waar de race start en eindigt</a:t>
                       </a:r>
                       <a:endParaRPr lang="nl-BE" dirty="0"/>
@@ -6532,12 +6433,8 @@
                     <a:lstStyle/>
                     <a:p>
                       <a:r>
-                        <a:rPr lang="nl-NL" dirty="0" smtClean="0"/>
-                        <a:t>Als Speler </a:t>
-                      </a:r>
-                      <a:r>
-                        <a:rPr lang="nl-NL" dirty="0" smtClean="0"/>
-                        <a:t>(3)</a:t>
+                        <a:rPr lang="nl-NL" dirty="0"/>
+                        <a:t>Als Speler (3)</a:t>
                       </a:r>
                       <a:endParaRPr lang="nl-BE" dirty="0"/>
                     </a:p>
@@ -6557,11 +6454,11 @@
                     <a:lstStyle/>
                     <a:p>
                       <a:r>
-                        <a:rPr lang="nl-NL" dirty="0" smtClean="0"/>
+                        <a:rPr lang="nl-NL" dirty="0"/>
                         <a:t>Wil ik nieuwe banen ontgrendelen wanneer ik een level</a:t>
                       </a:r>
                       <a:r>
-                        <a:rPr lang="nl-NL" baseline="0" dirty="0" smtClean="0"/>
+                        <a:rPr lang="nl-NL" baseline="0" dirty="0"/>
                         <a:t> omhoog ga</a:t>
                       </a:r>
                       <a:endParaRPr lang="nl-BE" dirty="0"/>
@@ -6599,14 +6496,14 @@
                         <a:defRPr/>
                       </a:pPr>
                       <a:r>
-                        <a:rPr lang="nl-NL" dirty="0" smtClean="0"/>
+                        <a:rPr lang="nl-NL" dirty="0"/>
                         <a:t>Zodat</a:t>
                       </a:r>
                       <a:r>
-                        <a:rPr lang="nl-NL" baseline="0" dirty="0" smtClean="0"/>
+                        <a:rPr lang="nl-NL" baseline="0" dirty="0"/>
                         <a:t> ik meer variatie heb van racebanen</a:t>
                       </a:r>
-                      <a:endParaRPr lang="nl-BE" dirty="0" smtClean="0"/>
+                      <a:endParaRPr lang="nl-BE" dirty="0"/>
                     </a:p>
                   </a:txBody>
                   <a:tcPr/>
@@ -6661,16 +6558,12 @@
                     <a:lstStyle/>
                     <a:p>
                       <a:r>
-                        <a:rPr lang="nl-NL" dirty="0" smtClean="0"/>
+                        <a:rPr lang="nl-NL" dirty="0"/>
                         <a:t>Als</a:t>
                       </a:r>
                       <a:r>
-                        <a:rPr lang="nl-NL" baseline="0" dirty="0" smtClean="0"/>
-                        <a:t> Speler </a:t>
-                      </a:r>
-                      <a:r>
-                        <a:rPr lang="nl-NL" baseline="0" dirty="0" smtClean="0"/>
-                        <a:t>(5)</a:t>
+                        <a:rPr lang="nl-NL" baseline="0" dirty="0"/>
+                        <a:t> Speler (5)</a:t>
                       </a:r>
                       <a:endParaRPr lang="nl-BE" dirty="0"/>
                     </a:p>
@@ -6690,11 +6583,11 @@
                     <a:lstStyle/>
                     <a:p>
                       <a:r>
-                        <a:rPr lang="nl-NL" dirty="0" smtClean="0"/>
+                        <a:rPr lang="nl-NL" dirty="0"/>
                         <a:t>Wil i</a:t>
                       </a:r>
                       <a:r>
-                        <a:rPr lang="nl-NL" baseline="0" dirty="0" smtClean="0"/>
+                        <a:rPr lang="nl-NL" baseline="0" dirty="0"/>
                         <a:t>k een achtergrondliedje tijdens de race</a:t>
                       </a:r>
                       <a:endParaRPr lang="nl-BE" dirty="0"/>
@@ -6715,11 +6608,11 @@
                     <a:lstStyle/>
                     <a:p>
                       <a:r>
-                        <a:rPr lang="nl-NL" dirty="0" smtClean="0"/>
+                        <a:rPr lang="nl-NL" dirty="0"/>
                         <a:t>Zodat</a:t>
                       </a:r>
                       <a:r>
-                        <a:rPr lang="nl-NL" baseline="0" dirty="0" smtClean="0"/>
+                        <a:rPr lang="nl-NL" baseline="0" dirty="0"/>
                         <a:t> ik iets hoor tijdens het racen</a:t>
                       </a:r>
                       <a:endParaRPr lang="nl-BE" dirty="0"/>
@@ -6777,16 +6670,12 @@
                     <a:lstStyle/>
                     <a:p>
                       <a:r>
-                        <a:rPr lang="nl-NL" dirty="0" smtClean="0"/>
+                        <a:rPr lang="nl-NL" dirty="0"/>
                         <a:t>Als</a:t>
                       </a:r>
                       <a:r>
-                        <a:rPr lang="nl-NL" baseline="0" dirty="0" smtClean="0"/>
-                        <a:t> </a:t>
-                      </a:r>
-                      <a:r>
-                        <a:rPr lang="nl-NL" baseline="0" dirty="0" smtClean="0"/>
-                        <a:t>Speler (3)</a:t>
+                        <a:rPr lang="nl-NL" baseline="0" dirty="0"/>
+                        <a:t> Speler (3)</a:t>
                       </a:r>
                       <a:endParaRPr lang="nl-BE" dirty="0"/>
                     </a:p>
@@ -6806,7 +6695,7 @@
                     <a:lstStyle/>
                     <a:p>
                       <a:r>
-                        <a:rPr lang="nl-NL" dirty="0" smtClean="0"/>
+                        <a:rPr lang="nl-NL" dirty="0"/>
                         <a:t>Wil ik een sponsor kunnen krijgen</a:t>
                       </a:r>
                       <a:endParaRPr lang="nl-BE" dirty="0"/>
@@ -6827,11 +6716,11 @@
                     <a:lstStyle/>
                     <a:p>
                       <a:r>
-                        <a:rPr lang="nl-NL" dirty="0" smtClean="0"/>
+                        <a:rPr lang="nl-NL" dirty="0"/>
                         <a:t>Zodat</a:t>
                       </a:r>
                       <a:r>
-                        <a:rPr lang="nl-NL" baseline="0" dirty="0" smtClean="0"/>
+                        <a:rPr lang="nl-NL" baseline="0" dirty="0"/>
                         <a:t> ik meer geld kan verdienen</a:t>
                       </a:r>
                       <a:endParaRPr lang="nl-BE" dirty="0"/>
@@ -6906,18 +6795,14 @@
                         <a:defRPr/>
                       </a:pPr>
                       <a:r>
-                        <a:rPr lang="nl-NL" dirty="0" smtClean="0"/>
+                        <a:rPr lang="nl-NL" dirty="0"/>
                         <a:t>Als</a:t>
                       </a:r>
                       <a:r>
-                        <a:rPr lang="nl-NL" baseline="0" dirty="0" smtClean="0"/>
-                        <a:t> </a:t>
-                      </a:r>
-                      <a:r>
-                        <a:rPr lang="nl-NL" baseline="0" dirty="0" smtClean="0"/>
-                        <a:t>Speler (3)</a:t>
-                      </a:r>
-                      <a:endParaRPr lang="nl-BE" dirty="0" smtClean="0"/>
+                        <a:rPr lang="nl-NL" baseline="0" dirty="0"/>
+                        <a:t> Speler (3)</a:t>
+                      </a:r>
+                      <a:endParaRPr lang="nl-BE" dirty="0"/>
                     </a:p>
                   </a:txBody>
                   <a:tcPr/>
@@ -6935,11 +6820,11 @@
                     <a:lstStyle/>
                     <a:p>
                       <a:r>
-                        <a:rPr lang="nl-NL" dirty="0" smtClean="0"/>
+                        <a:rPr lang="nl-NL" dirty="0"/>
                         <a:t>Wil ik willekeurige</a:t>
                       </a:r>
                       <a:r>
-                        <a:rPr lang="nl-NL" baseline="0" dirty="0" smtClean="0"/>
+                        <a:rPr lang="nl-NL" baseline="0" dirty="0"/>
                         <a:t> gebeurtenissen</a:t>
                       </a:r>
                       <a:endParaRPr lang="nl-BE" dirty="0"/>
@@ -6960,11 +6845,11 @@
                     <a:lstStyle/>
                     <a:p>
                       <a:r>
-                        <a:rPr lang="nl-NL" dirty="0" smtClean="0"/>
+                        <a:rPr lang="nl-NL" dirty="0"/>
                         <a:t>Zodat</a:t>
                       </a:r>
                       <a:r>
-                        <a:rPr lang="nl-NL" baseline="0" dirty="0" smtClean="0"/>
+                        <a:rPr lang="nl-NL" baseline="0" dirty="0"/>
                         <a:t> ik bonussen krijg</a:t>
                       </a:r>
                       <a:endParaRPr lang="nl-BE" dirty="0"/>
@@ -7052,12 +6937,8 @@
                     <a:lstStyle/>
                     <a:p>
                       <a:r>
-                        <a:rPr lang="nl-NL" dirty="0" smtClean="0"/>
-                        <a:t>Als Speler </a:t>
-                      </a:r>
-                      <a:r>
-                        <a:rPr lang="nl-NL" dirty="0" smtClean="0"/>
-                        <a:t>(3)</a:t>
+                        <a:rPr lang="nl-NL" dirty="0"/>
+                        <a:t>Als Speler (3)</a:t>
                       </a:r>
                       <a:endParaRPr lang="nl-BE" dirty="0"/>
                     </a:p>
@@ -7077,11 +6958,11 @@
                     <a:lstStyle/>
                     <a:p>
                       <a:r>
-                        <a:rPr lang="nl-NL" dirty="0" smtClean="0"/>
+                        <a:rPr lang="nl-NL" dirty="0"/>
                         <a:t>Wil ik een felicitatie scherm</a:t>
                       </a:r>
                       <a:r>
-                        <a:rPr lang="nl-NL" baseline="0" dirty="0" smtClean="0"/>
+                        <a:rPr lang="nl-NL" baseline="0" dirty="0"/>
                         <a:t> nadat ik een nieuw level heb behaalt</a:t>
                       </a:r>
                       <a:endParaRPr lang="nl-BE" dirty="0"/>
@@ -7119,14 +7000,14 @@
                         <a:defRPr/>
                       </a:pPr>
                       <a:r>
-                        <a:rPr lang="nl-NL" dirty="0" smtClean="0"/>
+                        <a:rPr lang="nl-NL" dirty="0"/>
                         <a:t>Zodat ik weet dat</a:t>
                       </a:r>
                       <a:r>
-                        <a:rPr lang="nl-NL" baseline="0" dirty="0" smtClean="0"/>
+                        <a:rPr lang="nl-NL" baseline="0" dirty="0"/>
                         <a:t> ik in een nieuw level zit</a:t>
                       </a:r>
-                      <a:endParaRPr lang="nl-BE" dirty="0" smtClean="0"/>
+                      <a:endParaRPr lang="nl-BE" dirty="0"/>
                     </a:p>
                   </a:txBody>
                   <a:tcPr/>
@@ -7181,16 +7062,12 @@
                     <a:lstStyle/>
                     <a:p>
                       <a:r>
-                        <a:rPr lang="nl-NL" dirty="0" smtClean="0"/>
+                        <a:rPr lang="nl-NL" dirty="0"/>
                         <a:t>Als</a:t>
                       </a:r>
                       <a:r>
-                        <a:rPr lang="nl-NL" baseline="0" dirty="0" smtClean="0"/>
-                        <a:t> Speler </a:t>
-                      </a:r>
-                      <a:r>
-                        <a:rPr lang="nl-NL" baseline="0" dirty="0" smtClean="0"/>
-                        <a:t>(5)</a:t>
+                        <a:rPr lang="nl-NL" baseline="0" dirty="0"/>
+                        <a:t> Speler (5)</a:t>
                       </a:r>
                       <a:endParaRPr lang="nl-BE" dirty="0"/>
                     </a:p>
@@ -7210,15 +7087,15 @@
                     <a:lstStyle/>
                     <a:p>
                       <a:r>
-                        <a:rPr lang="nl-NL" dirty="0" smtClean="0"/>
+                        <a:rPr lang="nl-NL" dirty="0"/>
                         <a:t>Wil i</a:t>
                       </a:r>
                       <a:r>
-                        <a:rPr lang="nl-NL" baseline="0" dirty="0" smtClean="0"/>
+                        <a:rPr lang="nl-NL" baseline="0" dirty="0"/>
                         <a:t>k </a:t>
                       </a:r>
                       <a:r>
-                        <a:rPr lang="nl-NL" baseline="0" smtClean="0"/>
+                        <a:rPr lang="nl-NL" baseline="0"/>
                         <a:t>een handleiding</a:t>
                       </a:r>
                       <a:endParaRPr lang="nl-BE" dirty="0"/>
@@ -7239,11 +7116,11 @@
                     <a:lstStyle/>
                     <a:p>
                       <a:r>
-                        <a:rPr lang="nl-NL" dirty="0" smtClean="0"/>
+                        <a:rPr lang="nl-NL" dirty="0"/>
                         <a:t>Zodat</a:t>
                       </a:r>
                       <a:r>
-                        <a:rPr lang="nl-NL" baseline="0" dirty="0" smtClean="0"/>
+                        <a:rPr lang="nl-NL" baseline="0" dirty="0"/>
                         <a:t> ik weet hoe ik het spel moet spelen</a:t>
                       </a:r>
                       <a:endParaRPr lang="nl-BE" dirty="0"/>
@@ -7308,11 +7185,7 @@
           <a:p>
             <a:r>
               <a:rPr lang="nl-NL" dirty="0"/>
-              <a:t>User Story's: Deel </a:t>
-            </a:r>
-            <a:r>
-              <a:rPr lang="nl-NL" dirty="0" smtClean="0"/>
-              <a:t>3</a:t>
+              <a:t>User Story's: Deel 3</a:t>
             </a:r>
             <a:endParaRPr lang="nl-BE" dirty="0"/>
           </a:p>
@@ -7407,16 +7280,12 @@
                     <a:lstStyle/>
                     <a:p>
                       <a:r>
-                        <a:rPr lang="nl-NL" dirty="0" smtClean="0"/>
+                        <a:rPr lang="nl-NL" dirty="0"/>
                         <a:t>Als</a:t>
                       </a:r>
                       <a:r>
-                        <a:rPr lang="nl-NL" baseline="0" dirty="0" smtClean="0"/>
-                        <a:t> </a:t>
-                      </a:r>
-                      <a:r>
-                        <a:rPr lang="nl-NL" baseline="0" dirty="0" smtClean="0"/>
-                        <a:t>Speler </a:t>
+                        <a:rPr lang="nl-NL" baseline="0" dirty="0"/>
+                        <a:t> Speler </a:t>
                       </a:r>
                       <a:endParaRPr lang="nl-BE" dirty="0"/>
                     </a:p>
@@ -7436,11 +7305,11 @@
                     <a:lstStyle/>
                     <a:p>
                       <a:r>
-                        <a:rPr lang="nl-NL" dirty="0" smtClean="0"/>
+                        <a:rPr lang="nl-NL" dirty="0"/>
                         <a:t>Wil ik</a:t>
                       </a:r>
                       <a:r>
-                        <a:rPr lang="nl-NL" baseline="0" dirty="0" smtClean="0"/>
+                        <a:rPr lang="nl-NL" baseline="0" dirty="0"/>
                         <a:t> een startscherm krijgen bij het begin van het spel</a:t>
                       </a:r>
                       <a:endParaRPr lang="nl-BE" dirty="0"/>
@@ -7461,11 +7330,11 @@
                     <a:lstStyle/>
                     <a:p>
                       <a:r>
-                        <a:rPr lang="nl-NL" dirty="0" smtClean="0"/>
+                        <a:rPr lang="nl-NL" dirty="0"/>
                         <a:t>Zodat</a:t>
                       </a:r>
                       <a:r>
-                        <a:rPr lang="nl-NL" baseline="0" dirty="0" smtClean="0"/>
+                        <a:rPr lang="nl-NL" baseline="0" dirty="0"/>
                         <a:t> ik het spel kan starten</a:t>
                       </a:r>
                       <a:endParaRPr lang="nl-BE" dirty="0"/>
@@ -7523,11 +7392,11 @@
                     <a:lstStyle/>
                     <a:p>
                       <a:r>
-                        <a:rPr lang="nl-NL" dirty="0" smtClean="0"/>
+                        <a:rPr lang="nl-NL" dirty="0"/>
                         <a:t>Als</a:t>
                       </a:r>
                       <a:r>
-                        <a:rPr lang="nl-NL" baseline="0" dirty="0" smtClean="0"/>
+                        <a:rPr lang="nl-NL" baseline="0" dirty="0"/>
                         <a:t> Speler </a:t>
                       </a:r>
                       <a:endParaRPr lang="nl-BE" dirty="0"/>
@@ -7548,11 +7417,11 @@
                     <a:lstStyle/>
                     <a:p>
                       <a:r>
-                        <a:rPr lang="nl-NL" dirty="0" smtClean="0"/>
+                        <a:rPr lang="nl-NL" dirty="0"/>
                         <a:t>Wil ik</a:t>
                       </a:r>
                       <a:r>
-                        <a:rPr lang="nl-NL" baseline="0" dirty="0" smtClean="0"/>
+                        <a:rPr lang="nl-NL" baseline="0" dirty="0"/>
                         <a:t> paarden kunnen toevoegen</a:t>
                       </a:r>
                       <a:endParaRPr lang="nl-BE" dirty="0"/>
@@ -7573,11 +7442,11 @@
                     <a:lstStyle/>
                     <a:p>
                       <a:r>
-                        <a:rPr lang="nl-NL" dirty="0" smtClean="0"/>
+                        <a:rPr lang="nl-NL" dirty="0"/>
                         <a:t>Zodat</a:t>
                       </a:r>
                       <a:r>
-                        <a:rPr lang="nl-NL" baseline="0" dirty="0" smtClean="0"/>
+                        <a:rPr lang="nl-NL" baseline="0" dirty="0"/>
                         <a:t> ik op andere paarden kan laten racen</a:t>
                       </a:r>
                       <a:endParaRPr lang="nl-BE" dirty="0"/>
@@ -7635,11 +7504,11 @@
                     <a:lstStyle/>
                     <a:p>
                       <a:r>
-                        <a:rPr lang="nl-NL" dirty="0" smtClean="0"/>
+                        <a:rPr lang="nl-NL" dirty="0"/>
                         <a:t>Als</a:t>
                       </a:r>
                       <a:r>
-                        <a:rPr lang="nl-NL" baseline="0" dirty="0" smtClean="0"/>
+                        <a:rPr lang="nl-NL" baseline="0" dirty="0"/>
                         <a:t> Speler </a:t>
                       </a:r>
                       <a:endParaRPr lang="nl-BE" dirty="0"/>
@@ -7660,11 +7529,11 @@
                     <a:lstStyle/>
                     <a:p>
                       <a:r>
-                        <a:rPr lang="nl-NL" dirty="0" smtClean="0"/>
+                        <a:rPr lang="nl-NL" dirty="0"/>
                         <a:t>Wil ik</a:t>
                       </a:r>
                       <a:r>
-                        <a:rPr lang="nl-NL" baseline="0" dirty="0" smtClean="0"/>
+                        <a:rPr lang="nl-NL" baseline="0" dirty="0"/>
                         <a:t> een markt waarbij ik voeding voor de paarden te voeden</a:t>
                       </a:r>
                       <a:endParaRPr lang="nl-BE" dirty="0"/>
@@ -7685,11 +7554,11 @@
                     <a:lstStyle/>
                     <a:p>
                       <a:r>
-                        <a:rPr lang="nl-NL" dirty="0" smtClean="0"/>
+                        <a:rPr lang="nl-NL" dirty="0"/>
                         <a:t>Zodat</a:t>
                       </a:r>
                       <a:r>
-                        <a:rPr lang="nl-NL" baseline="0" dirty="0" smtClean="0"/>
+                        <a:rPr lang="nl-NL" baseline="0" dirty="0"/>
                         <a:t> ik de paarden een boost kan geven</a:t>
                       </a:r>
                       <a:endParaRPr lang="nl-BE" dirty="0"/>
@@ -7747,11 +7616,11 @@
                     <a:lstStyle/>
                     <a:p>
                       <a:r>
-                        <a:rPr lang="nl-NL" dirty="0" smtClean="0"/>
+                        <a:rPr lang="nl-NL" dirty="0"/>
                         <a:t>Als</a:t>
                       </a:r>
                       <a:r>
-                        <a:rPr lang="nl-NL" baseline="0" dirty="0" smtClean="0"/>
+                        <a:rPr lang="nl-NL" baseline="0" dirty="0"/>
                         <a:t> Speler </a:t>
                       </a:r>
                       <a:endParaRPr lang="nl-BE" dirty="0"/>
@@ -7772,7 +7641,7 @@
                     <a:lstStyle/>
                     <a:p>
                       <a:r>
-                        <a:rPr lang="nl-NL" dirty="0" smtClean="0"/>
+                        <a:rPr lang="nl-NL" dirty="0"/>
                         <a:t>Wil ik mijn paard kunnen verkopen</a:t>
                       </a:r>
                       <a:endParaRPr lang="nl-BE" dirty="0"/>
@@ -7793,11 +7662,11 @@
                     <a:lstStyle/>
                     <a:p>
                       <a:r>
-                        <a:rPr lang="nl-NL" dirty="0" smtClean="0"/>
+                        <a:rPr lang="nl-NL" dirty="0"/>
                         <a:t>Zodat</a:t>
                       </a:r>
                       <a:r>
-                        <a:rPr lang="nl-NL" baseline="0" dirty="0" smtClean="0"/>
+                        <a:rPr lang="nl-NL" baseline="0" dirty="0"/>
                         <a:t> ik andere paarden kan kopen</a:t>
                       </a:r>
                       <a:endParaRPr lang="nl-BE" dirty="0"/>
@@ -7851,9 +7720,7 @@
           <p:cNvGraphicFramePr>
             <a:graphicFrameLocks noGrp="1"/>
           </p:cNvGraphicFramePr>
-          <p:nvPr>
-            <p:extLst/>
-          </p:nvPr>
+          <p:nvPr/>
         </p:nvGraphicFramePr>
         <p:xfrm>
           <a:off x="3766208" y="446395"/>
@@ -7881,16 +7748,12 @@
                     <a:lstStyle/>
                     <a:p>
                       <a:r>
-                        <a:rPr lang="nl-NL" dirty="0" smtClean="0"/>
+                        <a:rPr lang="nl-NL" dirty="0"/>
                         <a:t>Als</a:t>
                       </a:r>
                       <a:r>
-                        <a:rPr lang="nl-NL" baseline="0" dirty="0" smtClean="0"/>
-                        <a:t> </a:t>
-                      </a:r>
-                      <a:r>
-                        <a:rPr lang="nl-NL" baseline="0" dirty="0" smtClean="0"/>
-                        <a:t>Speler (1)</a:t>
+                        <a:rPr lang="nl-NL" baseline="0" dirty="0"/>
+                        <a:t> Speler (1)</a:t>
                       </a:r>
                       <a:endParaRPr lang="nl-BE" dirty="0"/>
                     </a:p>
@@ -7910,11 +7773,11 @@
                     <a:lstStyle/>
                     <a:p>
                       <a:r>
-                        <a:rPr lang="nl-NL" dirty="0" smtClean="0"/>
+                        <a:rPr lang="nl-NL" dirty="0"/>
                         <a:t>Wil ik</a:t>
                       </a:r>
                       <a:r>
-                        <a:rPr lang="nl-NL" baseline="0" dirty="0" smtClean="0"/>
+                        <a:rPr lang="nl-NL" baseline="0" dirty="0"/>
                         <a:t> een startscherm krijgen bij het begin van het spel</a:t>
                       </a:r>
                       <a:endParaRPr lang="nl-BE" dirty="0"/>
@@ -7935,11 +7798,11 @@
                     <a:lstStyle/>
                     <a:p>
                       <a:r>
-                        <a:rPr lang="nl-NL" dirty="0" smtClean="0"/>
+                        <a:rPr lang="nl-NL" dirty="0"/>
                         <a:t>Zodat</a:t>
                       </a:r>
                       <a:r>
-                        <a:rPr lang="nl-NL" baseline="0" dirty="0" smtClean="0"/>
+                        <a:rPr lang="nl-NL" baseline="0" dirty="0"/>
                         <a:t> ik het spel kan starten</a:t>
                       </a:r>
                       <a:endParaRPr lang="nl-BE" dirty="0"/>
@@ -7963,9 +7826,7 @@
           <p:cNvGraphicFramePr>
             <a:graphicFrameLocks noGrp="1"/>
           </p:cNvGraphicFramePr>
-          <p:nvPr>
-            <p:extLst/>
-          </p:nvPr>
+          <p:nvPr/>
         </p:nvGraphicFramePr>
         <p:xfrm>
           <a:off x="3766208" y="1870547"/>
@@ -7993,16 +7854,12 @@
                     <a:lstStyle/>
                     <a:p>
                       <a:r>
-                        <a:rPr lang="nl-NL" dirty="0" smtClean="0"/>
+                        <a:rPr lang="nl-NL" dirty="0"/>
                         <a:t>Als</a:t>
                       </a:r>
                       <a:r>
-                        <a:rPr lang="nl-NL" baseline="0" dirty="0" smtClean="0"/>
-                        <a:t> Speler </a:t>
-                      </a:r>
-                      <a:r>
-                        <a:rPr lang="nl-NL" baseline="0" dirty="0" smtClean="0"/>
-                        <a:t>(2)</a:t>
+                        <a:rPr lang="nl-NL" baseline="0" dirty="0"/>
+                        <a:t> Speler (2)</a:t>
                       </a:r>
                       <a:endParaRPr lang="nl-BE" dirty="0"/>
                     </a:p>
@@ -8022,11 +7879,11 @@
                     <a:lstStyle/>
                     <a:p>
                       <a:r>
-                        <a:rPr lang="nl-NL" dirty="0" smtClean="0"/>
+                        <a:rPr lang="nl-NL" dirty="0"/>
                         <a:t>Wil ik</a:t>
                       </a:r>
                       <a:r>
-                        <a:rPr lang="nl-NL" baseline="0" dirty="0" smtClean="0"/>
+                        <a:rPr lang="nl-NL" baseline="0" dirty="0"/>
                         <a:t> paarden kunnen toevoegen</a:t>
                       </a:r>
                       <a:endParaRPr lang="nl-BE" dirty="0"/>
@@ -8047,11 +7904,11 @@
                     <a:lstStyle/>
                     <a:p>
                       <a:r>
-                        <a:rPr lang="nl-NL" dirty="0" smtClean="0"/>
+                        <a:rPr lang="nl-NL" dirty="0"/>
                         <a:t>Zodat</a:t>
                       </a:r>
                       <a:r>
-                        <a:rPr lang="nl-NL" baseline="0" dirty="0" smtClean="0"/>
+                        <a:rPr lang="nl-NL" baseline="0" dirty="0"/>
                         <a:t> ik op andere paarden kan laten racen</a:t>
                       </a:r>
                       <a:endParaRPr lang="nl-BE" dirty="0"/>
@@ -8075,9 +7932,7 @@
           <p:cNvGraphicFramePr>
             <a:graphicFrameLocks noGrp="1"/>
           </p:cNvGraphicFramePr>
-          <p:nvPr>
-            <p:extLst/>
-          </p:nvPr>
+          <p:nvPr/>
         </p:nvGraphicFramePr>
         <p:xfrm>
           <a:off x="3766208" y="3465402"/>
@@ -8105,16 +7960,12 @@
                     <a:lstStyle/>
                     <a:p>
                       <a:r>
-                        <a:rPr lang="nl-NL" dirty="0" smtClean="0"/>
+                        <a:rPr lang="nl-NL" dirty="0"/>
                         <a:t>Als</a:t>
                       </a:r>
                       <a:r>
-                        <a:rPr lang="nl-NL" baseline="0" dirty="0" smtClean="0"/>
-                        <a:t> Speler </a:t>
-                      </a:r>
-                      <a:r>
-                        <a:rPr lang="nl-NL" baseline="0" dirty="0" smtClean="0"/>
-                        <a:t>(4)</a:t>
+                        <a:rPr lang="nl-NL" baseline="0" dirty="0"/>
+                        <a:t> Speler (4)</a:t>
                       </a:r>
                       <a:endParaRPr lang="nl-BE" dirty="0"/>
                     </a:p>
@@ -8134,11 +7985,11 @@
                     <a:lstStyle/>
                     <a:p>
                       <a:r>
-                        <a:rPr lang="nl-NL" dirty="0" smtClean="0"/>
+                        <a:rPr lang="nl-NL" dirty="0"/>
                         <a:t>Wil ik</a:t>
                       </a:r>
                       <a:r>
-                        <a:rPr lang="nl-NL" baseline="0" dirty="0" smtClean="0"/>
+                        <a:rPr lang="nl-NL" baseline="0" dirty="0"/>
                         <a:t> een markt waarbij ik voeding voor de paarden te voeden</a:t>
                       </a:r>
                       <a:endParaRPr lang="nl-BE" dirty="0"/>
@@ -8159,11 +8010,11 @@
                     <a:lstStyle/>
                     <a:p>
                       <a:r>
-                        <a:rPr lang="nl-NL" dirty="0" smtClean="0"/>
+                        <a:rPr lang="nl-NL" dirty="0"/>
                         <a:t>Zodat</a:t>
                       </a:r>
                       <a:r>
-                        <a:rPr lang="nl-NL" baseline="0" dirty="0" smtClean="0"/>
+                        <a:rPr lang="nl-NL" baseline="0" dirty="0"/>
                         <a:t> ik de paarden een boost kan geven</a:t>
                       </a:r>
                       <a:endParaRPr lang="nl-BE" dirty="0"/>
@@ -8187,9 +8038,7 @@
           <p:cNvGraphicFramePr>
             <a:graphicFrameLocks noGrp="1"/>
           </p:cNvGraphicFramePr>
-          <p:nvPr>
-            <p:extLst/>
-          </p:nvPr>
+          <p:nvPr/>
         </p:nvGraphicFramePr>
         <p:xfrm>
           <a:off x="3766208" y="5060257"/>
@@ -8217,16 +8066,12 @@
                     <a:lstStyle/>
                     <a:p>
                       <a:r>
-                        <a:rPr lang="nl-NL" dirty="0" smtClean="0"/>
+                        <a:rPr lang="nl-NL" dirty="0"/>
                         <a:t>Als</a:t>
                       </a:r>
                       <a:r>
-                        <a:rPr lang="nl-NL" baseline="0" dirty="0" smtClean="0"/>
-                        <a:t> Speler </a:t>
-                      </a:r>
-                      <a:r>
-                        <a:rPr lang="nl-NL" baseline="0" dirty="0" smtClean="0"/>
-                        <a:t>(3)</a:t>
+                        <a:rPr lang="nl-NL" baseline="0" dirty="0"/>
+                        <a:t> Speler (3)</a:t>
                       </a:r>
                       <a:endParaRPr lang="nl-BE" dirty="0"/>
                     </a:p>
@@ -8246,7 +8091,7 @@
                     <a:lstStyle/>
                     <a:p>
                       <a:r>
-                        <a:rPr lang="nl-NL" dirty="0" smtClean="0"/>
+                        <a:rPr lang="nl-NL" dirty="0"/>
                         <a:t>Wil ik mijn paard kunnen verkopen</a:t>
                       </a:r>
                       <a:endParaRPr lang="nl-BE" dirty="0"/>
@@ -8267,11 +8112,11 @@
                     <a:lstStyle/>
                     <a:p>
                       <a:r>
-                        <a:rPr lang="nl-NL" dirty="0" smtClean="0"/>
+                        <a:rPr lang="nl-NL" dirty="0"/>
                         <a:t>Zodat</a:t>
                       </a:r>
                       <a:r>
-                        <a:rPr lang="nl-NL" baseline="0" dirty="0" smtClean="0"/>
+                        <a:rPr lang="nl-NL" baseline="0" dirty="0"/>
                         <a:t> ik andere paarden kan kopen</a:t>
                       </a:r>
                       <a:endParaRPr lang="nl-BE" dirty="0"/>
@@ -8330,7 +8175,7 @@
                     <a:p>
                       <a:pPr algn="ctr"/>
                       <a:r>
-                        <a:rPr lang="nl-NL" dirty="0" smtClean="0"/>
+                        <a:rPr lang="nl-NL" dirty="0"/>
                         <a:t>Tijd(u)</a:t>
                       </a:r>
                       <a:endParaRPr lang="nl-BE" dirty="0"/>
@@ -8351,16 +8196,16 @@
                     <a:lstStyle/>
                     <a:p>
                       <a:pPr algn="ctr"/>
-                      <a:endParaRPr lang="nl-NL" dirty="0" smtClean="0"/>
+                      <a:endParaRPr lang="nl-NL" dirty="0"/>
                     </a:p>
                     <a:p>
                       <a:pPr algn="ctr"/>
-                      <a:endParaRPr lang="nl-NL" dirty="0" smtClean="0"/>
+                      <a:endParaRPr lang="nl-NL" dirty="0"/>
                     </a:p>
                     <a:p>
                       <a:pPr algn="ctr"/>
                       <a:r>
-                        <a:rPr lang="nl-NL" dirty="0" smtClean="0"/>
+                        <a:rPr lang="nl-NL" dirty="0"/>
                         <a:t>1</a:t>
                       </a:r>
                       <a:endParaRPr lang="nl-BE" dirty="0"/>
@@ -8381,16 +8226,16 @@
                     <a:lstStyle/>
                     <a:p>
                       <a:pPr algn="ctr"/>
-                      <a:endParaRPr lang="nl-NL" dirty="0" smtClean="0"/>
+                      <a:endParaRPr lang="nl-NL" dirty="0"/>
                     </a:p>
                     <a:p>
                       <a:pPr algn="ctr"/>
-                      <a:endParaRPr lang="nl-NL" dirty="0" smtClean="0"/>
+                      <a:endParaRPr lang="nl-NL" dirty="0"/>
                     </a:p>
                     <a:p>
                       <a:pPr algn="ctr"/>
                       <a:r>
-                        <a:rPr lang="nl-NL" dirty="0" smtClean="0"/>
+                        <a:rPr lang="nl-NL" dirty="0"/>
                         <a:t>2</a:t>
                       </a:r>
                       <a:endParaRPr lang="nl-BE" dirty="0"/>
@@ -8411,16 +8256,16 @@
                     <a:lstStyle/>
                     <a:p>
                       <a:pPr algn="ctr"/>
-                      <a:endParaRPr lang="nl-NL" dirty="0" smtClean="0"/>
+                      <a:endParaRPr lang="nl-NL" dirty="0"/>
                     </a:p>
                     <a:p>
                       <a:pPr algn="ctr"/>
-                      <a:endParaRPr lang="nl-NL" dirty="0" smtClean="0"/>
+                      <a:endParaRPr lang="nl-NL" dirty="0"/>
                     </a:p>
                     <a:p>
                       <a:pPr algn="ctr"/>
                       <a:r>
-                        <a:rPr lang="nl-NL" dirty="0" smtClean="0"/>
+                        <a:rPr lang="nl-NL" dirty="0"/>
                         <a:t>3</a:t>
                       </a:r>
                       <a:endParaRPr lang="nl-BE" dirty="0"/>
@@ -8441,16 +8286,16 @@
                     <a:lstStyle/>
                     <a:p>
                       <a:pPr algn="ctr"/>
-                      <a:endParaRPr lang="nl-NL" dirty="0" smtClean="0"/>
+                      <a:endParaRPr lang="nl-NL" dirty="0"/>
                     </a:p>
                     <a:p>
                       <a:pPr algn="ctr"/>
-                      <a:endParaRPr lang="nl-NL" dirty="0" smtClean="0"/>
+                      <a:endParaRPr lang="nl-NL" dirty="0"/>
                     </a:p>
                     <a:p>
                       <a:pPr algn="ctr"/>
                       <a:r>
-                        <a:rPr lang="nl-NL" dirty="0" smtClean="0"/>
+                        <a:rPr lang="nl-NL" dirty="0"/>
                         <a:t>1</a:t>
                       </a:r>
                       <a:endParaRPr lang="nl-BE" dirty="0"/>
@@ -8504,9 +8349,7 @@
           <p:cNvGraphicFramePr>
             <a:graphicFrameLocks noGrp="1"/>
           </p:cNvGraphicFramePr>
-          <p:nvPr>
-            <p:extLst/>
-          </p:nvPr>
+          <p:nvPr/>
         </p:nvGraphicFramePr>
         <p:xfrm>
           <a:off x="3766208" y="446395"/>
@@ -8534,12 +8377,8 @@
                     <a:lstStyle/>
                     <a:p>
                       <a:r>
-                        <a:rPr lang="nl-NL" dirty="0" smtClean="0"/>
-                        <a:t>Als </a:t>
-                      </a:r>
-                      <a:r>
-                        <a:rPr lang="nl-NL" dirty="0" smtClean="0"/>
-                        <a:t>winnaar (1)</a:t>
+                        <a:rPr lang="nl-NL" dirty="0"/>
+                        <a:t>Als winnaar (1)</a:t>
                       </a:r>
                       <a:endParaRPr lang="nl-BE" dirty="0"/>
                     </a:p>
@@ -8559,11 +8398,11 @@
                     <a:lstStyle/>
                     <a:p>
                       <a:r>
-                        <a:rPr lang="nl-NL" dirty="0" smtClean="0"/>
+                        <a:rPr lang="nl-NL" dirty="0"/>
                         <a:t>Wil ik een overwinning scherm</a:t>
                       </a:r>
                       <a:r>
-                        <a:rPr lang="nl-NL" baseline="0" dirty="0" smtClean="0"/>
+                        <a:rPr lang="nl-NL" baseline="0" dirty="0"/>
                         <a:t> zien na een race</a:t>
                       </a:r>
                       <a:endParaRPr lang="nl-BE" dirty="0"/>
@@ -8584,11 +8423,11 @@
                     <a:lstStyle/>
                     <a:p>
                       <a:r>
-                        <a:rPr lang="nl-NL" dirty="0" smtClean="0"/>
+                        <a:rPr lang="nl-NL" dirty="0"/>
                         <a:t>Zodat</a:t>
                       </a:r>
                       <a:r>
-                        <a:rPr lang="nl-NL" baseline="0" dirty="0" smtClean="0"/>
+                        <a:rPr lang="nl-NL" baseline="0" dirty="0"/>
                         <a:t> ik weet dat ik heb gewonnen</a:t>
                       </a:r>
                       <a:endParaRPr lang="nl-BE" dirty="0"/>
@@ -8612,9 +8451,7 @@
           <p:cNvGraphicFramePr>
             <a:graphicFrameLocks noGrp="1"/>
           </p:cNvGraphicFramePr>
-          <p:nvPr>
-            <p:extLst/>
-          </p:nvPr>
+          <p:nvPr/>
         </p:nvGraphicFramePr>
         <p:xfrm>
           <a:off x="3766208" y="1870547"/>
@@ -8642,16 +8479,12 @@
                     <a:lstStyle/>
                     <a:p>
                       <a:r>
-                        <a:rPr lang="nl-NL" dirty="0" smtClean="0"/>
+                        <a:rPr lang="nl-NL" dirty="0"/>
                         <a:t>Als verliezer</a:t>
                       </a:r>
                       <a:r>
-                        <a:rPr lang="nl-NL" baseline="0" dirty="0" smtClean="0"/>
-                        <a:t> </a:t>
-                      </a:r>
-                      <a:r>
-                        <a:rPr lang="nl-NL" baseline="0" dirty="0" smtClean="0"/>
-                        <a:t>(1)</a:t>
+                        <a:rPr lang="nl-NL" baseline="0" dirty="0"/>
+                        <a:t> (1)</a:t>
                       </a:r>
                       <a:endParaRPr lang="nl-BE" dirty="0"/>
                     </a:p>
@@ -8671,11 +8504,11 @@
                     <a:lstStyle/>
                     <a:p>
                       <a:r>
-                        <a:rPr lang="nl-NL" dirty="0" smtClean="0"/>
+                        <a:rPr lang="nl-NL" dirty="0"/>
                         <a:t>Wil ik een</a:t>
                       </a:r>
                       <a:r>
-                        <a:rPr lang="nl-NL" baseline="0" dirty="0" smtClean="0"/>
+                        <a:rPr lang="nl-NL" baseline="0" dirty="0"/>
                         <a:t> verlies scherm na een race</a:t>
                       </a:r>
                       <a:endParaRPr lang="nl-BE" dirty="0"/>
@@ -8696,11 +8529,11 @@
                     <a:lstStyle/>
                     <a:p>
                       <a:r>
-                        <a:rPr lang="nl-NL" dirty="0" smtClean="0"/>
+                        <a:rPr lang="nl-NL" dirty="0"/>
                         <a:t>Zodat</a:t>
                       </a:r>
                       <a:r>
-                        <a:rPr lang="nl-NL" baseline="0" dirty="0" smtClean="0"/>
+                        <a:rPr lang="nl-NL" baseline="0" dirty="0"/>
                         <a:t> ik weet dat ik heb verloren</a:t>
                       </a:r>
                       <a:endParaRPr lang="nl-BE" dirty="0"/>
@@ -8724,9 +8557,7 @@
           <p:cNvGraphicFramePr>
             <a:graphicFrameLocks noGrp="1"/>
           </p:cNvGraphicFramePr>
-          <p:nvPr>
-            <p:extLst/>
-          </p:nvPr>
+          <p:nvPr/>
         </p:nvGraphicFramePr>
         <p:xfrm>
           <a:off x="3766208" y="3465402"/>
@@ -8754,12 +8585,8 @@
                     <a:lstStyle/>
                     <a:p>
                       <a:r>
-                        <a:rPr lang="nl-NL" dirty="0" smtClean="0"/>
-                        <a:t>Als </a:t>
-                      </a:r>
-                      <a:r>
-                        <a:rPr lang="nl-NL" dirty="0" smtClean="0"/>
-                        <a:t>Speler (2)</a:t>
+                        <a:rPr lang="nl-NL" dirty="0"/>
+                        <a:t>Als Speler (2)</a:t>
                       </a:r>
                       <a:endParaRPr lang="nl-BE" dirty="0"/>
                     </a:p>
@@ -8779,7 +8606,7 @@
                     <a:lstStyle/>
                     <a:p>
                       <a:r>
-                        <a:rPr lang="nl-NL" dirty="0" smtClean="0"/>
+                        <a:rPr lang="nl-NL" dirty="0"/>
                         <a:t>Wil ik Instellingen kunnen veranderen</a:t>
                       </a:r>
                       <a:endParaRPr lang="nl-BE" dirty="0"/>
@@ -8800,11 +8627,11 @@
                     <a:lstStyle/>
                     <a:p>
                       <a:r>
-                        <a:rPr lang="nl-NL" dirty="0" smtClean="0"/>
+                        <a:rPr lang="nl-NL" dirty="0"/>
                         <a:t>Zodat</a:t>
                       </a:r>
                       <a:r>
-                        <a:rPr lang="nl-NL" baseline="0" dirty="0" smtClean="0"/>
+                        <a:rPr lang="nl-NL" baseline="0" dirty="0"/>
                         <a:t> ik mijn voorkeuren kan aanduiden</a:t>
                       </a:r>
                       <a:endParaRPr lang="nl-BE" dirty="0"/>
@@ -8828,9 +8655,7 @@
           <p:cNvGraphicFramePr>
             <a:graphicFrameLocks noGrp="1"/>
           </p:cNvGraphicFramePr>
-          <p:nvPr>
-            <p:extLst/>
-          </p:nvPr>
+          <p:nvPr/>
         </p:nvGraphicFramePr>
         <p:xfrm>
           <a:off x="3766208" y="5060257"/>
@@ -8875,18 +8700,14 @@
                         <a:defRPr/>
                       </a:pPr>
                       <a:r>
-                        <a:rPr lang="nl-NL" dirty="0" smtClean="0"/>
+                        <a:rPr lang="nl-NL" dirty="0"/>
                         <a:t>Als</a:t>
                       </a:r>
                       <a:r>
-                        <a:rPr lang="nl-NL" baseline="0" dirty="0" smtClean="0"/>
-                        <a:t> </a:t>
-                      </a:r>
-                      <a:r>
-                        <a:rPr lang="nl-NL" baseline="0" dirty="0" smtClean="0"/>
-                        <a:t>Speler(3)</a:t>
-                      </a:r>
-                      <a:endParaRPr lang="nl-BE" dirty="0" smtClean="0"/>
+                        <a:rPr lang="nl-NL" baseline="0" dirty="0"/>
+                        <a:t> Speler(3)</a:t>
+                      </a:r>
+                      <a:endParaRPr lang="nl-BE" dirty="0"/>
                     </a:p>
                   </a:txBody>
                   <a:tcPr/>
@@ -8904,7 +8725,7 @@
                     <a:lstStyle/>
                     <a:p>
                       <a:r>
-                        <a:rPr lang="nl-NL" dirty="0" smtClean="0"/>
+                        <a:rPr lang="nl-NL" dirty="0"/>
                         <a:t>Wil ik kunnen inloggen </a:t>
                       </a:r>
                       <a:endParaRPr lang="nl-BE" dirty="0"/>
@@ -8925,11 +8746,11 @@
                     <a:lstStyle/>
                     <a:p>
                       <a:r>
-                        <a:rPr lang="nl-NL" dirty="0" smtClean="0"/>
+                        <a:rPr lang="nl-NL" dirty="0"/>
                         <a:t>Zodat</a:t>
                       </a:r>
                       <a:r>
-                        <a:rPr lang="nl-NL" baseline="0" dirty="0" smtClean="0"/>
+                        <a:rPr lang="nl-NL" baseline="0" dirty="0"/>
                         <a:t> ik een eigen account heb </a:t>
                       </a:r>
                       <a:endParaRPr lang="nl-BE" dirty="0"/>
@@ -8988,7 +8809,7 @@
                     <a:p>
                       <a:pPr algn="ctr"/>
                       <a:r>
-                        <a:rPr lang="nl-NL" dirty="0" smtClean="0"/>
+                        <a:rPr lang="nl-NL" dirty="0"/>
                         <a:t>Tijd</a:t>
                       </a:r>
                       <a:endParaRPr lang="nl-BE" dirty="0"/>
@@ -9009,16 +8830,16 @@
                     <a:lstStyle/>
                     <a:p>
                       <a:pPr algn="ctr"/>
-                      <a:endParaRPr lang="nl-NL" dirty="0" smtClean="0"/>
+                      <a:endParaRPr lang="nl-NL" dirty="0"/>
                     </a:p>
                     <a:p>
                       <a:pPr algn="ctr"/>
-                      <a:endParaRPr lang="nl-NL" dirty="0" smtClean="0"/>
+                      <a:endParaRPr lang="nl-NL" dirty="0"/>
                     </a:p>
                     <a:p>
                       <a:pPr algn="ctr"/>
                       <a:r>
-                        <a:rPr lang="nl-NL" dirty="0" smtClean="0"/>
+                        <a:rPr lang="nl-NL" dirty="0"/>
                         <a:t>1</a:t>
                       </a:r>
                       <a:endParaRPr lang="nl-BE" dirty="0"/>
@@ -9039,16 +8860,16 @@
                     <a:lstStyle/>
                     <a:p>
                       <a:pPr algn="ctr"/>
-                      <a:endParaRPr lang="nl-NL" dirty="0" smtClean="0"/>
+                      <a:endParaRPr lang="nl-NL" dirty="0"/>
                     </a:p>
                     <a:p>
                       <a:pPr algn="ctr"/>
-                      <a:endParaRPr lang="nl-NL" dirty="0" smtClean="0"/>
+                      <a:endParaRPr lang="nl-NL" dirty="0"/>
                     </a:p>
                     <a:p>
                       <a:pPr algn="ctr"/>
                       <a:r>
-                        <a:rPr lang="nl-NL" dirty="0" smtClean="0"/>
+                        <a:rPr lang="nl-NL" dirty="0"/>
                         <a:t>1</a:t>
                       </a:r>
                       <a:endParaRPr lang="nl-BE" dirty="0"/>
@@ -9069,16 +8890,16 @@
                     <a:lstStyle/>
                     <a:p>
                       <a:pPr algn="ctr"/>
-                      <a:endParaRPr lang="nl-NL" dirty="0" smtClean="0"/>
+                      <a:endParaRPr lang="nl-NL" dirty="0"/>
                     </a:p>
                     <a:p>
                       <a:pPr algn="ctr"/>
-                      <a:endParaRPr lang="nl-NL" dirty="0" smtClean="0"/>
+                      <a:endParaRPr lang="nl-NL" dirty="0"/>
                     </a:p>
                     <a:p>
                       <a:pPr algn="ctr"/>
                       <a:r>
-                        <a:rPr lang="nl-NL" dirty="0" smtClean="0"/>
+                        <a:rPr lang="nl-NL" dirty="0"/>
                         <a:t>3</a:t>
                       </a:r>
                       <a:endParaRPr lang="nl-BE" dirty="0"/>
@@ -9099,16 +8920,16 @@
                     <a:lstStyle/>
                     <a:p>
                       <a:pPr algn="ctr"/>
-                      <a:endParaRPr lang="nl-NL" dirty="0" smtClean="0"/>
+                      <a:endParaRPr lang="nl-NL" dirty="0"/>
                     </a:p>
                     <a:p>
                       <a:pPr algn="ctr"/>
-                      <a:endParaRPr lang="nl-NL" dirty="0" smtClean="0"/>
+                      <a:endParaRPr lang="nl-NL" dirty="0"/>
                     </a:p>
                     <a:p>
                       <a:pPr algn="ctr"/>
                       <a:r>
-                        <a:rPr lang="nl-NL" dirty="0" smtClean="0"/>
+                        <a:rPr lang="nl-NL" dirty="0"/>
                         <a:t>2</a:t>
                       </a:r>
                       <a:endParaRPr lang="nl-BE" dirty="0"/>
@@ -9162,9 +8983,7 @@
           <p:cNvGraphicFramePr>
             <a:graphicFrameLocks noGrp="1"/>
           </p:cNvGraphicFramePr>
-          <p:nvPr>
-            <p:extLst/>
-          </p:nvPr>
+          <p:nvPr/>
         </p:nvGraphicFramePr>
         <p:xfrm>
           <a:off x="3766208" y="446395"/>
@@ -9192,12 +9011,8 @@
                     <a:lstStyle/>
                     <a:p>
                       <a:r>
-                        <a:rPr lang="nl-NL" dirty="0" smtClean="0"/>
-                        <a:t>Als Speler </a:t>
-                      </a:r>
-                      <a:r>
-                        <a:rPr lang="nl-NL" dirty="0" smtClean="0"/>
-                        <a:t>(5)</a:t>
+                        <a:rPr lang="nl-NL" dirty="0"/>
+                        <a:t>Als Speler (5)</a:t>
                       </a:r>
                       <a:endParaRPr lang="nl-BE" dirty="0"/>
                     </a:p>
@@ -9217,7 +9032,7 @@
                     <a:lstStyle/>
                     <a:p>
                       <a:r>
-                        <a:rPr lang="nl-NL" dirty="0" smtClean="0"/>
+                        <a:rPr lang="nl-NL" dirty="0"/>
                         <a:t>Wil ik een bank</a:t>
                       </a:r>
                       <a:endParaRPr lang="nl-BE" dirty="0"/>
@@ -9255,18 +9070,18 @@
                         <a:defRPr/>
                       </a:pPr>
                       <a:r>
-                        <a:rPr lang="nl-NL" dirty="0" smtClean="0"/>
+                        <a:rPr lang="nl-NL" dirty="0"/>
                         <a:t>Zodat</a:t>
                       </a:r>
                       <a:r>
-                        <a:rPr lang="nl-NL" baseline="0" dirty="0" smtClean="0"/>
+                        <a:rPr lang="nl-NL" baseline="0" dirty="0"/>
                         <a:t> ik </a:t>
                       </a:r>
                       <a:r>
-                        <a:rPr lang="nl-NL" dirty="0" smtClean="0"/>
+                        <a:rPr lang="nl-NL" dirty="0"/>
                         <a:t>geld kan lenen</a:t>
                       </a:r>
-                      <a:endParaRPr lang="nl-BE" dirty="0" smtClean="0"/>
+                      <a:endParaRPr lang="nl-BE" dirty="0"/>
                     </a:p>
                   </a:txBody>
                   <a:tcPr/>
@@ -9287,9 +9102,7 @@
           <p:cNvGraphicFramePr>
             <a:graphicFrameLocks noGrp="1"/>
           </p:cNvGraphicFramePr>
-          <p:nvPr>
-            <p:extLst/>
-          </p:nvPr>
+          <p:nvPr/>
         </p:nvGraphicFramePr>
         <p:xfrm>
           <a:off x="3766208" y="1870547"/>
@@ -9317,16 +9130,12 @@
                     <a:lstStyle/>
                     <a:p>
                       <a:r>
-                        <a:rPr lang="nl-NL" dirty="0" smtClean="0"/>
+                        <a:rPr lang="nl-NL" dirty="0"/>
                         <a:t>Als</a:t>
                       </a:r>
                       <a:r>
-                        <a:rPr lang="nl-NL" baseline="0" dirty="0" smtClean="0"/>
-                        <a:t> Speler </a:t>
-                      </a:r>
-                      <a:r>
-                        <a:rPr lang="nl-NL" baseline="0" dirty="0" smtClean="0"/>
-                        <a:t>(2)</a:t>
+                        <a:rPr lang="nl-NL" baseline="0" dirty="0"/>
+                        <a:t> Speler (2)</a:t>
                       </a:r>
                       <a:endParaRPr lang="nl-BE" dirty="0"/>
                     </a:p>
@@ -9346,7 +9155,7 @@
                     <a:lstStyle/>
                     <a:p>
                       <a:r>
-                        <a:rPr lang="nl-NL" dirty="0" smtClean="0"/>
+                        <a:rPr lang="nl-NL" dirty="0"/>
                         <a:t>Wil ik een bankrekening</a:t>
                       </a:r>
                       <a:endParaRPr lang="nl-BE" dirty="0"/>
@@ -9367,11 +9176,11 @@
                     <a:lstStyle/>
                     <a:p>
                       <a:r>
-                        <a:rPr lang="nl-NL" dirty="0" smtClean="0"/>
+                        <a:rPr lang="nl-NL" dirty="0"/>
                         <a:t>Zodat</a:t>
                       </a:r>
                       <a:r>
-                        <a:rPr lang="nl-NL" baseline="0" dirty="0" smtClean="0"/>
+                        <a:rPr lang="nl-NL" baseline="0" dirty="0"/>
                         <a:t> ik geld kan afhalen en toevoegen.</a:t>
                       </a:r>
                       <a:endParaRPr lang="nl-BE" dirty="0"/>
@@ -9395,9 +9204,7 @@
           <p:cNvGraphicFramePr>
             <a:graphicFrameLocks noGrp="1"/>
           </p:cNvGraphicFramePr>
-          <p:nvPr>
-            <p:extLst/>
-          </p:nvPr>
+          <p:nvPr/>
         </p:nvGraphicFramePr>
         <p:xfrm>
           <a:off x="3766208" y="3465402"/>
@@ -9425,12 +9232,8 @@
                     <a:lstStyle/>
                     <a:p>
                       <a:r>
-                        <a:rPr lang="nl-NL" dirty="0" smtClean="0"/>
-                        <a:t>Als </a:t>
-                      </a:r>
-                      <a:r>
-                        <a:rPr lang="nl-NL" dirty="0" smtClean="0"/>
-                        <a:t>speler (5)</a:t>
+                        <a:rPr lang="nl-NL" dirty="0"/>
+                        <a:t>Als speler (5)</a:t>
                       </a:r>
                       <a:endParaRPr lang="nl-BE" dirty="0"/>
                     </a:p>
@@ -9450,15 +9253,15 @@
                     <a:lstStyle/>
                     <a:p>
                       <a:r>
-                        <a:rPr lang="nl-NL" dirty="0" smtClean="0"/>
+                        <a:rPr lang="nl-NL" dirty="0"/>
                         <a:t>Wil ik </a:t>
                       </a:r>
                       <a:r>
-                        <a:rPr lang="nl-NL" smtClean="0"/>
+                        <a:rPr lang="nl-NL"/>
                         <a:t>een</a:t>
                       </a:r>
                       <a:r>
-                        <a:rPr lang="nl-NL" baseline="0" smtClean="0"/>
+                        <a:rPr lang="nl-NL" baseline="0"/>
                         <a:t> reset knop</a:t>
                       </a:r>
                       <a:endParaRPr lang="nl-BE" dirty="0"/>
@@ -9479,11 +9282,11 @@
                     <a:lstStyle/>
                     <a:p>
                       <a:r>
-                        <a:rPr lang="nl-NL" dirty="0" smtClean="0"/>
+                        <a:rPr lang="nl-NL" dirty="0"/>
                         <a:t>Zodat</a:t>
                       </a:r>
                       <a:r>
-                        <a:rPr lang="nl-NL" baseline="0" dirty="0" smtClean="0"/>
+                        <a:rPr lang="nl-NL" baseline="0" dirty="0"/>
                         <a:t> ik opnieuw kan starten</a:t>
                       </a:r>
                       <a:endParaRPr lang="nl-BE" dirty="0"/>
@@ -9507,9 +9310,7 @@
           <p:cNvGraphicFramePr>
             <a:graphicFrameLocks noGrp="1"/>
           </p:cNvGraphicFramePr>
-          <p:nvPr>
-            <p:extLst/>
-          </p:nvPr>
+          <p:nvPr/>
         </p:nvGraphicFramePr>
         <p:xfrm>
           <a:off x="3766208" y="5060257"/>
@@ -9554,18 +9355,14 @@
                         <a:defRPr/>
                       </a:pPr>
                       <a:r>
-                        <a:rPr lang="nl-NL" dirty="0" smtClean="0"/>
+                        <a:rPr lang="nl-NL" dirty="0"/>
                         <a:t>Als</a:t>
                       </a:r>
                       <a:r>
-                        <a:rPr lang="nl-NL" baseline="0" dirty="0" smtClean="0"/>
-                        <a:t> </a:t>
-                      </a:r>
-                      <a:r>
-                        <a:rPr lang="nl-NL" baseline="0" dirty="0" smtClean="0"/>
-                        <a:t>Speler (5)</a:t>
-                      </a:r>
-                      <a:endParaRPr lang="nl-BE" dirty="0" smtClean="0"/>
+                        <a:rPr lang="nl-NL" baseline="0" dirty="0"/>
+                        <a:t> Speler (5)</a:t>
+                      </a:r>
+                      <a:endParaRPr lang="nl-BE" dirty="0"/>
                     </a:p>
                   </a:txBody>
                   <a:tcPr/>
@@ -9583,11 +9380,11 @@
                     <a:lstStyle/>
                     <a:p>
                       <a:r>
-                        <a:rPr lang="nl-NL" dirty="0" smtClean="0"/>
+                        <a:rPr lang="nl-NL" dirty="0"/>
                         <a:t>Wil ik</a:t>
                       </a:r>
                       <a:r>
-                        <a:rPr lang="nl-NL" baseline="0" dirty="0" smtClean="0"/>
+                        <a:rPr lang="nl-NL" baseline="0" dirty="0"/>
                         <a:t> een experience bar</a:t>
                       </a:r>
                       <a:endParaRPr lang="nl-BE" dirty="0"/>
@@ -9608,11 +9405,11 @@
                     <a:lstStyle/>
                     <a:p>
                       <a:r>
-                        <a:rPr lang="nl-NL" dirty="0" smtClean="0"/>
+                        <a:rPr lang="nl-NL" dirty="0"/>
                         <a:t>Zodat</a:t>
                       </a:r>
                       <a:r>
-                        <a:rPr lang="nl-NL" baseline="0" dirty="0" smtClean="0"/>
+                        <a:rPr lang="nl-NL" baseline="0" dirty="0"/>
                         <a:t> ik weet hoever ik in het levelsysteem zit</a:t>
                       </a:r>
                       <a:endParaRPr lang="nl-BE" dirty="0"/>
@@ -9671,7 +9468,7 @@
                     <a:p>
                       <a:pPr algn="ctr"/>
                       <a:r>
-                        <a:rPr lang="nl-NL" dirty="0" smtClean="0"/>
+                        <a:rPr lang="nl-NL" dirty="0"/>
                         <a:t>Tijd</a:t>
                       </a:r>
                       <a:endParaRPr lang="nl-BE" dirty="0"/>
@@ -9692,16 +9489,16 @@
                     <a:lstStyle/>
                     <a:p>
                       <a:pPr algn="ctr"/>
-                      <a:endParaRPr lang="nl-NL" dirty="0" smtClean="0"/>
+                      <a:endParaRPr lang="nl-NL" dirty="0"/>
                     </a:p>
                     <a:p>
                       <a:pPr algn="ctr"/>
-                      <a:endParaRPr lang="nl-NL" dirty="0" smtClean="0"/>
+                      <a:endParaRPr lang="nl-NL" dirty="0"/>
                     </a:p>
                     <a:p>
                       <a:pPr algn="ctr"/>
                       <a:r>
-                        <a:rPr lang="nl-NL" dirty="0" smtClean="0"/>
+                        <a:rPr lang="nl-NL" dirty="0"/>
                         <a:t>2</a:t>
                       </a:r>
                       <a:endParaRPr lang="nl-BE" dirty="0"/>
@@ -9722,16 +9519,16 @@
                     <a:lstStyle/>
                     <a:p>
                       <a:pPr algn="ctr"/>
-                      <a:endParaRPr lang="nl-NL" dirty="0" smtClean="0"/>
+                      <a:endParaRPr lang="nl-NL" dirty="0"/>
                     </a:p>
                     <a:p>
                       <a:pPr algn="ctr"/>
-                      <a:endParaRPr lang="nl-NL" dirty="0" smtClean="0"/>
+                      <a:endParaRPr lang="nl-NL" dirty="0"/>
                     </a:p>
                     <a:p>
                       <a:pPr algn="ctr"/>
                       <a:r>
-                        <a:rPr lang="nl-NL" dirty="0" smtClean="0"/>
+                        <a:rPr lang="nl-NL" dirty="0"/>
                         <a:t>2</a:t>
                       </a:r>
                       <a:endParaRPr lang="nl-BE" dirty="0"/>
@@ -9752,16 +9549,16 @@
                     <a:lstStyle/>
                     <a:p>
                       <a:pPr algn="ctr"/>
-                      <a:endParaRPr lang="nl-NL" dirty="0" smtClean="0"/>
+                      <a:endParaRPr lang="nl-NL" dirty="0"/>
                     </a:p>
                     <a:p>
                       <a:pPr algn="ctr"/>
-                      <a:endParaRPr lang="nl-NL" dirty="0" smtClean="0"/>
+                      <a:endParaRPr lang="nl-NL" dirty="0"/>
                     </a:p>
                     <a:p>
                       <a:pPr algn="ctr"/>
                       <a:r>
-                        <a:rPr lang="nl-NL" dirty="0" smtClean="0"/>
+                        <a:rPr lang="nl-NL" dirty="0"/>
                         <a:t>2</a:t>
                       </a:r>
                       <a:endParaRPr lang="nl-BE" dirty="0"/>
@@ -9782,16 +9579,16 @@
                     <a:lstStyle/>
                     <a:p>
                       <a:pPr algn="ctr"/>
-                      <a:endParaRPr lang="nl-NL" dirty="0" smtClean="0"/>
+                      <a:endParaRPr lang="nl-NL" dirty="0"/>
                     </a:p>
                     <a:p>
                       <a:pPr algn="ctr"/>
-                      <a:endParaRPr lang="nl-NL" dirty="0" smtClean="0"/>
+                      <a:endParaRPr lang="nl-NL" dirty="0"/>
                     </a:p>
                     <a:p>
                       <a:pPr algn="ctr"/>
                       <a:r>
-                        <a:rPr lang="nl-NL" dirty="0" smtClean="0"/>
+                        <a:rPr lang="nl-NL" dirty="0"/>
                         <a:t>2</a:t>
                       </a:r>
                       <a:endParaRPr lang="nl-BE" dirty="0"/>
@@ -9845,9 +9642,7 @@
           <p:cNvGraphicFramePr>
             <a:graphicFrameLocks noGrp="1"/>
           </p:cNvGraphicFramePr>
-          <p:nvPr>
-            <p:extLst/>
-          </p:nvPr>
+          <p:nvPr/>
         </p:nvGraphicFramePr>
         <p:xfrm>
           <a:off x="3766208" y="446395"/>
@@ -9875,12 +9670,8 @@
                     <a:lstStyle/>
                     <a:p>
                       <a:r>
-                        <a:rPr lang="nl-NL" dirty="0" smtClean="0"/>
-                        <a:t>Als Speler </a:t>
-                      </a:r>
-                      <a:r>
-                        <a:rPr lang="nl-NL" dirty="0" smtClean="0"/>
-                        <a:t>(1)</a:t>
+                        <a:rPr lang="nl-NL" dirty="0"/>
+                        <a:t>Als Speler (1)</a:t>
                       </a:r>
                       <a:endParaRPr lang="nl-BE" dirty="0"/>
                     </a:p>
@@ -9900,7 +9691,7 @@
                     <a:lstStyle/>
                     <a:p>
                       <a:r>
-                        <a:rPr lang="nl-NL" dirty="0" smtClean="0"/>
+                        <a:rPr lang="nl-NL" dirty="0"/>
                         <a:t>Wil ik een levelsysteem</a:t>
                       </a:r>
                       <a:endParaRPr lang="nl-BE" dirty="0"/>
@@ -9938,22 +9729,22 @@
                         <a:defRPr/>
                       </a:pPr>
                       <a:r>
-                        <a:rPr lang="nl-NL" dirty="0" smtClean="0"/>
+                        <a:rPr lang="nl-NL" dirty="0"/>
                         <a:t>Zodat</a:t>
                       </a:r>
                       <a:r>
-                        <a:rPr lang="nl-NL" baseline="0" dirty="0" smtClean="0"/>
+                        <a:rPr lang="nl-NL" baseline="0" dirty="0"/>
                         <a:t> ik mijn </a:t>
                       </a:r>
                       <a:r>
-                        <a:rPr lang="nl-NL" dirty="0" smtClean="0"/>
+                        <a:rPr lang="nl-NL" dirty="0"/>
                         <a:t>progressie</a:t>
                       </a:r>
                       <a:r>
-                        <a:rPr lang="nl-NL" baseline="0" dirty="0" smtClean="0"/>
+                        <a:rPr lang="nl-NL" baseline="0" dirty="0"/>
                         <a:t> kan zien</a:t>
                       </a:r>
-                      <a:endParaRPr lang="nl-BE" dirty="0" smtClean="0"/>
+                      <a:endParaRPr lang="nl-BE" dirty="0"/>
                     </a:p>
                   </a:txBody>
                   <a:tcPr/>
@@ -9974,9 +9765,7 @@
           <p:cNvGraphicFramePr>
             <a:graphicFrameLocks noGrp="1"/>
           </p:cNvGraphicFramePr>
-          <p:nvPr>
-            <p:extLst/>
-          </p:nvPr>
+          <p:nvPr/>
         </p:nvGraphicFramePr>
         <p:xfrm>
           <a:off x="3766208" y="1870547"/>
@@ -10004,16 +9793,12 @@
                     <a:lstStyle/>
                     <a:p>
                       <a:r>
-                        <a:rPr lang="nl-NL" dirty="0" smtClean="0"/>
+                        <a:rPr lang="nl-NL" dirty="0"/>
                         <a:t>Als</a:t>
                       </a:r>
                       <a:r>
-                        <a:rPr lang="nl-NL" baseline="0" dirty="0" smtClean="0"/>
-                        <a:t> Speler </a:t>
-                      </a:r>
-                      <a:r>
-                        <a:rPr lang="nl-NL" baseline="0" dirty="0" smtClean="0"/>
-                        <a:t>(2)</a:t>
+                        <a:rPr lang="nl-NL" baseline="0" dirty="0"/>
+                        <a:t> Speler (2)</a:t>
                       </a:r>
                       <a:endParaRPr lang="nl-BE" dirty="0"/>
                     </a:p>
@@ -10033,7 +9818,7 @@
                     <a:lstStyle/>
                     <a:p>
                       <a:r>
-                        <a:rPr lang="nl-NL" dirty="0" smtClean="0"/>
+                        <a:rPr lang="nl-NL" dirty="0"/>
                         <a:t>Wil ik dat mijn gegevens worden opgeslagen</a:t>
                       </a:r>
                       <a:endParaRPr lang="nl-BE" dirty="0"/>
@@ -10054,11 +9839,11 @@
                     <a:lstStyle/>
                     <a:p>
                       <a:r>
-                        <a:rPr lang="nl-NL" dirty="0" smtClean="0"/>
+                        <a:rPr lang="nl-NL" dirty="0"/>
                         <a:t>Zodat</a:t>
                       </a:r>
                       <a:r>
-                        <a:rPr lang="nl-NL" baseline="0" dirty="0" smtClean="0"/>
+                        <a:rPr lang="nl-NL" baseline="0" dirty="0"/>
                         <a:t> ik later verder kan spelen</a:t>
                       </a:r>
                       <a:endParaRPr lang="nl-BE" dirty="0"/>
@@ -10082,9 +9867,7 @@
           <p:cNvGraphicFramePr>
             <a:graphicFrameLocks noGrp="1"/>
           </p:cNvGraphicFramePr>
-          <p:nvPr>
-            <p:extLst/>
-          </p:nvPr>
+          <p:nvPr/>
         </p:nvGraphicFramePr>
         <p:xfrm>
           <a:off x="3766208" y="3465402"/>
@@ -10112,12 +9895,8 @@
                     <a:lstStyle/>
                     <a:p>
                       <a:r>
-                        <a:rPr lang="nl-NL" dirty="0" smtClean="0"/>
-                        <a:t>Als </a:t>
-                      </a:r>
-                      <a:r>
-                        <a:rPr lang="nl-NL" dirty="0" smtClean="0"/>
-                        <a:t>speler (3)</a:t>
+                        <a:rPr lang="nl-NL" dirty="0"/>
+                        <a:t>Als speler (3)</a:t>
                       </a:r>
                       <a:endParaRPr lang="nl-BE" dirty="0"/>
                     </a:p>
@@ -10137,11 +9916,11 @@
                     <a:lstStyle/>
                     <a:p>
                       <a:r>
-                        <a:rPr lang="nl-NL" dirty="0" smtClean="0"/>
+                        <a:rPr lang="nl-NL" dirty="0"/>
                         <a:t>Wil ik</a:t>
                       </a:r>
                       <a:r>
-                        <a:rPr lang="nl-NL" baseline="0" dirty="0" smtClean="0"/>
+                        <a:rPr lang="nl-NL" baseline="0" dirty="0"/>
                         <a:t> een overzicht met mijn prestaties</a:t>
                       </a:r>
                       <a:endParaRPr lang="nl-BE" dirty="0"/>
@@ -10162,11 +9941,11 @@
                     <a:lstStyle/>
                     <a:p>
                       <a:r>
-                        <a:rPr lang="nl-NL" dirty="0" smtClean="0"/>
+                        <a:rPr lang="nl-NL" dirty="0"/>
                         <a:t>Zodat</a:t>
                       </a:r>
                       <a:r>
-                        <a:rPr lang="nl-NL" baseline="0" dirty="0" smtClean="0"/>
+                        <a:rPr lang="nl-NL" baseline="0" dirty="0"/>
                         <a:t> ik weet hoe goed ik ben in het spel</a:t>
                       </a:r>
                       <a:endParaRPr lang="nl-BE" dirty="0"/>
@@ -10190,9 +9969,7 @@
           <p:cNvGraphicFramePr>
             <a:graphicFrameLocks noGrp="1"/>
           </p:cNvGraphicFramePr>
-          <p:nvPr>
-            <p:extLst/>
-          </p:nvPr>
+          <p:nvPr/>
         </p:nvGraphicFramePr>
         <p:xfrm>
           <a:off x="3766208" y="5060257"/>
@@ -10237,18 +10014,14 @@
                         <a:defRPr/>
                       </a:pPr>
                       <a:r>
-                        <a:rPr lang="nl-NL" dirty="0" smtClean="0"/>
+                        <a:rPr lang="nl-NL" dirty="0"/>
                         <a:t>Als</a:t>
                       </a:r>
                       <a:r>
-                        <a:rPr lang="nl-NL" baseline="0" dirty="0" smtClean="0"/>
-                        <a:t> </a:t>
-                      </a:r>
-                      <a:r>
-                        <a:rPr lang="nl-NL" baseline="0" dirty="0" smtClean="0"/>
-                        <a:t>Speler (5)</a:t>
-                      </a:r>
-                      <a:endParaRPr lang="nl-BE" dirty="0" smtClean="0"/>
+                        <a:rPr lang="nl-NL" baseline="0" dirty="0"/>
+                        <a:t> Speler (5)</a:t>
+                      </a:r>
+                      <a:endParaRPr lang="nl-BE" dirty="0"/>
                     </a:p>
                   </a:txBody>
                   <a:tcPr/>
@@ -10266,11 +10039,11 @@
                     <a:lstStyle/>
                     <a:p>
                       <a:r>
-                        <a:rPr lang="nl-NL" dirty="0" smtClean="0"/>
+                        <a:rPr lang="nl-NL" dirty="0"/>
                         <a:t>Wil ik een</a:t>
                       </a:r>
                       <a:r>
-                        <a:rPr lang="nl-NL" baseline="0" dirty="0" smtClean="0"/>
+                        <a:rPr lang="nl-NL" baseline="0" dirty="0"/>
                         <a:t> rusttijd voor de paarden</a:t>
                       </a:r>
                       <a:endParaRPr lang="nl-BE" dirty="0"/>
@@ -10291,11 +10064,11 @@
                     <a:lstStyle/>
                     <a:p>
                       <a:r>
-                        <a:rPr lang="nl-NL" dirty="0" smtClean="0"/>
+                        <a:rPr lang="nl-NL" dirty="0"/>
                         <a:t>Zodat</a:t>
                       </a:r>
                       <a:r>
-                        <a:rPr lang="nl-NL" baseline="0" dirty="0" smtClean="0"/>
+                        <a:rPr lang="nl-NL" baseline="0" dirty="0"/>
                         <a:t> ik niet steeds hetzelfde paard kan gebruiken</a:t>
                       </a:r>
                       <a:endParaRPr lang="nl-BE" dirty="0"/>
@@ -10354,7 +10127,7 @@
                     <a:p>
                       <a:pPr algn="ctr"/>
                       <a:r>
-                        <a:rPr lang="nl-NL" dirty="0" smtClean="0"/>
+                        <a:rPr lang="nl-NL" dirty="0"/>
                         <a:t>Tijd</a:t>
                       </a:r>
                       <a:endParaRPr lang="nl-BE" dirty="0"/>
@@ -10375,16 +10148,16 @@
                     <a:lstStyle/>
                     <a:p>
                       <a:pPr algn="ctr"/>
-                      <a:endParaRPr lang="nl-NL" dirty="0" smtClean="0"/>
+                      <a:endParaRPr lang="nl-NL" dirty="0"/>
                     </a:p>
                     <a:p>
                       <a:pPr algn="ctr"/>
-                      <a:endParaRPr lang="nl-NL" dirty="0" smtClean="0"/>
+                      <a:endParaRPr lang="nl-NL" dirty="0"/>
                     </a:p>
                     <a:p>
                       <a:pPr algn="ctr"/>
                       <a:r>
-                        <a:rPr lang="nl-NL" dirty="0" smtClean="0"/>
+                        <a:rPr lang="nl-NL" dirty="0"/>
                         <a:t>3</a:t>
                       </a:r>
                       <a:endParaRPr lang="nl-BE" dirty="0"/>
@@ -10405,16 +10178,16 @@
                     <a:lstStyle/>
                     <a:p>
                       <a:pPr algn="ctr"/>
-                      <a:endParaRPr lang="nl-NL" dirty="0" smtClean="0"/>
+                      <a:endParaRPr lang="nl-NL" dirty="0"/>
                     </a:p>
                     <a:p>
                       <a:pPr algn="ctr"/>
-                      <a:endParaRPr lang="nl-NL" dirty="0" smtClean="0"/>
+                      <a:endParaRPr lang="nl-NL" dirty="0"/>
                     </a:p>
                     <a:p>
                       <a:pPr algn="ctr"/>
                       <a:r>
-                        <a:rPr lang="nl-NL" dirty="0" smtClean="0"/>
+                        <a:rPr lang="nl-NL" dirty="0"/>
                         <a:t>2</a:t>
                       </a:r>
                       <a:endParaRPr lang="nl-BE" dirty="0"/>
@@ -10435,16 +10208,16 @@
                     <a:lstStyle/>
                     <a:p>
                       <a:pPr algn="ctr"/>
-                      <a:endParaRPr lang="nl-NL" dirty="0" smtClean="0"/>
+                      <a:endParaRPr lang="nl-NL" dirty="0"/>
                     </a:p>
                     <a:p>
                       <a:pPr algn="ctr"/>
-                      <a:endParaRPr lang="nl-NL" dirty="0" smtClean="0"/>
+                      <a:endParaRPr lang="nl-NL" dirty="0"/>
                     </a:p>
                     <a:p>
                       <a:pPr algn="ctr"/>
                       <a:r>
-                        <a:rPr lang="nl-NL" dirty="0" smtClean="0"/>
+                        <a:rPr lang="nl-NL" dirty="0"/>
                         <a:t>2</a:t>
                       </a:r>
                       <a:endParaRPr lang="nl-BE" dirty="0"/>
@@ -10465,16 +10238,16 @@
                     <a:lstStyle/>
                     <a:p>
                       <a:pPr algn="ctr"/>
-                      <a:endParaRPr lang="nl-NL" dirty="0" smtClean="0"/>
+                      <a:endParaRPr lang="nl-NL" dirty="0"/>
                     </a:p>
                     <a:p>
                       <a:pPr algn="ctr"/>
-                      <a:endParaRPr lang="nl-NL" dirty="0" smtClean="0"/>
+                      <a:endParaRPr lang="nl-NL" dirty="0"/>
                     </a:p>
                     <a:p>
                       <a:pPr algn="ctr"/>
                       <a:r>
-                        <a:rPr lang="nl-NL" dirty="0" smtClean="0"/>
+                        <a:rPr lang="nl-NL" dirty="0"/>
                         <a:t>2</a:t>
                       </a:r>
                       <a:endParaRPr lang="nl-BE" dirty="0"/>
@@ -10528,9 +10301,7 @@
           <p:cNvGraphicFramePr>
             <a:graphicFrameLocks noGrp="1"/>
           </p:cNvGraphicFramePr>
-          <p:nvPr>
-            <p:extLst/>
-          </p:nvPr>
+          <p:nvPr/>
         </p:nvGraphicFramePr>
         <p:xfrm>
           <a:off x="3766208" y="446395"/>
@@ -10558,12 +10329,8 @@
                     <a:lstStyle/>
                     <a:p>
                       <a:r>
-                        <a:rPr lang="nl-NL" dirty="0" smtClean="0"/>
-                        <a:t>Als Speler </a:t>
-                      </a:r>
-                      <a:r>
-                        <a:rPr lang="nl-NL" dirty="0" smtClean="0"/>
-                        <a:t>(4)</a:t>
+                        <a:rPr lang="nl-NL" dirty="0"/>
+                        <a:t>Als Speler (4)</a:t>
                       </a:r>
                       <a:endParaRPr lang="nl-BE" dirty="0"/>
                     </a:p>
@@ -10583,11 +10350,11 @@
                     <a:lstStyle/>
                     <a:p>
                       <a:r>
-                        <a:rPr lang="nl-NL" dirty="0" smtClean="0"/>
+                        <a:rPr lang="nl-NL" dirty="0"/>
                         <a:t>Wil ik</a:t>
                       </a:r>
                       <a:r>
-                        <a:rPr lang="nl-NL" baseline="0" dirty="0" smtClean="0"/>
+                        <a:rPr lang="nl-NL" baseline="0" dirty="0"/>
                         <a:t> een sorteerlijst</a:t>
                       </a:r>
                       <a:endParaRPr lang="nl-BE" dirty="0"/>
@@ -10625,14 +10392,14 @@
                         <a:defRPr/>
                       </a:pPr>
                       <a:r>
-                        <a:rPr lang="nl-NL" dirty="0" smtClean="0"/>
+                        <a:rPr lang="nl-NL" dirty="0"/>
                         <a:t>Zodat</a:t>
                       </a:r>
                       <a:r>
-                        <a:rPr lang="nl-NL" baseline="0" dirty="0" smtClean="0"/>
+                        <a:rPr lang="nl-NL" baseline="0" dirty="0"/>
                         <a:t> ik mijn paarden kan opzoeken via verschillende categorieën</a:t>
                       </a:r>
-                      <a:endParaRPr lang="nl-BE" dirty="0" smtClean="0"/>
+                      <a:endParaRPr lang="nl-BE" dirty="0"/>
                     </a:p>
                   </a:txBody>
                   <a:tcPr/>
@@ -10653,9 +10420,7 @@
           <p:cNvGraphicFramePr>
             <a:graphicFrameLocks noGrp="1"/>
           </p:cNvGraphicFramePr>
-          <p:nvPr>
-            <p:extLst/>
-          </p:nvPr>
+          <p:nvPr/>
         </p:nvGraphicFramePr>
         <p:xfrm>
           <a:off x="3766208" y="1870547"/>
@@ -10683,16 +10448,12 @@
                     <a:lstStyle/>
                     <a:p>
                       <a:r>
-                        <a:rPr lang="nl-NL" dirty="0" smtClean="0"/>
+                        <a:rPr lang="nl-NL" dirty="0"/>
                         <a:t>Als</a:t>
                       </a:r>
                       <a:r>
-                        <a:rPr lang="nl-NL" baseline="0" dirty="0" smtClean="0"/>
-                        <a:t> Speler </a:t>
-                      </a:r>
-                      <a:r>
-                        <a:rPr lang="nl-NL" baseline="0" dirty="0" smtClean="0"/>
-                        <a:t>(5)</a:t>
+                        <a:rPr lang="nl-NL" baseline="0" dirty="0"/>
+                        <a:t> Speler (5)</a:t>
                       </a:r>
                       <a:endParaRPr lang="nl-BE" dirty="0"/>
                     </a:p>
@@ -10712,11 +10473,11 @@
                     <a:lstStyle/>
                     <a:p>
                       <a:r>
-                        <a:rPr lang="nl-NL" dirty="0" smtClean="0"/>
+                        <a:rPr lang="nl-NL" dirty="0"/>
                         <a:t>Wil ik</a:t>
                       </a:r>
                       <a:r>
-                        <a:rPr lang="nl-NL" baseline="0" dirty="0" smtClean="0"/>
+                        <a:rPr lang="nl-NL" baseline="0" dirty="0"/>
                         <a:t> een ingame klok</a:t>
                       </a:r>
                       <a:endParaRPr lang="nl-BE" dirty="0"/>
@@ -10737,11 +10498,11 @@
                     <a:lstStyle/>
                     <a:p>
                       <a:r>
-                        <a:rPr lang="nl-NL" dirty="0" smtClean="0"/>
+                        <a:rPr lang="nl-NL" dirty="0"/>
                         <a:t>Zodat</a:t>
                       </a:r>
                       <a:r>
-                        <a:rPr lang="nl-NL" baseline="0" dirty="0" smtClean="0"/>
+                        <a:rPr lang="nl-NL" baseline="0" dirty="0"/>
                         <a:t> ik een dag/nacht cyclus kan hebben</a:t>
                       </a:r>
                       <a:endParaRPr lang="nl-BE" dirty="0"/>
@@ -10765,9 +10526,7 @@
           <p:cNvGraphicFramePr>
             <a:graphicFrameLocks noGrp="1"/>
           </p:cNvGraphicFramePr>
-          <p:nvPr>
-            <p:extLst/>
-          </p:nvPr>
+          <p:nvPr/>
         </p:nvGraphicFramePr>
         <p:xfrm>
           <a:off x="3766208" y="3465402"/>
@@ -10795,12 +10554,8 @@
                     <a:lstStyle/>
                     <a:p>
                       <a:r>
-                        <a:rPr lang="nl-NL" dirty="0" smtClean="0"/>
-                        <a:t>Als </a:t>
-                      </a:r>
-                      <a:r>
-                        <a:rPr lang="nl-NL" dirty="0" smtClean="0"/>
-                        <a:t>speler (2)</a:t>
+                        <a:rPr lang="nl-NL" dirty="0"/>
+                        <a:t>Als speler (2)</a:t>
                       </a:r>
                       <a:endParaRPr lang="nl-BE" dirty="0"/>
                     </a:p>
@@ -10820,11 +10575,11 @@
                     <a:lstStyle/>
                     <a:p>
                       <a:r>
-                        <a:rPr lang="nl-NL" dirty="0" smtClean="0"/>
+                        <a:rPr lang="nl-NL" dirty="0"/>
                         <a:t>Wil ik een moeilijkheidsgraad kunne</a:t>
                       </a:r>
                       <a:r>
-                        <a:rPr lang="nl-NL" baseline="0" dirty="0" smtClean="0"/>
+                        <a:rPr lang="nl-NL" baseline="0" dirty="0"/>
                         <a:t>n kiezen</a:t>
                       </a:r>
                       <a:endParaRPr lang="nl-BE" dirty="0"/>
@@ -10845,11 +10600,11 @@
                     <a:lstStyle/>
                     <a:p>
                       <a:r>
-                        <a:rPr lang="nl-NL" dirty="0" smtClean="0"/>
+                        <a:rPr lang="nl-NL" dirty="0"/>
                         <a:t>Zodat</a:t>
                       </a:r>
                       <a:r>
-                        <a:rPr lang="nl-NL" baseline="0" dirty="0" smtClean="0"/>
+                        <a:rPr lang="nl-NL" baseline="0" dirty="0"/>
                         <a:t> ik het makkelijker of moeilijker kan maken</a:t>
                       </a:r>
                       <a:endParaRPr lang="nl-BE" dirty="0"/>
@@ -10873,9 +10628,7 @@
           <p:cNvGraphicFramePr>
             <a:graphicFrameLocks noGrp="1"/>
           </p:cNvGraphicFramePr>
-          <p:nvPr>
-            <p:extLst/>
-          </p:nvPr>
+          <p:nvPr/>
         </p:nvGraphicFramePr>
         <p:xfrm>
           <a:off x="3766208" y="5060257"/>
@@ -10920,18 +10673,14 @@
                         <a:defRPr/>
                       </a:pPr>
                       <a:r>
-                        <a:rPr lang="nl-NL" dirty="0" smtClean="0"/>
+                        <a:rPr lang="nl-NL" dirty="0"/>
                         <a:t>Als</a:t>
                       </a:r>
                       <a:r>
-                        <a:rPr lang="nl-NL" baseline="0" dirty="0" smtClean="0"/>
-                        <a:t> </a:t>
-                      </a:r>
-                      <a:r>
-                        <a:rPr lang="nl-NL" baseline="0" dirty="0" smtClean="0"/>
-                        <a:t>Speler (5)</a:t>
-                      </a:r>
-                      <a:endParaRPr lang="nl-BE" dirty="0" smtClean="0"/>
+                        <a:rPr lang="nl-NL" baseline="0" dirty="0"/>
+                        <a:t> Speler (5)</a:t>
+                      </a:r>
+                      <a:endParaRPr lang="nl-BE" dirty="0"/>
                     </a:p>
                   </a:txBody>
                   <a:tcPr/>
@@ -10949,20 +10698,12 @@
                     <a:lstStyle/>
                     <a:p>
                       <a:r>
-                        <a:rPr lang="nl-NL" dirty="0" smtClean="0"/>
-                        <a:t>Wil </a:t>
-                      </a:r>
-                      <a:r>
-                        <a:rPr lang="nl-NL" dirty="0" smtClean="0"/>
-                        <a:t>ik een aftel</a:t>
-                      </a:r>
-                      <a:r>
-                        <a:rPr lang="nl-NL" baseline="0" dirty="0" smtClean="0"/>
-                        <a:t> </a:t>
-                      </a:r>
-                      <a:r>
-                        <a:rPr lang="nl-NL" baseline="0" dirty="0" smtClean="0"/>
-                        <a:t>timer </a:t>
+                        <a:rPr lang="nl-NL" dirty="0"/>
+                        <a:t>Wil ik een aftel</a:t>
+                      </a:r>
+                      <a:r>
+                        <a:rPr lang="nl-NL" baseline="0" dirty="0"/>
+                        <a:t> timer </a:t>
                       </a:r>
                       <a:endParaRPr lang="nl-BE" dirty="0"/>
                     </a:p>
@@ -10982,11 +10723,11 @@
                     <a:lstStyle/>
                     <a:p>
                       <a:r>
-                        <a:rPr lang="nl-NL" dirty="0" smtClean="0"/>
+                        <a:rPr lang="nl-NL" dirty="0"/>
                         <a:t>Zodat</a:t>
                       </a:r>
                       <a:r>
-                        <a:rPr lang="nl-NL" baseline="0" dirty="0" smtClean="0"/>
+                        <a:rPr lang="nl-NL" baseline="0" dirty="0"/>
                         <a:t> ik weet wanneer de race begint</a:t>
                       </a:r>
                       <a:endParaRPr lang="nl-BE" dirty="0"/>
@@ -11045,7 +10786,7 @@
                     <a:p>
                       <a:pPr algn="ctr"/>
                       <a:r>
-                        <a:rPr lang="nl-NL" dirty="0" smtClean="0"/>
+                        <a:rPr lang="nl-NL" dirty="0"/>
                         <a:t>Tijd</a:t>
                       </a:r>
                       <a:endParaRPr lang="nl-BE" dirty="0"/>
@@ -11066,16 +10807,16 @@
                     <a:lstStyle/>
                     <a:p>
                       <a:pPr algn="ctr"/>
-                      <a:endParaRPr lang="nl-NL" dirty="0" smtClean="0"/>
+                      <a:endParaRPr lang="nl-NL" dirty="0"/>
                     </a:p>
                     <a:p>
                       <a:pPr algn="ctr"/>
-                      <a:endParaRPr lang="nl-NL" dirty="0" smtClean="0"/>
+                      <a:endParaRPr lang="nl-NL" dirty="0"/>
                     </a:p>
                     <a:p>
                       <a:pPr algn="ctr"/>
                       <a:r>
-                        <a:rPr lang="nl-NL" dirty="0" smtClean="0"/>
+                        <a:rPr lang="nl-NL" dirty="0"/>
                         <a:t>3</a:t>
                       </a:r>
                       <a:endParaRPr lang="nl-BE" dirty="0"/>
@@ -11096,16 +10837,16 @@
                     <a:lstStyle/>
                     <a:p>
                       <a:pPr algn="ctr"/>
-                      <a:endParaRPr lang="nl-NL" dirty="0" smtClean="0"/>
+                      <a:endParaRPr lang="nl-NL" dirty="0"/>
                     </a:p>
                     <a:p>
                       <a:pPr algn="ctr"/>
-                      <a:endParaRPr lang="nl-NL" dirty="0" smtClean="0"/>
+                      <a:endParaRPr lang="nl-NL" dirty="0"/>
                     </a:p>
                     <a:p>
                       <a:pPr algn="ctr"/>
                       <a:r>
-                        <a:rPr lang="nl-NL" dirty="0" smtClean="0"/>
+                        <a:rPr lang="nl-NL" dirty="0"/>
                         <a:t>3</a:t>
                       </a:r>
                       <a:endParaRPr lang="nl-BE" dirty="0"/>
@@ -11126,16 +10867,16 @@
                     <a:lstStyle/>
                     <a:p>
                       <a:pPr algn="ctr"/>
-                      <a:endParaRPr lang="nl-NL" dirty="0" smtClean="0"/>
+                      <a:endParaRPr lang="nl-NL" dirty="0"/>
                     </a:p>
                     <a:p>
                       <a:pPr algn="ctr"/>
-                      <a:endParaRPr lang="nl-NL" dirty="0" smtClean="0"/>
+                      <a:endParaRPr lang="nl-NL" dirty="0"/>
                     </a:p>
                     <a:p>
                       <a:pPr algn="ctr"/>
                       <a:r>
-                        <a:rPr lang="nl-NL" dirty="0" smtClean="0"/>
+                        <a:rPr lang="nl-NL" dirty="0"/>
                         <a:t>3</a:t>
                       </a:r>
                       <a:endParaRPr lang="nl-BE" dirty="0"/>
@@ -11156,16 +10897,16 @@
                     <a:lstStyle/>
                     <a:p>
                       <a:pPr algn="ctr"/>
-                      <a:endParaRPr lang="nl-NL" dirty="0" smtClean="0"/>
+                      <a:endParaRPr lang="nl-NL" dirty="0"/>
                     </a:p>
                     <a:p>
                       <a:pPr algn="ctr"/>
-                      <a:endParaRPr lang="nl-NL" dirty="0" smtClean="0"/>
+                      <a:endParaRPr lang="nl-NL" dirty="0"/>
                     </a:p>
                     <a:p>
                       <a:pPr algn="ctr"/>
                       <a:r>
-                        <a:rPr lang="nl-NL" dirty="0" smtClean="0"/>
+                        <a:rPr lang="nl-NL" dirty="0"/>
                         <a:t>2</a:t>
                       </a:r>
                       <a:endParaRPr lang="nl-BE" dirty="0"/>
@@ -11219,9 +10960,7 @@
           <p:cNvGraphicFramePr>
             <a:graphicFrameLocks noGrp="1"/>
           </p:cNvGraphicFramePr>
-          <p:nvPr>
-            <p:extLst/>
-          </p:nvPr>
+          <p:nvPr/>
         </p:nvGraphicFramePr>
         <p:xfrm>
           <a:off x="3766208" y="446395"/>
@@ -11249,12 +10988,8 @@
                     <a:lstStyle/>
                     <a:p>
                       <a:r>
-                        <a:rPr lang="nl-NL" dirty="0" smtClean="0"/>
-                        <a:t>Als Speler </a:t>
-                      </a:r>
-                      <a:r>
-                        <a:rPr lang="nl-NL" dirty="0" smtClean="0"/>
-                        <a:t>(5)</a:t>
+                        <a:rPr lang="nl-NL" dirty="0"/>
+                        <a:t>Als Speler (5)</a:t>
                       </a:r>
                       <a:endParaRPr lang="nl-BE" dirty="0"/>
                     </a:p>
@@ -11274,11 +11009,11 @@
                     <a:lstStyle/>
                     <a:p>
                       <a:r>
-                        <a:rPr lang="nl-NL" dirty="0" smtClean="0"/>
+                        <a:rPr lang="nl-NL" dirty="0"/>
                         <a:t>Wil ik</a:t>
                       </a:r>
                       <a:r>
-                        <a:rPr lang="nl-NL" baseline="0" dirty="0" smtClean="0"/>
+                        <a:rPr lang="nl-NL" baseline="0" dirty="0"/>
                         <a:t> een mooi login scherm </a:t>
                       </a:r>
                       <a:endParaRPr lang="nl-BE" dirty="0"/>
@@ -11316,14 +11051,14 @@
                         <a:defRPr/>
                       </a:pPr>
                       <a:r>
-                        <a:rPr lang="nl-NL" dirty="0" smtClean="0"/>
+                        <a:rPr lang="nl-NL" dirty="0"/>
                         <a:t>Zodat</a:t>
                       </a:r>
                       <a:r>
-                        <a:rPr lang="nl-NL" baseline="0" dirty="0" smtClean="0"/>
+                        <a:rPr lang="nl-NL" baseline="0" dirty="0"/>
                         <a:t> ik een aangename login ervaring krijg</a:t>
                       </a:r>
-                      <a:endParaRPr lang="nl-BE" dirty="0" smtClean="0"/>
+                      <a:endParaRPr lang="nl-BE" dirty="0"/>
                     </a:p>
                   </a:txBody>
                   <a:tcPr/>
@@ -11344,9 +11079,7 @@
           <p:cNvGraphicFramePr>
             <a:graphicFrameLocks noGrp="1"/>
           </p:cNvGraphicFramePr>
-          <p:nvPr>
-            <p:extLst/>
-          </p:nvPr>
+          <p:nvPr/>
         </p:nvGraphicFramePr>
         <p:xfrm>
           <a:off x="3766208" y="1870547"/>
@@ -11374,16 +11107,12 @@
                     <a:lstStyle/>
                     <a:p>
                       <a:r>
-                        <a:rPr lang="nl-NL" dirty="0" smtClean="0"/>
+                        <a:rPr lang="nl-NL" dirty="0"/>
                         <a:t>Als</a:t>
                       </a:r>
                       <a:r>
-                        <a:rPr lang="nl-NL" baseline="0" dirty="0" smtClean="0"/>
-                        <a:t> Speler </a:t>
-                      </a:r>
-                      <a:r>
-                        <a:rPr lang="nl-NL" baseline="0" dirty="0" smtClean="0"/>
-                        <a:t>(5)</a:t>
+                        <a:rPr lang="nl-NL" baseline="0" dirty="0"/>
+                        <a:t> Speler (5)</a:t>
                       </a:r>
                       <a:endParaRPr lang="nl-BE" dirty="0"/>
                     </a:p>
@@ -11403,11 +11132,11 @@
                     <a:lstStyle/>
                     <a:p>
                       <a:r>
-                        <a:rPr lang="nl-NL" dirty="0" smtClean="0"/>
+                        <a:rPr lang="nl-NL" dirty="0"/>
                         <a:t>Wil i</a:t>
                       </a:r>
                       <a:r>
-                        <a:rPr lang="nl-NL" baseline="0" dirty="0" smtClean="0"/>
+                        <a:rPr lang="nl-NL" baseline="0" dirty="0"/>
                         <a:t>k mijn gebruikersnaam kunnen wijzigen</a:t>
                       </a:r>
                       <a:endParaRPr lang="nl-BE" dirty="0"/>
@@ -11428,11 +11157,11 @@
                     <a:lstStyle/>
                     <a:p>
                       <a:r>
-                        <a:rPr lang="nl-NL" dirty="0" smtClean="0"/>
+                        <a:rPr lang="nl-NL" dirty="0"/>
                         <a:t>Zodat</a:t>
                       </a:r>
                       <a:r>
-                        <a:rPr lang="nl-NL" baseline="0" dirty="0" smtClean="0"/>
+                        <a:rPr lang="nl-NL" baseline="0" dirty="0"/>
                         <a:t> ik een andere naam kan kiezen</a:t>
                       </a:r>
                       <a:endParaRPr lang="nl-BE" dirty="0"/>
@@ -11456,9 +11185,7 @@
           <p:cNvGraphicFramePr>
             <a:graphicFrameLocks noGrp="1"/>
           </p:cNvGraphicFramePr>
-          <p:nvPr>
-            <p:extLst/>
-          </p:nvPr>
+          <p:nvPr/>
         </p:nvGraphicFramePr>
         <p:xfrm>
           <a:off x="3766208" y="3465402"/>
@@ -11486,16 +11213,12 @@
                     <a:lstStyle/>
                     <a:p>
                       <a:r>
-                        <a:rPr lang="nl-NL" dirty="0" smtClean="0"/>
+                        <a:rPr lang="nl-NL" dirty="0"/>
                         <a:t>Als</a:t>
                       </a:r>
                       <a:r>
-                        <a:rPr lang="nl-NL" baseline="0" dirty="0" smtClean="0"/>
-                        <a:t> </a:t>
-                      </a:r>
-                      <a:r>
-                        <a:rPr lang="nl-NL" baseline="0" dirty="0" smtClean="0"/>
-                        <a:t>Speler (4)</a:t>
+                        <a:rPr lang="nl-NL" baseline="0" dirty="0"/>
+                        <a:t> Speler (4)</a:t>
                       </a:r>
                       <a:endParaRPr lang="nl-BE" dirty="0"/>
                     </a:p>
@@ -11515,11 +11238,11 @@
                     <a:lstStyle/>
                     <a:p>
                       <a:r>
-                        <a:rPr lang="nl-NL" dirty="0" smtClean="0"/>
+                        <a:rPr lang="nl-NL" dirty="0"/>
                         <a:t>Wil ik</a:t>
                       </a:r>
                       <a:r>
-                        <a:rPr lang="nl-NL" baseline="0" dirty="0" smtClean="0"/>
+                        <a:rPr lang="nl-NL" baseline="0" dirty="0"/>
                         <a:t> mijn paarden kunnen verzorgen </a:t>
                       </a:r>
                       <a:endParaRPr lang="nl-BE" dirty="0"/>
@@ -11540,11 +11263,11 @@
                     <a:lstStyle/>
                     <a:p>
                       <a:r>
-                        <a:rPr lang="nl-NL" dirty="0" smtClean="0"/>
+                        <a:rPr lang="nl-NL" dirty="0"/>
                         <a:t>Zodat</a:t>
                       </a:r>
                       <a:r>
-                        <a:rPr lang="nl-NL" baseline="0" dirty="0" smtClean="0"/>
+                        <a:rPr lang="nl-NL" baseline="0" dirty="0"/>
                         <a:t> ik beter presterende paarden heb</a:t>
                       </a:r>
                       <a:endParaRPr lang="nl-BE" dirty="0"/>
@@ -11568,9 +11291,7 @@
           <p:cNvGraphicFramePr>
             <a:graphicFrameLocks noGrp="1"/>
           </p:cNvGraphicFramePr>
-          <p:nvPr>
-            <p:extLst/>
-          </p:nvPr>
+          <p:nvPr/>
         </p:nvGraphicFramePr>
         <p:xfrm>
           <a:off x="3766208" y="5060257"/>
@@ -11615,18 +11336,14 @@
                         <a:defRPr/>
                       </a:pPr>
                       <a:r>
-                        <a:rPr lang="nl-NL" dirty="0" smtClean="0"/>
+                        <a:rPr lang="nl-NL" dirty="0"/>
                         <a:t>Als</a:t>
                       </a:r>
                       <a:r>
-                        <a:rPr lang="nl-NL" baseline="0" dirty="0" smtClean="0"/>
-                        <a:t> </a:t>
-                      </a:r>
-                      <a:r>
-                        <a:rPr lang="nl-NL" baseline="0" dirty="0" smtClean="0"/>
-                        <a:t>Speler (1)</a:t>
-                      </a:r>
-                      <a:endParaRPr lang="nl-BE" dirty="0" smtClean="0"/>
+                        <a:rPr lang="nl-NL" baseline="0" dirty="0"/>
+                        <a:t> Speler (1)</a:t>
+                      </a:r>
+                      <a:endParaRPr lang="nl-BE" dirty="0"/>
                     </a:p>
                   </a:txBody>
                   <a:tcPr/>
@@ -11644,11 +11361,11 @@
                     <a:lstStyle/>
                     <a:p>
                       <a:r>
-                        <a:rPr lang="nl-NL" dirty="0" smtClean="0"/>
+                        <a:rPr lang="nl-NL" dirty="0"/>
                         <a:t>Wil ik een</a:t>
                       </a:r>
                       <a:r>
-                        <a:rPr lang="nl-NL" baseline="0" dirty="0" smtClean="0"/>
+                        <a:rPr lang="nl-NL" baseline="0" dirty="0"/>
                         <a:t> start en finish lijn </a:t>
                       </a:r>
                       <a:endParaRPr lang="nl-BE" dirty="0"/>
@@ -11669,11 +11386,11 @@
                     <a:lstStyle/>
                     <a:p>
                       <a:r>
-                        <a:rPr lang="nl-NL" dirty="0" smtClean="0"/>
+                        <a:rPr lang="nl-NL" dirty="0"/>
                         <a:t>Zodat</a:t>
                       </a:r>
                       <a:r>
-                        <a:rPr lang="nl-NL" baseline="0" dirty="0" smtClean="0"/>
+                        <a:rPr lang="nl-NL" baseline="0" dirty="0"/>
                         <a:t> ik weet waar de race start en eindigt</a:t>
                       </a:r>
                       <a:endParaRPr lang="nl-BE" dirty="0"/>
@@ -11732,7 +11449,7 @@
                     <a:p>
                       <a:pPr algn="ctr"/>
                       <a:r>
-                        <a:rPr lang="nl-NL" dirty="0" smtClean="0"/>
+                        <a:rPr lang="nl-NL" dirty="0"/>
                         <a:t>Tijd</a:t>
                       </a:r>
                       <a:endParaRPr lang="nl-BE" dirty="0"/>
@@ -11753,16 +11470,16 @@
                     <a:lstStyle/>
                     <a:p>
                       <a:pPr algn="ctr"/>
-                      <a:endParaRPr lang="nl-NL" dirty="0" smtClean="0"/>
+                      <a:endParaRPr lang="nl-NL" dirty="0"/>
                     </a:p>
                     <a:p>
                       <a:pPr algn="ctr"/>
-                      <a:endParaRPr lang="nl-NL" dirty="0" smtClean="0"/>
+                      <a:endParaRPr lang="nl-NL" dirty="0"/>
                     </a:p>
                     <a:p>
                       <a:pPr algn="ctr"/>
                       <a:r>
-                        <a:rPr lang="nl-NL" dirty="0" smtClean="0"/>
+                        <a:rPr lang="nl-NL" dirty="0"/>
                         <a:t>2</a:t>
                       </a:r>
                       <a:endParaRPr lang="nl-BE" dirty="0"/>
@@ -11783,16 +11500,16 @@
                     <a:lstStyle/>
                     <a:p>
                       <a:pPr algn="ctr"/>
-                      <a:endParaRPr lang="nl-NL" dirty="0" smtClean="0"/>
+                      <a:endParaRPr lang="nl-NL" dirty="0"/>
                     </a:p>
                     <a:p>
                       <a:pPr algn="ctr"/>
-                      <a:endParaRPr lang="nl-NL" dirty="0" smtClean="0"/>
+                      <a:endParaRPr lang="nl-NL" dirty="0"/>
                     </a:p>
                     <a:p>
                       <a:pPr algn="ctr"/>
                       <a:r>
-                        <a:rPr lang="nl-NL" dirty="0" smtClean="0"/>
+                        <a:rPr lang="nl-NL" dirty="0"/>
                         <a:t>1</a:t>
                       </a:r>
                       <a:endParaRPr lang="nl-BE" dirty="0"/>
@@ -11813,16 +11530,16 @@
                     <a:lstStyle/>
                     <a:p>
                       <a:pPr algn="ctr"/>
-                      <a:endParaRPr lang="nl-NL" dirty="0" smtClean="0"/>
+                      <a:endParaRPr lang="nl-NL" dirty="0"/>
                     </a:p>
                     <a:p>
                       <a:pPr algn="ctr"/>
-                      <a:endParaRPr lang="nl-NL" dirty="0" smtClean="0"/>
+                      <a:endParaRPr lang="nl-NL" dirty="0"/>
                     </a:p>
                     <a:p>
                       <a:pPr algn="ctr"/>
                       <a:r>
-                        <a:rPr lang="nl-NL" dirty="0" smtClean="0"/>
+                        <a:rPr lang="nl-NL" dirty="0"/>
                         <a:t>3</a:t>
                       </a:r>
                     </a:p>
@@ -11842,16 +11559,16 @@
                     <a:lstStyle/>
                     <a:p>
                       <a:pPr algn="ctr"/>
-                      <a:endParaRPr lang="nl-NL" dirty="0" smtClean="0"/>
+                      <a:endParaRPr lang="nl-NL" dirty="0"/>
                     </a:p>
                     <a:p>
                       <a:pPr algn="ctr"/>
-                      <a:endParaRPr lang="nl-NL" dirty="0" smtClean="0"/>
+                      <a:endParaRPr lang="nl-NL" dirty="0"/>
                     </a:p>
                     <a:p>
                       <a:pPr algn="ctr"/>
                       <a:r>
-                        <a:rPr lang="nl-NL" dirty="0" smtClean="0"/>
+                        <a:rPr lang="nl-NL" dirty="0"/>
                         <a:t>2</a:t>
                       </a:r>
                       <a:endParaRPr lang="nl-BE" dirty="0"/>
@@ -11905,9 +11622,7 @@
           <p:cNvGraphicFramePr>
             <a:graphicFrameLocks noGrp="1"/>
           </p:cNvGraphicFramePr>
-          <p:nvPr>
-            <p:extLst/>
-          </p:nvPr>
+          <p:nvPr/>
         </p:nvGraphicFramePr>
         <p:xfrm>
           <a:off x="3766208" y="446395"/>
@@ -11935,12 +11650,8 @@
                     <a:lstStyle/>
                     <a:p>
                       <a:r>
-                        <a:rPr lang="nl-NL" dirty="0" smtClean="0"/>
-                        <a:t>Als Speler </a:t>
-                      </a:r>
-                      <a:r>
-                        <a:rPr lang="nl-NL" dirty="0" smtClean="0"/>
-                        <a:t>(3)</a:t>
+                        <a:rPr lang="nl-NL" dirty="0"/>
+                        <a:t>Als Speler (3)</a:t>
                       </a:r>
                       <a:endParaRPr lang="nl-BE" dirty="0"/>
                     </a:p>
@@ -11960,11 +11671,11 @@
                     <a:lstStyle/>
                     <a:p>
                       <a:r>
-                        <a:rPr lang="nl-NL" dirty="0" smtClean="0"/>
+                        <a:rPr lang="nl-NL" dirty="0"/>
                         <a:t>Wil ik nieuwe banen ontgrendelen wanneer ik een level</a:t>
                       </a:r>
                       <a:r>
-                        <a:rPr lang="nl-NL" baseline="0" dirty="0" smtClean="0"/>
+                        <a:rPr lang="nl-NL" baseline="0" dirty="0"/>
                         <a:t> omhoog ga</a:t>
                       </a:r>
                       <a:endParaRPr lang="nl-BE" dirty="0"/>
@@ -12002,14 +11713,14 @@
                         <a:defRPr/>
                       </a:pPr>
                       <a:r>
-                        <a:rPr lang="nl-NL" dirty="0" smtClean="0"/>
+                        <a:rPr lang="nl-NL" dirty="0"/>
                         <a:t>Zodat</a:t>
                       </a:r>
                       <a:r>
-                        <a:rPr lang="nl-NL" baseline="0" dirty="0" smtClean="0"/>
+                        <a:rPr lang="nl-NL" baseline="0" dirty="0"/>
                         <a:t> ik meer variatie heb van racebanen</a:t>
                       </a:r>
-                      <a:endParaRPr lang="nl-BE" dirty="0" smtClean="0"/>
+                      <a:endParaRPr lang="nl-BE" dirty="0"/>
                     </a:p>
                   </a:txBody>
                   <a:tcPr/>
@@ -12030,9 +11741,7 @@
           <p:cNvGraphicFramePr>
             <a:graphicFrameLocks noGrp="1"/>
           </p:cNvGraphicFramePr>
-          <p:nvPr>
-            <p:extLst/>
-          </p:nvPr>
+          <p:nvPr/>
         </p:nvGraphicFramePr>
         <p:xfrm>
           <a:off x="3766208" y="1870547"/>
@@ -12060,16 +11769,12 @@
                     <a:lstStyle/>
                     <a:p>
                       <a:r>
-                        <a:rPr lang="nl-NL" dirty="0" smtClean="0"/>
+                        <a:rPr lang="nl-NL" dirty="0"/>
                         <a:t>Als</a:t>
                       </a:r>
                       <a:r>
-                        <a:rPr lang="nl-NL" baseline="0" dirty="0" smtClean="0"/>
-                        <a:t> Speler </a:t>
-                      </a:r>
-                      <a:r>
-                        <a:rPr lang="nl-NL" baseline="0" dirty="0" smtClean="0"/>
-                        <a:t>(5)</a:t>
+                        <a:rPr lang="nl-NL" baseline="0" dirty="0"/>
+                        <a:t> Speler (5)</a:t>
                       </a:r>
                       <a:endParaRPr lang="nl-BE" dirty="0"/>
                     </a:p>
@@ -12089,11 +11794,11 @@
                     <a:lstStyle/>
                     <a:p>
                       <a:r>
-                        <a:rPr lang="nl-NL" dirty="0" smtClean="0"/>
+                        <a:rPr lang="nl-NL" dirty="0"/>
                         <a:t>Wil i</a:t>
                       </a:r>
                       <a:r>
-                        <a:rPr lang="nl-NL" baseline="0" dirty="0" smtClean="0"/>
+                        <a:rPr lang="nl-NL" baseline="0" dirty="0"/>
                         <a:t>k een achtergrondliedje tijdens de race</a:t>
                       </a:r>
                       <a:endParaRPr lang="nl-BE" dirty="0"/>
@@ -12114,11 +11819,11 @@
                     <a:lstStyle/>
                     <a:p>
                       <a:r>
-                        <a:rPr lang="nl-NL" dirty="0" smtClean="0"/>
+                        <a:rPr lang="nl-NL" dirty="0"/>
                         <a:t>Zodat</a:t>
                       </a:r>
                       <a:r>
-                        <a:rPr lang="nl-NL" baseline="0" dirty="0" smtClean="0"/>
+                        <a:rPr lang="nl-NL" baseline="0" dirty="0"/>
                         <a:t> ik iets hoor tijdens het racen</a:t>
                       </a:r>
                       <a:endParaRPr lang="nl-BE" dirty="0"/>
@@ -12142,9 +11847,7 @@
           <p:cNvGraphicFramePr>
             <a:graphicFrameLocks noGrp="1"/>
           </p:cNvGraphicFramePr>
-          <p:nvPr>
-            <p:extLst/>
-          </p:nvPr>
+          <p:nvPr/>
         </p:nvGraphicFramePr>
         <p:xfrm>
           <a:off x="3766208" y="3465402"/>
@@ -12172,16 +11875,12 @@
                     <a:lstStyle/>
                     <a:p>
                       <a:r>
-                        <a:rPr lang="nl-NL" dirty="0" smtClean="0"/>
+                        <a:rPr lang="nl-NL" dirty="0"/>
                         <a:t>Als</a:t>
                       </a:r>
                       <a:r>
-                        <a:rPr lang="nl-NL" baseline="0" dirty="0" smtClean="0"/>
-                        <a:t> </a:t>
-                      </a:r>
-                      <a:r>
-                        <a:rPr lang="nl-NL" baseline="0" dirty="0" smtClean="0"/>
-                        <a:t>Speler (3)</a:t>
+                        <a:rPr lang="nl-NL" baseline="0" dirty="0"/>
+                        <a:t> Speler (3)</a:t>
                       </a:r>
                       <a:endParaRPr lang="nl-BE" dirty="0"/>
                     </a:p>
@@ -12201,7 +11900,7 @@
                     <a:lstStyle/>
                     <a:p>
                       <a:r>
-                        <a:rPr lang="nl-NL" dirty="0" smtClean="0"/>
+                        <a:rPr lang="nl-NL" dirty="0"/>
                         <a:t>Wil ik een sponsor kunnen krijgen</a:t>
                       </a:r>
                       <a:endParaRPr lang="nl-BE" dirty="0"/>
@@ -12222,11 +11921,11 @@
                     <a:lstStyle/>
                     <a:p>
                       <a:r>
-                        <a:rPr lang="nl-NL" dirty="0" smtClean="0"/>
+                        <a:rPr lang="nl-NL" dirty="0"/>
                         <a:t>Zodat</a:t>
                       </a:r>
                       <a:r>
-                        <a:rPr lang="nl-NL" baseline="0" dirty="0" smtClean="0"/>
+                        <a:rPr lang="nl-NL" baseline="0" dirty="0"/>
                         <a:t> ik meer geld kan verdienen</a:t>
                       </a:r>
                       <a:endParaRPr lang="nl-BE" dirty="0"/>
@@ -12250,9 +11949,7 @@
           <p:cNvGraphicFramePr>
             <a:graphicFrameLocks noGrp="1"/>
           </p:cNvGraphicFramePr>
-          <p:nvPr>
-            <p:extLst/>
-          </p:nvPr>
+          <p:nvPr/>
         </p:nvGraphicFramePr>
         <p:xfrm>
           <a:off x="3766208" y="5060257"/>
@@ -12297,18 +11994,14 @@
                         <a:defRPr/>
                       </a:pPr>
                       <a:r>
-                        <a:rPr lang="nl-NL" dirty="0" smtClean="0"/>
+                        <a:rPr lang="nl-NL" dirty="0"/>
                         <a:t>Als</a:t>
                       </a:r>
                       <a:r>
-                        <a:rPr lang="nl-NL" baseline="0" dirty="0" smtClean="0"/>
-                        <a:t> </a:t>
-                      </a:r>
-                      <a:r>
-                        <a:rPr lang="nl-NL" baseline="0" dirty="0" smtClean="0"/>
-                        <a:t>Speler (3)</a:t>
-                      </a:r>
-                      <a:endParaRPr lang="nl-BE" dirty="0" smtClean="0"/>
+                        <a:rPr lang="nl-NL" baseline="0" dirty="0"/>
+                        <a:t> Speler (3)</a:t>
+                      </a:r>
+                      <a:endParaRPr lang="nl-BE" dirty="0"/>
                     </a:p>
                   </a:txBody>
                   <a:tcPr/>
@@ -12326,11 +12019,11 @@
                     <a:lstStyle/>
                     <a:p>
                       <a:r>
-                        <a:rPr lang="nl-NL" dirty="0" smtClean="0"/>
+                        <a:rPr lang="nl-NL" dirty="0"/>
                         <a:t>Wil ik willekeurige</a:t>
                       </a:r>
                       <a:r>
-                        <a:rPr lang="nl-NL" baseline="0" dirty="0" smtClean="0"/>
+                        <a:rPr lang="nl-NL" baseline="0" dirty="0"/>
                         <a:t> gebeurtenissen</a:t>
                       </a:r>
                       <a:endParaRPr lang="nl-BE" dirty="0"/>
@@ -12351,11 +12044,11 @@
                     <a:lstStyle/>
                     <a:p>
                       <a:r>
-                        <a:rPr lang="nl-NL" dirty="0" smtClean="0"/>
+                        <a:rPr lang="nl-NL" dirty="0"/>
                         <a:t>Zodat</a:t>
                       </a:r>
                       <a:r>
-                        <a:rPr lang="nl-NL" baseline="0" dirty="0" smtClean="0"/>
+                        <a:rPr lang="nl-NL" baseline="0" dirty="0"/>
                         <a:t> ik bonussen krijg</a:t>
                       </a:r>
                       <a:endParaRPr lang="nl-BE" dirty="0"/>
@@ -12414,7 +12107,7 @@
                     <a:p>
                       <a:pPr algn="ctr"/>
                       <a:r>
-                        <a:rPr lang="nl-NL" dirty="0" smtClean="0"/>
+                        <a:rPr lang="nl-NL" dirty="0"/>
                         <a:t>Tijd</a:t>
                       </a:r>
                       <a:endParaRPr lang="nl-BE" dirty="0"/>
@@ -12435,16 +12128,16 @@
                     <a:lstStyle/>
                     <a:p>
                       <a:pPr algn="ctr"/>
-                      <a:endParaRPr lang="nl-NL" dirty="0" smtClean="0"/>
+                      <a:endParaRPr lang="nl-NL" dirty="0"/>
                     </a:p>
                     <a:p>
                       <a:pPr algn="ctr"/>
-                      <a:endParaRPr lang="nl-NL" dirty="0" smtClean="0"/>
+                      <a:endParaRPr lang="nl-NL" dirty="0"/>
                     </a:p>
                     <a:p>
                       <a:pPr algn="ctr"/>
                       <a:r>
-                        <a:rPr lang="nl-NL" dirty="0" smtClean="0"/>
+                        <a:rPr lang="nl-NL" dirty="0"/>
                         <a:t>2</a:t>
                       </a:r>
                       <a:endParaRPr lang="nl-BE" dirty="0"/>
@@ -12465,16 +12158,16 @@
                     <a:lstStyle/>
                     <a:p>
                       <a:pPr algn="ctr"/>
-                      <a:endParaRPr lang="nl-NL" dirty="0" smtClean="0"/>
+                      <a:endParaRPr lang="nl-NL" dirty="0"/>
                     </a:p>
                     <a:p>
                       <a:pPr algn="ctr"/>
-                      <a:endParaRPr lang="nl-NL" dirty="0" smtClean="0"/>
+                      <a:endParaRPr lang="nl-NL" dirty="0"/>
                     </a:p>
                     <a:p>
                       <a:pPr algn="ctr"/>
                       <a:r>
-                        <a:rPr lang="nl-NL" dirty="0" smtClean="0"/>
+                        <a:rPr lang="nl-NL" dirty="0"/>
                         <a:t>1</a:t>
                       </a:r>
                       <a:endParaRPr lang="nl-BE" dirty="0"/>
@@ -12495,16 +12188,16 @@
                     <a:lstStyle/>
                     <a:p>
                       <a:pPr algn="ctr"/>
-                      <a:endParaRPr lang="nl-NL" dirty="0" smtClean="0"/>
+                      <a:endParaRPr lang="nl-NL" dirty="0"/>
                     </a:p>
                     <a:p>
                       <a:pPr algn="ctr"/>
-                      <a:endParaRPr lang="nl-NL" dirty="0" smtClean="0"/>
+                      <a:endParaRPr lang="nl-NL" dirty="0"/>
                     </a:p>
                     <a:p>
                       <a:pPr algn="ctr"/>
                       <a:r>
-                        <a:rPr lang="nl-NL" dirty="0" smtClean="0"/>
+                        <a:rPr lang="nl-NL" dirty="0"/>
                         <a:t>1</a:t>
                       </a:r>
                       <a:endParaRPr lang="nl-BE" dirty="0"/>
@@ -12525,16 +12218,16 @@
                     <a:lstStyle/>
                     <a:p>
                       <a:pPr algn="ctr"/>
-                      <a:endParaRPr lang="nl-NL" dirty="0" smtClean="0"/>
+                      <a:endParaRPr lang="nl-NL" dirty="0"/>
                     </a:p>
                     <a:p>
                       <a:pPr algn="ctr"/>
-                      <a:endParaRPr lang="nl-NL" dirty="0" smtClean="0"/>
+                      <a:endParaRPr lang="nl-NL" dirty="0"/>
                     </a:p>
                     <a:p>
                       <a:pPr algn="ctr"/>
                       <a:r>
-                        <a:rPr lang="nl-NL" dirty="0" smtClean="0"/>
+                        <a:rPr lang="nl-NL" dirty="0"/>
                         <a:t>3</a:t>
                       </a:r>
                       <a:endParaRPr lang="nl-BE" dirty="0"/>
@@ -12588,9 +12281,7 @@
           <p:cNvGraphicFramePr>
             <a:graphicFrameLocks noGrp="1"/>
           </p:cNvGraphicFramePr>
-          <p:nvPr>
-            <p:extLst/>
-          </p:nvPr>
+          <p:nvPr/>
         </p:nvGraphicFramePr>
         <p:xfrm>
           <a:off x="3766208" y="414860"/>
@@ -12618,12 +12309,8 @@
                     <a:lstStyle/>
                     <a:p>
                       <a:r>
-                        <a:rPr lang="nl-NL" dirty="0" smtClean="0"/>
-                        <a:t>Als Speler </a:t>
-                      </a:r>
-                      <a:r>
-                        <a:rPr lang="nl-NL" dirty="0" smtClean="0"/>
-                        <a:t>(3)</a:t>
+                        <a:rPr lang="nl-NL" dirty="0"/>
+                        <a:t>Als Speler (3)</a:t>
                       </a:r>
                       <a:endParaRPr lang="nl-BE" dirty="0"/>
                     </a:p>
@@ -12643,11 +12330,11 @@
                     <a:lstStyle/>
                     <a:p>
                       <a:r>
-                        <a:rPr lang="nl-NL" dirty="0" smtClean="0"/>
+                        <a:rPr lang="nl-NL" dirty="0"/>
                         <a:t>Wil ik een felicitatie scherm</a:t>
                       </a:r>
                       <a:r>
-                        <a:rPr lang="nl-NL" baseline="0" dirty="0" smtClean="0"/>
+                        <a:rPr lang="nl-NL" baseline="0" dirty="0"/>
                         <a:t> nadat ik een nieuw level heb behaalt</a:t>
                       </a:r>
                       <a:endParaRPr lang="nl-BE" dirty="0"/>
@@ -12685,14 +12372,14 @@
                         <a:defRPr/>
                       </a:pPr>
                       <a:r>
-                        <a:rPr lang="nl-NL" dirty="0" smtClean="0"/>
+                        <a:rPr lang="nl-NL" dirty="0"/>
                         <a:t>Zodat ik weet dat</a:t>
                       </a:r>
                       <a:r>
-                        <a:rPr lang="nl-NL" baseline="0" dirty="0" smtClean="0"/>
+                        <a:rPr lang="nl-NL" baseline="0" dirty="0"/>
                         <a:t> ik in een nieuw level zit</a:t>
                       </a:r>
-                      <a:endParaRPr lang="nl-BE" dirty="0" smtClean="0"/>
+                      <a:endParaRPr lang="nl-BE" dirty="0"/>
                     </a:p>
                   </a:txBody>
                   <a:tcPr/>
@@ -12713,9 +12400,7 @@
           <p:cNvGraphicFramePr>
             <a:graphicFrameLocks noGrp="1"/>
           </p:cNvGraphicFramePr>
-          <p:nvPr>
-            <p:extLst/>
-          </p:nvPr>
+          <p:nvPr/>
         </p:nvGraphicFramePr>
         <p:xfrm>
           <a:off x="3766208" y="1765436"/>
@@ -12743,16 +12428,12 @@
                     <a:lstStyle/>
                     <a:p>
                       <a:r>
-                        <a:rPr lang="nl-NL" dirty="0" smtClean="0"/>
+                        <a:rPr lang="nl-NL" dirty="0"/>
                         <a:t>Als</a:t>
                       </a:r>
                       <a:r>
-                        <a:rPr lang="nl-NL" baseline="0" dirty="0" smtClean="0"/>
-                        <a:t> Speler </a:t>
-                      </a:r>
-                      <a:r>
-                        <a:rPr lang="nl-NL" baseline="0" dirty="0" smtClean="0"/>
-                        <a:t>(5)</a:t>
+                        <a:rPr lang="nl-NL" baseline="0" dirty="0"/>
+                        <a:t> Speler (5)</a:t>
                       </a:r>
                       <a:endParaRPr lang="nl-BE" dirty="0"/>
                     </a:p>
@@ -12772,15 +12453,15 @@
                     <a:lstStyle/>
                     <a:p>
                       <a:r>
-                        <a:rPr lang="nl-NL" dirty="0" smtClean="0"/>
+                        <a:rPr lang="nl-NL" dirty="0"/>
                         <a:t>Wil i</a:t>
                       </a:r>
                       <a:r>
-                        <a:rPr lang="nl-NL" baseline="0" dirty="0" smtClean="0"/>
+                        <a:rPr lang="nl-NL" baseline="0" dirty="0"/>
                         <a:t>k </a:t>
                       </a:r>
                       <a:r>
-                        <a:rPr lang="nl-NL" baseline="0" smtClean="0"/>
+                        <a:rPr lang="nl-NL" baseline="0"/>
                         <a:t>een handleiding</a:t>
                       </a:r>
                       <a:endParaRPr lang="nl-BE" dirty="0"/>
@@ -12801,11 +12482,11 @@
                     <a:lstStyle/>
                     <a:p>
                       <a:r>
-                        <a:rPr lang="nl-NL" dirty="0" smtClean="0"/>
+                        <a:rPr lang="nl-NL" dirty="0"/>
                         <a:t>Zodat</a:t>
                       </a:r>
                       <a:r>
-                        <a:rPr lang="nl-NL" baseline="0" dirty="0" smtClean="0"/>
+                        <a:rPr lang="nl-NL" baseline="0" dirty="0"/>
                         <a:t> ik weet hoe ik het spel moet spelen</a:t>
                       </a:r>
                       <a:endParaRPr lang="nl-BE" dirty="0"/>
@@ -12864,7 +12545,7 @@
                     <a:p>
                       <a:pPr algn="ctr"/>
                       <a:r>
-                        <a:rPr lang="nl-NL" dirty="0" smtClean="0"/>
+                        <a:rPr lang="nl-NL" dirty="0"/>
                         <a:t>Tijd(u)</a:t>
                       </a:r>
                       <a:endParaRPr lang="nl-BE" dirty="0"/>
@@ -12885,12 +12566,12 @@
                     <a:lstStyle/>
                     <a:p>
                       <a:pPr algn="ctr"/>
-                      <a:endParaRPr lang="nl-NL" dirty="0" smtClean="0"/>
+                      <a:endParaRPr lang="nl-NL" dirty="0"/>
                     </a:p>
                     <a:p>
                       <a:pPr algn="ctr"/>
                       <a:r>
-                        <a:rPr lang="nl-NL" dirty="0" smtClean="0"/>
+                        <a:rPr lang="nl-NL" dirty="0"/>
                         <a:t>2</a:t>
                       </a:r>
                       <a:endParaRPr lang="nl-BE" dirty="0"/>
@@ -12911,12 +12592,12 @@
                     <a:lstStyle/>
                     <a:p>
                       <a:pPr algn="ctr"/>
-                      <a:endParaRPr lang="nl-NL" dirty="0" smtClean="0"/>
+                      <a:endParaRPr lang="nl-NL" dirty="0"/>
                     </a:p>
                     <a:p>
                       <a:pPr algn="ctr"/>
                       <a:r>
-                        <a:rPr lang="nl-NL" dirty="0" smtClean="0"/>
+                        <a:rPr lang="nl-NL" dirty="0"/>
                         <a:t>3</a:t>
                       </a:r>
                       <a:endParaRPr lang="nl-BE" dirty="0"/>
@@ -13076,12 +12757,8 @@
                     <a:lstStyle/>
                     <a:p>
                       <a:r>
-                        <a:rPr lang="nl-NL" dirty="0" smtClean="0"/>
-                        <a:t>Als </a:t>
-                      </a:r>
-                      <a:r>
-                        <a:rPr lang="nl-NL" dirty="0" smtClean="0"/>
-                        <a:t>winnaar (1)</a:t>
+                        <a:rPr lang="nl-NL" dirty="0"/>
+                        <a:t>Als winnaar (1)</a:t>
                       </a:r>
                       <a:endParaRPr lang="nl-BE" dirty="0"/>
                     </a:p>
@@ -13101,11 +12778,11 @@
                     <a:lstStyle/>
                     <a:p>
                       <a:r>
-                        <a:rPr lang="nl-NL" dirty="0" smtClean="0"/>
+                        <a:rPr lang="nl-NL" dirty="0"/>
                         <a:t>Wil ik een overwinning scherm</a:t>
                       </a:r>
                       <a:r>
-                        <a:rPr lang="nl-NL" baseline="0" dirty="0" smtClean="0"/>
+                        <a:rPr lang="nl-NL" baseline="0" dirty="0"/>
                         <a:t> zien na een race</a:t>
                       </a:r>
                       <a:endParaRPr lang="nl-BE" dirty="0"/>
@@ -13126,11 +12803,11 @@
                     <a:lstStyle/>
                     <a:p>
                       <a:r>
-                        <a:rPr lang="nl-NL" dirty="0" smtClean="0"/>
+                        <a:rPr lang="nl-NL" dirty="0"/>
                         <a:t>Zodat</a:t>
                       </a:r>
                       <a:r>
-                        <a:rPr lang="nl-NL" baseline="0" dirty="0" smtClean="0"/>
+                        <a:rPr lang="nl-NL" baseline="0" dirty="0"/>
                         <a:t> ik weet dat ik heb gewonnen</a:t>
                       </a:r>
                       <a:endParaRPr lang="nl-BE" dirty="0"/>
@@ -13188,16 +12865,12 @@
                     <a:lstStyle/>
                     <a:p>
                       <a:r>
-                        <a:rPr lang="nl-NL" dirty="0" smtClean="0"/>
+                        <a:rPr lang="nl-NL" dirty="0"/>
                         <a:t>Als verliezer</a:t>
                       </a:r>
                       <a:r>
-                        <a:rPr lang="nl-NL" baseline="0" dirty="0" smtClean="0"/>
-                        <a:t> </a:t>
-                      </a:r>
-                      <a:r>
-                        <a:rPr lang="nl-NL" baseline="0" dirty="0" smtClean="0"/>
-                        <a:t>(1)</a:t>
+                        <a:rPr lang="nl-NL" baseline="0" dirty="0"/>
+                        <a:t> (1)</a:t>
                       </a:r>
                       <a:endParaRPr lang="nl-BE" dirty="0"/>
                     </a:p>
@@ -13217,11 +12890,11 @@
                     <a:lstStyle/>
                     <a:p>
                       <a:r>
-                        <a:rPr lang="nl-NL" dirty="0" smtClean="0"/>
+                        <a:rPr lang="nl-NL" dirty="0"/>
                         <a:t>Wil ik een</a:t>
                       </a:r>
                       <a:r>
-                        <a:rPr lang="nl-NL" baseline="0" dirty="0" smtClean="0"/>
+                        <a:rPr lang="nl-NL" baseline="0" dirty="0"/>
                         <a:t> verlies scherm na een race</a:t>
                       </a:r>
                       <a:endParaRPr lang="nl-BE" dirty="0"/>
@@ -13242,11 +12915,11 @@
                     <a:lstStyle/>
                     <a:p>
                       <a:r>
-                        <a:rPr lang="nl-NL" dirty="0" smtClean="0"/>
+                        <a:rPr lang="nl-NL" dirty="0"/>
                         <a:t>Zodat</a:t>
                       </a:r>
                       <a:r>
-                        <a:rPr lang="nl-NL" baseline="0" dirty="0" smtClean="0"/>
+                        <a:rPr lang="nl-NL" baseline="0" dirty="0"/>
                         <a:t> ik weet dat ik heb verloren</a:t>
                       </a:r>
                       <a:endParaRPr lang="nl-BE" dirty="0"/>
@@ -13304,12 +12977,8 @@
                     <a:lstStyle/>
                     <a:p>
                       <a:r>
-                        <a:rPr lang="nl-NL" dirty="0" smtClean="0"/>
-                        <a:t>Als Speler </a:t>
-                      </a:r>
-                      <a:r>
-                        <a:rPr lang="nl-NL" dirty="0" smtClean="0"/>
-                        <a:t>(1)</a:t>
+                        <a:rPr lang="nl-NL" dirty="0"/>
+                        <a:t>Als Speler (1)</a:t>
                       </a:r>
                       <a:endParaRPr lang="nl-BE" dirty="0"/>
                     </a:p>
@@ -13329,7 +12998,7 @@
                     <a:lstStyle/>
                     <a:p>
                       <a:r>
-                        <a:rPr lang="nl-NL" dirty="0" smtClean="0"/>
+                        <a:rPr lang="nl-NL" dirty="0"/>
                         <a:t>Wil ik een levelsysteem</a:t>
                       </a:r>
                       <a:endParaRPr lang="nl-BE" dirty="0"/>
@@ -13367,22 +13036,22 @@
                         <a:defRPr/>
                       </a:pPr>
                       <a:r>
-                        <a:rPr lang="nl-NL" dirty="0" smtClean="0"/>
+                        <a:rPr lang="nl-NL" dirty="0"/>
                         <a:t>Zodat</a:t>
                       </a:r>
                       <a:r>
-                        <a:rPr lang="nl-NL" baseline="0" dirty="0" smtClean="0"/>
+                        <a:rPr lang="nl-NL" baseline="0" dirty="0"/>
                         <a:t> ik mijn </a:t>
                       </a:r>
                       <a:r>
-                        <a:rPr lang="nl-NL" dirty="0" smtClean="0"/>
+                        <a:rPr lang="nl-NL" dirty="0"/>
                         <a:t>progressie</a:t>
                       </a:r>
                       <a:r>
-                        <a:rPr lang="nl-NL" baseline="0" dirty="0" smtClean="0"/>
+                        <a:rPr lang="nl-NL" baseline="0" dirty="0"/>
                         <a:t> kan zien</a:t>
                       </a:r>
-                      <a:endParaRPr lang="nl-BE" dirty="0" smtClean="0"/>
+                      <a:endParaRPr lang="nl-BE" dirty="0"/>
                     </a:p>
                   </a:txBody>
                   <a:tcPr/>
@@ -13454,18 +13123,14 @@
                         <a:defRPr/>
                       </a:pPr>
                       <a:r>
-                        <a:rPr lang="nl-NL" dirty="0" smtClean="0"/>
+                        <a:rPr lang="nl-NL" dirty="0"/>
                         <a:t>Als</a:t>
                       </a:r>
                       <a:r>
-                        <a:rPr lang="nl-NL" baseline="0" dirty="0" smtClean="0"/>
-                        <a:t> </a:t>
-                      </a:r>
-                      <a:r>
-                        <a:rPr lang="nl-NL" baseline="0" dirty="0" smtClean="0"/>
-                        <a:t>Speler (1)</a:t>
-                      </a:r>
-                      <a:endParaRPr lang="nl-BE" dirty="0" smtClean="0"/>
+                        <a:rPr lang="nl-NL" baseline="0" dirty="0"/>
+                        <a:t> Speler (1)</a:t>
+                      </a:r>
+                      <a:endParaRPr lang="nl-BE" dirty="0"/>
                     </a:p>
                   </a:txBody>
                   <a:tcPr/>
@@ -13483,11 +13148,11 @@
                     <a:lstStyle/>
                     <a:p>
                       <a:r>
-                        <a:rPr lang="nl-NL" dirty="0" smtClean="0"/>
+                        <a:rPr lang="nl-NL" dirty="0"/>
                         <a:t>Wil ik een</a:t>
                       </a:r>
                       <a:r>
-                        <a:rPr lang="nl-NL" baseline="0" dirty="0" smtClean="0"/>
+                        <a:rPr lang="nl-NL" baseline="0" dirty="0"/>
                         <a:t> start en finish lijn </a:t>
                       </a:r>
                       <a:endParaRPr lang="nl-BE" dirty="0"/>
@@ -13508,11 +13173,11 @@
                     <a:lstStyle/>
                     <a:p>
                       <a:r>
-                        <a:rPr lang="nl-NL" dirty="0" smtClean="0"/>
+                        <a:rPr lang="nl-NL" dirty="0"/>
                         <a:t>Zodat</a:t>
                       </a:r>
                       <a:r>
-                        <a:rPr lang="nl-NL" baseline="0" dirty="0" smtClean="0"/>
+                        <a:rPr lang="nl-NL" baseline="0" dirty="0"/>
                         <a:t> ik weet waar de race start en eindigt</a:t>
                       </a:r>
                       <a:endParaRPr lang="nl-BE" dirty="0"/>
@@ -13600,7 +13265,7 @@
                     <a:lstStyle/>
                     <a:p>
                       <a:r>
-                        <a:rPr lang="nl-NL" dirty="0" smtClean="0"/>
+                        <a:rPr lang="nl-NL" dirty="0"/>
                         <a:t>Als winnaar</a:t>
                       </a:r>
                       <a:endParaRPr lang="nl-BE" dirty="0"/>
@@ -13621,11 +13286,11 @@
                     <a:lstStyle/>
                     <a:p>
                       <a:r>
-                        <a:rPr lang="nl-NL" dirty="0" smtClean="0"/>
+                        <a:rPr lang="nl-NL" dirty="0"/>
                         <a:t>Wil ik een overwinning scherm</a:t>
                       </a:r>
                       <a:r>
-                        <a:rPr lang="nl-NL" baseline="0" dirty="0" smtClean="0"/>
+                        <a:rPr lang="nl-NL" baseline="0" dirty="0"/>
                         <a:t> zien na een race</a:t>
                       </a:r>
                       <a:endParaRPr lang="nl-BE" dirty="0"/>
@@ -13646,11 +13311,11 @@
                     <a:lstStyle/>
                     <a:p>
                       <a:r>
-                        <a:rPr lang="nl-NL" dirty="0" smtClean="0"/>
+                        <a:rPr lang="nl-NL" dirty="0"/>
                         <a:t>Zodat</a:t>
                       </a:r>
                       <a:r>
-                        <a:rPr lang="nl-NL" baseline="0" dirty="0" smtClean="0"/>
+                        <a:rPr lang="nl-NL" baseline="0" dirty="0"/>
                         <a:t> ik weet dat ik heb gewonnen</a:t>
                       </a:r>
                       <a:endParaRPr lang="nl-BE" dirty="0"/>
@@ -13708,11 +13373,11 @@
                     <a:lstStyle/>
                     <a:p>
                       <a:r>
-                        <a:rPr lang="nl-NL" dirty="0" smtClean="0"/>
+                        <a:rPr lang="nl-NL" dirty="0"/>
                         <a:t>Als verliezer</a:t>
                       </a:r>
                       <a:r>
-                        <a:rPr lang="nl-NL" baseline="0" dirty="0" smtClean="0"/>
+                        <a:rPr lang="nl-NL" baseline="0" dirty="0"/>
                         <a:t> </a:t>
                       </a:r>
                       <a:endParaRPr lang="nl-BE" dirty="0"/>
@@ -13733,11 +13398,11 @@
                     <a:lstStyle/>
                     <a:p>
                       <a:r>
-                        <a:rPr lang="nl-NL" dirty="0" smtClean="0"/>
+                        <a:rPr lang="nl-NL" dirty="0"/>
                         <a:t>Wil ik een</a:t>
                       </a:r>
                       <a:r>
-                        <a:rPr lang="nl-NL" baseline="0" dirty="0" smtClean="0"/>
+                        <a:rPr lang="nl-NL" baseline="0" dirty="0"/>
                         <a:t> verlies scherm na een race</a:t>
                       </a:r>
                       <a:endParaRPr lang="nl-BE" dirty="0"/>
@@ -13758,11 +13423,11 @@
                     <a:lstStyle/>
                     <a:p>
                       <a:r>
-                        <a:rPr lang="nl-NL" dirty="0" smtClean="0"/>
+                        <a:rPr lang="nl-NL" dirty="0"/>
                         <a:t>Zodat</a:t>
                       </a:r>
                       <a:r>
-                        <a:rPr lang="nl-NL" baseline="0" dirty="0" smtClean="0"/>
+                        <a:rPr lang="nl-NL" baseline="0" dirty="0"/>
                         <a:t> ik weet dat ik heb verloren</a:t>
                       </a:r>
                       <a:endParaRPr lang="nl-BE" dirty="0"/>
@@ -13820,7 +13485,7 @@
                     <a:lstStyle/>
                     <a:p>
                       <a:r>
-                        <a:rPr lang="nl-NL" dirty="0" smtClean="0"/>
+                        <a:rPr lang="nl-NL" dirty="0"/>
                         <a:t>Als Speler</a:t>
                       </a:r>
                       <a:endParaRPr lang="nl-BE" dirty="0"/>
@@ -13841,7 +13506,7 @@
                     <a:lstStyle/>
                     <a:p>
                       <a:r>
-                        <a:rPr lang="nl-NL" dirty="0" smtClean="0"/>
+                        <a:rPr lang="nl-NL" dirty="0"/>
                         <a:t>Wil ik Instellingen kunnen veranderen</a:t>
                       </a:r>
                       <a:endParaRPr lang="nl-BE" dirty="0"/>
@@ -13862,11 +13527,11 @@
                     <a:lstStyle/>
                     <a:p>
                       <a:r>
-                        <a:rPr lang="nl-NL" dirty="0" smtClean="0"/>
+                        <a:rPr lang="nl-NL" dirty="0"/>
                         <a:t>Zodat</a:t>
                       </a:r>
                       <a:r>
-                        <a:rPr lang="nl-NL" baseline="0" dirty="0" smtClean="0"/>
+                        <a:rPr lang="nl-NL" baseline="0" dirty="0"/>
                         <a:t> ik mijn voorkeuren kan aanduiden</a:t>
                       </a:r>
                       <a:endParaRPr lang="nl-BE" dirty="0"/>
@@ -13941,14 +13606,14 @@
                         <a:defRPr/>
                       </a:pPr>
                       <a:r>
-                        <a:rPr lang="nl-NL" dirty="0" smtClean="0"/>
+                        <a:rPr lang="nl-NL" dirty="0"/>
                         <a:t>Als</a:t>
                       </a:r>
                       <a:r>
-                        <a:rPr lang="nl-NL" baseline="0" dirty="0" smtClean="0"/>
+                        <a:rPr lang="nl-NL" baseline="0" dirty="0"/>
                         <a:t> Speler</a:t>
                       </a:r>
-                      <a:endParaRPr lang="nl-BE" dirty="0" smtClean="0"/>
+                      <a:endParaRPr lang="nl-BE" dirty="0"/>
                     </a:p>
                   </a:txBody>
                   <a:tcPr/>
@@ -13966,7 +13631,7 @@
                     <a:lstStyle/>
                     <a:p>
                       <a:r>
-                        <a:rPr lang="nl-NL" dirty="0" smtClean="0"/>
+                        <a:rPr lang="nl-NL" dirty="0"/>
                         <a:t>Wil ik kunnen inloggen </a:t>
                       </a:r>
                       <a:endParaRPr lang="nl-BE" dirty="0"/>
@@ -13987,11 +13652,11 @@
                     <a:lstStyle/>
                     <a:p>
                       <a:r>
-                        <a:rPr lang="nl-NL" dirty="0" smtClean="0"/>
+                        <a:rPr lang="nl-NL" dirty="0"/>
                         <a:t>Zodat</a:t>
                       </a:r>
                       <a:r>
-                        <a:rPr lang="nl-NL" baseline="0" dirty="0" smtClean="0"/>
+                        <a:rPr lang="nl-NL" baseline="0" dirty="0"/>
                         <a:t> ik een eigen account heb </a:t>
                       </a:r>
                       <a:endParaRPr lang="nl-BE" dirty="0"/>
@@ -14045,9 +13710,7 @@
           <p:cNvGraphicFramePr>
             <a:graphicFrameLocks noGrp="1"/>
           </p:cNvGraphicFramePr>
-          <p:nvPr>
-            <p:extLst/>
-          </p:nvPr>
+          <p:nvPr/>
         </p:nvGraphicFramePr>
         <p:xfrm>
           <a:off x="3766208" y="446395"/>
@@ -14075,16 +13738,12 @@
                     <a:lstStyle/>
                     <a:p>
                       <a:r>
-                        <a:rPr lang="nl-NL" dirty="0" smtClean="0"/>
+                        <a:rPr lang="nl-NL" dirty="0"/>
                         <a:t>Als</a:t>
                       </a:r>
                       <a:r>
-                        <a:rPr lang="nl-NL" baseline="0" dirty="0" smtClean="0"/>
-                        <a:t> </a:t>
-                      </a:r>
-                      <a:r>
-                        <a:rPr lang="nl-NL" baseline="0" dirty="0" smtClean="0"/>
-                        <a:t>Speler (1)</a:t>
+                        <a:rPr lang="nl-NL" baseline="0" dirty="0"/>
+                        <a:t> Speler (1)</a:t>
                       </a:r>
                       <a:endParaRPr lang="nl-BE" dirty="0"/>
                     </a:p>
@@ -14104,11 +13763,11 @@
                     <a:lstStyle/>
                     <a:p>
                       <a:r>
-                        <a:rPr lang="nl-NL" dirty="0" smtClean="0"/>
+                        <a:rPr lang="nl-NL" dirty="0"/>
                         <a:t>Wil ik</a:t>
                       </a:r>
                       <a:r>
-                        <a:rPr lang="nl-NL" baseline="0" dirty="0" smtClean="0"/>
+                        <a:rPr lang="nl-NL" baseline="0" dirty="0"/>
                         <a:t> een startscherm krijgen bij het begin van het spel</a:t>
                       </a:r>
                       <a:endParaRPr lang="nl-BE" dirty="0"/>
@@ -14129,11 +13788,11 @@
                     <a:lstStyle/>
                     <a:p>
                       <a:r>
-                        <a:rPr lang="nl-NL" dirty="0" smtClean="0"/>
+                        <a:rPr lang="nl-NL" dirty="0"/>
                         <a:t>Zodat</a:t>
                       </a:r>
                       <a:r>
-                        <a:rPr lang="nl-NL" baseline="0" dirty="0" smtClean="0"/>
+                        <a:rPr lang="nl-NL" baseline="0" dirty="0"/>
                         <a:t> ik het spel kan starten</a:t>
                       </a:r>
                       <a:endParaRPr lang="nl-BE" dirty="0"/>
@@ -14157,9 +13816,7 @@
           <p:cNvGraphicFramePr>
             <a:graphicFrameLocks noGrp="1"/>
           </p:cNvGraphicFramePr>
-          <p:nvPr>
-            <p:extLst/>
-          </p:nvPr>
+          <p:nvPr/>
         </p:nvGraphicFramePr>
         <p:xfrm>
           <a:off x="3766208" y="1870547"/>
@@ -14187,16 +13844,12 @@
                     <a:lstStyle/>
                     <a:p>
                       <a:r>
-                        <a:rPr lang="nl-NL" dirty="0" smtClean="0"/>
+                        <a:rPr lang="nl-NL" dirty="0"/>
                         <a:t>Als</a:t>
                       </a:r>
                       <a:r>
-                        <a:rPr lang="nl-NL" baseline="0" dirty="0" smtClean="0"/>
-                        <a:t> Speler </a:t>
-                      </a:r>
-                      <a:r>
-                        <a:rPr lang="nl-NL" baseline="0" dirty="0" smtClean="0"/>
-                        <a:t>(2)</a:t>
+                        <a:rPr lang="nl-NL" baseline="0" dirty="0"/>
+                        <a:t> Speler (2)</a:t>
                       </a:r>
                       <a:endParaRPr lang="nl-BE" dirty="0"/>
                     </a:p>
@@ -14216,11 +13869,11 @@
                     <a:lstStyle/>
                     <a:p>
                       <a:r>
-                        <a:rPr lang="nl-NL" dirty="0" smtClean="0"/>
+                        <a:rPr lang="nl-NL" dirty="0"/>
                         <a:t>Wil ik</a:t>
                       </a:r>
                       <a:r>
-                        <a:rPr lang="nl-NL" baseline="0" dirty="0" smtClean="0"/>
+                        <a:rPr lang="nl-NL" baseline="0" dirty="0"/>
                         <a:t> paarden kunnen toevoegen</a:t>
                       </a:r>
                       <a:endParaRPr lang="nl-BE" dirty="0"/>
@@ -14241,11 +13894,11 @@
                     <a:lstStyle/>
                     <a:p>
                       <a:r>
-                        <a:rPr lang="nl-NL" dirty="0" smtClean="0"/>
+                        <a:rPr lang="nl-NL" dirty="0"/>
                         <a:t>Zodat</a:t>
                       </a:r>
                       <a:r>
-                        <a:rPr lang="nl-NL" baseline="0" dirty="0" smtClean="0"/>
+                        <a:rPr lang="nl-NL" baseline="0" dirty="0"/>
                         <a:t> ik op andere paarden kan laten racen</a:t>
                       </a:r>
                       <a:endParaRPr lang="nl-BE" dirty="0"/>
@@ -14269,9 +13922,7 @@
           <p:cNvGraphicFramePr>
             <a:graphicFrameLocks noGrp="1"/>
           </p:cNvGraphicFramePr>
-          <p:nvPr>
-            <p:extLst/>
-          </p:nvPr>
+          <p:nvPr/>
         </p:nvGraphicFramePr>
         <p:xfrm>
           <a:off x="3766208" y="3465402"/>
@@ -14299,12 +13950,8 @@
                     <a:lstStyle/>
                     <a:p>
                       <a:r>
-                        <a:rPr lang="nl-NL" dirty="0" smtClean="0"/>
-                        <a:t>Als </a:t>
-                      </a:r>
-                      <a:r>
-                        <a:rPr lang="nl-NL" dirty="0" smtClean="0"/>
-                        <a:t>Speler (2)</a:t>
+                        <a:rPr lang="nl-NL" dirty="0"/>
+                        <a:t>Als Speler (2)</a:t>
                       </a:r>
                       <a:endParaRPr lang="nl-BE" dirty="0"/>
                     </a:p>
@@ -14324,7 +13971,7 @@
                     <a:lstStyle/>
                     <a:p>
                       <a:r>
-                        <a:rPr lang="nl-NL" dirty="0" smtClean="0"/>
+                        <a:rPr lang="nl-NL" dirty="0"/>
                         <a:t>Wil ik Instellingen kunnen veranderen</a:t>
                       </a:r>
                       <a:endParaRPr lang="nl-BE" dirty="0"/>
@@ -14345,11 +13992,11 @@
                     <a:lstStyle/>
                     <a:p>
                       <a:r>
-                        <a:rPr lang="nl-NL" dirty="0" smtClean="0"/>
+                        <a:rPr lang="nl-NL" dirty="0"/>
                         <a:t>Zodat</a:t>
                       </a:r>
                       <a:r>
-                        <a:rPr lang="nl-NL" baseline="0" dirty="0" smtClean="0"/>
+                        <a:rPr lang="nl-NL" baseline="0" dirty="0"/>
                         <a:t> ik mijn voorkeuren kan aanduiden</a:t>
                       </a:r>
                       <a:endParaRPr lang="nl-BE" dirty="0"/>
@@ -14407,16 +14054,12 @@
                     <a:lstStyle/>
                     <a:p>
                       <a:r>
-                        <a:rPr lang="nl-NL" dirty="0" smtClean="0"/>
+                        <a:rPr lang="nl-NL" dirty="0"/>
                         <a:t>Als</a:t>
                       </a:r>
                       <a:r>
-                        <a:rPr lang="nl-NL" baseline="0" dirty="0" smtClean="0"/>
-                        <a:t> Speler </a:t>
-                      </a:r>
-                      <a:r>
-                        <a:rPr lang="nl-NL" baseline="0" dirty="0" smtClean="0"/>
-                        <a:t>(2)</a:t>
+                        <a:rPr lang="nl-NL" baseline="0" dirty="0"/>
+                        <a:t> Speler (2)</a:t>
                       </a:r>
                       <a:endParaRPr lang="nl-BE" dirty="0"/>
                     </a:p>
@@ -14436,7 +14079,7 @@
                     <a:lstStyle/>
                     <a:p>
                       <a:r>
-                        <a:rPr lang="nl-NL" dirty="0" smtClean="0"/>
+                        <a:rPr lang="nl-NL" dirty="0"/>
                         <a:t>Wil ik een bankrekening</a:t>
                       </a:r>
                       <a:endParaRPr lang="nl-BE" dirty="0"/>
@@ -14457,11 +14100,11 @@
                     <a:lstStyle/>
                     <a:p>
                       <a:r>
-                        <a:rPr lang="nl-NL" dirty="0" smtClean="0"/>
+                        <a:rPr lang="nl-NL" dirty="0"/>
                         <a:t>Zodat</a:t>
                       </a:r>
                       <a:r>
-                        <a:rPr lang="nl-NL" baseline="0" dirty="0" smtClean="0"/>
+                        <a:rPr lang="nl-NL" baseline="0" dirty="0"/>
                         <a:t> ik geld kan afhalen en toevoegen.</a:t>
                       </a:r>
                       <a:endParaRPr lang="nl-BE" dirty="0"/>
@@ -14549,16 +14192,12 @@
                     <a:lstStyle/>
                     <a:p>
                       <a:r>
-                        <a:rPr lang="nl-NL" dirty="0" smtClean="0"/>
+                        <a:rPr lang="nl-NL" dirty="0"/>
                         <a:t>Als</a:t>
                       </a:r>
                       <a:r>
-                        <a:rPr lang="nl-NL" baseline="0" dirty="0" smtClean="0"/>
-                        <a:t> Speler </a:t>
-                      </a:r>
-                      <a:r>
-                        <a:rPr lang="nl-NL" baseline="0" dirty="0" smtClean="0"/>
-                        <a:t>(2)</a:t>
+                        <a:rPr lang="nl-NL" baseline="0" dirty="0"/>
+                        <a:t> Speler (2)</a:t>
                       </a:r>
                       <a:endParaRPr lang="nl-BE" dirty="0"/>
                     </a:p>
@@ -14578,7 +14217,7 @@
                     <a:lstStyle/>
                     <a:p>
                       <a:r>
-                        <a:rPr lang="nl-NL" dirty="0" smtClean="0"/>
+                        <a:rPr lang="nl-NL" dirty="0"/>
                         <a:t>Wil ik dat mijn gegevens worden opgeslagen</a:t>
                       </a:r>
                       <a:endParaRPr lang="nl-BE" dirty="0"/>
@@ -14599,11 +14238,11 @@
                     <a:lstStyle/>
                     <a:p>
                       <a:r>
-                        <a:rPr lang="nl-NL" dirty="0" smtClean="0"/>
+                        <a:rPr lang="nl-NL" dirty="0"/>
                         <a:t>Zodat</a:t>
                       </a:r>
                       <a:r>
-                        <a:rPr lang="nl-NL" baseline="0" dirty="0" smtClean="0"/>
+                        <a:rPr lang="nl-NL" baseline="0" dirty="0"/>
                         <a:t> ik later verder kan spelen</a:t>
                       </a:r>
                       <a:endParaRPr lang="nl-BE" dirty="0"/>
@@ -14661,12 +14300,8 @@
                     <a:lstStyle/>
                     <a:p>
                       <a:r>
-                        <a:rPr lang="nl-NL" dirty="0" smtClean="0"/>
-                        <a:t>Als </a:t>
-                      </a:r>
-                      <a:r>
-                        <a:rPr lang="nl-NL" dirty="0" smtClean="0"/>
-                        <a:t>speler (2)</a:t>
+                        <a:rPr lang="nl-NL" dirty="0"/>
+                        <a:t>Als speler (2)</a:t>
                       </a:r>
                       <a:endParaRPr lang="nl-BE" dirty="0"/>
                     </a:p>
@@ -14686,11 +14321,11 @@
                     <a:lstStyle/>
                     <a:p>
                       <a:r>
-                        <a:rPr lang="nl-NL" dirty="0" smtClean="0"/>
+                        <a:rPr lang="nl-NL" dirty="0"/>
                         <a:t>Wil ik een moeilijkheidsgraad kunne</a:t>
                       </a:r>
                       <a:r>
-                        <a:rPr lang="nl-NL" baseline="0" dirty="0" smtClean="0"/>
+                        <a:rPr lang="nl-NL" baseline="0" dirty="0"/>
                         <a:t>n kiezen</a:t>
                       </a:r>
                       <a:endParaRPr lang="nl-BE" dirty="0"/>
@@ -14711,11 +14346,11 @@
                     <a:lstStyle/>
                     <a:p>
                       <a:r>
-                        <a:rPr lang="nl-NL" dirty="0" smtClean="0"/>
+                        <a:rPr lang="nl-NL" dirty="0"/>
                         <a:t>Zodat</a:t>
                       </a:r>
                       <a:r>
-                        <a:rPr lang="nl-NL" baseline="0" dirty="0" smtClean="0"/>
+                        <a:rPr lang="nl-NL" baseline="0" dirty="0"/>
                         <a:t> ik het makkelijker of moeilijker kan maken</a:t>
                       </a:r>
                       <a:endParaRPr lang="nl-BE" dirty="0"/>
@@ -14773,16 +14408,12 @@
                     <a:lstStyle/>
                     <a:p>
                       <a:r>
-                        <a:rPr lang="nl-NL" dirty="0" smtClean="0"/>
+                        <a:rPr lang="nl-NL" dirty="0"/>
                         <a:t>Als</a:t>
                       </a:r>
                       <a:r>
-                        <a:rPr lang="nl-NL" baseline="0" dirty="0" smtClean="0"/>
-                        <a:t> Speler </a:t>
-                      </a:r>
-                      <a:r>
-                        <a:rPr lang="nl-NL" baseline="0" dirty="0" smtClean="0"/>
-                        <a:t>(3)</a:t>
+                        <a:rPr lang="nl-NL" baseline="0" dirty="0"/>
+                        <a:t> Speler (3)</a:t>
                       </a:r>
                       <a:endParaRPr lang="nl-BE" dirty="0"/>
                     </a:p>
@@ -14802,7 +14433,7 @@
                     <a:lstStyle/>
                     <a:p>
                       <a:r>
-                        <a:rPr lang="nl-NL" dirty="0" smtClean="0"/>
+                        <a:rPr lang="nl-NL" dirty="0"/>
                         <a:t>Wil ik mijn paard kunnen verkopen</a:t>
                       </a:r>
                       <a:endParaRPr lang="nl-BE" dirty="0"/>
@@ -14823,12 +14454,143 @@
                     <a:lstStyle/>
                     <a:p>
                       <a:r>
-                        <a:rPr lang="nl-NL" dirty="0" smtClean="0"/>
+                        <a:rPr lang="nl-NL" dirty="0"/>
                         <a:t>Zodat</a:t>
                       </a:r>
                       <a:r>
-                        <a:rPr lang="nl-NL" baseline="0" dirty="0" smtClean="0"/>
+                        <a:rPr lang="nl-NL" baseline="0" dirty="0"/>
                         <a:t> ik andere paarden kan kopen</a:t>
+                      </a:r>
+                      <a:endParaRPr lang="nl-BE" dirty="0"/>
+                    </a:p>
+                  </a:txBody>
+                  <a:tcPr/>
+                </a:tc>
+                <a:extLst>
+                  <a:ext uri="{0D108BD9-81ED-4DB2-BD59-A6C34878D82A}">
+                    <a16:rowId xmlns:a16="http://schemas.microsoft.com/office/drawing/2014/main" val="3691604249"/>
+                  </a:ext>
+                </a:extLst>
+              </a:tr>
+            </a:tbl>
+          </a:graphicData>
+        </a:graphic>
+      </p:graphicFrame>
+      <p:graphicFrame>
+        <p:nvGraphicFramePr>
+          <p:cNvPr id="5" name="Tabel 4">
+            <a:extLst>
+              <a:ext uri="{FF2B5EF4-FFF2-40B4-BE49-F238E27FC236}">
+                <a16:creationId xmlns:a16="http://schemas.microsoft.com/office/drawing/2014/main" id="{17459019-DFB1-457C-9735-A1FA1365D0FB}"/>
+              </a:ext>
+            </a:extLst>
+          </p:cNvPr>
+          <p:cNvGraphicFramePr>
+            <a:graphicFrameLocks noGrp="1"/>
+          </p:cNvGraphicFramePr>
+          <p:nvPr>
+            <p:extLst>
+              <p:ext uri="{D42A27DB-BD31-4B8C-83A1-F6EECF244321}">
+                <p14:modId xmlns:p14="http://schemas.microsoft.com/office/powerpoint/2010/main" val="1714802951"/>
+              </p:ext>
+            </p:extLst>
+          </p:nvPr>
+        </p:nvGraphicFramePr>
+        <p:xfrm>
+          <a:off x="3766208" y="5387428"/>
+          <a:ext cx="8128000" cy="1112520"/>
+        </p:xfrm>
+        <a:graphic>
+          <a:graphicData uri="http://schemas.openxmlformats.org/drawingml/2006/table">
+            <a:tbl>
+              <a:tblPr bandRow="1">
+                <a:tableStyleId>{5C22544A-7EE6-4342-B048-85BDC9FD1C3A}</a:tableStyleId>
+              </a:tblPr>
+              <a:tblGrid>
+                <a:gridCol w="8128000">
+                  <a:extLst>
+                    <a:ext uri="{9D8B030D-6E8A-4147-A177-3AD203B41FA5}">
+                      <a16:colId xmlns:a16="http://schemas.microsoft.com/office/drawing/2014/main" val="3091196331"/>
+                    </a:ext>
+                  </a:extLst>
+                </a:gridCol>
+              </a:tblGrid>
+              <a:tr h="370840">
+                <a:tc>
+                  <a:txBody>
+                    <a:bodyPr/>
+                    <a:lstStyle/>
+                    <a:p>
+                      <a:pPr marL="0" marR="0" lvl="0" indent="0" algn="l" defTabSz="914400" rtl="0" eaLnBrk="1" fontAlgn="auto" latinLnBrk="0" hangingPunct="1">
+                        <a:lnSpc>
+                          <a:spcPct val="100000"/>
+                        </a:lnSpc>
+                        <a:spcBef>
+                          <a:spcPts val="0"/>
+                        </a:spcBef>
+                        <a:spcAft>
+                          <a:spcPts val="0"/>
+                        </a:spcAft>
+                        <a:buClrTx/>
+                        <a:buSzTx/>
+                        <a:buFontTx/>
+                        <a:buNone/>
+                        <a:tabLst/>
+                        <a:defRPr/>
+                      </a:pPr>
+                      <a:r>
+                        <a:rPr lang="nl-NL" dirty="0"/>
+                        <a:t>Als</a:t>
+                      </a:r>
+                      <a:r>
+                        <a:rPr lang="nl-NL" baseline="0" dirty="0"/>
+                        <a:t> Speler(3)</a:t>
+                      </a:r>
+                      <a:endParaRPr lang="nl-BE" dirty="0"/>
+                    </a:p>
+                  </a:txBody>
+                  <a:tcPr/>
+                </a:tc>
+                <a:extLst>
+                  <a:ext uri="{0D108BD9-81ED-4DB2-BD59-A6C34878D82A}">
+                    <a16:rowId xmlns:a16="http://schemas.microsoft.com/office/drawing/2014/main" val="2918620829"/>
+                  </a:ext>
+                </a:extLst>
+              </a:tr>
+              <a:tr h="370840">
+                <a:tc>
+                  <a:txBody>
+                    <a:bodyPr/>
+                    <a:lstStyle/>
+                    <a:p>
+                      <a:r>
+                        <a:rPr lang="nl-NL" dirty="0"/>
+                        <a:t>Wil ik kunnen inloggen </a:t>
+                      </a:r>
+                      <a:endParaRPr lang="nl-BE" dirty="0"/>
+                    </a:p>
+                  </a:txBody>
+                  <a:tcPr/>
+                </a:tc>
+                <a:extLst>
+                  <a:ext uri="{0D108BD9-81ED-4DB2-BD59-A6C34878D82A}">
+                    <a16:rowId xmlns:a16="http://schemas.microsoft.com/office/drawing/2014/main" val="2346638987"/>
+                  </a:ext>
+                </a:extLst>
+              </a:tr>
+              <a:tr h="370840">
+                <a:tc>
+                  <a:txBody>
+                    <a:bodyPr/>
+                    <a:lstStyle/>
+                    <a:p>
+                      <a:r>
+                        <a:rPr lang="nl-NL" dirty="0"/>
+                        <a:t>Zodat</a:t>
+                      </a:r>
+                      <a:r>
+                        <a:rPr lang="nl-NL" baseline="0" dirty="0"/>
+                        <a:t> ik een eigen account heb </a:t>
                       </a:r>
                       <a:endParaRPr lang="nl-BE" dirty="0"/>
                     </a:p>
@@ -14849,6 +14611,2379 @@
     <p:extLst>
       <p:ext uri="{BB962C8B-B14F-4D97-AF65-F5344CB8AC3E}">
         <p14:creationId xmlns:p14="http://schemas.microsoft.com/office/powerpoint/2010/main" val="3028901796"/>
+      </p:ext>
+    </p:extLst>
+  </p:cSld>
+  <p:clrMapOvr>
+    <a:masterClrMapping/>
+  </p:clrMapOvr>
+</p:sld>
+</file>
+
+<file path=ppt/slides/slide32.xml><?xml version="1.0" encoding="utf-8"?>
+<p:sld xmlns:a="http://schemas.openxmlformats.org/drawingml/2006/main" xmlns:r="http://schemas.openxmlformats.org/officeDocument/2006/relationships" xmlns:p="http://schemas.openxmlformats.org/presentationml/2006/main">
+  <p:cSld>
+    <p:spTree>
+      <p:nvGrpSpPr>
+        <p:cNvPr id="1" name=""/>
+        <p:cNvGrpSpPr/>
+        <p:nvPr/>
+      </p:nvGrpSpPr>
+      <p:grpSpPr>
+        <a:xfrm>
+          <a:off x="0" y="0"/>
+          <a:ext cx="0" cy="0"/>
+          <a:chOff x="0" y="0"/>
+          <a:chExt cx="0" cy="0"/>
+        </a:xfrm>
+      </p:grpSpPr>
+      <p:graphicFrame>
+        <p:nvGraphicFramePr>
+          <p:cNvPr id="6" name="Tabel 5">
+            <a:extLst>
+              <a:ext uri="{FF2B5EF4-FFF2-40B4-BE49-F238E27FC236}">
+                <a16:creationId xmlns:a16="http://schemas.microsoft.com/office/drawing/2014/main" id="{3D1879D0-3B27-4955-8AAA-6108AA653472}"/>
+              </a:ext>
+            </a:extLst>
+          </p:cNvPr>
+          <p:cNvGraphicFramePr>
+            <a:graphicFrameLocks noGrp="1"/>
+          </p:cNvGraphicFramePr>
+          <p:nvPr>
+            <p:extLst>
+              <p:ext uri="{D42A27DB-BD31-4B8C-83A1-F6EECF244321}">
+                <p14:modId xmlns:p14="http://schemas.microsoft.com/office/powerpoint/2010/main" val="1672624487"/>
+              </p:ext>
+            </p:extLst>
+          </p:nvPr>
+        </p:nvGraphicFramePr>
+        <p:xfrm>
+          <a:off x="3766208" y="395028"/>
+          <a:ext cx="8128000" cy="1112520"/>
+        </p:xfrm>
+        <a:graphic>
+          <a:graphicData uri="http://schemas.openxmlformats.org/drawingml/2006/table">
+            <a:tbl>
+              <a:tblPr bandRow="1">
+                <a:tableStyleId>{5C22544A-7EE6-4342-B048-85BDC9FD1C3A}</a:tableStyleId>
+              </a:tblPr>
+              <a:tblGrid>
+                <a:gridCol w="8128000">
+                  <a:extLst>
+                    <a:ext uri="{9D8B030D-6E8A-4147-A177-3AD203B41FA5}">
+                      <a16:colId xmlns:a16="http://schemas.microsoft.com/office/drawing/2014/main" val="3091196331"/>
+                    </a:ext>
+                  </a:extLst>
+                </a:gridCol>
+              </a:tblGrid>
+              <a:tr h="370840">
+                <a:tc>
+                  <a:txBody>
+                    <a:bodyPr/>
+                    <a:lstStyle/>
+                    <a:p>
+                      <a:r>
+                        <a:rPr lang="nl-NL" dirty="0"/>
+                        <a:t>Als speler (3)</a:t>
+                      </a:r>
+                      <a:endParaRPr lang="nl-BE" dirty="0"/>
+                    </a:p>
+                  </a:txBody>
+                  <a:tcPr/>
+                </a:tc>
+                <a:extLst>
+                  <a:ext uri="{0D108BD9-81ED-4DB2-BD59-A6C34878D82A}">
+                    <a16:rowId xmlns:a16="http://schemas.microsoft.com/office/drawing/2014/main" val="2918620829"/>
+                  </a:ext>
+                </a:extLst>
+              </a:tr>
+              <a:tr h="370840">
+                <a:tc>
+                  <a:txBody>
+                    <a:bodyPr/>
+                    <a:lstStyle/>
+                    <a:p>
+                      <a:r>
+                        <a:rPr lang="nl-NL" dirty="0"/>
+                        <a:t>Wil ik</a:t>
+                      </a:r>
+                      <a:r>
+                        <a:rPr lang="nl-NL" baseline="0" dirty="0"/>
+                        <a:t> een overzicht met mijn prestaties</a:t>
+                      </a:r>
+                      <a:endParaRPr lang="nl-BE" dirty="0"/>
+                    </a:p>
+                  </a:txBody>
+                  <a:tcPr/>
+                </a:tc>
+                <a:extLst>
+                  <a:ext uri="{0D108BD9-81ED-4DB2-BD59-A6C34878D82A}">
+                    <a16:rowId xmlns:a16="http://schemas.microsoft.com/office/drawing/2014/main" val="2346638987"/>
+                  </a:ext>
+                </a:extLst>
+              </a:tr>
+              <a:tr h="370840">
+                <a:tc>
+                  <a:txBody>
+                    <a:bodyPr/>
+                    <a:lstStyle/>
+                    <a:p>
+                      <a:r>
+                        <a:rPr lang="nl-NL" dirty="0"/>
+                        <a:t>Zodat</a:t>
+                      </a:r>
+                      <a:r>
+                        <a:rPr lang="nl-NL" baseline="0" dirty="0"/>
+                        <a:t> ik weet hoe goed ik ben in het spel</a:t>
+                      </a:r>
+                      <a:endParaRPr lang="nl-BE" dirty="0"/>
+                    </a:p>
+                  </a:txBody>
+                  <a:tcPr/>
+                </a:tc>
+                <a:extLst>
+                  <a:ext uri="{0D108BD9-81ED-4DB2-BD59-A6C34878D82A}">
+                    <a16:rowId xmlns:a16="http://schemas.microsoft.com/office/drawing/2014/main" val="3691604249"/>
+                  </a:ext>
+                </a:extLst>
+              </a:tr>
+            </a:tbl>
+          </a:graphicData>
+        </a:graphic>
+      </p:graphicFrame>
+      <p:graphicFrame>
+        <p:nvGraphicFramePr>
+          <p:cNvPr id="8" name="Tabel 7">
+            <a:extLst>
+              <a:ext uri="{FF2B5EF4-FFF2-40B4-BE49-F238E27FC236}">
+                <a16:creationId xmlns:a16="http://schemas.microsoft.com/office/drawing/2014/main" id="{77DA141D-784C-461A-BC47-3570D6CEF8D5}"/>
+              </a:ext>
+            </a:extLst>
+          </p:cNvPr>
+          <p:cNvGraphicFramePr>
+            <a:graphicFrameLocks noGrp="1"/>
+          </p:cNvGraphicFramePr>
+          <p:nvPr>
+            <p:extLst>
+              <p:ext uri="{D42A27DB-BD31-4B8C-83A1-F6EECF244321}">
+                <p14:modId xmlns:p14="http://schemas.microsoft.com/office/powerpoint/2010/main" val="3808002656"/>
+              </p:ext>
+            </p:extLst>
+          </p:nvPr>
+        </p:nvGraphicFramePr>
+        <p:xfrm>
+          <a:off x="3766208" y="1998360"/>
+          <a:ext cx="8128000" cy="1122624"/>
+        </p:xfrm>
+        <a:graphic>
+          <a:graphicData uri="http://schemas.openxmlformats.org/drawingml/2006/table">
+            <a:tbl>
+              <a:tblPr bandRow="1">
+                <a:tableStyleId>{5C22544A-7EE6-4342-B048-85BDC9FD1C3A}</a:tableStyleId>
+              </a:tblPr>
+              <a:tblGrid>
+                <a:gridCol w="8128000">
+                  <a:extLst>
+                    <a:ext uri="{9D8B030D-6E8A-4147-A177-3AD203B41FA5}">
+                      <a16:colId xmlns:a16="http://schemas.microsoft.com/office/drawing/2014/main" val="3091196331"/>
+                    </a:ext>
+                  </a:extLst>
+                </a:gridCol>
+              </a:tblGrid>
+              <a:tr h="370840">
+                <a:tc>
+                  <a:txBody>
+                    <a:bodyPr/>
+                    <a:lstStyle/>
+                    <a:p>
+                      <a:r>
+                        <a:rPr lang="nl-NL" dirty="0"/>
+                        <a:t>Als Speler (3)</a:t>
+                      </a:r>
+                      <a:endParaRPr lang="nl-BE" dirty="0"/>
+                    </a:p>
+                  </a:txBody>
+                  <a:tcPr/>
+                </a:tc>
+                <a:extLst>
+                  <a:ext uri="{0D108BD9-81ED-4DB2-BD59-A6C34878D82A}">
+                    <a16:rowId xmlns:a16="http://schemas.microsoft.com/office/drawing/2014/main" val="2918620829"/>
+                  </a:ext>
+                </a:extLst>
+              </a:tr>
+              <a:tr h="380944">
+                <a:tc>
+                  <a:txBody>
+                    <a:bodyPr/>
+                    <a:lstStyle/>
+                    <a:p>
+                      <a:r>
+                        <a:rPr lang="nl-NL" dirty="0"/>
+                        <a:t>Wil ik nieuwe banen ontgrendelen wanneer ik een level</a:t>
+                      </a:r>
+                      <a:r>
+                        <a:rPr lang="nl-NL" baseline="0" dirty="0"/>
+                        <a:t> omhoog ga</a:t>
+                      </a:r>
+                      <a:endParaRPr lang="nl-BE" dirty="0"/>
+                    </a:p>
+                  </a:txBody>
+                  <a:tcPr/>
+                </a:tc>
+                <a:extLst>
+                  <a:ext uri="{0D108BD9-81ED-4DB2-BD59-A6C34878D82A}">
+                    <a16:rowId xmlns:a16="http://schemas.microsoft.com/office/drawing/2014/main" val="2346638987"/>
+                  </a:ext>
+                </a:extLst>
+              </a:tr>
+              <a:tr h="370840">
+                <a:tc>
+                  <a:txBody>
+                    <a:bodyPr/>
+                    <a:lstStyle/>
+                    <a:p>
+                      <a:pPr marL="0" marR="0" lvl="0" indent="0" algn="l" defTabSz="914400" rtl="0" eaLnBrk="1" fontAlgn="auto" latinLnBrk="0" hangingPunct="1">
+                        <a:lnSpc>
+                          <a:spcPct val="100000"/>
+                        </a:lnSpc>
+                        <a:spcBef>
+                          <a:spcPts val="0"/>
+                        </a:spcBef>
+                        <a:spcAft>
+                          <a:spcPts val="0"/>
+                        </a:spcAft>
+                        <a:buClrTx/>
+                        <a:buSzTx/>
+                        <a:buFontTx/>
+                        <a:buNone/>
+                        <a:tabLst/>
+                        <a:defRPr/>
+                      </a:pPr>
+                      <a:r>
+                        <a:rPr lang="nl-NL" dirty="0"/>
+                        <a:t>Zodat</a:t>
+                      </a:r>
+                      <a:r>
+                        <a:rPr lang="nl-NL" baseline="0" dirty="0"/>
+                        <a:t> ik meer variatie heb van racebanen</a:t>
+                      </a:r>
+                      <a:endParaRPr lang="nl-BE" dirty="0"/>
+                    </a:p>
+                  </a:txBody>
+                  <a:tcPr/>
+                </a:tc>
+                <a:extLst>
+                  <a:ext uri="{0D108BD9-81ED-4DB2-BD59-A6C34878D82A}">
+                    <a16:rowId xmlns:a16="http://schemas.microsoft.com/office/drawing/2014/main" val="3691604249"/>
+                  </a:ext>
+                </a:extLst>
+              </a:tr>
+            </a:tbl>
+          </a:graphicData>
+        </a:graphic>
+      </p:graphicFrame>
+      <p:graphicFrame>
+        <p:nvGraphicFramePr>
+          <p:cNvPr id="9" name="Tabel 8">
+            <a:extLst>
+              <a:ext uri="{FF2B5EF4-FFF2-40B4-BE49-F238E27FC236}">
+                <a16:creationId xmlns:a16="http://schemas.microsoft.com/office/drawing/2014/main" id="{EF1AD916-71DA-47B2-905C-717C73AA313B}"/>
+              </a:ext>
+            </a:extLst>
+          </p:cNvPr>
+          <p:cNvGraphicFramePr>
+            <a:graphicFrameLocks noGrp="1"/>
+          </p:cNvGraphicFramePr>
+          <p:nvPr/>
+        </p:nvGraphicFramePr>
+        <p:xfrm>
+          <a:off x="3766208" y="3465402"/>
+          <a:ext cx="8128000" cy="1112520"/>
+        </p:xfrm>
+        <a:graphic>
+          <a:graphicData uri="http://schemas.openxmlformats.org/drawingml/2006/table">
+            <a:tbl>
+              <a:tblPr bandRow="1">
+                <a:tableStyleId>{5C22544A-7EE6-4342-B048-85BDC9FD1C3A}</a:tableStyleId>
+              </a:tblPr>
+              <a:tblGrid>
+                <a:gridCol w="8128000">
+                  <a:extLst>
+                    <a:ext uri="{9D8B030D-6E8A-4147-A177-3AD203B41FA5}">
+                      <a16:colId xmlns:a16="http://schemas.microsoft.com/office/drawing/2014/main" val="3091196331"/>
+                    </a:ext>
+                  </a:extLst>
+                </a:gridCol>
+              </a:tblGrid>
+              <a:tr h="370840">
+                <a:tc>
+                  <a:txBody>
+                    <a:bodyPr/>
+                    <a:lstStyle/>
+                    <a:p>
+                      <a:r>
+                        <a:rPr lang="nl-NL" dirty="0"/>
+                        <a:t>Als</a:t>
+                      </a:r>
+                      <a:r>
+                        <a:rPr lang="nl-NL" baseline="0" dirty="0"/>
+                        <a:t> Speler (3)</a:t>
+                      </a:r>
+                      <a:endParaRPr lang="nl-BE" dirty="0"/>
+                    </a:p>
+                  </a:txBody>
+                  <a:tcPr/>
+                </a:tc>
+                <a:extLst>
+                  <a:ext uri="{0D108BD9-81ED-4DB2-BD59-A6C34878D82A}">
+                    <a16:rowId xmlns:a16="http://schemas.microsoft.com/office/drawing/2014/main" val="2918620829"/>
+                  </a:ext>
+                </a:extLst>
+              </a:tr>
+              <a:tr h="370840">
+                <a:tc>
+                  <a:txBody>
+                    <a:bodyPr/>
+                    <a:lstStyle/>
+                    <a:p>
+                      <a:r>
+                        <a:rPr lang="nl-NL" dirty="0"/>
+                        <a:t>Wil ik een sponsor kunnen krijgen</a:t>
+                      </a:r>
+                      <a:endParaRPr lang="nl-BE" dirty="0"/>
+                    </a:p>
+                  </a:txBody>
+                  <a:tcPr/>
+                </a:tc>
+                <a:extLst>
+                  <a:ext uri="{0D108BD9-81ED-4DB2-BD59-A6C34878D82A}">
+                    <a16:rowId xmlns:a16="http://schemas.microsoft.com/office/drawing/2014/main" val="2346638987"/>
+                  </a:ext>
+                </a:extLst>
+              </a:tr>
+              <a:tr h="370840">
+                <a:tc>
+                  <a:txBody>
+                    <a:bodyPr/>
+                    <a:lstStyle/>
+                    <a:p>
+                      <a:r>
+                        <a:rPr lang="nl-NL" dirty="0"/>
+                        <a:t>Zodat</a:t>
+                      </a:r>
+                      <a:r>
+                        <a:rPr lang="nl-NL" baseline="0" dirty="0"/>
+                        <a:t> ik meer geld kan verdienen</a:t>
+                      </a:r>
+                      <a:endParaRPr lang="nl-BE" dirty="0"/>
+                    </a:p>
+                  </a:txBody>
+                  <a:tcPr/>
+                </a:tc>
+                <a:extLst>
+                  <a:ext uri="{0D108BD9-81ED-4DB2-BD59-A6C34878D82A}">
+                    <a16:rowId xmlns:a16="http://schemas.microsoft.com/office/drawing/2014/main" val="3691604249"/>
+                  </a:ext>
+                </a:extLst>
+              </a:tr>
+            </a:tbl>
+          </a:graphicData>
+        </a:graphic>
+      </p:graphicFrame>
+      <p:graphicFrame>
+        <p:nvGraphicFramePr>
+          <p:cNvPr id="13" name="Tabel 12">
+            <a:extLst>
+              <a:ext uri="{FF2B5EF4-FFF2-40B4-BE49-F238E27FC236}">
+                <a16:creationId xmlns:a16="http://schemas.microsoft.com/office/drawing/2014/main" id="{F2BC69BC-B57E-44CB-AA24-ADC12A76AA93}"/>
+              </a:ext>
+            </a:extLst>
+          </p:cNvPr>
+          <p:cNvGraphicFramePr>
+            <a:graphicFrameLocks noGrp="1"/>
+          </p:cNvGraphicFramePr>
+          <p:nvPr/>
+        </p:nvGraphicFramePr>
+        <p:xfrm>
+          <a:off x="3766208" y="5060257"/>
+          <a:ext cx="8128000" cy="1112520"/>
+        </p:xfrm>
+        <a:graphic>
+          <a:graphicData uri="http://schemas.openxmlformats.org/drawingml/2006/table">
+            <a:tbl>
+              <a:tblPr bandRow="1">
+                <a:tableStyleId>{5C22544A-7EE6-4342-B048-85BDC9FD1C3A}</a:tableStyleId>
+              </a:tblPr>
+              <a:tblGrid>
+                <a:gridCol w="8128000">
+                  <a:extLst>
+                    <a:ext uri="{9D8B030D-6E8A-4147-A177-3AD203B41FA5}">
+                      <a16:colId xmlns:a16="http://schemas.microsoft.com/office/drawing/2014/main" val="3091196331"/>
+                    </a:ext>
+                  </a:extLst>
+                </a:gridCol>
+              </a:tblGrid>
+              <a:tr h="370840">
+                <a:tc>
+                  <a:txBody>
+                    <a:bodyPr/>
+                    <a:lstStyle/>
+                    <a:p>
+                      <a:pPr marL="0" marR="0" lvl="0" indent="0" algn="l" defTabSz="914400" rtl="0" eaLnBrk="1" fontAlgn="auto" latinLnBrk="0" hangingPunct="1">
+                        <a:lnSpc>
+                          <a:spcPct val="100000"/>
+                        </a:lnSpc>
+                        <a:spcBef>
+                          <a:spcPts val="0"/>
+                        </a:spcBef>
+                        <a:spcAft>
+                          <a:spcPts val="0"/>
+                        </a:spcAft>
+                        <a:buClrTx/>
+                        <a:buSzTx/>
+                        <a:buFontTx/>
+                        <a:buNone/>
+                        <a:tabLst/>
+                        <a:defRPr/>
+                      </a:pPr>
+                      <a:r>
+                        <a:rPr lang="nl-NL" dirty="0"/>
+                        <a:t>Als</a:t>
+                      </a:r>
+                      <a:r>
+                        <a:rPr lang="nl-NL" baseline="0" dirty="0"/>
+                        <a:t> Speler (3)</a:t>
+                      </a:r>
+                      <a:endParaRPr lang="nl-BE" dirty="0"/>
+                    </a:p>
+                  </a:txBody>
+                  <a:tcPr/>
+                </a:tc>
+                <a:extLst>
+                  <a:ext uri="{0D108BD9-81ED-4DB2-BD59-A6C34878D82A}">
+                    <a16:rowId xmlns:a16="http://schemas.microsoft.com/office/drawing/2014/main" val="2918620829"/>
+                  </a:ext>
+                </a:extLst>
+              </a:tr>
+              <a:tr h="370840">
+                <a:tc>
+                  <a:txBody>
+                    <a:bodyPr/>
+                    <a:lstStyle/>
+                    <a:p>
+                      <a:r>
+                        <a:rPr lang="nl-NL" dirty="0"/>
+                        <a:t>Wil ik willekeurige</a:t>
+                      </a:r>
+                      <a:r>
+                        <a:rPr lang="nl-NL" baseline="0" dirty="0"/>
+                        <a:t> gebeurtenissen</a:t>
+                      </a:r>
+                      <a:endParaRPr lang="nl-BE" dirty="0"/>
+                    </a:p>
+                  </a:txBody>
+                  <a:tcPr/>
+                </a:tc>
+                <a:extLst>
+                  <a:ext uri="{0D108BD9-81ED-4DB2-BD59-A6C34878D82A}">
+                    <a16:rowId xmlns:a16="http://schemas.microsoft.com/office/drawing/2014/main" val="2346638987"/>
+                  </a:ext>
+                </a:extLst>
+              </a:tr>
+              <a:tr h="370840">
+                <a:tc>
+                  <a:txBody>
+                    <a:bodyPr/>
+                    <a:lstStyle/>
+                    <a:p>
+                      <a:r>
+                        <a:rPr lang="nl-NL" dirty="0"/>
+                        <a:t>Zodat</a:t>
+                      </a:r>
+                      <a:r>
+                        <a:rPr lang="nl-NL" baseline="0" dirty="0"/>
+                        <a:t> ik bonussen krijg</a:t>
+                      </a:r>
+                      <a:endParaRPr lang="nl-BE" dirty="0"/>
+                    </a:p>
+                  </a:txBody>
+                  <a:tcPr/>
+                </a:tc>
+                <a:extLst>
+                  <a:ext uri="{0D108BD9-81ED-4DB2-BD59-A6C34878D82A}">
+                    <a16:rowId xmlns:a16="http://schemas.microsoft.com/office/drawing/2014/main" val="3691604249"/>
+                  </a:ext>
+                </a:extLst>
+              </a:tr>
+            </a:tbl>
+          </a:graphicData>
+        </a:graphic>
+      </p:graphicFrame>
+    </p:spTree>
+    <p:extLst>
+      <p:ext uri="{BB962C8B-B14F-4D97-AF65-F5344CB8AC3E}">
+        <p14:creationId xmlns:p14="http://schemas.microsoft.com/office/powerpoint/2010/main" val="2972841038"/>
+      </p:ext>
+    </p:extLst>
+  </p:cSld>
+  <p:clrMapOvr>
+    <a:masterClrMapping/>
+  </p:clrMapOvr>
+</p:sld>
+</file>
+
+<file path=ppt/slides/slide33.xml><?xml version="1.0" encoding="utf-8"?>
+<p:sld xmlns:a="http://schemas.openxmlformats.org/drawingml/2006/main" xmlns:r="http://schemas.openxmlformats.org/officeDocument/2006/relationships" xmlns:p="http://schemas.openxmlformats.org/presentationml/2006/main">
+  <p:cSld>
+    <p:spTree>
+      <p:nvGrpSpPr>
+        <p:cNvPr id="1" name=""/>
+        <p:cNvGrpSpPr/>
+        <p:nvPr/>
+      </p:nvGrpSpPr>
+      <p:grpSpPr>
+        <a:xfrm>
+          <a:off x="0" y="0"/>
+          <a:ext cx="0" cy="0"/>
+          <a:chOff x="0" y="0"/>
+          <a:chExt cx="0" cy="0"/>
+        </a:xfrm>
+      </p:grpSpPr>
+      <p:graphicFrame>
+        <p:nvGraphicFramePr>
+          <p:cNvPr id="7" name="Tabel 6">
+            <a:extLst>
+              <a:ext uri="{FF2B5EF4-FFF2-40B4-BE49-F238E27FC236}">
+                <a16:creationId xmlns:a16="http://schemas.microsoft.com/office/drawing/2014/main" id="{7FC14B82-3D36-4A43-B137-4F9C40732699}"/>
+              </a:ext>
+            </a:extLst>
+          </p:cNvPr>
+          <p:cNvGraphicFramePr>
+            <a:graphicFrameLocks noGrp="1"/>
+          </p:cNvGraphicFramePr>
+          <p:nvPr/>
+        </p:nvGraphicFramePr>
+        <p:xfrm>
+          <a:off x="3766208" y="414860"/>
+          <a:ext cx="8128000" cy="1122624"/>
+        </p:xfrm>
+        <a:graphic>
+          <a:graphicData uri="http://schemas.openxmlformats.org/drawingml/2006/table">
+            <a:tbl>
+              <a:tblPr bandRow="1">
+                <a:tableStyleId>{5C22544A-7EE6-4342-B048-85BDC9FD1C3A}</a:tableStyleId>
+              </a:tblPr>
+              <a:tblGrid>
+                <a:gridCol w="8128000">
+                  <a:extLst>
+                    <a:ext uri="{9D8B030D-6E8A-4147-A177-3AD203B41FA5}">
+                      <a16:colId xmlns:a16="http://schemas.microsoft.com/office/drawing/2014/main" val="3091196331"/>
+                    </a:ext>
+                  </a:extLst>
+                </a:gridCol>
+              </a:tblGrid>
+              <a:tr h="370840">
+                <a:tc>
+                  <a:txBody>
+                    <a:bodyPr/>
+                    <a:lstStyle/>
+                    <a:p>
+                      <a:r>
+                        <a:rPr lang="nl-NL" dirty="0"/>
+                        <a:t>Als Speler (3)</a:t>
+                      </a:r>
+                      <a:endParaRPr lang="nl-BE" dirty="0"/>
+                    </a:p>
+                  </a:txBody>
+                  <a:tcPr/>
+                </a:tc>
+                <a:extLst>
+                  <a:ext uri="{0D108BD9-81ED-4DB2-BD59-A6C34878D82A}">
+                    <a16:rowId xmlns:a16="http://schemas.microsoft.com/office/drawing/2014/main" val="2918620829"/>
+                  </a:ext>
+                </a:extLst>
+              </a:tr>
+              <a:tr h="380944">
+                <a:tc>
+                  <a:txBody>
+                    <a:bodyPr/>
+                    <a:lstStyle/>
+                    <a:p>
+                      <a:r>
+                        <a:rPr lang="nl-NL" dirty="0"/>
+                        <a:t>Wil ik een felicitatie scherm</a:t>
+                      </a:r>
+                      <a:r>
+                        <a:rPr lang="nl-NL" baseline="0" dirty="0"/>
+                        <a:t> nadat ik een nieuw level heb behaalt</a:t>
+                      </a:r>
+                      <a:endParaRPr lang="nl-BE" dirty="0"/>
+                    </a:p>
+                  </a:txBody>
+                  <a:tcPr/>
+                </a:tc>
+                <a:extLst>
+                  <a:ext uri="{0D108BD9-81ED-4DB2-BD59-A6C34878D82A}">
+                    <a16:rowId xmlns:a16="http://schemas.microsoft.com/office/drawing/2014/main" val="2346638987"/>
+                  </a:ext>
+                </a:extLst>
+              </a:tr>
+              <a:tr h="370840">
+                <a:tc>
+                  <a:txBody>
+                    <a:bodyPr/>
+                    <a:lstStyle/>
+                    <a:p>
+                      <a:pPr marL="0" marR="0" lvl="0" indent="0" algn="l" defTabSz="914400" rtl="0" eaLnBrk="1" fontAlgn="auto" latinLnBrk="0" hangingPunct="1">
+                        <a:lnSpc>
+                          <a:spcPct val="100000"/>
+                        </a:lnSpc>
+                        <a:spcBef>
+                          <a:spcPts val="0"/>
+                        </a:spcBef>
+                        <a:spcAft>
+                          <a:spcPts val="0"/>
+                        </a:spcAft>
+                        <a:buClrTx/>
+                        <a:buSzTx/>
+                        <a:buFontTx/>
+                        <a:buNone/>
+                        <a:tabLst/>
+                        <a:defRPr/>
+                      </a:pPr>
+                      <a:r>
+                        <a:rPr lang="nl-NL" dirty="0"/>
+                        <a:t>Zodat ik weet dat</a:t>
+                      </a:r>
+                      <a:r>
+                        <a:rPr lang="nl-NL" baseline="0" dirty="0"/>
+                        <a:t> ik in een nieuw level zit</a:t>
+                      </a:r>
+                      <a:endParaRPr lang="nl-BE" dirty="0"/>
+                    </a:p>
+                  </a:txBody>
+                  <a:tcPr/>
+                </a:tc>
+                <a:extLst>
+                  <a:ext uri="{0D108BD9-81ED-4DB2-BD59-A6C34878D82A}">
+                    <a16:rowId xmlns:a16="http://schemas.microsoft.com/office/drawing/2014/main" val="3691604249"/>
+                  </a:ext>
+                </a:extLst>
+              </a:tr>
+            </a:tbl>
+          </a:graphicData>
+        </a:graphic>
+      </p:graphicFrame>
+      <p:graphicFrame>
+        <p:nvGraphicFramePr>
+          <p:cNvPr id="10" name="Tabel 9">
+            <a:extLst>
+              <a:ext uri="{FF2B5EF4-FFF2-40B4-BE49-F238E27FC236}">
+                <a16:creationId xmlns:a16="http://schemas.microsoft.com/office/drawing/2014/main" id="{E7CF1753-6DBE-4D36-8062-E2915FCDF7D8}"/>
+              </a:ext>
+            </a:extLst>
+          </p:cNvPr>
+          <p:cNvGraphicFramePr>
+            <a:graphicFrameLocks noGrp="1"/>
+          </p:cNvGraphicFramePr>
+          <p:nvPr>
+            <p:extLst>
+              <p:ext uri="{D42A27DB-BD31-4B8C-83A1-F6EECF244321}">
+                <p14:modId xmlns:p14="http://schemas.microsoft.com/office/powerpoint/2010/main" val="3080024382"/>
+              </p:ext>
+            </p:extLst>
+          </p:nvPr>
+        </p:nvGraphicFramePr>
+        <p:xfrm>
+          <a:off x="3766208" y="2005716"/>
+          <a:ext cx="8128000" cy="1112520"/>
+        </p:xfrm>
+        <a:graphic>
+          <a:graphicData uri="http://schemas.openxmlformats.org/drawingml/2006/table">
+            <a:tbl>
+              <a:tblPr bandRow="1">
+                <a:tableStyleId>{5C22544A-7EE6-4342-B048-85BDC9FD1C3A}</a:tableStyleId>
+              </a:tblPr>
+              <a:tblGrid>
+                <a:gridCol w="8128000">
+                  <a:extLst>
+                    <a:ext uri="{9D8B030D-6E8A-4147-A177-3AD203B41FA5}">
+                      <a16:colId xmlns:a16="http://schemas.microsoft.com/office/drawing/2014/main" val="3091196331"/>
+                    </a:ext>
+                  </a:extLst>
+                </a:gridCol>
+              </a:tblGrid>
+              <a:tr h="370840">
+                <a:tc>
+                  <a:txBody>
+                    <a:bodyPr/>
+                    <a:lstStyle/>
+                    <a:p>
+                      <a:r>
+                        <a:rPr lang="nl-NL" dirty="0"/>
+                        <a:t>Als</a:t>
+                      </a:r>
+                      <a:r>
+                        <a:rPr lang="nl-NL" baseline="0" dirty="0"/>
+                        <a:t> Speler (4)</a:t>
+                      </a:r>
+                      <a:endParaRPr lang="nl-BE" dirty="0"/>
+                    </a:p>
+                  </a:txBody>
+                  <a:tcPr/>
+                </a:tc>
+                <a:extLst>
+                  <a:ext uri="{0D108BD9-81ED-4DB2-BD59-A6C34878D82A}">
+                    <a16:rowId xmlns:a16="http://schemas.microsoft.com/office/drawing/2014/main" val="2918620829"/>
+                  </a:ext>
+                </a:extLst>
+              </a:tr>
+              <a:tr h="370840">
+                <a:tc>
+                  <a:txBody>
+                    <a:bodyPr/>
+                    <a:lstStyle/>
+                    <a:p>
+                      <a:r>
+                        <a:rPr lang="nl-NL" dirty="0"/>
+                        <a:t>Wil ik</a:t>
+                      </a:r>
+                      <a:r>
+                        <a:rPr lang="nl-NL" baseline="0" dirty="0"/>
+                        <a:t> een markt waarbij ik voeding voor de paarden te voeden</a:t>
+                      </a:r>
+                      <a:endParaRPr lang="nl-BE" dirty="0"/>
+                    </a:p>
+                  </a:txBody>
+                  <a:tcPr/>
+                </a:tc>
+                <a:extLst>
+                  <a:ext uri="{0D108BD9-81ED-4DB2-BD59-A6C34878D82A}">
+                    <a16:rowId xmlns:a16="http://schemas.microsoft.com/office/drawing/2014/main" val="2346638987"/>
+                  </a:ext>
+                </a:extLst>
+              </a:tr>
+              <a:tr h="370840">
+                <a:tc>
+                  <a:txBody>
+                    <a:bodyPr/>
+                    <a:lstStyle/>
+                    <a:p>
+                      <a:r>
+                        <a:rPr lang="nl-NL" dirty="0"/>
+                        <a:t>Zodat</a:t>
+                      </a:r>
+                      <a:r>
+                        <a:rPr lang="nl-NL" baseline="0" dirty="0"/>
+                        <a:t> ik de paarden een boost kan geven</a:t>
+                      </a:r>
+                      <a:endParaRPr lang="nl-BE" dirty="0"/>
+                    </a:p>
+                  </a:txBody>
+                  <a:tcPr/>
+                </a:tc>
+                <a:extLst>
+                  <a:ext uri="{0D108BD9-81ED-4DB2-BD59-A6C34878D82A}">
+                    <a16:rowId xmlns:a16="http://schemas.microsoft.com/office/drawing/2014/main" val="3691604249"/>
+                  </a:ext>
+                </a:extLst>
+              </a:tr>
+            </a:tbl>
+          </a:graphicData>
+        </a:graphic>
+      </p:graphicFrame>
+      <p:graphicFrame>
+        <p:nvGraphicFramePr>
+          <p:cNvPr id="11" name="Tabel 10">
+            <a:extLst>
+              <a:ext uri="{FF2B5EF4-FFF2-40B4-BE49-F238E27FC236}">
+                <a16:creationId xmlns:a16="http://schemas.microsoft.com/office/drawing/2014/main" id="{D64BA4C3-8CA7-4E2F-BC37-08E6E8B83B14}"/>
+              </a:ext>
+            </a:extLst>
+          </p:cNvPr>
+          <p:cNvGraphicFramePr>
+            <a:graphicFrameLocks noGrp="1"/>
+          </p:cNvGraphicFramePr>
+          <p:nvPr>
+            <p:extLst>
+              <p:ext uri="{D42A27DB-BD31-4B8C-83A1-F6EECF244321}">
+                <p14:modId xmlns:p14="http://schemas.microsoft.com/office/powerpoint/2010/main" val="3431745464"/>
+              </p:ext>
+            </p:extLst>
+          </p:nvPr>
+        </p:nvGraphicFramePr>
+        <p:xfrm>
+          <a:off x="3766208" y="3550325"/>
+          <a:ext cx="8128000" cy="1122624"/>
+        </p:xfrm>
+        <a:graphic>
+          <a:graphicData uri="http://schemas.openxmlformats.org/drawingml/2006/table">
+            <a:tbl>
+              <a:tblPr bandRow="1">
+                <a:tableStyleId>{5C22544A-7EE6-4342-B048-85BDC9FD1C3A}</a:tableStyleId>
+              </a:tblPr>
+              <a:tblGrid>
+                <a:gridCol w="8128000">
+                  <a:extLst>
+                    <a:ext uri="{9D8B030D-6E8A-4147-A177-3AD203B41FA5}">
+                      <a16:colId xmlns:a16="http://schemas.microsoft.com/office/drawing/2014/main" val="3091196331"/>
+                    </a:ext>
+                  </a:extLst>
+                </a:gridCol>
+              </a:tblGrid>
+              <a:tr h="370840">
+                <a:tc>
+                  <a:txBody>
+                    <a:bodyPr/>
+                    <a:lstStyle/>
+                    <a:p>
+                      <a:r>
+                        <a:rPr lang="nl-NL" dirty="0"/>
+                        <a:t>Als Speler (4)</a:t>
+                      </a:r>
+                      <a:endParaRPr lang="nl-BE" dirty="0"/>
+                    </a:p>
+                  </a:txBody>
+                  <a:tcPr/>
+                </a:tc>
+                <a:extLst>
+                  <a:ext uri="{0D108BD9-81ED-4DB2-BD59-A6C34878D82A}">
+                    <a16:rowId xmlns:a16="http://schemas.microsoft.com/office/drawing/2014/main" val="2918620829"/>
+                  </a:ext>
+                </a:extLst>
+              </a:tr>
+              <a:tr h="380944">
+                <a:tc>
+                  <a:txBody>
+                    <a:bodyPr/>
+                    <a:lstStyle/>
+                    <a:p>
+                      <a:r>
+                        <a:rPr lang="nl-NL" dirty="0"/>
+                        <a:t>Wil ik</a:t>
+                      </a:r>
+                      <a:r>
+                        <a:rPr lang="nl-NL" baseline="0" dirty="0"/>
+                        <a:t> een sorteerlijst</a:t>
+                      </a:r>
+                      <a:endParaRPr lang="nl-BE" dirty="0"/>
+                    </a:p>
+                  </a:txBody>
+                  <a:tcPr/>
+                </a:tc>
+                <a:extLst>
+                  <a:ext uri="{0D108BD9-81ED-4DB2-BD59-A6C34878D82A}">
+                    <a16:rowId xmlns:a16="http://schemas.microsoft.com/office/drawing/2014/main" val="2346638987"/>
+                  </a:ext>
+                </a:extLst>
+              </a:tr>
+              <a:tr h="370840">
+                <a:tc>
+                  <a:txBody>
+                    <a:bodyPr/>
+                    <a:lstStyle/>
+                    <a:p>
+                      <a:pPr marL="0" marR="0" lvl="0" indent="0" algn="l" defTabSz="914400" rtl="0" eaLnBrk="1" fontAlgn="auto" latinLnBrk="0" hangingPunct="1">
+                        <a:lnSpc>
+                          <a:spcPct val="100000"/>
+                        </a:lnSpc>
+                        <a:spcBef>
+                          <a:spcPts val="0"/>
+                        </a:spcBef>
+                        <a:spcAft>
+                          <a:spcPts val="0"/>
+                        </a:spcAft>
+                        <a:buClrTx/>
+                        <a:buSzTx/>
+                        <a:buFontTx/>
+                        <a:buNone/>
+                        <a:tabLst/>
+                        <a:defRPr/>
+                      </a:pPr>
+                      <a:r>
+                        <a:rPr lang="nl-NL" dirty="0"/>
+                        <a:t>Zodat</a:t>
+                      </a:r>
+                      <a:r>
+                        <a:rPr lang="nl-NL" baseline="0" dirty="0"/>
+                        <a:t> ik mijn paarden kan opzoeken via verschillende categorieën</a:t>
+                      </a:r>
+                      <a:endParaRPr lang="nl-BE" dirty="0"/>
+                    </a:p>
+                  </a:txBody>
+                  <a:tcPr/>
+                </a:tc>
+                <a:extLst>
+                  <a:ext uri="{0D108BD9-81ED-4DB2-BD59-A6C34878D82A}">
+                    <a16:rowId xmlns:a16="http://schemas.microsoft.com/office/drawing/2014/main" val="3691604249"/>
+                  </a:ext>
+                </a:extLst>
+              </a:tr>
+            </a:tbl>
+          </a:graphicData>
+        </a:graphic>
+      </p:graphicFrame>
+      <p:graphicFrame>
+        <p:nvGraphicFramePr>
+          <p:cNvPr id="12" name="Tabel 11">
+            <a:extLst>
+              <a:ext uri="{FF2B5EF4-FFF2-40B4-BE49-F238E27FC236}">
+                <a16:creationId xmlns:a16="http://schemas.microsoft.com/office/drawing/2014/main" id="{C8EAD436-2801-40AD-9AFA-B37E3CF37B98}"/>
+              </a:ext>
+            </a:extLst>
+          </p:cNvPr>
+          <p:cNvGraphicFramePr>
+            <a:graphicFrameLocks noGrp="1"/>
+          </p:cNvGraphicFramePr>
+          <p:nvPr>
+            <p:extLst>
+              <p:ext uri="{D42A27DB-BD31-4B8C-83A1-F6EECF244321}">
+                <p14:modId xmlns:p14="http://schemas.microsoft.com/office/powerpoint/2010/main" val="789795850"/>
+              </p:ext>
+            </p:extLst>
+          </p:nvPr>
+        </p:nvGraphicFramePr>
+        <p:xfrm>
+          <a:off x="3766208" y="5252259"/>
+          <a:ext cx="8128000" cy="1112520"/>
+        </p:xfrm>
+        <a:graphic>
+          <a:graphicData uri="http://schemas.openxmlformats.org/drawingml/2006/table">
+            <a:tbl>
+              <a:tblPr bandRow="1">
+                <a:tableStyleId>{5C22544A-7EE6-4342-B048-85BDC9FD1C3A}</a:tableStyleId>
+              </a:tblPr>
+              <a:tblGrid>
+                <a:gridCol w="8128000">
+                  <a:extLst>
+                    <a:ext uri="{9D8B030D-6E8A-4147-A177-3AD203B41FA5}">
+                      <a16:colId xmlns:a16="http://schemas.microsoft.com/office/drawing/2014/main" val="3091196331"/>
+                    </a:ext>
+                  </a:extLst>
+                </a:gridCol>
+              </a:tblGrid>
+              <a:tr h="370840">
+                <a:tc>
+                  <a:txBody>
+                    <a:bodyPr/>
+                    <a:lstStyle/>
+                    <a:p>
+                      <a:r>
+                        <a:rPr lang="nl-NL" dirty="0"/>
+                        <a:t>Als</a:t>
+                      </a:r>
+                      <a:r>
+                        <a:rPr lang="nl-NL" baseline="0" dirty="0"/>
+                        <a:t> Speler (4)</a:t>
+                      </a:r>
+                      <a:endParaRPr lang="nl-BE" dirty="0"/>
+                    </a:p>
+                  </a:txBody>
+                  <a:tcPr/>
+                </a:tc>
+                <a:extLst>
+                  <a:ext uri="{0D108BD9-81ED-4DB2-BD59-A6C34878D82A}">
+                    <a16:rowId xmlns:a16="http://schemas.microsoft.com/office/drawing/2014/main" val="2918620829"/>
+                  </a:ext>
+                </a:extLst>
+              </a:tr>
+              <a:tr h="370840">
+                <a:tc>
+                  <a:txBody>
+                    <a:bodyPr/>
+                    <a:lstStyle/>
+                    <a:p>
+                      <a:r>
+                        <a:rPr lang="nl-NL" dirty="0"/>
+                        <a:t>Wil ik</a:t>
+                      </a:r>
+                      <a:r>
+                        <a:rPr lang="nl-NL" baseline="0" dirty="0"/>
+                        <a:t> mijn paarden kunnen verzorgen </a:t>
+                      </a:r>
+                      <a:endParaRPr lang="nl-BE" dirty="0"/>
+                    </a:p>
+                  </a:txBody>
+                  <a:tcPr/>
+                </a:tc>
+                <a:extLst>
+                  <a:ext uri="{0D108BD9-81ED-4DB2-BD59-A6C34878D82A}">
+                    <a16:rowId xmlns:a16="http://schemas.microsoft.com/office/drawing/2014/main" val="2346638987"/>
+                  </a:ext>
+                </a:extLst>
+              </a:tr>
+              <a:tr h="370840">
+                <a:tc>
+                  <a:txBody>
+                    <a:bodyPr/>
+                    <a:lstStyle/>
+                    <a:p>
+                      <a:r>
+                        <a:rPr lang="nl-NL" dirty="0"/>
+                        <a:t>Zodat</a:t>
+                      </a:r>
+                      <a:r>
+                        <a:rPr lang="nl-NL" baseline="0" dirty="0"/>
+                        <a:t> ik beter presterende paarden heb</a:t>
+                      </a:r>
+                      <a:endParaRPr lang="nl-BE" dirty="0"/>
+                    </a:p>
+                  </a:txBody>
+                  <a:tcPr/>
+                </a:tc>
+                <a:extLst>
+                  <a:ext uri="{0D108BD9-81ED-4DB2-BD59-A6C34878D82A}">
+                    <a16:rowId xmlns:a16="http://schemas.microsoft.com/office/drawing/2014/main" val="3691604249"/>
+                  </a:ext>
+                </a:extLst>
+              </a:tr>
+            </a:tbl>
+          </a:graphicData>
+        </a:graphic>
+      </p:graphicFrame>
+    </p:spTree>
+    <p:extLst>
+      <p:ext uri="{BB962C8B-B14F-4D97-AF65-F5344CB8AC3E}">
+        <p14:creationId xmlns:p14="http://schemas.microsoft.com/office/powerpoint/2010/main" val="1070400222"/>
+      </p:ext>
+    </p:extLst>
+  </p:cSld>
+  <p:clrMapOvr>
+    <a:masterClrMapping/>
+  </p:clrMapOvr>
+</p:sld>
+</file>
+
+<file path=ppt/slides/slide34.xml><?xml version="1.0" encoding="utf-8"?>
+<p:sld xmlns:a="http://schemas.openxmlformats.org/drawingml/2006/main" xmlns:r="http://schemas.openxmlformats.org/officeDocument/2006/relationships" xmlns:p="http://schemas.openxmlformats.org/presentationml/2006/main">
+  <p:cSld>
+    <p:spTree>
+      <p:nvGrpSpPr>
+        <p:cNvPr id="1" name=""/>
+        <p:cNvGrpSpPr/>
+        <p:nvPr/>
+      </p:nvGrpSpPr>
+      <p:grpSpPr>
+        <a:xfrm>
+          <a:off x="0" y="0"/>
+          <a:ext cx="0" cy="0"/>
+          <a:chOff x="0" y="0"/>
+          <a:chExt cx="0" cy="0"/>
+        </a:xfrm>
+      </p:grpSpPr>
+      <p:graphicFrame>
+        <p:nvGraphicFramePr>
+          <p:cNvPr id="6" name="Tabel 5">
+            <a:extLst>
+              <a:ext uri="{FF2B5EF4-FFF2-40B4-BE49-F238E27FC236}">
+                <a16:creationId xmlns:a16="http://schemas.microsoft.com/office/drawing/2014/main" id="{A62E4A75-8F5A-4EC3-BA37-7400470411E1}"/>
+              </a:ext>
+            </a:extLst>
+          </p:cNvPr>
+          <p:cNvGraphicFramePr>
+            <a:graphicFrameLocks noGrp="1"/>
+          </p:cNvGraphicFramePr>
+          <p:nvPr/>
+        </p:nvGraphicFramePr>
+        <p:xfrm>
+          <a:off x="3766208" y="446395"/>
+          <a:ext cx="8128000" cy="1122624"/>
+        </p:xfrm>
+        <a:graphic>
+          <a:graphicData uri="http://schemas.openxmlformats.org/drawingml/2006/table">
+            <a:tbl>
+              <a:tblPr bandRow="1">
+                <a:tableStyleId>{5C22544A-7EE6-4342-B048-85BDC9FD1C3A}</a:tableStyleId>
+              </a:tblPr>
+              <a:tblGrid>
+                <a:gridCol w="8128000">
+                  <a:extLst>
+                    <a:ext uri="{9D8B030D-6E8A-4147-A177-3AD203B41FA5}">
+                      <a16:colId xmlns:a16="http://schemas.microsoft.com/office/drawing/2014/main" val="3091196331"/>
+                    </a:ext>
+                  </a:extLst>
+                </a:gridCol>
+              </a:tblGrid>
+              <a:tr h="370840">
+                <a:tc>
+                  <a:txBody>
+                    <a:bodyPr/>
+                    <a:lstStyle/>
+                    <a:p>
+                      <a:r>
+                        <a:rPr lang="nl-NL" dirty="0"/>
+                        <a:t>Als Speler (5)</a:t>
+                      </a:r>
+                      <a:endParaRPr lang="nl-BE" dirty="0"/>
+                    </a:p>
+                  </a:txBody>
+                  <a:tcPr/>
+                </a:tc>
+                <a:extLst>
+                  <a:ext uri="{0D108BD9-81ED-4DB2-BD59-A6C34878D82A}">
+                    <a16:rowId xmlns:a16="http://schemas.microsoft.com/office/drawing/2014/main" val="2918620829"/>
+                  </a:ext>
+                </a:extLst>
+              </a:tr>
+              <a:tr h="380944">
+                <a:tc>
+                  <a:txBody>
+                    <a:bodyPr/>
+                    <a:lstStyle/>
+                    <a:p>
+                      <a:r>
+                        <a:rPr lang="nl-NL" dirty="0"/>
+                        <a:t>Wil ik een bank</a:t>
+                      </a:r>
+                      <a:endParaRPr lang="nl-BE" dirty="0"/>
+                    </a:p>
+                  </a:txBody>
+                  <a:tcPr/>
+                </a:tc>
+                <a:extLst>
+                  <a:ext uri="{0D108BD9-81ED-4DB2-BD59-A6C34878D82A}">
+                    <a16:rowId xmlns:a16="http://schemas.microsoft.com/office/drawing/2014/main" val="2346638987"/>
+                  </a:ext>
+                </a:extLst>
+              </a:tr>
+              <a:tr h="370840">
+                <a:tc>
+                  <a:txBody>
+                    <a:bodyPr/>
+                    <a:lstStyle/>
+                    <a:p>
+                      <a:pPr marL="0" marR="0" lvl="0" indent="0" algn="l" defTabSz="914400" rtl="0" eaLnBrk="1" fontAlgn="auto" latinLnBrk="0" hangingPunct="1">
+                        <a:lnSpc>
+                          <a:spcPct val="100000"/>
+                        </a:lnSpc>
+                        <a:spcBef>
+                          <a:spcPts val="0"/>
+                        </a:spcBef>
+                        <a:spcAft>
+                          <a:spcPts val="0"/>
+                        </a:spcAft>
+                        <a:buClrTx/>
+                        <a:buSzTx/>
+                        <a:buFontTx/>
+                        <a:buNone/>
+                        <a:tabLst/>
+                        <a:defRPr/>
+                      </a:pPr>
+                      <a:r>
+                        <a:rPr lang="nl-NL" dirty="0"/>
+                        <a:t>Zodat</a:t>
+                      </a:r>
+                      <a:r>
+                        <a:rPr lang="nl-NL" baseline="0" dirty="0"/>
+                        <a:t> ik </a:t>
+                      </a:r>
+                      <a:r>
+                        <a:rPr lang="nl-NL" dirty="0"/>
+                        <a:t>geld kan lenen</a:t>
+                      </a:r>
+                      <a:endParaRPr lang="nl-BE" dirty="0"/>
+                    </a:p>
+                  </a:txBody>
+                  <a:tcPr/>
+                </a:tc>
+                <a:extLst>
+                  <a:ext uri="{0D108BD9-81ED-4DB2-BD59-A6C34878D82A}">
+                    <a16:rowId xmlns:a16="http://schemas.microsoft.com/office/drawing/2014/main" val="3691604249"/>
+                  </a:ext>
+                </a:extLst>
+              </a:tr>
+            </a:tbl>
+          </a:graphicData>
+        </a:graphic>
+      </p:graphicFrame>
+      <p:graphicFrame>
+        <p:nvGraphicFramePr>
+          <p:cNvPr id="8" name="Tabel 7">
+            <a:extLst>
+              <a:ext uri="{FF2B5EF4-FFF2-40B4-BE49-F238E27FC236}">
+                <a16:creationId xmlns:a16="http://schemas.microsoft.com/office/drawing/2014/main" id="{A2390C92-2377-4958-BBD5-4903FD246947}"/>
+              </a:ext>
+            </a:extLst>
+          </p:cNvPr>
+          <p:cNvGraphicFramePr>
+            <a:graphicFrameLocks noGrp="1"/>
+          </p:cNvGraphicFramePr>
+          <p:nvPr>
+            <p:extLst>
+              <p:ext uri="{D42A27DB-BD31-4B8C-83A1-F6EECF244321}">
+                <p14:modId xmlns:p14="http://schemas.microsoft.com/office/powerpoint/2010/main" val="1495621045"/>
+              </p:ext>
+            </p:extLst>
+          </p:nvPr>
+        </p:nvGraphicFramePr>
+        <p:xfrm>
+          <a:off x="3766208" y="1997327"/>
+          <a:ext cx="8128000" cy="1112520"/>
+        </p:xfrm>
+        <a:graphic>
+          <a:graphicData uri="http://schemas.openxmlformats.org/drawingml/2006/table">
+            <a:tbl>
+              <a:tblPr bandRow="1">
+                <a:tableStyleId>{5C22544A-7EE6-4342-B048-85BDC9FD1C3A}</a:tableStyleId>
+              </a:tblPr>
+              <a:tblGrid>
+                <a:gridCol w="8128000">
+                  <a:extLst>
+                    <a:ext uri="{9D8B030D-6E8A-4147-A177-3AD203B41FA5}">
+                      <a16:colId xmlns:a16="http://schemas.microsoft.com/office/drawing/2014/main" val="3091196331"/>
+                    </a:ext>
+                  </a:extLst>
+                </a:gridCol>
+              </a:tblGrid>
+              <a:tr h="370840">
+                <a:tc>
+                  <a:txBody>
+                    <a:bodyPr/>
+                    <a:lstStyle/>
+                    <a:p>
+                      <a:r>
+                        <a:rPr lang="nl-NL" dirty="0"/>
+                        <a:t>Als speler (5)</a:t>
+                      </a:r>
+                      <a:endParaRPr lang="nl-BE" dirty="0"/>
+                    </a:p>
+                  </a:txBody>
+                  <a:tcPr/>
+                </a:tc>
+                <a:extLst>
+                  <a:ext uri="{0D108BD9-81ED-4DB2-BD59-A6C34878D82A}">
+                    <a16:rowId xmlns:a16="http://schemas.microsoft.com/office/drawing/2014/main" val="2918620829"/>
+                  </a:ext>
+                </a:extLst>
+              </a:tr>
+              <a:tr h="370840">
+                <a:tc>
+                  <a:txBody>
+                    <a:bodyPr/>
+                    <a:lstStyle/>
+                    <a:p>
+                      <a:r>
+                        <a:rPr lang="nl-NL" dirty="0"/>
+                        <a:t>Wil ik </a:t>
+                      </a:r>
+                      <a:r>
+                        <a:rPr lang="nl-NL"/>
+                        <a:t>een</a:t>
+                      </a:r>
+                      <a:r>
+                        <a:rPr lang="nl-NL" baseline="0"/>
+                        <a:t> reset knop</a:t>
+                      </a:r>
+                      <a:endParaRPr lang="nl-BE" dirty="0"/>
+                    </a:p>
+                  </a:txBody>
+                  <a:tcPr/>
+                </a:tc>
+                <a:extLst>
+                  <a:ext uri="{0D108BD9-81ED-4DB2-BD59-A6C34878D82A}">
+                    <a16:rowId xmlns:a16="http://schemas.microsoft.com/office/drawing/2014/main" val="2346638987"/>
+                  </a:ext>
+                </a:extLst>
+              </a:tr>
+              <a:tr h="370840">
+                <a:tc>
+                  <a:txBody>
+                    <a:bodyPr/>
+                    <a:lstStyle/>
+                    <a:p>
+                      <a:r>
+                        <a:rPr lang="nl-NL" dirty="0"/>
+                        <a:t>Zodat</a:t>
+                      </a:r>
+                      <a:r>
+                        <a:rPr lang="nl-NL" baseline="0" dirty="0"/>
+                        <a:t> ik opnieuw kan starten</a:t>
+                      </a:r>
+                      <a:endParaRPr lang="nl-BE" dirty="0"/>
+                    </a:p>
+                  </a:txBody>
+                  <a:tcPr/>
+                </a:tc>
+                <a:extLst>
+                  <a:ext uri="{0D108BD9-81ED-4DB2-BD59-A6C34878D82A}">
+                    <a16:rowId xmlns:a16="http://schemas.microsoft.com/office/drawing/2014/main" val="3691604249"/>
+                  </a:ext>
+                </a:extLst>
+              </a:tr>
+            </a:tbl>
+          </a:graphicData>
+        </a:graphic>
+      </p:graphicFrame>
+      <p:graphicFrame>
+        <p:nvGraphicFramePr>
+          <p:cNvPr id="9" name="Tabel 8">
+            <a:extLst>
+              <a:ext uri="{FF2B5EF4-FFF2-40B4-BE49-F238E27FC236}">
+                <a16:creationId xmlns:a16="http://schemas.microsoft.com/office/drawing/2014/main" id="{CFFF4AE7-792E-4027-8A19-8687FC4C0A56}"/>
+              </a:ext>
+            </a:extLst>
+          </p:cNvPr>
+          <p:cNvGraphicFramePr>
+            <a:graphicFrameLocks noGrp="1"/>
+          </p:cNvGraphicFramePr>
+          <p:nvPr>
+            <p:extLst>
+              <p:ext uri="{D42A27DB-BD31-4B8C-83A1-F6EECF244321}">
+                <p14:modId xmlns:p14="http://schemas.microsoft.com/office/powerpoint/2010/main" val="19760164"/>
+              </p:ext>
+            </p:extLst>
+          </p:nvPr>
+        </p:nvGraphicFramePr>
+        <p:xfrm>
+          <a:off x="3766208" y="3508292"/>
+          <a:ext cx="8128000" cy="1112520"/>
+        </p:xfrm>
+        <a:graphic>
+          <a:graphicData uri="http://schemas.openxmlformats.org/drawingml/2006/table">
+            <a:tbl>
+              <a:tblPr bandRow="1">
+                <a:tableStyleId>{5C22544A-7EE6-4342-B048-85BDC9FD1C3A}</a:tableStyleId>
+              </a:tblPr>
+              <a:tblGrid>
+                <a:gridCol w="8128000">
+                  <a:extLst>
+                    <a:ext uri="{9D8B030D-6E8A-4147-A177-3AD203B41FA5}">
+                      <a16:colId xmlns:a16="http://schemas.microsoft.com/office/drawing/2014/main" val="3091196331"/>
+                    </a:ext>
+                  </a:extLst>
+                </a:gridCol>
+              </a:tblGrid>
+              <a:tr h="370840">
+                <a:tc>
+                  <a:txBody>
+                    <a:bodyPr/>
+                    <a:lstStyle/>
+                    <a:p>
+                      <a:pPr marL="0" marR="0" lvl="0" indent="0" algn="l" defTabSz="914400" rtl="0" eaLnBrk="1" fontAlgn="auto" latinLnBrk="0" hangingPunct="1">
+                        <a:lnSpc>
+                          <a:spcPct val="100000"/>
+                        </a:lnSpc>
+                        <a:spcBef>
+                          <a:spcPts val="0"/>
+                        </a:spcBef>
+                        <a:spcAft>
+                          <a:spcPts val="0"/>
+                        </a:spcAft>
+                        <a:buClrTx/>
+                        <a:buSzTx/>
+                        <a:buFontTx/>
+                        <a:buNone/>
+                        <a:tabLst/>
+                        <a:defRPr/>
+                      </a:pPr>
+                      <a:r>
+                        <a:rPr lang="nl-NL" dirty="0"/>
+                        <a:t>Als</a:t>
+                      </a:r>
+                      <a:r>
+                        <a:rPr lang="nl-NL" baseline="0" dirty="0"/>
+                        <a:t> Speler (5)</a:t>
+                      </a:r>
+                      <a:endParaRPr lang="nl-BE" dirty="0"/>
+                    </a:p>
+                  </a:txBody>
+                  <a:tcPr/>
+                </a:tc>
+                <a:extLst>
+                  <a:ext uri="{0D108BD9-81ED-4DB2-BD59-A6C34878D82A}">
+                    <a16:rowId xmlns:a16="http://schemas.microsoft.com/office/drawing/2014/main" val="2918620829"/>
+                  </a:ext>
+                </a:extLst>
+              </a:tr>
+              <a:tr h="370840">
+                <a:tc>
+                  <a:txBody>
+                    <a:bodyPr/>
+                    <a:lstStyle/>
+                    <a:p>
+                      <a:r>
+                        <a:rPr lang="nl-NL" dirty="0"/>
+                        <a:t>Wil ik</a:t>
+                      </a:r>
+                      <a:r>
+                        <a:rPr lang="nl-NL" baseline="0" dirty="0"/>
+                        <a:t> een experience bar</a:t>
+                      </a:r>
+                      <a:endParaRPr lang="nl-BE" dirty="0"/>
+                    </a:p>
+                  </a:txBody>
+                  <a:tcPr/>
+                </a:tc>
+                <a:extLst>
+                  <a:ext uri="{0D108BD9-81ED-4DB2-BD59-A6C34878D82A}">
+                    <a16:rowId xmlns:a16="http://schemas.microsoft.com/office/drawing/2014/main" val="2346638987"/>
+                  </a:ext>
+                </a:extLst>
+              </a:tr>
+              <a:tr h="370840">
+                <a:tc>
+                  <a:txBody>
+                    <a:bodyPr/>
+                    <a:lstStyle/>
+                    <a:p>
+                      <a:r>
+                        <a:rPr lang="nl-NL" dirty="0"/>
+                        <a:t>Zodat</a:t>
+                      </a:r>
+                      <a:r>
+                        <a:rPr lang="nl-NL" baseline="0" dirty="0"/>
+                        <a:t> ik weet hoever ik in het levelsysteem zit</a:t>
+                      </a:r>
+                      <a:endParaRPr lang="nl-BE" dirty="0"/>
+                    </a:p>
+                  </a:txBody>
+                  <a:tcPr/>
+                </a:tc>
+                <a:extLst>
+                  <a:ext uri="{0D108BD9-81ED-4DB2-BD59-A6C34878D82A}">
+                    <a16:rowId xmlns:a16="http://schemas.microsoft.com/office/drawing/2014/main" val="3691604249"/>
+                  </a:ext>
+                </a:extLst>
+              </a:tr>
+            </a:tbl>
+          </a:graphicData>
+        </a:graphic>
+      </p:graphicFrame>
+      <p:graphicFrame>
+        <p:nvGraphicFramePr>
+          <p:cNvPr id="13" name="Tabel 12">
+            <a:extLst>
+              <a:ext uri="{FF2B5EF4-FFF2-40B4-BE49-F238E27FC236}">
+                <a16:creationId xmlns:a16="http://schemas.microsoft.com/office/drawing/2014/main" id="{ABE208A3-6EE9-4578-A16C-508512323A41}"/>
+              </a:ext>
+            </a:extLst>
+          </p:cNvPr>
+          <p:cNvGraphicFramePr>
+            <a:graphicFrameLocks noGrp="1"/>
+          </p:cNvGraphicFramePr>
+          <p:nvPr/>
+        </p:nvGraphicFramePr>
+        <p:xfrm>
+          <a:off x="3766208" y="5060257"/>
+          <a:ext cx="8128000" cy="1112520"/>
+        </p:xfrm>
+        <a:graphic>
+          <a:graphicData uri="http://schemas.openxmlformats.org/drawingml/2006/table">
+            <a:tbl>
+              <a:tblPr bandRow="1">
+                <a:tableStyleId>{5C22544A-7EE6-4342-B048-85BDC9FD1C3A}</a:tableStyleId>
+              </a:tblPr>
+              <a:tblGrid>
+                <a:gridCol w="8128000">
+                  <a:extLst>
+                    <a:ext uri="{9D8B030D-6E8A-4147-A177-3AD203B41FA5}">
+                      <a16:colId xmlns:a16="http://schemas.microsoft.com/office/drawing/2014/main" val="3091196331"/>
+                    </a:ext>
+                  </a:extLst>
+                </a:gridCol>
+              </a:tblGrid>
+              <a:tr h="370840">
+                <a:tc>
+                  <a:txBody>
+                    <a:bodyPr/>
+                    <a:lstStyle/>
+                    <a:p>
+                      <a:pPr marL="0" marR="0" lvl="0" indent="0" algn="l" defTabSz="914400" rtl="0" eaLnBrk="1" fontAlgn="auto" latinLnBrk="0" hangingPunct="1">
+                        <a:lnSpc>
+                          <a:spcPct val="100000"/>
+                        </a:lnSpc>
+                        <a:spcBef>
+                          <a:spcPts val="0"/>
+                        </a:spcBef>
+                        <a:spcAft>
+                          <a:spcPts val="0"/>
+                        </a:spcAft>
+                        <a:buClrTx/>
+                        <a:buSzTx/>
+                        <a:buFontTx/>
+                        <a:buNone/>
+                        <a:tabLst/>
+                        <a:defRPr/>
+                      </a:pPr>
+                      <a:r>
+                        <a:rPr lang="nl-NL" dirty="0"/>
+                        <a:t>Als</a:t>
+                      </a:r>
+                      <a:r>
+                        <a:rPr lang="nl-NL" baseline="0" dirty="0"/>
+                        <a:t> Speler (5)</a:t>
+                      </a:r>
+                      <a:endParaRPr lang="nl-BE" dirty="0"/>
+                    </a:p>
+                  </a:txBody>
+                  <a:tcPr/>
+                </a:tc>
+                <a:extLst>
+                  <a:ext uri="{0D108BD9-81ED-4DB2-BD59-A6C34878D82A}">
+                    <a16:rowId xmlns:a16="http://schemas.microsoft.com/office/drawing/2014/main" val="2918620829"/>
+                  </a:ext>
+                </a:extLst>
+              </a:tr>
+              <a:tr h="370840">
+                <a:tc>
+                  <a:txBody>
+                    <a:bodyPr/>
+                    <a:lstStyle/>
+                    <a:p>
+                      <a:r>
+                        <a:rPr lang="nl-NL" dirty="0"/>
+                        <a:t>Wil ik een</a:t>
+                      </a:r>
+                      <a:r>
+                        <a:rPr lang="nl-NL" baseline="0" dirty="0"/>
+                        <a:t> rusttijd voor de paarden</a:t>
+                      </a:r>
+                      <a:endParaRPr lang="nl-BE" dirty="0"/>
+                    </a:p>
+                  </a:txBody>
+                  <a:tcPr/>
+                </a:tc>
+                <a:extLst>
+                  <a:ext uri="{0D108BD9-81ED-4DB2-BD59-A6C34878D82A}">
+                    <a16:rowId xmlns:a16="http://schemas.microsoft.com/office/drawing/2014/main" val="2346638987"/>
+                  </a:ext>
+                </a:extLst>
+              </a:tr>
+              <a:tr h="370840">
+                <a:tc>
+                  <a:txBody>
+                    <a:bodyPr/>
+                    <a:lstStyle/>
+                    <a:p>
+                      <a:r>
+                        <a:rPr lang="nl-NL" dirty="0"/>
+                        <a:t>Zodat</a:t>
+                      </a:r>
+                      <a:r>
+                        <a:rPr lang="nl-NL" baseline="0" dirty="0"/>
+                        <a:t> ik niet steeds hetzelfde paard kan gebruiken</a:t>
+                      </a:r>
+                      <a:endParaRPr lang="nl-BE" dirty="0"/>
+                    </a:p>
+                  </a:txBody>
+                  <a:tcPr/>
+                </a:tc>
+                <a:extLst>
+                  <a:ext uri="{0D108BD9-81ED-4DB2-BD59-A6C34878D82A}">
+                    <a16:rowId xmlns:a16="http://schemas.microsoft.com/office/drawing/2014/main" val="3691604249"/>
+                  </a:ext>
+                </a:extLst>
+              </a:tr>
+            </a:tbl>
+          </a:graphicData>
+        </a:graphic>
+      </p:graphicFrame>
+    </p:spTree>
+    <p:extLst>
+      <p:ext uri="{BB962C8B-B14F-4D97-AF65-F5344CB8AC3E}">
+        <p14:creationId xmlns:p14="http://schemas.microsoft.com/office/powerpoint/2010/main" val="2009351664"/>
+      </p:ext>
+    </p:extLst>
+  </p:cSld>
+  <p:clrMapOvr>
+    <a:masterClrMapping/>
+  </p:clrMapOvr>
+</p:sld>
+</file>
+
+<file path=ppt/slides/slide35.xml><?xml version="1.0" encoding="utf-8"?>
+<p:sld xmlns:a="http://schemas.openxmlformats.org/drawingml/2006/main" xmlns:r="http://schemas.openxmlformats.org/officeDocument/2006/relationships" xmlns:p="http://schemas.openxmlformats.org/presentationml/2006/main">
+  <p:cSld>
+    <p:spTree>
+      <p:nvGrpSpPr>
+        <p:cNvPr id="1" name=""/>
+        <p:cNvGrpSpPr/>
+        <p:nvPr/>
+      </p:nvGrpSpPr>
+      <p:grpSpPr>
+        <a:xfrm>
+          <a:off x="0" y="0"/>
+          <a:ext cx="0" cy="0"/>
+          <a:chOff x="0" y="0"/>
+          <a:chExt cx="0" cy="0"/>
+        </a:xfrm>
+      </p:grpSpPr>
+      <p:graphicFrame>
+        <p:nvGraphicFramePr>
+          <p:cNvPr id="7" name="Tabel 6">
+            <a:extLst>
+              <a:ext uri="{FF2B5EF4-FFF2-40B4-BE49-F238E27FC236}">
+                <a16:creationId xmlns:a16="http://schemas.microsoft.com/office/drawing/2014/main" id="{DBAE366A-8988-40A7-A0B4-2A124AF36FDC}"/>
+              </a:ext>
+            </a:extLst>
+          </p:cNvPr>
+          <p:cNvGraphicFramePr>
+            <a:graphicFrameLocks noGrp="1"/>
+          </p:cNvGraphicFramePr>
+          <p:nvPr>
+            <p:extLst>
+              <p:ext uri="{D42A27DB-BD31-4B8C-83A1-F6EECF244321}">
+                <p14:modId xmlns:p14="http://schemas.microsoft.com/office/powerpoint/2010/main" val="3476780613"/>
+              </p:ext>
+            </p:extLst>
+          </p:nvPr>
+        </p:nvGraphicFramePr>
+        <p:xfrm>
+          <a:off x="3766208" y="427639"/>
+          <a:ext cx="8128000" cy="1112520"/>
+        </p:xfrm>
+        <a:graphic>
+          <a:graphicData uri="http://schemas.openxmlformats.org/drawingml/2006/table">
+            <a:tbl>
+              <a:tblPr bandRow="1">
+                <a:tableStyleId>{5C22544A-7EE6-4342-B048-85BDC9FD1C3A}</a:tableStyleId>
+              </a:tblPr>
+              <a:tblGrid>
+                <a:gridCol w="8128000">
+                  <a:extLst>
+                    <a:ext uri="{9D8B030D-6E8A-4147-A177-3AD203B41FA5}">
+                      <a16:colId xmlns:a16="http://schemas.microsoft.com/office/drawing/2014/main" val="3091196331"/>
+                    </a:ext>
+                  </a:extLst>
+                </a:gridCol>
+              </a:tblGrid>
+              <a:tr h="370840">
+                <a:tc>
+                  <a:txBody>
+                    <a:bodyPr/>
+                    <a:lstStyle/>
+                    <a:p>
+                      <a:r>
+                        <a:rPr lang="nl-NL" dirty="0"/>
+                        <a:t>Als</a:t>
+                      </a:r>
+                      <a:r>
+                        <a:rPr lang="nl-NL" baseline="0" dirty="0"/>
+                        <a:t> Speler (5)</a:t>
+                      </a:r>
+                      <a:endParaRPr lang="nl-BE" dirty="0"/>
+                    </a:p>
+                  </a:txBody>
+                  <a:tcPr/>
+                </a:tc>
+                <a:extLst>
+                  <a:ext uri="{0D108BD9-81ED-4DB2-BD59-A6C34878D82A}">
+                    <a16:rowId xmlns:a16="http://schemas.microsoft.com/office/drawing/2014/main" val="2918620829"/>
+                  </a:ext>
+                </a:extLst>
+              </a:tr>
+              <a:tr h="370840">
+                <a:tc>
+                  <a:txBody>
+                    <a:bodyPr/>
+                    <a:lstStyle/>
+                    <a:p>
+                      <a:r>
+                        <a:rPr lang="nl-NL" dirty="0"/>
+                        <a:t>Wil ik</a:t>
+                      </a:r>
+                      <a:r>
+                        <a:rPr lang="nl-NL" baseline="0" dirty="0"/>
+                        <a:t> een ingame klok</a:t>
+                      </a:r>
+                      <a:endParaRPr lang="nl-BE" dirty="0"/>
+                    </a:p>
+                  </a:txBody>
+                  <a:tcPr/>
+                </a:tc>
+                <a:extLst>
+                  <a:ext uri="{0D108BD9-81ED-4DB2-BD59-A6C34878D82A}">
+                    <a16:rowId xmlns:a16="http://schemas.microsoft.com/office/drawing/2014/main" val="2346638987"/>
+                  </a:ext>
+                </a:extLst>
+              </a:tr>
+              <a:tr h="370840">
+                <a:tc>
+                  <a:txBody>
+                    <a:bodyPr/>
+                    <a:lstStyle/>
+                    <a:p>
+                      <a:r>
+                        <a:rPr lang="nl-NL" dirty="0"/>
+                        <a:t>Zodat</a:t>
+                      </a:r>
+                      <a:r>
+                        <a:rPr lang="nl-NL" baseline="0" dirty="0"/>
+                        <a:t> ik een dag/nacht cyclus kan hebben</a:t>
+                      </a:r>
+                      <a:endParaRPr lang="nl-BE" dirty="0"/>
+                    </a:p>
+                  </a:txBody>
+                  <a:tcPr/>
+                </a:tc>
+                <a:extLst>
+                  <a:ext uri="{0D108BD9-81ED-4DB2-BD59-A6C34878D82A}">
+                    <a16:rowId xmlns:a16="http://schemas.microsoft.com/office/drawing/2014/main" val="3691604249"/>
+                  </a:ext>
+                </a:extLst>
+              </a:tr>
+            </a:tbl>
+          </a:graphicData>
+        </a:graphic>
+      </p:graphicFrame>
+      <p:graphicFrame>
+        <p:nvGraphicFramePr>
+          <p:cNvPr id="10" name="Tabel 9">
+            <a:extLst>
+              <a:ext uri="{FF2B5EF4-FFF2-40B4-BE49-F238E27FC236}">
+                <a16:creationId xmlns:a16="http://schemas.microsoft.com/office/drawing/2014/main" id="{B912ED36-A4DA-4E61-A456-258DEE23CBCD}"/>
+              </a:ext>
+            </a:extLst>
+          </p:cNvPr>
+          <p:cNvGraphicFramePr>
+            <a:graphicFrameLocks noGrp="1"/>
+          </p:cNvGraphicFramePr>
+          <p:nvPr>
+            <p:extLst>
+              <p:ext uri="{D42A27DB-BD31-4B8C-83A1-F6EECF244321}">
+                <p14:modId xmlns:p14="http://schemas.microsoft.com/office/powerpoint/2010/main" val="519518805"/>
+              </p:ext>
+            </p:extLst>
+          </p:nvPr>
+        </p:nvGraphicFramePr>
+        <p:xfrm>
+          <a:off x="3766208" y="1964716"/>
+          <a:ext cx="8128000" cy="1112520"/>
+        </p:xfrm>
+        <a:graphic>
+          <a:graphicData uri="http://schemas.openxmlformats.org/drawingml/2006/table">
+            <a:tbl>
+              <a:tblPr bandRow="1">
+                <a:tableStyleId>{5C22544A-7EE6-4342-B048-85BDC9FD1C3A}</a:tableStyleId>
+              </a:tblPr>
+              <a:tblGrid>
+                <a:gridCol w="8128000">
+                  <a:extLst>
+                    <a:ext uri="{9D8B030D-6E8A-4147-A177-3AD203B41FA5}">
+                      <a16:colId xmlns:a16="http://schemas.microsoft.com/office/drawing/2014/main" val="3091196331"/>
+                    </a:ext>
+                  </a:extLst>
+                </a:gridCol>
+              </a:tblGrid>
+              <a:tr h="370840">
+                <a:tc>
+                  <a:txBody>
+                    <a:bodyPr/>
+                    <a:lstStyle/>
+                    <a:p>
+                      <a:pPr marL="0" marR="0" lvl="0" indent="0" algn="l" defTabSz="914400" rtl="0" eaLnBrk="1" fontAlgn="auto" latinLnBrk="0" hangingPunct="1">
+                        <a:lnSpc>
+                          <a:spcPct val="100000"/>
+                        </a:lnSpc>
+                        <a:spcBef>
+                          <a:spcPts val="0"/>
+                        </a:spcBef>
+                        <a:spcAft>
+                          <a:spcPts val="0"/>
+                        </a:spcAft>
+                        <a:buClrTx/>
+                        <a:buSzTx/>
+                        <a:buFontTx/>
+                        <a:buNone/>
+                        <a:tabLst/>
+                        <a:defRPr/>
+                      </a:pPr>
+                      <a:r>
+                        <a:rPr lang="nl-NL" dirty="0"/>
+                        <a:t>Als</a:t>
+                      </a:r>
+                      <a:r>
+                        <a:rPr lang="nl-NL" baseline="0" dirty="0"/>
+                        <a:t> Speler (5)</a:t>
+                      </a:r>
+                      <a:endParaRPr lang="nl-BE" dirty="0"/>
+                    </a:p>
+                  </a:txBody>
+                  <a:tcPr/>
+                </a:tc>
+                <a:extLst>
+                  <a:ext uri="{0D108BD9-81ED-4DB2-BD59-A6C34878D82A}">
+                    <a16:rowId xmlns:a16="http://schemas.microsoft.com/office/drawing/2014/main" val="2918620829"/>
+                  </a:ext>
+                </a:extLst>
+              </a:tr>
+              <a:tr h="370840">
+                <a:tc>
+                  <a:txBody>
+                    <a:bodyPr/>
+                    <a:lstStyle/>
+                    <a:p>
+                      <a:r>
+                        <a:rPr lang="nl-NL" dirty="0"/>
+                        <a:t>Wil ik een aftel</a:t>
+                      </a:r>
+                      <a:r>
+                        <a:rPr lang="nl-NL" baseline="0" dirty="0"/>
+                        <a:t> timer </a:t>
+                      </a:r>
+                      <a:endParaRPr lang="nl-BE" dirty="0"/>
+                    </a:p>
+                  </a:txBody>
+                  <a:tcPr/>
+                </a:tc>
+                <a:extLst>
+                  <a:ext uri="{0D108BD9-81ED-4DB2-BD59-A6C34878D82A}">
+                    <a16:rowId xmlns:a16="http://schemas.microsoft.com/office/drawing/2014/main" val="2346638987"/>
+                  </a:ext>
+                </a:extLst>
+              </a:tr>
+              <a:tr h="370840">
+                <a:tc>
+                  <a:txBody>
+                    <a:bodyPr/>
+                    <a:lstStyle/>
+                    <a:p>
+                      <a:r>
+                        <a:rPr lang="nl-NL" dirty="0"/>
+                        <a:t>Zodat</a:t>
+                      </a:r>
+                      <a:r>
+                        <a:rPr lang="nl-NL" baseline="0" dirty="0"/>
+                        <a:t> ik weet wanneer de race begint</a:t>
+                      </a:r>
+                      <a:endParaRPr lang="nl-BE" dirty="0"/>
+                    </a:p>
+                  </a:txBody>
+                  <a:tcPr/>
+                </a:tc>
+                <a:extLst>
+                  <a:ext uri="{0D108BD9-81ED-4DB2-BD59-A6C34878D82A}">
+                    <a16:rowId xmlns:a16="http://schemas.microsoft.com/office/drawing/2014/main" val="3691604249"/>
+                  </a:ext>
+                </a:extLst>
+              </a:tr>
+            </a:tbl>
+          </a:graphicData>
+        </a:graphic>
+      </p:graphicFrame>
+      <p:graphicFrame>
+        <p:nvGraphicFramePr>
+          <p:cNvPr id="11" name="Tabel 10">
+            <a:extLst>
+              <a:ext uri="{FF2B5EF4-FFF2-40B4-BE49-F238E27FC236}">
+                <a16:creationId xmlns:a16="http://schemas.microsoft.com/office/drawing/2014/main" id="{23CBDD42-BAB0-4F46-BACE-BD559BE541AE}"/>
+              </a:ext>
+            </a:extLst>
+          </p:cNvPr>
+          <p:cNvGraphicFramePr>
+            <a:graphicFrameLocks noGrp="1"/>
+          </p:cNvGraphicFramePr>
+          <p:nvPr>
+            <p:extLst>
+              <p:ext uri="{D42A27DB-BD31-4B8C-83A1-F6EECF244321}">
+                <p14:modId xmlns:p14="http://schemas.microsoft.com/office/powerpoint/2010/main" val="482988390"/>
+              </p:ext>
+            </p:extLst>
+          </p:nvPr>
+        </p:nvGraphicFramePr>
+        <p:xfrm>
+          <a:off x="3766208" y="3491602"/>
+          <a:ext cx="8128000" cy="1122624"/>
+        </p:xfrm>
+        <a:graphic>
+          <a:graphicData uri="http://schemas.openxmlformats.org/drawingml/2006/table">
+            <a:tbl>
+              <a:tblPr bandRow="1">
+                <a:tableStyleId>{5C22544A-7EE6-4342-B048-85BDC9FD1C3A}</a:tableStyleId>
+              </a:tblPr>
+              <a:tblGrid>
+                <a:gridCol w="8128000">
+                  <a:extLst>
+                    <a:ext uri="{9D8B030D-6E8A-4147-A177-3AD203B41FA5}">
+                      <a16:colId xmlns:a16="http://schemas.microsoft.com/office/drawing/2014/main" val="3091196331"/>
+                    </a:ext>
+                  </a:extLst>
+                </a:gridCol>
+              </a:tblGrid>
+              <a:tr h="370840">
+                <a:tc>
+                  <a:txBody>
+                    <a:bodyPr/>
+                    <a:lstStyle/>
+                    <a:p>
+                      <a:r>
+                        <a:rPr lang="nl-NL" dirty="0"/>
+                        <a:t>Als Speler (5)</a:t>
+                      </a:r>
+                      <a:endParaRPr lang="nl-BE" dirty="0"/>
+                    </a:p>
+                  </a:txBody>
+                  <a:tcPr/>
+                </a:tc>
+                <a:extLst>
+                  <a:ext uri="{0D108BD9-81ED-4DB2-BD59-A6C34878D82A}">
+                    <a16:rowId xmlns:a16="http://schemas.microsoft.com/office/drawing/2014/main" val="2918620829"/>
+                  </a:ext>
+                </a:extLst>
+              </a:tr>
+              <a:tr h="380944">
+                <a:tc>
+                  <a:txBody>
+                    <a:bodyPr/>
+                    <a:lstStyle/>
+                    <a:p>
+                      <a:r>
+                        <a:rPr lang="nl-NL" dirty="0"/>
+                        <a:t>Wil ik</a:t>
+                      </a:r>
+                      <a:r>
+                        <a:rPr lang="nl-NL" baseline="0" dirty="0"/>
+                        <a:t> een mooi login scherm </a:t>
+                      </a:r>
+                      <a:endParaRPr lang="nl-BE" dirty="0"/>
+                    </a:p>
+                  </a:txBody>
+                  <a:tcPr/>
+                </a:tc>
+                <a:extLst>
+                  <a:ext uri="{0D108BD9-81ED-4DB2-BD59-A6C34878D82A}">
+                    <a16:rowId xmlns:a16="http://schemas.microsoft.com/office/drawing/2014/main" val="2346638987"/>
+                  </a:ext>
+                </a:extLst>
+              </a:tr>
+              <a:tr h="370840">
+                <a:tc>
+                  <a:txBody>
+                    <a:bodyPr/>
+                    <a:lstStyle/>
+                    <a:p>
+                      <a:pPr marL="0" marR="0" lvl="0" indent="0" algn="l" defTabSz="914400" rtl="0" eaLnBrk="1" fontAlgn="auto" latinLnBrk="0" hangingPunct="1">
+                        <a:lnSpc>
+                          <a:spcPct val="100000"/>
+                        </a:lnSpc>
+                        <a:spcBef>
+                          <a:spcPts val="0"/>
+                        </a:spcBef>
+                        <a:spcAft>
+                          <a:spcPts val="0"/>
+                        </a:spcAft>
+                        <a:buClrTx/>
+                        <a:buSzTx/>
+                        <a:buFontTx/>
+                        <a:buNone/>
+                        <a:tabLst/>
+                        <a:defRPr/>
+                      </a:pPr>
+                      <a:r>
+                        <a:rPr lang="nl-NL" dirty="0"/>
+                        <a:t>Zodat</a:t>
+                      </a:r>
+                      <a:r>
+                        <a:rPr lang="nl-NL" baseline="0" dirty="0"/>
+                        <a:t> ik een aangename login ervaring krijg</a:t>
+                      </a:r>
+                      <a:endParaRPr lang="nl-BE" dirty="0"/>
+                    </a:p>
+                  </a:txBody>
+                  <a:tcPr/>
+                </a:tc>
+                <a:extLst>
+                  <a:ext uri="{0D108BD9-81ED-4DB2-BD59-A6C34878D82A}">
+                    <a16:rowId xmlns:a16="http://schemas.microsoft.com/office/drawing/2014/main" val="3691604249"/>
+                  </a:ext>
+                </a:extLst>
+              </a:tr>
+            </a:tbl>
+          </a:graphicData>
+        </a:graphic>
+      </p:graphicFrame>
+      <p:graphicFrame>
+        <p:nvGraphicFramePr>
+          <p:cNvPr id="12" name="Tabel 11">
+            <a:extLst>
+              <a:ext uri="{FF2B5EF4-FFF2-40B4-BE49-F238E27FC236}">
+                <a16:creationId xmlns:a16="http://schemas.microsoft.com/office/drawing/2014/main" id="{2CBA75E9-A1A8-4EA2-BE1A-74F200536F92}"/>
+              </a:ext>
+            </a:extLst>
+          </p:cNvPr>
+          <p:cNvGraphicFramePr>
+            <a:graphicFrameLocks noGrp="1"/>
+          </p:cNvGraphicFramePr>
+          <p:nvPr>
+            <p:extLst>
+              <p:ext uri="{D42A27DB-BD31-4B8C-83A1-F6EECF244321}">
+                <p14:modId xmlns:p14="http://schemas.microsoft.com/office/powerpoint/2010/main" val="1105894980"/>
+              </p:ext>
+            </p:extLst>
+          </p:nvPr>
+        </p:nvGraphicFramePr>
+        <p:xfrm>
+          <a:off x="3766208" y="5125479"/>
+          <a:ext cx="8128000" cy="1112520"/>
+        </p:xfrm>
+        <a:graphic>
+          <a:graphicData uri="http://schemas.openxmlformats.org/drawingml/2006/table">
+            <a:tbl>
+              <a:tblPr bandRow="1">
+                <a:tableStyleId>{5C22544A-7EE6-4342-B048-85BDC9FD1C3A}</a:tableStyleId>
+              </a:tblPr>
+              <a:tblGrid>
+                <a:gridCol w="8128000">
+                  <a:extLst>
+                    <a:ext uri="{9D8B030D-6E8A-4147-A177-3AD203B41FA5}">
+                      <a16:colId xmlns:a16="http://schemas.microsoft.com/office/drawing/2014/main" val="3091196331"/>
+                    </a:ext>
+                  </a:extLst>
+                </a:gridCol>
+              </a:tblGrid>
+              <a:tr h="370840">
+                <a:tc>
+                  <a:txBody>
+                    <a:bodyPr/>
+                    <a:lstStyle/>
+                    <a:p>
+                      <a:r>
+                        <a:rPr lang="nl-NL" dirty="0"/>
+                        <a:t>Als</a:t>
+                      </a:r>
+                      <a:r>
+                        <a:rPr lang="nl-NL" baseline="0" dirty="0"/>
+                        <a:t> Speler (5)</a:t>
+                      </a:r>
+                      <a:endParaRPr lang="nl-BE" dirty="0"/>
+                    </a:p>
+                  </a:txBody>
+                  <a:tcPr/>
+                </a:tc>
+                <a:extLst>
+                  <a:ext uri="{0D108BD9-81ED-4DB2-BD59-A6C34878D82A}">
+                    <a16:rowId xmlns:a16="http://schemas.microsoft.com/office/drawing/2014/main" val="2918620829"/>
+                  </a:ext>
+                </a:extLst>
+              </a:tr>
+              <a:tr h="370840">
+                <a:tc>
+                  <a:txBody>
+                    <a:bodyPr/>
+                    <a:lstStyle/>
+                    <a:p>
+                      <a:r>
+                        <a:rPr lang="nl-NL" dirty="0"/>
+                        <a:t>Wil i</a:t>
+                      </a:r>
+                      <a:r>
+                        <a:rPr lang="nl-NL" baseline="0" dirty="0"/>
+                        <a:t>k mijn gebruikersnaam kunnen wijzigen</a:t>
+                      </a:r>
+                      <a:endParaRPr lang="nl-BE" dirty="0"/>
+                    </a:p>
+                  </a:txBody>
+                  <a:tcPr/>
+                </a:tc>
+                <a:extLst>
+                  <a:ext uri="{0D108BD9-81ED-4DB2-BD59-A6C34878D82A}">
+                    <a16:rowId xmlns:a16="http://schemas.microsoft.com/office/drawing/2014/main" val="2346638987"/>
+                  </a:ext>
+                </a:extLst>
+              </a:tr>
+              <a:tr h="370840">
+                <a:tc>
+                  <a:txBody>
+                    <a:bodyPr/>
+                    <a:lstStyle/>
+                    <a:p>
+                      <a:r>
+                        <a:rPr lang="nl-NL" dirty="0"/>
+                        <a:t>Zodat</a:t>
+                      </a:r>
+                      <a:r>
+                        <a:rPr lang="nl-NL" baseline="0" dirty="0"/>
+                        <a:t> ik een andere naam kan kiezen</a:t>
+                      </a:r>
+                      <a:endParaRPr lang="nl-BE" dirty="0"/>
+                    </a:p>
+                  </a:txBody>
+                  <a:tcPr/>
+                </a:tc>
+                <a:extLst>
+                  <a:ext uri="{0D108BD9-81ED-4DB2-BD59-A6C34878D82A}">
+                    <a16:rowId xmlns:a16="http://schemas.microsoft.com/office/drawing/2014/main" val="3691604249"/>
+                  </a:ext>
+                </a:extLst>
+              </a:tr>
+            </a:tbl>
+          </a:graphicData>
+        </a:graphic>
+      </p:graphicFrame>
+    </p:spTree>
+    <p:extLst>
+      <p:ext uri="{BB962C8B-B14F-4D97-AF65-F5344CB8AC3E}">
+        <p14:creationId xmlns:p14="http://schemas.microsoft.com/office/powerpoint/2010/main" val="1215913420"/>
+      </p:ext>
+    </p:extLst>
+  </p:cSld>
+  <p:clrMapOvr>
+    <a:masterClrMapping/>
+  </p:clrMapOvr>
+</p:sld>
+</file>
+
+<file path=ppt/slides/slide36.xml><?xml version="1.0" encoding="utf-8"?>
+<p:sld xmlns:a="http://schemas.openxmlformats.org/drawingml/2006/main" xmlns:r="http://schemas.openxmlformats.org/officeDocument/2006/relationships" xmlns:p="http://schemas.openxmlformats.org/presentationml/2006/main">
+  <p:cSld>
+    <p:spTree>
+      <p:nvGrpSpPr>
+        <p:cNvPr id="1" name=""/>
+        <p:cNvGrpSpPr/>
+        <p:nvPr/>
+      </p:nvGrpSpPr>
+      <p:grpSpPr>
+        <a:xfrm>
+          <a:off x="0" y="0"/>
+          <a:ext cx="0" cy="0"/>
+          <a:chOff x="0" y="0"/>
+          <a:chExt cx="0" cy="0"/>
+        </a:xfrm>
+      </p:grpSpPr>
+      <p:graphicFrame>
+        <p:nvGraphicFramePr>
+          <p:cNvPr id="6" name="Tabel 5">
+            <a:extLst>
+              <a:ext uri="{FF2B5EF4-FFF2-40B4-BE49-F238E27FC236}">
+                <a16:creationId xmlns:a16="http://schemas.microsoft.com/office/drawing/2014/main" id="{DAD2C4B8-843B-4B8A-98E5-593EB5403F72}"/>
+              </a:ext>
+            </a:extLst>
+          </p:cNvPr>
+          <p:cNvGraphicFramePr>
+            <a:graphicFrameLocks noGrp="1"/>
+          </p:cNvGraphicFramePr>
+          <p:nvPr>
+            <p:extLst>
+              <p:ext uri="{D42A27DB-BD31-4B8C-83A1-F6EECF244321}">
+                <p14:modId xmlns:p14="http://schemas.microsoft.com/office/powerpoint/2010/main" val="1016867824"/>
+              </p:ext>
+            </p:extLst>
+          </p:nvPr>
+        </p:nvGraphicFramePr>
+        <p:xfrm>
+          <a:off x="3766208" y="494751"/>
+          <a:ext cx="8128000" cy="1112520"/>
+        </p:xfrm>
+        <a:graphic>
+          <a:graphicData uri="http://schemas.openxmlformats.org/drawingml/2006/table">
+            <a:tbl>
+              <a:tblPr bandRow="1">
+                <a:tableStyleId>{5C22544A-7EE6-4342-B048-85BDC9FD1C3A}</a:tableStyleId>
+              </a:tblPr>
+              <a:tblGrid>
+                <a:gridCol w="8128000">
+                  <a:extLst>
+                    <a:ext uri="{9D8B030D-6E8A-4147-A177-3AD203B41FA5}">
+                      <a16:colId xmlns:a16="http://schemas.microsoft.com/office/drawing/2014/main" val="3091196331"/>
+                    </a:ext>
+                  </a:extLst>
+                </a:gridCol>
+              </a:tblGrid>
+              <a:tr h="370840">
+                <a:tc>
+                  <a:txBody>
+                    <a:bodyPr/>
+                    <a:lstStyle/>
+                    <a:p>
+                      <a:r>
+                        <a:rPr lang="nl-NL" dirty="0"/>
+                        <a:t>Als</a:t>
+                      </a:r>
+                      <a:r>
+                        <a:rPr lang="nl-NL" baseline="0" dirty="0"/>
+                        <a:t> Speler (5)</a:t>
+                      </a:r>
+                      <a:endParaRPr lang="nl-BE" dirty="0"/>
+                    </a:p>
+                  </a:txBody>
+                  <a:tcPr/>
+                </a:tc>
+                <a:extLst>
+                  <a:ext uri="{0D108BD9-81ED-4DB2-BD59-A6C34878D82A}">
+                    <a16:rowId xmlns:a16="http://schemas.microsoft.com/office/drawing/2014/main" val="2918620829"/>
+                  </a:ext>
+                </a:extLst>
+              </a:tr>
+              <a:tr h="370840">
+                <a:tc>
+                  <a:txBody>
+                    <a:bodyPr/>
+                    <a:lstStyle/>
+                    <a:p>
+                      <a:r>
+                        <a:rPr lang="nl-NL" dirty="0"/>
+                        <a:t>Wil i</a:t>
+                      </a:r>
+                      <a:r>
+                        <a:rPr lang="nl-NL" baseline="0" dirty="0"/>
+                        <a:t>k een achtergrondliedje tijdens de race</a:t>
+                      </a:r>
+                      <a:endParaRPr lang="nl-BE" dirty="0"/>
+                    </a:p>
+                  </a:txBody>
+                  <a:tcPr/>
+                </a:tc>
+                <a:extLst>
+                  <a:ext uri="{0D108BD9-81ED-4DB2-BD59-A6C34878D82A}">
+                    <a16:rowId xmlns:a16="http://schemas.microsoft.com/office/drawing/2014/main" val="2346638987"/>
+                  </a:ext>
+                </a:extLst>
+              </a:tr>
+              <a:tr h="370840">
+                <a:tc>
+                  <a:txBody>
+                    <a:bodyPr/>
+                    <a:lstStyle/>
+                    <a:p>
+                      <a:r>
+                        <a:rPr lang="nl-NL" dirty="0"/>
+                        <a:t>Zodat</a:t>
+                      </a:r>
+                      <a:r>
+                        <a:rPr lang="nl-NL" baseline="0" dirty="0"/>
+                        <a:t> ik iets hoor tijdens het racen</a:t>
+                      </a:r>
+                      <a:endParaRPr lang="nl-BE" dirty="0"/>
+                    </a:p>
+                  </a:txBody>
+                  <a:tcPr/>
+                </a:tc>
+                <a:extLst>
+                  <a:ext uri="{0D108BD9-81ED-4DB2-BD59-A6C34878D82A}">
+                    <a16:rowId xmlns:a16="http://schemas.microsoft.com/office/drawing/2014/main" val="3691604249"/>
+                  </a:ext>
+                </a:extLst>
+              </a:tr>
+            </a:tbl>
+          </a:graphicData>
+        </a:graphic>
+      </p:graphicFrame>
+      <p:graphicFrame>
+        <p:nvGraphicFramePr>
+          <p:cNvPr id="8" name="Tabel 7">
+            <a:extLst>
+              <a:ext uri="{FF2B5EF4-FFF2-40B4-BE49-F238E27FC236}">
+                <a16:creationId xmlns:a16="http://schemas.microsoft.com/office/drawing/2014/main" id="{56E86DA1-D89D-40F5-874C-BC63A5F144B8}"/>
+              </a:ext>
+            </a:extLst>
+          </p:cNvPr>
+          <p:cNvGraphicFramePr>
+            <a:graphicFrameLocks noGrp="1"/>
+          </p:cNvGraphicFramePr>
+          <p:nvPr>
+            <p:extLst>
+              <p:ext uri="{D42A27DB-BD31-4B8C-83A1-F6EECF244321}">
+                <p14:modId xmlns:p14="http://schemas.microsoft.com/office/powerpoint/2010/main" val="2079033048"/>
+              </p:ext>
+            </p:extLst>
+          </p:nvPr>
+        </p:nvGraphicFramePr>
+        <p:xfrm>
+          <a:off x="3766208" y="2075829"/>
+          <a:ext cx="8128000" cy="1130865"/>
+        </p:xfrm>
+        <a:graphic>
+          <a:graphicData uri="http://schemas.openxmlformats.org/drawingml/2006/table">
+            <a:tbl>
+              <a:tblPr bandRow="1">
+                <a:tableStyleId>{5C22544A-7EE6-4342-B048-85BDC9FD1C3A}</a:tableStyleId>
+              </a:tblPr>
+              <a:tblGrid>
+                <a:gridCol w="8128000">
+                  <a:extLst>
+                    <a:ext uri="{9D8B030D-6E8A-4147-A177-3AD203B41FA5}">
+                      <a16:colId xmlns:a16="http://schemas.microsoft.com/office/drawing/2014/main" val="3091196331"/>
+                    </a:ext>
+                  </a:extLst>
+                </a:gridCol>
+              </a:tblGrid>
+              <a:tr h="389185">
+                <a:tc>
+                  <a:txBody>
+                    <a:bodyPr/>
+                    <a:lstStyle/>
+                    <a:p>
+                      <a:r>
+                        <a:rPr lang="nl-NL" dirty="0"/>
+                        <a:t>Als</a:t>
+                      </a:r>
+                      <a:r>
+                        <a:rPr lang="nl-NL" baseline="0" dirty="0"/>
+                        <a:t> Speler (5)</a:t>
+                      </a:r>
+                      <a:endParaRPr lang="nl-BE" dirty="0"/>
+                    </a:p>
+                  </a:txBody>
+                  <a:tcPr/>
+                </a:tc>
+                <a:extLst>
+                  <a:ext uri="{0D108BD9-81ED-4DB2-BD59-A6C34878D82A}">
+                    <a16:rowId xmlns:a16="http://schemas.microsoft.com/office/drawing/2014/main" val="2918620829"/>
+                  </a:ext>
+                </a:extLst>
+              </a:tr>
+              <a:tr h="370840">
+                <a:tc>
+                  <a:txBody>
+                    <a:bodyPr/>
+                    <a:lstStyle/>
+                    <a:p>
+                      <a:r>
+                        <a:rPr lang="nl-NL" dirty="0"/>
+                        <a:t>Wil i</a:t>
+                      </a:r>
+                      <a:r>
+                        <a:rPr lang="nl-NL" baseline="0" dirty="0"/>
+                        <a:t>k </a:t>
+                      </a:r>
+                      <a:r>
+                        <a:rPr lang="nl-NL" baseline="0"/>
+                        <a:t>een handleiding</a:t>
+                      </a:r>
+                      <a:endParaRPr lang="nl-BE" dirty="0"/>
+                    </a:p>
+                  </a:txBody>
+                  <a:tcPr/>
+                </a:tc>
+                <a:extLst>
+                  <a:ext uri="{0D108BD9-81ED-4DB2-BD59-A6C34878D82A}">
+                    <a16:rowId xmlns:a16="http://schemas.microsoft.com/office/drawing/2014/main" val="2346638987"/>
+                  </a:ext>
+                </a:extLst>
+              </a:tr>
+              <a:tr h="370840">
+                <a:tc>
+                  <a:txBody>
+                    <a:bodyPr/>
+                    <a:lstStyle/>
+                    <a:p>
+                      <a:r>
+                        <a:rPr lang="nl-NL" dirty="0"/>
+                        <a:t>Zodat</a:t>
+                      </a:r>
+                      <a:r>
+                        <a:rPr lang="nl-NL" baseline="0" dirty="0"/>
+                        <a:t> ik weet hoe ik het spel moet spelen</a:t>
+                      </a:r>
+                      <a:endParaRPr lang="nl-BE" dirty="0"/>
+                    </a:p>
+                  </a:txBody>
+                  <a:tcPr/>
+                </a:tc>
+                <a:extLst>
+                  <a:ext uri="{0D108BD9-81ED-4DB2-BD59-A6C34878D82A}">
+                    <a16:rowId xmlns:a16="http://schemas.microsoft.com/office/drawing/2014/main" val="3691604249"/>
+                  </a:ext>
+                </a:extLst>
+              </a:tr>
+            </a:tbl>
+          </a:graphicData>
+        </a:graphic>
+      </p:graphicFrame>
+    </p:spTree>
+    <p:extLst>
+      <p:ext uri="{BB962C8B-B14F-4D97-AF65-F5344CB8AC3E}">
+        <p14:creationId xmlns:p14="http://schemas.microsoft.com/office/powerpoint/2010/main" val="4259636561"/>
       </p:ext>
     </p:extLst>
   </p:cSld>
@@ -14915,7 +17050,7 @@
                     <a:lstStyle/>
                     <a:p>
                       <a:r>
-                        <a:rPr lang="nl-NL" dirty="0" smtClean="0"/>
+                        <a:rPr lang="nl-NL" dirty="0"/>
                         <a:t>Als Speler </a:t>
                       </a:r>
                       <a:endParaRPr lang="nl-BE" dirty="0"/>
@@ -14936,7 +17071,7 @@
                     <a:lstStyle/>
                     <a:p>
                       <a:r>
-                        <a:rPr lang="nl-NL" dirty="0" smtClean="0"/>
+                        <a:rPr lang="nl-NL" dirty="0"/>
                         <a:t>Wil ik een bank</a:t>
                       </a:r>
                       <a:endParaRPr lang="nl-BE" dirty="0"/>
@@ -14974,18 +17109,18 @@
                         <a:defRPr/>
                       </a:pPr>
                       <a:r>
-                        <a:rPr lang="nl-NL" dirty="0" smtClean="0"/>
+                        <a:rPr lang="nl-NL" dirty="0"/>
                         <a:t>Zodat</a:t>
                       </a:r>
                       <a:r>
-                        <a:rPr lang="nl-NL" baseline="0" dirty="0" smtClean="0"/>
+                        <a:rPr lang="nl-NL" baseline="0" dirty="0"/>
                         <a:t> ik </a:t>
                       </a:r>
                       <a:r>
-                        <a:rPr lang="nl-NL" dirty="0" smtClean="0"/>
+                        <a:rPr lang="nl-NL" dirty="0"/>
                         <a:t>geld kan lenen</a:t>
                       </a:r>
-                      <a:endParaRPr lang="nl-BE" dirty="0" smtClean="0"/>
+                      <a:endParaRPr lang="nl-BE" dirty="0"/>
                     </a:p>
                   </a:txBody>
                   <a:tcPr/>
@@ -15040,11 +17175,11 @@
                     <a:lstStyle/>
                     <a:p>
                       <a:r>
-                        <a:rPr lang="nl-NL" dirty="0" smtClean="0"/>
+                        <a:rPr lang="nl-NL" dirty="0"/>
                         <a:t>Als</a:t>
                       </a:r>
                       <a:r>
-                        <a:rPr lang="nl-NL" baseline="0" dirty="0" smtClean="0"/>
+                        <a:rPr lang="nl-NL" baseline="0" dirty="0"/>
                         <a:t> Speler </a:t>
                       </a:r>
                       <a:endParaRPr lang="nl-BE" dirty="0"/>
@@ -15065,7 +17200,7 @@
                     <a:lstStyle/>
                     <a:p>
                       <a:r>
-                        <a:rPr lang="nl-NL" dirty="0" smtClean="0"/>
+                        <a:rPr lang="nl-NL" dirty="0"/>
                         <a:t>Wil ik een bankrekening</a:t>
                       </a:r>
                       <a:endParaRPr lang="nl-BE" dirty="0"/>
@@ -15086,11 +17221,11 @@
                     <a:lstStyle/>
                     <a:p>
                       <a:r>
-                        <a:rPr lang="nl-NL" dirty="0" smtClean="0"/>
+                        <a:rPr lang="nl-NL" dirty="0"/>
                         <a:t>Zodat</a:t>
                       </a:r>
                       <a:r>
-                        <a:rPr lang="nl-NL" baseline="0" dirty="0" smtClean="0"/>
+                        <a:rPr lang="nl-NL" baseline="0" dirty="0"/>
                         <a:t> ik geld kan afhalen en toevoegen.</a:t>
                       </a:r>
                       <a:endParaRPr lang="nl-BE" dirty="0"/>
@@ -15148,7 +17283,7 @@
                     <a:lstStyle/>
                     <a:p>
                       <a:r>
-                        <a:rPr lang="nl-NL" dirty="0" smtClean="0"/>
+                        <a:rPr lang="nl-NL" dirty="0"/>
                         <a:t>Als speler</a:t>
                       </a:r>
                       <a:endParaRPr lang="nl-BE" dirty="0"/>
@@ -15169,15 +17304,15 @@
                     <a:lstStyle/>
                     <a:p>
                       <a:r>
-                        <a:rPr lang="nl-NL" dirty="0" smtClean="0"/>
+                        <a:rPr lang="nl-NL" dirty="0"/>
                         <a:t>Wil ik </a:t>
                       </a:r>
                       <a:r>
-                        <a:rPr lang="nl-NL" smtClean="0"/>
+                        <a:rPr lang="nl-NL"/>
                         <a:t>een</a:t>
                       </a:r>
                       <a:r>
-                        <a:rPr lang="nl-NL" baseline="0" smtClean="0"/>
+                        <a:rPr lang="nl-NL" baseline="0"/>
                         <a:t> reset knop</a:t>
                       </a:r>
                       <a:endParaRPr lang="nl-BE" dirty="0"/>
@@ -15198,11 +17333,11 @@
                     <a:lstStyle/>
                     <a:p>
                       <a:r>
-                        <a:rPr lang="nl-NL" dirty="0" smtClean="0"/>
+                        <a:rPr lang="nl-NL" dirty="0"/>
                         <a:t>Zodat</a:t>
                       </a:r>
                       <a:r>
-                        <a:rPr lang="nl-NL" baseline="0" dirty="0" smtClean="0"/>
+                        <a:rPr lang="nl-NL" baseline="0" dirty="0"/>
                         <a:t> ik opnieuw kan starten</a:t>
                       </a:r>
                       <a:endParaRPr lang="nl-BE" dirty="0"/>
@@ -15277,14 +17412,14 @@
                         <a:defRPr/>
                       </a:pPr>
                       <a:r>
-                        <a:rPr lang="nl-NL" dirty="0" smtClean="0"/>
+                        <a:rPr lang="nl-NL" dirty="0"/>
                         <a:t>Als</a:t>
                       </a:r>
                       <a:r>
-                        <a:rPr lang="nl-NL" baseline="0" dirty="0" smtClean="0"/>
+                        <a:rPr lang="nl-NL" baseline="0" dirty="0"/>
                         <a:t> Speler</a:t>
                       </a:r>
-                      <a:endParaRPr lang="nl-BE" dirty="0" smtClean="0"/>
+                      <a:endParaRPr lang="nl-BE" dirty="0"/>
                     </a:p>
                   </a:txBody>
                   <a:tcPr/>
@@ -15302,11 +17437,11 @@
                     <a:lstStyle/>
                     <a:p>
                       <a:r>
-                        <a:rPr lang="nl-NL" dirty="0" smtClean="0"/>
+                        <a:rPr lang="nl-NL" dirty="0"/>
                         <a:t>Wil ik</a:t>
                       </a:r>
                       <a:r>
-                        <a:rPr lang="nl-NL" baseline="0" dirty="0" smtClean="0"/>
+                        <a:rPr lang="nl-NL" baseline="0" dirty="0"/>
                         <a:t> een experience bar</a:t>
                       </a:r>
                       <a:endParaRPr lang="nl-BE" dirty="0"/>
@@ -15327,11 +17462,11 @@
                     <a:lstStyle/>
                     <a:p>
                       <a:r>
-                        <a:rPr lang="nl-NL" dirty="0" smtClean="0"/>
+                        <a:rPr lang="nl-NL" dirty="0"/>
                         <a:t>Zodat</a:t>
                       </a:r>
                       <a:r>
-                        <a:rPr lang="nl-NL" baseline="0" dirty="0" smtClean="0"/>
+                        <a:rPr lang="nl-NL" baseline="0" dirty="0"/>
                         <a:t> ik weet hoever ik in het levelsysteem zit</a:t>
                       </a:r>
                       <a:endParaRPr lang="nl-BE" dirty="0"/>
@@ -15419,7 +17554,7 @@
                     <a:lstStyle/>
                     <a:p>
                       <a:r>
-                        <a:rPr lang="nl-NL" dirty="0" smtClean="0"/>
+                        <a:rPr lang="nl-NL" dirty="0"/>
                         <a:t>Als Speler </a:t>
                       </a:r>
                       <a:endParaRPr lang="nl-BE" dirty="0"/>
@@ -15440,7 +17575,7 @@
                     <a:lstStyle/>
                     <a:p>
                       <a:r>
-                        <a:rPr lang="nl-NL" dirty="0" smtClean="0"/>
+                        <a:rPr lang="nl-NL" dirty="0"/>
                         <a:t>Wil ik een levelsysteem</a:t>
                       </a:r>
                       <a:endParaRPr lang="nl-BE" dirty="0"/>
@@ -15478,22 +17613,22 @@
                         <a:defRPr/>
                       </a:pPr>
                       <a:r>
-                        <a:rPr lang="nl-NL" dirty="0" smtClean="0"/>
+                        <a:rPr lang="nl-NL" dirty="0"/>
                         <a:t>Zodat</a:t>
                       </a:r>
                       <a:r>
-                        <a:rPr lang="nl-NL" baseline="0" dirty="0" smtClean="0"/>
+                        <a:rPr lang="nl-NL" baseline="0" dirty="0"/>
                         <a:t> ik mijn </a:t>
                       </a:r>
                       <a:r>
-                        <a:rPr lang="nl-NL" dirty="0" smtClean="0"/>
+                        <a:rPr lang="nl-NL" dirty="0"/>
                         <a:t>progressie</a:t>
                       </a:r>
                       <a:r>
-                        <a:rPr lang="nl-NL" baseline="0" dirty="0" smtClean="0"/>
+                        <a:rPr lang="nl-NL" baseline="0" dirty="0"/>
                         <a:t> kan zien</a:t>
                       </a:r>
-                      <a:endParaRPr lang="nl-BE" dirty="0" smtClean="0"/>
+                      <a:endParaRPr lang="nl-BE" dirty="0"/>
                     </a:p>
                   </a:txBody>
                   <a:tcPr/>
@@ -15548,11 +17683,11 @@
                     <a:lstStyle/>
                     <a:p>
                       <a:r>
-                        <a:rPr lang="nl-NL" dirty="0" smtClean="0"/>
+                        <a:rPr lang="nl-NL" dirty="0"/>
                         <a:t>Als</a:t>
                       </a:r>
                       <a:r>
-                        <a:rPr lang="nl-NL" baseline="0" dirty="0" smtClean="0"/>
+                        <a:rPr lang="nl-NL" baseline="0" dirty="0"/>
                         <a:t> Speler </a:t>
                       </a:r>
                       <a:endParaRPr lang="nl-BE" dirty="0"/>
@@ -15573,7 +17708,7 @@
                     <a:lstStyle/>
                     <a:p>
                       <a:r>
-                        <a:rPr lang="nl-NL" dirty="0" smtClean="0"/>
+                        <a:rPr lang="nl-NL" dirty="0"/>
                         <a:t>Wil ik dat mijn gegevens worden opgeslagen</a:t>
                       </a:r>
                       <a:endParaRPr lang="nl-BE" dirty="0"/>
@@ -15594,11 +17729,11 @@
                     <a:lstStyle/>
                     <a:p>
                       <a:r>
-                        <a:rPr lang="nl-NL" dirty="0" smtClean="0"/>
+                        <a:rPr lang="nl-NL" dirty="0"/>
                         <a:t>Zodat</a:t>
                       </a:r>
                       <a:r>
-                        <a:rPr lang="nl-NL" baseline="0" dirty="0" smtClean="0"/>
+                        <a:rPr lang="nl-NL" baseline="0" dirty="0"/>
                         <a:t> ik later verder kan spelen</a:t>
                       </a:r>
                       <a:endParaRPr lang="nl-BE" dirty="0"/>
@@ -15656,7 +17791,7 @@
                     <a:lstStyle/>
                     <a:p>
                       <a:r>
-                        <a:rPr lang="nl-NL" dirty="0" smtClean="0"/>
+                        <a:rPr lang="nl-NL" dirty="0"/>
                         <a:t>Als speler</a:t>
                       </a:r>
                       <a:endParaRPr lang="nl-BE" dirty="0"/>
@@ -15677,11 +17812,11 @@
                     <a:lstStyle/>
                     <a:p>
                       <a:r>
-                        <a:rPr lang="nl-NL" dirty="0" smtClean="0"/>
+                        <a:rPr lang="nl-NL" dirty="0"/>
                         <a:t>Wil ik</a:t>
                       </a:r>
                       <a:r>
-                        <a:rPr lang="nl-NL" baseline="0" dirty="0" smtClean="0"/>
+                        <a:rPr lang="nl-NL" baseline="0" dirty="0"/>
                         <a:t> een overzicht met mijn prestaties</a:t>
                       </a:r>
                       <a:endParaRPr lang="nl-BE" dirty="0"/>
@@ -15702,11 +17837,11 @@
                     <a:lstStyle/>
                     <a:p>
                       <a:r>
-                        <a:rPr lang="nl-NL" dirty="0" smtClean="0"/>
+                        <a:rPr lang="nl-NL" dirty="0"/>
                         <a:t>Zodat</a:t>
                       </a:r>
                       <a:r>
-                        <a:rPr lang="nl-NL" baseline="0" dirty="0" smtClean="0"/>
+                        <a:rPr lang="nl-NL" baseline="0" dirty="0"/>
                         <a:t> ik weet hoe goed ik ben in het spel</a:t>
                       </a:r>
                       <a:endParaRPr lang="nl-BE" dirty="0"/>
@@ -15781,14 +17916,14 @@
                         <a:defRPr/>
                       </a:pPr>
                       <a:r>
-                        <a:rPr lang="nl-NL" dirty="0" smtClean="0"/>
+                        <a:rPr lang="nl-NL" dirty="0"/>
                         <a:t>Als</a:t>
                       </a:r>
                       <a:r>
-                        <a:rPr lang="nl-NL" baseline="0" dirty="0" smtClean="0"/>
+                        <a:rPr lang="nl-NL" baseline="0" dirty="0"/>
                         <a:t> Speler</a:t>
                       </a:r>
-                      <a:endParaRPr lang="nl-BE" dirty="0" smtClean="0"/>
+                      <a:endParaRPr lang="nl-BE" dirty="0"/>
                     </a:p>
                   </a:txBody>
                   <a:tcPr/>
@@ -15806,11 +17941,11 @@
                     <a:lstStyle/>
                     <a:p>
                       <a:r>
-                        <a:rPr lang="nl-NL" dirty="0" smtClean="0"/>
+                        <a:rPr lang="nl-NL" dirty="0"/>
                         <a:t>Wil ik een</a:t>
                       </a:r>
                       <a:r>
-                        <a:rPr lang="nl-NL" baseline="0" dirty="0" smtClean="0"/>
+                        <a:rPr lang="nl-NL" baseline="0" dirty="0"/>
                         <a:t> rusttijd voor de paarden</a:t>
                       </a:r>
                       <a:endParaRPr lang="nl-BE" dirty="0"/>
@@ -15831,11 +17966,11 @@
                     <a:lstStyle/>
                     <a:p>
                       <a:r>
-                        <a:rPr lang="nl-NL" dirty="0" smtClean="0"/>
+                        <a:rPr lang="nl-NL" dirty="0"/>
                         <a:t>Zodat</a:t>
                       </a:r>
                       <a:r>
-                        <a:rPr lang="nl-NL" baseline="0" dirty="0" smtClean="0"/>
+                        <a:rPr lang="nl-NL" baseline="0" dirty="0"/>
                         <a:t> ik niet steeds hetzelfde paard kan gebruiken</a:t>
                       </a:r>
                       <a:endParaRPr lang="nl-BE" dirty="0"/>
@@ -15923,7 +18058,7 @@
                     <a:lstStyle/>
                     <a:p>
                       <a:r>
-                        <a:rPr lang="nl-NL" dirty="0" smtClean="0"/>
+                        <a:rPr lang="nl-NL" dirty="0"/>
                         <a:t>Als Speler </a:t>
                       </a:r>
                       <a:endParaRPr lang="nl-BE" dirty="0"/>
@@ -15944,11 +18079,11 @@
                     <a:lstStyle/>
                     <a:p>
                       <a:r>
-                        <a:rPr lang="nl-NL" dirty="0" smtClean="0"/>
+                        <a:rPr lang="nl-NL" dirty="0"/>
                         <a:t>Wil ik</a:t>
                       </a:r>
                       <a:r>
-                        <a:rPr lang="nl-NL" baseline="0" dirty="0" smtClean="0"/>
+                        <a:rPr lang="nl-NL" baseline="0" dirty="0"/>
                         <a:t> een sorteerlijst</a:t>
                       </a:r>
                       <a:endParaRPr lang="nl-BE" dirty="0"/>
@@ -15986,14 +18121,14 @@
                         <a:defRPr/>
                       </a:pPr>
                       <a:r>
-                        <a:rPr lang="nl-NL" dirty="0" smtClean="0"/>
+                        <a:rPr lang="nl-NL" dirty="0"/>
                         <a:t>Zodat</a:t>
                       </a:r>
                       <a:r>
-                        <a:rPr lang="nl-NL" baseline="0" dirty="0" smtClean="0"/>
+                        <a:rPr lang="nl-NL" baseline="0" dirty="0"/>
                         <a:t> ik mijn paarden kan opzoeken via verschillende categorieën</a:t>
                       </a:r>
-                      <a:endParaRPr lang="nl-BE" dirty="0" smtClean="0"/>
+                      <a:endParaRPr lang="nl-BE" dirty="0"/>
                     </a:p>
                   </a:txBody>
                   <a:tcPr/>
@@ -16048,11 +18183,11 @@
                     <a:lstStyle/>
                     <a:p>
                       <a:r>
-                        <a:rPr lang="nl-NL" dirty="0" smtClean="0"/>
+                        <a:rPr lang="nl-NL" dirty="0"/>
                         <a:t>Als</a:t>
                       </a:r>
                       <a:r>
-                        <a:rPr lang="nl-NL" baseline="0" dirty="0" smtClean="0"/>
+                        <a:rPr lang="nl-NL" baseline="0" dirty="0"/>
                         <a:t> Speler </a:t>
                       </a:r>
                       <a:endParaRPr lang="nl-BE" dirty="0"/>
@@ -16073,11 +18208,11 @@
                     <a:lstStyle/>
                     <a:p>
                       <a:r>
-                        <a:rPr lang="nl-NL" dirty="0" smtClean="0"/>
+                        <a:rPr lang="nl-NL" dirty="0"/>
                         <a:t>Wil ik</a:t>
                       </a:r>
                       <a:r>
-                        <a:rPr lang="nl-NL" baseline="0" dirty="0" smtClean="0"/>
+                        <a:rPr lang="nl-NL" baseline="0" dirty="0"/>
                         <a:t> een ingame klok</a:t>
                       </a:r>
                       <a:endParaRPr lang="nl-BE" dirty="0"/>
@@ -16098,11 +18233,11 @@
                     <a:lstStyle/>
                     <a:p>
                       <a:r>
-                        <a:rPr lang="nl-NL" dirty="0" smtClean="0"/>
+                        <a:rPr lang="nl-NL" dirty="0"/>
                         <a:t>Zodat</a:t>
                       </a:r>
                       <a:r>
-                        <a:rPr lang="nl-NL" baseline="0" dirty="0" smtClean="0"/>
+                        <a:rPr lang="nl-NL" baseline="0" dirty="0"/>
                         <a:t> ik een dag/nacht cyclus kan hebben</a:t>
                       </a:r>
                       <a:endParaRPr lang="nl-BE" dirty="0"/>
@@ -16160,7 +18295,7 @@
                     <a:lstStyle/>
                     <a:p>
                       <a:r>
-                        <a:rPr lang="nl-NL" dirty="0" smtClean="0"/>
+                        <a:rPr lang="nl-NL" dirty="0"/>
                         <a:t>Als speler</a:t>
                       </a:r>
                       <a:endParaRPr lang="nl-BE" dirty="0"/>
@@ -16181,11 +18316,11 @@
                     <a:lstStyle/>
                     <a:p>
                       <a:r>
-                        <a:rPr lang="nl-NL" dirty="0" smtClean="0"/>
+                        <a:rPr lang="nl-NL" dirty="0"/>
                         <a:t>Wil ik een moeilijkheidsgraad kunne</a:t>
                       </a:r>
                       <a:r>
-                        <a:rPr lang="nl-NL" baseline="0" dirty="0" smtClean="0"/>
+                        <a:rPr lang="nl-NL" baseline="0" dirty="0"/>
                         <a:t>n kiezen</a:t>
                       </a:r>
                       <a:endParaRPr lang="nl-BE" dirty="0"/>
@@ -16206,11 +18341,11 @@
                     <a:lstStyle/>
                     <a:p>
                       <a:r>
-                        <a:rPr lang="nl-NL" dirty="0" smtClean="0"/>
+                        <a:rPr lang="nl-NL" dirty="0"/>
                         <a:t>Zodat</a:t>
                       </a:r>
                       <a:r>
-                        <a:rPr lang="nl-NL" baseline="0" dirty="0" smtClean="0"/>
+                        <a:rPr lang="nl-NL" baseline="0" dirty="0"/>
                         <a:t> ik het makkelijker of moeilijker kan maken</a:t>
                       </a:r>
                       <a:endParaRPr lang="nl-BE" dirty="0"/>
@@ -16285,14 +18420,14 @@
                         <a:defRPr/>
                       </a:pPr>
                       <a:r>
-                        <a:rPr lang="nl-NL" dirty="0" smtClean="0"/>
+                        <a:rPr lang="nl-NL" dirty="0"/>
                         <a:t>Als</a:t>
                       </a:r>
                       <a:r>
-                        <a:rPr lang="nl-NL" baseline="0" dirty="0" smtClean="0"/>
+                        <a:rPr lang="nl-NL" baseline="0" dirty="0"/>
                         <a:t> Speler</a:t>
                       </a:r>
-                      <a:endParaRPr lang="nl-BE" dirty="0" smtClean="0"/>
+                      <a:endParaRPr lang="nl-BE" dirty="0"/>
                     </a:p>
                   </a:txBody>
                   <a:tcPr/>
@@ -16310,11 +18445,11 @@
                     <a:lstStyle/>
                     <a:p>
                       <a:r>
-                        <a:rPr lang="nl-NL" dirty="0" smtClean="0"/>
+                        <a:rPr lang="nl-NL" dirty="0"/>
                         <a:t>Wil ik aftel</a:t>
                       </a:r>
                       <a:r>
-                        <a:rPr lang="nl-NL" baseline="0" dirty="0" smtClean="0"/>
+                        <a:rPr lang="nl-NL" baseline="0" dirty="0"/>
                         <a:t> timer </a:t>
                       </a:r>
                       <a:endParaRPr lang="nl-BE" dirty="0"/>
@@ -16335,11 +18470,11 @@
                     <a:lstStyle/>
                     <a:p>
                       <a:r>
-                        <a:rPr lang="nl-NL" dirty="0" smtClean="0"/>
+                        <a:rPr lang="nl-NL" dirty="0"/>
                         <a:t>Zodat</a:t>
                       </a:r>
                       <a:r>
-                        <a:rPr lang="nl-NL" baseline="0" dirty="0" smtClean="0"/>
+                        <a:rPr lang="nl-NL" baseline="0" dirty="0"/>
                         <a:t> ik weet wanneer de race begint</a:t>
                       </a:r>
                       <a:endParaRPr lang="nl-BE" dirty="0"/>
@@ -16427,7 +18562,7 @@
                     <a:lstStyle/>
                     <a:p>
                       <a:r>
-                        <a:rPr lang="nl-NL" dirty="0" smtClean="0"/>
+                        <a:rPr lang="nl-NL" dirty="0"/>
                         <a:t>Als Speler </a:t>
                       </a:r>
                       <a:endParaRPr lang="nl-BE" dirty="0"/>
@@ -16448,11 +18583,11 @@
                     <a:lstStyle/>
                     <a:p>
                       <a:r>
-                        <a:rPr lang="nl-NL" dirty="0" smtClean="0"/>
+                        <a:rPr lang="nl-NL" dirty="0"/>
                         <a:t>Wil ik</a:t>
                       </a:r>
                       <a:r>
-                        <a:rPr lang="nl-NL" baseline="0" dirty="0" smtClean="0"/>
+                        <a:rPr lang="nl-NL" baseline="0" dirty="0"/>
                         <a:t> een mooi login scherm </a:t>
                       </a:r>
                       <a:endParaRPr lang="nl-BE" dirty="0"/>
@@ -16490,14 +18625,14 @@
                         <a:defRPr/>
                       </a:pPr>
                       <a:r>
-                        <a:rPr lang="nl-NL" dirty="0" smtClean="0"/>
+                        <a:rPr lang="nl-NL" dirty="0"/>
                         <a:t>Zodat</a:t>
                       </a:r>
                       <a:r>
-                        <a:rPr lang="nl-NL" baseline="0" dirty="0" smtClean="0"/>
+                        <a:rPr lang="nl-NL" baseline="0" dirty="0"/>
                         <a:t> ik een aangename login ervaring krijg</a:t>
                       </a:r>
-                      <a:endParaRPr lang="nl-BE" dirty="0" smtClean="0"/>
+                      <a:endParaRPr lang="nl-BE" dirty="0"/>
                     </a:p>
                   </a:txBody>
                   <a:tcPr/>
@@ -16552,11 +18687,11 @@
                     <a:lstStyle/>
                     <a:p>
                       <a:r>
-                        <a:rPr lang="nl-NL" dirty="0" smtClean="0"/>
+                        <a:rPr lang="nl-NL" dirty="0"/>
                         <a:t>Als</a:t>
                       </a:r>
                       <a:r>
-                        <a:rPr lang="nl-NL" baseline="0" dirty="0" smtClean="0"/>
+                        <a:rPr lang="nl-NL" baseline="0" dirty="0"/>
                         <a:t> Speler </a:t>
                       </a:r>
                       <a:endParaRPr lang="nl-BE" dirty="0"/>
@@ -16577,11 +18712,11 @@
                     <a:lstStyle/>
                     <a:p>
                       <a:r>
-                        <a:rPr lang="nl-NL" dirty="0" smtClean="0"/>
+                        <a:rPr lang="nl-NL" dirty="0"/>
                         <a:t>Wil i</a:t>
                       </a:r>
                       <a:r>
-                        <a:rPr lang="nl-NL" baseline="0" dirty="0" smtClean="0"/>
+                        <a:rPr lang="nl-NL" baseline="0" dirty="0"/>
                         <a:t>k mijn gebruikersnaam kunnen wijzigen</a:t>
                       </a:r>
                       <a:endParaRPr lang="nl-BE" dirty="0"/>
@@ -16602,11 +18737,11 @@
                     <a:lstStyle/>
                     <a:p>
                       <a:r>
-                        <a:rPr lang="nl-NL" dirty="0" smtClean="0"/>
+                        <a:rPr lang="nl-NL" dirty="0"/>
                         <a:t>Zodat</a:t>
                       </a:r>
                       <a:r>
-                        <a:rPr lang="nl-NL" baseline="0" dirty="0" smtClean="0"/>
+                        <a:rPr lang="nl-NL" baseline="0" dirty="0"/>
                         <a:t> ik een andere naam kan kiezen</a:t>
                       </a:r>
                       <a:endParaRPr lang="nl-BE" dirty="0"/>
@@ -16664,11 +18799,11 @@
                     <a:lstStyle/>
                     <a:p>
                       <a:r>
-                        <a:rPr lang="nl-NL" dirty="0" smtClean="0"/>
+                        <a:rPr lang="nl-NL" dirty="0"/>
                         <a:t>Als</a:t>
                       </a:r>
                       <a:r>
-                        <a:rPr lang="nl-NL" baseline="0" dirty="0" smtClean="0"/>
+                        <a:rPr lang="nl-NL" baseline="0" dirty="0"/>
                         <a:t> Speler</a:t>
                       </a:r>
                       <a:endParaRPr lang="nl-BE" dirty="0"/>
@@ -16689,11 +18824,11 @@
                     <a:lstStyle/>
                     <a:p>
                       <a:r>
-                        <a:rPr lang="nl-NL" dirty="0" smtClean="0"/>
+                        <a:rPr lang="nl-NL" dirty="0"/>
                         <a:t>Wil ik</a:t>
                       </a:r>
                       <a:r>
-                        <a:rPr lang="nl-NL" baseline="0" dirty="0" smtClean="0"/>
+                        <a:rPr lang="nl-NL" baseline="0" dirty="0"/>
                         <a:t> mijn paarden kunnen verzorgen </a:t>
                       </a:r>
                       <a:endParaRPr lang="nl-BE" dirty="0"/>
@@ -16714,11 +18849,11 @@
                     <a:lstStyle/>
                     <a:p>
                       <a:r>
-                        <a:rPr lang="nl-NL" dirty="0" smtClean="0"/>
+                        <a:rPr lang="nl-NL" dirty="0"/>
                         <a:t>Zodat</a:t>
                       </a:r>
                       <a:r>
-                        <a:rPr lang="nl-NL" baseline="0" dirty="0" smtClean="0"/>
+                        <a:rPr lang="nl-NL" baseline="0" dirty="0"/>
                         <a:t> ik beter presterende paarden heb</a:t>
                       </a:r>
                       <a:endParaRPr lang="nl-BE" dirty="0"/>
@@ -16793,14 +18928,14 @@
                         <a:defRPr/>
                       </a:pPr>
                       <a:r>
-                        <a:rPr lang="nl-NL" dirty="0" smtClean="0"/>
+                        <a:rPr lang="nl-NL" dirty="0"/>
                         <a:t>Als</a:t>
                       </a:r>
                       <a:r>
-                        <a:rPr lang="nl-NL" baseline="0" dirty="0" smtClean="0"/>
+                        <a:rPr lang="nl-NL" baseline="0" dirty="0"/>
                         <a:t> Speler</a:t>
                       </a:r>
-                      <a:endParaRPr lang="nl-BE" dirty="0" smtClean="0"/>
+                      <a:endParaRPr lang="nl-BE" dirty="0"/>
                     </a:p>
                   </a:txBody>
                   <a:tcPr/>
@@ -16818,11 +18953,11 @@
                     <a:lstStyle/>
                     <a:p>
                       <a:r>
-                        <a:rPr lang="nl-NL" dirty="0" smtClean="0"/>
+                        <a:rPr lang="nl-NL" dirty="0"/>
                         <a:t>Wil ik een</a:t>
                       </a:r>
                       <a:r>
-                        <a:rPr lang="nl-NL" baseline="0" dirty="0" smtClean="0"/>
+                        <a:rPr lang="nl-NL" baseline="0" dirty="0"/>
                         <a:t> start en finish lijn </a:t>
                       </a:r>
                       <a:endParaRPr lang="nl-BE" dirty="0"/>
@@ -16843,11 +18978,11 @@
                     <a:lstStyle/>
                     <a:p>
                       <a:r>
-                        <a:rPr lang="nl-NL" dirty="0" smtClean="0"/>
+                        <a:rPr lang="nl-NL" dirty="0"/>
                         <a:t>Zodat</a:t>
                       </a:r>
                       <a:r>
-                        <a:rPr lang="nl-NL" baseline="0" dirty="0" smtClean="0"/>
+                        <a:rPr lang="nl-NL" baseline="0" dirty="0"/>
                         <a:t> ik weet waar de race start en eindigt</a:t>
                       </a:r>
                       <a:endParaRPr lang="nl-BE" dirty="0"/>
@@ -16935,7 +19070,7 @@
                     <a:lstStyle/>
                     <a:p>
                       <a:r>
-                        <a:rPr lang="nl-NL" dirty="0" smtClean="0"/>
+                        <a:rPr lang="nl-NL" dirty="0"/>
                         <a:t>Als Speler </a:t>
                       </a:r>
                       <a:endParaRPr lang="nl-BE" dirty="0"/>
@@ -16956,11 +19091,11 @@
                     <a:lstStyle/>
                     <a:p>
                       <a:r>
-                        <a:rPr lang="nl-NL" dirty="0" smtClean="0"/>
+                        <a:rPr lang="nl-NL" dirty="0"/>
                         <a:t>Wil ik nieuwe banen ontgrendelen wanneer ik een level</a:t>
                       </a:r>
                       <a:r>
-                        <a:rPr lang="nl-NL" baseline="0" dirty="0" smtClean="0"/>
+                        <a:rPr lang="nl-NL" baseline="0" dirty="0"/>
                         <a:t> omhoog ga</a:t>
                       </a:r>
                       <a:endParaRPr lang="nl-BE" dirty="0"/>
@@ -16998,14 +19133,14 @@
                         <a:defRPr/>
                       </a:pPr>
                       <a:r>
-                        <a:rPr lang="nl-NL" dirty="0" smtClean="0"/>
+                        <a:rPr lang="nl-NL" dirty="0"/>
                         <a:t>Zodat</a:t>
                       </a:r>
                       <a:r>
-                        <a:rPr lang="nl-NL" baseline="0" dirty="0" smtClean="0"/>
+                        <a:rPr lang="nl-NL" baseline="0" dirty="0"/>
                         <a:t> ik meer variatie heb van racebanen</a:t>
                       </a:r>
-                      <a:endParaRPr lang="nl-BE" dirty="0" smtClean="0"/>
+                      <a:endParaRPr lang="nl-BE" dirty="0"/>
                     </a:p>
                   </a:txBody>
                   <a:tcPr/>
@@ -17060,11 +19195,11 @@
                     <a:lstStyle/>
                     <a:p>
                       <a:r>
-                        <a:rPr lang="nl-NL" dirty="0" smtClean="0"/>
+                        <a:rPr lang="nl-NL" dirty="0"/>
                         <a:t>Als</a:t>
                       </a:r>
                       <a:r>
-                        <a:rPr lang="nl-NL" baseline="0" dirty="0" smtClean="0"/>
+                        <a:rPr lang="nl-NL" baseline="0" dirty="0"/>
                         <a:t> Speler </a:t>
                       </a:r>
                       <a:endParaRPr lang="nl-BE" dirty="0"/>
@@ -17085,11 +19220,11 @@
                     <a:lstStyle/>
                     <a:p>
                       <a:r>
-                        <a:rPr lang="nl-NL" dirty="0" smtClean="0"/>
+                        <a:rPr lang="nl-NL" dirty="0"/>
                         <a:t>Wil i</a:t>
                       </a:r>
                       <a:r>
-                        <a:rPr lang="nl-NL" baseline="0" dirty="0" smtClean="0"/>
+                        <a:rPr lang="nl-NL" baseline="0" dirty="0"/>
                         <a:t>k een achtergrondliedje tijdens de race</a:t>
                       </a:r>
                       <a:endParaRPr lang="nl-BE" dirty="0"/>
@@ -17110,11 +19245,11 @@
                     <a:lstStyle/>
                     <a:p>
                       <a:r>
-                        <a:rPr lang="nl-NL" dirty="0" smtClean="0"/>
+                        <a:rPr lang="nl-NL" dirty="0"/>
                         <a:t>Zodat</a:t>
                       </a:r>
                       <a:r>
-                        <a:rPr lang="nl-NL" baseline="0" dirty="0" smtClean="0"/>
+                        <a:rPr lang="nl-NL" baseline="0" dirty="0"/>
                         <a:t> ik iets hoor tijdens het racen</a:t>
                       </a:r>
                       <a:endParaRPr lang="nl-BE" dirty="0"/>
@@ -17172,11 +19307,11 @@
                     <a:lstStyle/>
                     <a:p>
                       <a:r>
-                        <a:rPr lang="nl-NL" dirty="0" smtClean="0"/>
+                        <a:rPr lang="nl-NL" dirty="0"/>
                         <a:t>Als</a:t>
                       </a:r>
                       <a:r>
-                        <a:rPr lang="nl-NL" baseline="0" dirty="0" smtClean="0"/>
+                        <a:rPr lang="nl-NL" baseline="0" dirty="0"/>
                         <a:t> Speler</a:t>
                       </a:r>
                       <a:endParaRPr lang="nl-BE" dirty="0"/>
@@ -17197,7 +19332,7 @@
                     <a:lstStyle/>
                     <a:p>
                       <a:r>
-                        <a:rPr lang="nl-NL" dirty="0" smtClean="0"/>
+                        <a:rPr lang="nl-NL" dirty="0"/>
                         <a:t>Wil ik een sponsor kunnen krijgen</a:t>
                       </a:r>
                       <a:endParaRPr lang="nl-BE" dirty="0"/>
@@ -17218,11 +19353,11 @@
                     <a:lstStyle/>
                     <a:p>
                       <a:r>
-                        <a:rPr lang="nl-NL" dirty="0" smtClean="0"/>
+                        <a:rPr lang="nl-NL" dirty="0"/>
                         <a:t>Zodat</a:t>
                       </a:r>
                       <a:r>
-                        <a:rPr lang="nl-NL" baseline="0" dirty="0" smtClean="0"/>
+                        <a:rPr lang="nl-NL" baseline="0" dirty="0"/>
                         <a:t> ik meer geld kan verdienen</a:t>
                       </a:r>
                       <a:endParaRPr lang="nl-BE" dirty="0"/>
@@ -17297,14 +19432,14 @@
                         <a:defRPr/>
                       </a:pPr>
                       <a:r>
-                        <a:rPr lang="nl-NL" dirty="0" smtClean="0"/>
+                        <a:rPr lang="nl-NL" dirty="0"/>
                         <a:t>Als</a:t>
                       </a:r>
                       <a:r>
-                        <a:rPr lang="nl-NL" baseline="0" dirty="0" smtClean="0"/>
+                        <a:rPr lang="nl-NL" baseline="0" dirty="0"/>
                         <a:t> Speler</a:t>
                       </a:r>
-                      <a:endParaRPr lang="nl-BE" dirty="0" smtClean="0"/>
+                      <a:endParaRPr lang="nl-BE" dirty="0"/>
                     </a:p>
                   </a:txBody>
                   <a:tcPr/>
@@ -17322,11 +19457,11 @@
                     <a:lstStyle/>
                     <a:p>
                       <a:r>
-                        <a:rPr lang="nl-NL" dirty="0" smtClean="0"/>
+                        <a:rPr lang="nl-NL" dirty="0"/>
                         <a:t>Wil ik willekeurige</a:t>
                       </a:r>
                       <a:r>
-                        <a:rPr lang="nl-NL" baseline="0" dirty="0" smtClean="0"/>
+                        <a:rPr lang="nl-NL" baseline="0" dirty="0"/>
                         <a:t> gebeurtenissen</a:t>
                       </a:r>
                       <a:endParaRPr lang="nl-BE" dirty="0"/>
@@ -17347,11 +19482,11 @@
                     <a:lstStyle/>
                     <a:p>
                       <a:r>
-                        <a:rPr lang="nl-NL" dirty="0" smtClean="0"/>
+                        <a:rPr lang="nl-NL" dirty="0"/>
                         <a:t>Zodat</a:t>
                       </a:r>
                       <a:r>
-                        <a:rPr lang="nl-NL" baseline="0" dirty="0" smtClean="0"/>
+                        <a:rPr lang="nl-NL" baseline="0" dirty="0"/>
                         <a:t> ik bonussen krijg</a:t>
                       </a:r>
                       <a:endParaRPr lang="nl-BE" dirty="0"/>
@@ -17439,7 +19574,7 @@
                     <a:lstStyle/>
                     <a:p>
                       <a:r>
-                        <a:rPr lang="nl-NL" dirty="0" smtClean="0"/>
+                        <a:rPr lang="nl-NL" dirty="0"/>
                         <a:t>Als Speler </a:t>
                       </a:r>
                       <a:endParaRPr lang="nl-BE" dirty="0"/>
@@ -17460,11 +19595,11 @@
                     <a:lstStyle/>
                     <a:p>
                       <a:r>
-                        <a:rPr lang="nl-NL" dirty="0" smtClean="0"/>
+                        <a:rPr lang="nl-NL" dirty="0"/>
                         <a:t>Wil ik een felicitatie scherm</a:t>
                       </a:r>
                       <a:r>
-                        <a:rPr lang="nl-NL" baseline="0" dirty="0" smtClean="0"/>
+                        <a:rPr lang="nl-NL" baseline="0" dirty="0"/>
                         <a:t> nadat ik een nieuw level heb behaalt</a:t>
                       </a:r>
                       <a:endParaRPr lang="nl-BE" dirty="0"/>
@@ -17502,14 +19637,14 @@
                         <a:defRPr/>
                       </a:pPr>
                       <a:r>
-                        <a:rPr lang="nl-NL" dirty="0" smtClean="0"/>
+                        <a:rPr lang="nl-NL" dirty="0"/>
                         <a:t>Zodat ik weet dat</a:t>
                       </a:r>
                       <a:r>
-                        <a:rPr lang="nl-NL" baseline="0" dirty="0" smtClean="0"/>
+                        <a:rPr lang="nl-NL" baseline="0" dirty="0"/>
                         <a:t> ik in een nieuw level zit</a:t>
                       </a:r>
-                      <a:endParaRPr lang="nl-BE" dirty="0" smtClean="0"/>
+                      <a:endParaRPr lang="nl-BE" dirty="0"/>
                     </a:p>
                   </a:txBody>
                   <a:tcPr/>
@@ -17564,11 +19699,11 @@
                     <a:lstStyle/>
                     <a:p>
                       <a:r>
-                        <a:rPr lang="nl-NL" dirty="0" smtClean="0"/>
+                        <a:rPr lang="nl-NL" dirty="0"/>
                         <a:t>Als</a:t>
                       </a:r>
                       <a:r>
-                        <a:rPr lang="nl-NL" baseline="0" dirty="0" smtClean="0"/>
+                        <a:rPr lang="nl-NL" baseline="0" dirty="0"/>
                         <a:t> Speler </a:t>
                       </a:r>
                       <a:endParaRPr lang="nl-BE" dirty="0"/>
@@ -17589,15 +19724,15 @@
                     <a:lstStyle/>
                     <a:p>
                       <a:r>
-                        <a:rPr lang="nl-NL" dirty="0" smtClean="0"/>
+                        <a:rPr lang="nl-NL" dirty="0"/>
                         <a:t>Wil i</a:t>
                       </a:r>
                       <a:r>
-                        <a:rPr lang="nl-NL" baseline="0" dirty="0" smtClean="0"/>
+                        <a:rPr lang="nl-NL" baseline="0" dirty="0"/>
                         <a:t>k </a:t>
                       </a:r>
                       <a:r>
-                        <a:rPr lang="nl-NL" baseline="0" smtClean="0"/>
+                        <a:rPr lang="nl-NL" baseline="0"/>
                         <a:t>een handleiding</a:t>
                       </a:r>
                       <a:endParaRPr lang="nl-BE" dirty="0"/>
@@ -17618,11 +19753,11 @@
                     <a:lstStyle/>
                     <a:p>
                       <a:r>
-                        <a:rPr lang="nl-NL" dirty="0" smtClean="0"/>
+                        <a:rPr lang="nl-NL" dirty="0"/>
                         <a:t>Zodat</a:t>
                       </a:r>
                       <a:r>
-                        <a:rPr lang="nl-NL" baseline="0" dirty="0" smtClean="0"/>
+                        <a:rPr lang="nl-NL" baseline="0" dirty="0"/>
                         <a:t> ik weet hoe ik het spel moet spelen</a:t>
                       </a:r>
                       <a:endParaRPr lang="nl-BE" dirty="0"/>
